--- a/RASD.pptx
+++ b/RASD.pptx
@@ -6,7 +6,7 @@
     <p:sldMasterId id="2147483661" r:id="rId2"/>
   </p:sldMasterIdLst>
   <p:notesMasterIdLst>
-    <p:notesMasterId r:id="rId20"/>
+    <p:notesMasterId r:id="rId30"/>
   </p:notesMasterIdLst>
   <p:sldIdLst>
     <p:sldId id="256" r:id="rId3"/>
@@ -15,17 +15,27 @@
     <p:sldId id="260" r:id="rId6"/>
     <p:sldId id="261" r:id="rId7"/>
     <p:sldId id="272" r:id="rId8"/>
-    <p:sldId id="262" r:id="rId9"/>
-    <p:sldId id="263" r:id="rId10"/>
-    <p:sldId id="264" r:id="rId11"/>
-    <p:sldId id="265" r:id="rId12"/>
-    <p:sldId id="266" r:id="rId13"/>
-    <p:sldId id="267" r:id="rId14"/>
-    <p:sldId id="268" r:id="rId15"/>
-    <p:sldId id="269" r:id="rId16"/>
-    <p:sldId id="270" r:id="rId17"/>
-    <p:sldId id="271" r:id="rId18"/>
-    <p:sldId id="258" r:id="rId19"/>
+    <p:sldId id="273" r:id="rId9"/>
+    <p:sldId id="262" r:id="rId10"/>
+    <p:sldId id="263" r:id="rId11"/>
+    <p:sldId id="264" r:id="rId12"/>
+    <p:sldId id="265" r:id="rId13"/>
+    <p:sldId id="266" r:id="rId14"/>
+    <p:sldId id="267" r:id="rId15"/>
+    <p:sldId id="268" r:id="rId16"/>
+    <p:sldId id="269" r:id="rId17"/>
+    <p:sldId id="270" r:id="rId18"/>
+    <p:sldId id="277" r:id="rId19"/>
+    <p:sldId id="276" r:id="rId20"/>
+    <p:sldId id="275" r:id="rId21"/>
+    <p:sldId id="274" r:id="rId22"/>
+    <p:sldId id="271" r:id="rId23"/>
+    <p:sldId id="278" r:id="rId24"/>
+    <p:sldId id="279" r:id="rId25"/>
+    <p:sldId id="280" r:id="rId26"/>
+    <p:sldId id="281" r:id="rId27"/>
+    <p:sldId id="282" r:id="rId28"/>
+    <p:sldId id="283" r:id="rId29"/>
   </p:sldIdLst>
   <p:sldSz cx="9144000" cy="6858000" type="screen4x3"/>
   <p:notesSz cx="6858000" cy="9144000"/>
@@ -1381,6 +1391,339 @@
               </a:spcBef>
               <a:buNone/>
             </a:pPr>
+            <a:endParaRPr dirty="0"/>
+          </a:p>
+        </p:txBody>
+      </p:sp>
+    </p:spTree>
+  </p:cSld>
+  <p:clrMapOvr>
+    <a:masterClrMapping/>
+  </p:clrMapOvr>
+</p:notes>
+</file>
+
+<file path=ppt/notesSlides/notesSlide17.xml><?xml version="1.0" encoding="utf-8"?>
+<p:notes xmlns:a="http://schemas.openxmlformats.org/drawingml/2006/main" xmlns:r="http://schemas.openxmlformats.org/officeDocument/2006/relationships" xmlns:p="http://schemas.openxmlformats.org/presentationml/2006/main" showMasterSp="0" showMasterPhAnim="0">
+  <p:cSld>
+    <p:spTree>
+      <p:nvGrpSpPr>
+        <p:cNvPr id="1" name="Shape 41"/>
+        <p:cNvGrpSpPr/>
+        <p:nvPr/>
+      </p:nvGrpSpPr>
+      <p:grpSpPr>
+        <a:xfrm>
+          <a:off x="0" y="0"/>
+          <a:ext cx="0" cy="0"/>
+          <a:chOff x="0" y="0"/>
+          <a:chExt cx="0" cy="0"/>
+        </a:xfrm>
+      </p:grpSpPr>
+      <p:sp>
+        <p:nvSpPr>
+          <p:cNvPr id="42" name="Shape 42"/>
+          <p:cNvSpPr>
+            <a:spLocks noGrp="1" noRot="1" noChangeAspect="1"/>
+          </p:cNvSpPr>
+          <p:nvPr>
+            <p:ph type="sldImg" idx="2"/>
+          </p:nvPr>
+        </p:nvSpPr>
+        <p:spPr>
+          <a:xfrm>
+            <a:off x="1143000" y="685800"/>
+            <a:ext cx="4572000" cy="3429000"/>
+          </a:xfrm>
+          <a:custGeom>
+            <a:avLst/>
+            <a:gdLst/>
+            <a:ahLst/>
+            <a:cxnLst/>
+            <a:rect l="0" t="0" r="0" b="0"/>
+            <a:pathLst>
+              <a:path w="120000" h="120000" extrusionOk="0">
+                <a:moveTo>
+                  <a:pt x="0" y="0"/>
+                </a:moveTo>
+                <a:lnTo>
+                  <a:pt x="120000" y="0"/>
+                </a:lnTo>
+                <a:lnTo>
+                  <a:pt x="120000" y="120000"/>
+                </a:lnTo>
+                <a:lnTo>
+                  <a:pt x="0" y="120000"/>
+                </a:lnTo>
+                <a:close/>
+              </a:path>
+            </a:pathLst>
+          </a:custGeom>
+          <a:noFill/>
+          <a:ln w="9525" cap="flat" cmpd="sng">
+            <a:solidFill>
+              <a:srgbClr val="000000"/>
+            </a:solidFill>
+            <a:prstDash val="solid"/>
+            <a:round/>
+            <a:headEnd type="none" w="med" len="med"/>
+            <a:tailEnd type="none" w="med" len="med"/>
+          </a:ln>
+        </p:spPr>
+      </p:sp>
+      <p:sp>
+        <p:nvSpPr>
+          <p:cNvPr id="43" name="Shape 43"/>
+          <p:cNvSpPr txBox="1">
+            <a:spLocks noGrp="1"/>
+          </p:cNvSpPr>
+          <p:nvPr>
+            <p:ph type="body" idx="1"/>
+          </p:nvPr>
+        </p:nvSpPr>
+        <p:spPr>
+          <a:xfrm>
+            <a:off x="685800" y="4343400"/>
+            <a:ext cx="5486399" cy="4114800"/>
+          </a:xfrm>
+          <a:prstGeom prst="rect">
+            <a:avLst/>
+          </a:prstGeom>
+        </p:spPr>
+        <p:txBody>
+          <a:bodyPr lIns="91425" tIns="91425" rIns="91425" bIns="91425" anchor="t" anchorCtr="0">
+            <a:noAutofit/>
+          </a:bodyPr>
+          <a:lstStyle/>
+          <a:p>
+            <a:pPr lvl="0" rtl="0">
+              <a:spcBef>
+                <a:spcPts val="0"/>
+              </a:spcBef>
+              <a:buNone/>
+            </a:pPr>
+            <a:endParaRPr/>
+          </a:p>
+        </p:txBody>
+      </p:sp>
+    </p:spTree>
+  </p:cSld>
+  <p:clrMapOvr>
+    <a:masterClrMapping/>
+  </p:clrMapOvr>
+</p:notes>
+</file>
+
+<file path=ppt/notesSlides/notesSlide18.xml><?xml version="1.0" encoding="utf-8"?>
+<p:notes xmlns:a="http://schemas.openxmlformats.org/drawingml/2006/main" xmlns:r="http://schemas.openxmlformats.org/officeDocument/2006/relationships" xmlns:p="http://schemas.openxmlformats.org/presentationml/2006/main" showMasterSp="0" showMasterPhAnim="0">
+  <p:cSld>
+    <p:spTree>
+      <p:nvGrpSpPr>
+        <p:cNvPr id="1" name="Shape 41"/>
+        <p:cNvGrpSpPr/>
+        <p:nvPr/>
+      </p:nvGrpSpPr>
+      <p:grpSpPr>
+        <a:xfrm>
+          <a:off x="0" y="0"/>
+          <a:ext cx="0" cy="0"/>
+          <a:chOff x="0" y="0"/>
+          <a:chExt cx="0" cy="0"/>
+        </a:xfrm>
+      </p:grpSpPr>
+      <p:sp>
+        <p:nvSpPr>
+          <p:cNvPr id="42" name="Shape 42"/>
+          <p:cNvSpPr>
+            <a:spLocks noGrp="1" noRot="1" noChangeAspect="1"/>
+          </p:cNvSpPr>
+          <p:nvPr>
+            <p:ph type="sldImg" idx="2"/>
+          </p:nvPr>
+        </p:nvSpPr>
+        <p:spPr>
+          <a:xfrm>
+            <a:off x="1143000" y="685800"/>
+            <a:ext cx="4572000" cy="3429000"/>
+          </a:xfrm>
+          <a:custGeom>
+            <a:avLst/>
+            <a:gdLst/>
+            <a:ahLst/>
+            <a:cxnLst/>
+            <a:rect l="0" t="0" r="0" b="0"/>
+            <a:pathLst>
+              <a:path w="120000" h="120000" extrusionOk="0">
+                <a:moveTo>
+                  <a:pt x="0" y="0"/>
+                </a:moveTo>
+                <a:lnTo>
+                  <a:pt x="120000" y="0"/>
+                </a:lnTo>
+                <a:lnTo>
+                  <a:pt x="120000" y="120000"/>
+                </a:lnTo>
+                <a:lnTo>
+                  <a:pt x="0" y="120000"/>
+                </a:lnTo>
+                <a:close/>
+              </a:path>
+            </a:pathLst>
+          </a:custGeom>
+          <a:noFill/>
+          <a:ln w="9525" cap="flat" cmpd="sng">
+            <a:solidFill>
+              <a:srgbClr val="000000"/>
+            </a:solidFill>
+            <a:prstDash val="solid"/>
+            <a:round/>
+            <a:headEnd type="none" w="med" len="med"/>
+            <a:tailEnd type="none" w="med" len="med"/>
+          </a:ln>
+        </p:spPr>
+      </p:sp>
+      <p:sp>
+        <p:nvSpPr>
+          <p:cNvPr id="43" name="Shape 43"/>
+          <p:cNvSpPr txBox="1">
+            <a:spLocks noGrp="1"/>
+          </p:cNvSpPr>
+          <p:nvPr>
+            <p:ph type="body" idx="1"/>
+          </p:nvPr>
+        </p:nvSpPr>
+        <p:spPr>
+          <a:xfrm>
+            <a:off x="685800" y="4343400"/>
+            <a:ext cx="5486399" cy="4114800"/>
+          </a:xfrm>
+          <a:prstGeom prst="rect">
+            <a:avLst/>
+          </a:prstGeom>
+        </p:spPr>
+        <p:txBody>
+          <a:bodyPr lIns="91425" tIns="91425" rIns="91425" bIns="91425" anchor="t" anchorCtr="0">
+            <a:noAutofit/>
+          </a:bodyPr>
+          <a:lstStyle/>
+          <a:p>
+            <a:pPr lvl="0" rtl="0">
+              <a:spcBef>
+                <a:spcPts val="0"/>
+              </a:spcBef>
+              <a:buNone/>
+            </a:pPr>
+            <a:endParaRPr/>
+          </a:p>
+        </p:txBody>
+      </p:sp>
+    </p:spTree>
+  </p:cSld>
+  <p:clrMapOvr>
+    <a:masterClrMapping/>
+  </p:clrMapOvr>
+</p:notes>
+</file>
+
+<file path=ppt/notesSlides/notesSlide19.xml><?xml version="1.0" encoding="utf-8"?>
+<p:notes xmlns:a="http://schemas.openxmlformats.org/drawingml/2006/main" xmlns:r="http://schemas.openxmlformats.org/officeDocument/2006/relationships" xmlns:p="http://schemas.openxmlformats.org/presentationml/2006/main" showMasterSp="0" showMasterPhAnim="0">
+  <p:cSld>
+    <p:spTree>
+      <p:nvGrpSpPr>
+        <p:cNvPr id="1" name="Shape 41"/>
+        <p:cNvGrpSpPr/>
+        <p:nvPr/>
+      </p:nvGrpSpPr>
+      <p:grpSpPr>
+        <a:xfrm>
+          <a:off x="0" y="0"/>
+          <a:ext cx="0" cy="0"/>
+          <a:chOff x="0" y="0"/>
+          <a:chExt cx="0" cy="0"/>
+        </a:xfrm>
+      </p:grpSpPr>
+      <p:sp>
+        <p:nvSpPr>
+          <p:cNvPr id="42" name="Shape 42"/>
+          <p:cNvSpPr>
+            <a:spLocks noGrp="1" noRot="1" noChangeAspect="1"/>
+          </p:cNvSpPr>
+          <p:nvPr>
+            <p:ph type="sldImg" idx="2"/>
+          </p:nvPr>
+        </p:nvSpPr>
+        <p:spPr>
+          <a:xfrm>
+            <a:off x="1143000" y="685800"/>
+            <a:ext cx="4572000" cy="3429000"/>
+          </a:xfrm>
+          <a:custGeom>
+            <a:avLst/>
+            <a:gdLst/>
+            <a:ahLst/>
+            <a:cxnLst/>
+            <a:rect l="0" t="0" r="0" b="0"/>
+            <a:pathLst>
+              <a:path w="120000" h="120000" extrusionOk="0">
+                <a:moveTo>
+                  <a:pt x="0" y="0"/>
+                </a:moveTo>
+                <a:lnTo>
+                  <a:pt x="120000" y="0"/>
+                </a:lnTo>
+                <a:lnTo>
+                  <a:pt x="120000" y="120000"/>
+                </a:lnTo>
+                <a:lnTo>
+                  <a:pt x="0" y="120000"/>
+                </a:lnTo>
+                <a:close/>
+              </a:path>
+            </a:pathLst>
+          </a:custGeom>
+          <a:noFill/>
+          <a:ln w="9525" cap="flat" cmpd="sng">
+            <a:solidFill>
+              <a:srgbClr val="000000"/>
+            </a:solidFill>
+            <a:prstDash val="solid"/>
+            <a:round/>
+            <a:headEnd type="none" w="med" len="med"/>
+            <a:tailEnd type="none" w="med" len="med"/>
+          </a:ln>
+        </p:spPr>
+      </p:sp>
+      <p:sp>
+        <p:nvSpPr>
+          <p:cNvPr id="43" name="Shape 43"/>
+          <p:cNvSpPr txBox="1">
+            <a:spLocks noGrp="1"/>
+          </p:cNvSpPr>
+          <p:nvPr>
+            <p:ph type="body" idx="1"/>
+          </p:nvPr>
+        </p:nvSpPr>
+        <p:spPr>
+          <a:xfrm>
+            <a:off x="685800" y="4343400"/>
+            <a:ext cx="5486399" cy="4114800"/>
+          </a:xfrm>
+          <a:prstGeom prst="rect">
+            <a:avLst/>
+          </a:prstGeom>
+        </p:spPr>
+        <p:txBody>
+          <a:bodyPr lIns="91425" tIns="91425" rIns="91425" bIns="91425" anchor="t" anchorCtr="0">
+            <a:noAutofit/>
+          </a:bodyPr>
+          <a:lstStyle/>
+          <a:p>
+            <a:pPr lvl="0" rtl="0">
+              <a:spcBef>
+                <a:spcPts val="0"/>
+              </a:spcBef>
+              <a:buNone/>
+            </a:pPr>
             <a:endParaRPr/>
           </a:p>
         </p:txBody>
@@ -1394,6 +1737,894 @@
 </file>
 
 <file path=ppt/notesSlides/notesSlide2.xml><?xml version="1.0" encoding="utf-8"?>
+<p:notes xmlns:a="http://schemas.openxmlformats.org/drawingml/2006/main" xmlns:r="http://schemas.openxmlformats.org/officeDocument/2006/relationships" xmlns:p="http://schemas.openxmlformats.org/presentationml/2006/main" showMasterSp="0" showMasterPhAnim="0">
+  <p:cSld>
+    <p:spTree>
+      <p:nvGrpSpPr>
+        <p:cNvPr id="1" name="Shape 41"/>
+        <p:cNvGrpSpPr/>
+        <p:nvPr/>
+      </p:nvGrpSpPr>
+      <p:grpSpPr>
+        <a:xfrm>
+          <a:off x="0" y="0"/>
+          <a:ext cx="0" cy="0"/>
+          <a:chOff x="0" y="0"/>
+          <a:chExt cx="0" cy="0"/>
+        </a:xfrm>
+      </p:grpSpPr>
+      <p:sp>
+        <p:nvSpPr>
+          <p:cNvPr id="42" name="Shape 42"/>
+          <p:cNvSpPr>
+            <a:spLocks noGrp="1" noRot="1" noChangeAspect="1"/>
+          </p:cNvSpPr>
+          <p:nvPr>
+            <p:ph type="sldImg" idx="2"/>
+          </p:nvPr>
+        </p:nvSpPr>
+        <p:spPr>
+          <a:xfrm>
+            <a:off x="1143000" y="685800"/>
+            <a:ext cx="4572000" cy="3429000"/>
+          </a:xfrm>
+          <a:custGeom>
+            <a:avLst/>
+            <a:gdLst/>
+            <a:ahLst/>
+            <a:cxnLst/>
+            <a:rect l="0" t="0" r="0" b="0"/>
+            <a:pathLst>
+              <a:path w="120000" h="120000" extrusionOk="0">
+                <a:moveTo>
+                  <a:pt x="0" y="0"/>
+                </a:moveTo>
+                <a:lnTo>
+                  <a:pt x="120000" y="0"/>
+                </a:lnTo>
+                <a:lnTo>
+                  <a:pt x="120000" y="120000"/>
+                </a:lnTo>
+                <a:lnTo>
+                  <a:pt x="0" y="120000"/>
+                </a:lnTo>
+                <a:close/>
+              </a:path>
+            </a:pathLst>
+          </a:custGeom>
+          <a:noFill/>
+          <a:ln w="9525" cap="flat" cmpd="sng">
+            <a:solidFill>
+              <a:srgbClr val="000000"/>
+            </a:solidFill>
+            <a:prstDash val="solid"/>
+            <a:round/>
+            <a:headEnd type="none" w="med" len="med"/>
+            <a:tailEnd type="none" w="med" len="med"/>
+          </a:ln>
+        </p:spPr>
+      </p:sp>
+      <p:sp>
+        <p:nvSpPr>
+          <p:cNvPr id="43" name="Shape 43"/>
+          <p:cNvSpPr txBox="1">
+            <a:spLocks noGrp="1"/>
+          </p:cNvSpPr>
+          <p:nvPr>
+            <p:ph type="body" idx="1"/>
+          </p:nvPr>
+        </p:nvSpPr>
+        <p:spPr>
+          <a:xfrm>
+            <a:off x="685800" y="4343400"/>
+            <a:ext cx="5486399" cy="4114800"/>
+          </a:xfrm>
+          <a:prstGeom prst="rect">
+            <a:avLst/>
+          </a:prstGeom>
+        </p:spPr>
+        <p:txBody>
+          <a:bodyPr lIns="91425" tIns="91425" rIns="91425" bIns="91425" anchor="t" anchorCtr="0">
+            <a:noAutofit/>
+          </a:bodyPr>
+          <a:lstStyle/>
+          <a:p>
+            <a:pPr lvl="0" rtl="0">
+              <a:spcBef>
+                <a:spcPts val="0"/>
+              </a:spcBef>
+              <a:buNone/>
+            </a:pPr>
+            <a:endParaRPr/>
+          </a:p>
+        </p:txBody>
+      </p:sp>
+    </p:spTree>
+  </p:cSld>
+  <p:clrMapOvr>
+    <a:masterClrMapping/>
+  </p:clrMapOvr>
+</p:notes>
+</file>
+
+<file path=ppt/notesSlides/notesSlide20.xml><?xml version="1.0" encoding="utf-8"?>
+<p:notes xmlns:a="http://schemas.openxmlformats.org/drawingml/2006/main" xmlns:r="http://schemas.openxmlformats.org/officeDocument/2006/relationships" xmlns:p="http://schemas.openxmlformats.org/presentationml/2006/main" showMasterSp="0" showMasterPhAnim="0">
+  <p:cSld>
+    <p:spTree>
+      <p:nvGrpSpPr>
+        <p:cNvPr id="1" name="Shape 41"/>
+        <p:cNvGrpSpPr/>
+        <p:nvPr/>
+      </p:nvGrpSpPr>
+      <p:grpSpPr>
+        <a:xfrm>
+          <a:off x="0" y="0"/>
+          <a:ext cx="0" cy="0"/>
+          <a:chOff x="0" y="0"/>
+          <a:chExt cx="0" cy="0"/>
+        </a:xfrm>
+      </p:grpSpPr>
+      <p:sp>
+        <p:nvSpPr>
+          <p:cNvPr id="42" name="Shape 42"/>
+          <p:cNvSpPr>
+            <a:spLocks noGrp="1" noRot="1" noChangeAspect="1"/>
+          </p:cNvSpPr>
+          <p:nvPr>
+            <p:ph type="sldImg" idx="2"/>
+          </p:nvPr>
+        </p:nvSpPr>
+        <p:spPr>
+          <a:xfrm>
+            <a:off x="1143000" y="685800"/>
+            <a:ext cx="4572000" cy="3429000"/>
+          </a:xfrm>
+          <a:custGeom>
+            <a:avLst/>
+            <a:gdLst/>
+            <a:ahLst/>
+            <a:cxnLst/>
+            <a:rect l="0" t="0" r="0" b="0"/>
+            <a:pathLst>
+              <a:path w="120000" h="120000" extrusionOk="0">
+                <a:moveTo>
+                  <a:pt x="0" y="0"/>
+                </a:moveTo>
+                <a:lnTo>
+                  <a:pt x="120000" y="0"/>
+                </a:lnTo>
+                <a:lnTo>
+                  <a:pt x="120000" y="120000"/>
+                </a:lnTo>
+                <a:lnTo>
+                  <a:pt x="0" y="120000"/>
+                </a:lnTo>
+                <a:close/>
+              </a:path>
+            </a:pathLst>
+          </a:custGeom>
+          <a:noFill/>
+          <a:ln w="9525" cap="flat" cmpd="sng">
+            <a:solidFill>
+              <a:srgbClr val="000000"/>
+            </a:solidFill>
+            <a:prstDash val="solid"/>
+            <a:round/>
+            <a:headEnd type="none" w="med" len="med"/>
+            <a:tailEnd type="none" w="med" len="med"/>
+          </a:ln>
+        </p:spPr>
+      </p:sp>
+      <p:sp>
+        <p:nvSpPr>
+          <p:cNvPr id="43" name="Shape 43"/>
+          <p:cNvSpPr txBox="1">
+            <a:spLocks noGrp="1"/>
+          </p:cNvSpPr>
+          <p:nvPr>
+            <p:ph type="body" idx="1"/>
+          </p:nvPr>
+        </p:nvSpPr>
+        <p:spPr>
+          <a:xfrm>
+            <a:off x="685800" y="4343400"/>
+            <a:ext cx="5486399" cy="4114800"/>
+          </a:xfrm>
+          <a:prstGeom prst="rect">
+            <a:avLst/>
+          </a:prstGeom>
+        </p:spPr>
+        <p:txBody>
+          <a:bodyPr lIns="91425" tIns="91425" rIns="91425" bIns="91425" anchor="t" anchorCtr="0">
+            <a:noAutofit/>
+          </a:bodyPr>
+          <a:lstStyle/>
+          <a:p>
+            <a:pPr lvl="0" rtl="0">
+              <a:spcBef>
+                <a:spcPts val="0"/>
+              </a:spcBef>
+              <a:buNone/>
+            </a:pPr>
+            <a:endParaRPr/>
+          </a:p>
+        </p:txBody>
+      </p:sp>
+    </p:spTree>
+  </p:cSld>
+  <p:clrMapOvr>
+    <a:masterClrMapping/>
+  </p:clrMapOvr>
+</p:notes>
+</file>
+
+<file path=ppt/notesSlides/notesSlide21.xml><?xml version="1.0" encoding="utf-8"?>
+<p:notes xmlns:a="http://schemas.openxmlformats.org/drawingml/2006/main" xmlns:r="http://schemas.openxmlformats.org/officeDocument/2006/relationships" xmlns:p="http://schemas.openxmlformats.org/presentationml/2006/main" showMasterSp="0" showMasterPhAnim="0">
+  <p:cSld>
+    <p:spTree>
+      <p:nvGrpSpPr>
+        <p:cNvPr id="1" name="Shape 41"/>
+        <p:cNvGrpSpPr/>
+        <p:nvPr/>
+      </p:nvGrpSpPr>
+      <p:grpSpPr>
+        <a:xfrm>
+          <a:off x="0" y="0"/>
+          <a:ext cx="0" cy="0"/>
+          <a:chOff x="0" y="0"/>
+          <a:chExt cx="0" cy="0"/>
+        </a:xfrm>
+      </p:grpSpPr>
+      <p:sp>
+        <p:nvSpPr>
+          <p:cNvPr id="42" name="Shape 42"/>
+          <p:cNvSpPr>
+            <a:spLocks noGrp="1" noRot="1" noChangeAspect="1"/>
+          </p:cNvSpPr>
+          <p:nvPr>
+            <p:ph type="sldImg" idx="2"/>
+          </p:nvPr>
+        </p:nvSpPr>
+        <p:spPr>
+          <a:xfrm>
+            <a:off x="1143000" y="685800"/>
+            <a:ext cx="4572000" cy="3429000"/>
+          </a:xfrm>
+          <a:custGeom>
+            <a:avLst/>
+            <a:gdLst/>
+            <a:ahLst/>
+            <a:cxnLst/>
+            <a:rect l="0" t="0" r="0" b="0"/>
+            <a:pathLst>
+              <a:path w="120000" h="120000" extrusionOk="0">
+                <a:moveTo>
+                  <a:pt x="0" y="0"/>
+                </a:moveTo>
+                <a:lnTo>
+                  <a:pt x="120000" y="0"/>
+                </a:lnTo>
+                <a:lnTo>
+                  <a:pt x="120000" y="120000"/>
+                </a:lnTo>
+                <a:lnTo>
+                  <a:pt x="0" y="120000"/>
+                </a:lnTo>
+                <a:close/>
+              </a:path>
+            </a:pathLst>
+          </a:custGeom>
+          <a:noFill/>
+          <a:ln w="9525" cap="flat" cmpd="sng">
+            <a:solidFill>
+              <a:srgbClr val="000000"/>
+            </a:solidFill>
+            <a:prstDash val="solid"/>
+            <a:round/>
+            <a:headEnd type="none" w="med" len="med"/>
+            <a:tailEnd type="none" w="med" len="med"/>
+          </a:ln>
+        </p:spPr>
+      </p:sp>
+      <p:sp>
+        <p:nvSpPr>
+          <p:cNvPr id="43" name="Shape 43"/>
+          <p:cNvSpPr txBox="1">
+            <a:spLocks noGrp="1"/>
+          </p:cNvSpPr>
+          <p:nvPr>
+            <p:ph type="body" idx="1"/>
+          </p:nvPr>
+        </p:nvSpPr>
+        <p:spPr>
+          <a:xfrm>
+            <a:off x="685800" y="4343400"/>
+            <a:ext cx="5486399" cy="4114800"/>
+          </a:xfrm>
+          <a:prstGeom prst="rect">
+            <a:avLst/>
+          </a:prstGeom>
+        </p:spPr>
+        <p:txBody>
+          <a:bodyPr lIns="91425" tIns="91425" rIns="91425" bIns="91425" anchor="t" anchorCtr="0">
+            <a:noAutofit/>
+          </a:bodyPr>
+          <a:lstStyle/>
+          <a:p>
+            <a:pPr lvl="0" rtl="0">
+              <a:spcBef>
+                <a:spcPts val="0"/>
+              </a:spcBef>
+              <a:buNone/>
+            </a:pPr>
+            <a:endParaRPr/>
+          </a:p>
+        </p:txBody>
+      </p:sp>
+    </p:spTree>
+  </p:cSld>
+  <p:clrMapOvr>
+    <a:masterClrMapping/>
+  </p:clrMapOvr>
+</p:notes>
+</file>
+
+<file path=ppt/notesSlides/notesSlide22.xml><?xml version="1.0" encoding="utf-8"?>
+<p:notes xmlns:a="http://schemas.openxmlformats.org/drawingml/2006/main" xmlns:r="http://schemas.openxmlformats.org/officeDocument/2006/relationships" xmlns:p="http://schemas.openxmlformats.org/presentationml/2006/main" showMasterSp="0" showMasterPhAnim="0">
+  <p:cSld>
+    <p:spTree>
+      <p:nvGrpSpPr>
+        <p:cNvPr id="1" name="Shape 41"/>
+        <p:cNvGrpSpPr/>
+        <p:nvPr/>
+      </p:nvGrpSpPr>
+      <p:grpSpPr>
+        <a:xfrm>
+          <a:off x="0" y="0"/>
+          <a:ext cx="0" cy="0"/>
+          <a:chOff x="0" y="0"/>
+          <a:chExt cx="0" cy="0"/>
+        </a:xfrm>
+      </p:grpSpPr>
+      <p:sp>
+        <p:nvSpPr>
+          <p:cNvPr id="42" name="Shape 42"/>
+          <p:cNvSpPr>
+            <a:spLocks noGrp="1" noRot="1" noChangeAspect="1"/>
+          </p:cNvSpPr>
+          <p:nvPr>
+            <p:ph type="sldImg" idx="2"/>
+          </p:nvPr>
+        </p:nvSpPr>
+        <p:spPr>
+          <a:xfrm>
+            <a:off x="1143000" y="685800"/>
+            <a:ext cx="4572000" cy="3429000"/>
+          </a:xfrm>
+          <a:custGeom>
+            <a:avLst/>
+            <a:gdLst/>
+            <a:ahLst/>
+            <a:cxnLst/>
+            <a:rect l="0" t="0" r="0" b="0"/>
+            <a:pathLst>
+              <a:path w="120000" h="120000" extrusionOk="0">
+                <a:moveTo>
+                  <a:pt x="0" y="0"/>
+                </a:moveTo>
+                <a:lnTo>
+                  <a:pt x="120000" y="0"/>
+                </a:lnTo>
+                <a:lnTo>
+                  <a:pt x="120000" y="120000"/>
+                </a:lnTo>
+                <a:lnTo>
+                  <a:pt x="0" y="120000"/>
+                </a:lnTo>
+                <a:close/>
+              </a:path>
+            </a:pathLst>
+          </a:custGeom>
+          <a:noFill/>
+          <a:ln w="9525" cap="flat" cmpd="sng">
+            <a:solidFill>
+              <a:srgbClr val="000000"/>
+            </a:solidFill>
+            <a:prstDash val="solid"/>
+            <a:round/>
+            <a:headEnd type="none" w="med" len="med"/>
+            <a:tailEnd type="none" w="med" len="med"/>
+          </a:ln>
+        </p:spPr>
+      </p:sp>
+      <p:sp>
+        <p:nvSpPr>
+          <p:cNvPr id="43" name="Shape 43"/>
+          <p:cNvSpPr txBox="1">
+            <a:spLocks noGrp="1"/>
+          </p:cNvSpPr>
+          <p:nvPr>
+            <p:ph type="body" idx="1"/>
+          </p:nvPr>
+        </p:nvSpPr>
+        <p:spPr>
+          <a:xfrm>
+            <a:off x="685800" y="4343400"/>
+            <a:ext cx="5486399" cy="4114800"/>
+          </a:xfrm>
+          <a:prstGeom prst="rect">
+            <a:avLst/>
+          </a:prstGeom>
+        </p:spPr>
+        <p:txBody>
+          <a:bodyPr lIns="91425" tIns="91425" rIns="91425" bIns="91425" anchor="t" anchorCtr="0">
+            <a:noAutofit/>
+          </a:bodyPr>
+          <a:lstStyle/>
+          <a:p>
+            <a:pPr lvl="0" rtl="0">
+              <a:spcBef>
+                <a:spcPts val="0"/>
+              </a:spcBef>
+              <a:buNone/>
+            </a:pPr>
+            <a:endParaRPr/>
+          </a:p>
+        </p:txBody>
+      </p:sp>
+    </p:spTree>
+  </p:cSld>
+  <p:clrMapOvr>
+    <a:masterClrMapping/>
+  </p:clrMapOvr>
+</p:notes>
+</file>
+
+<file path=ppt/notesSlides/notesSlide23.xml><?xml version="1.0" encoding="utf-8"?>
+<p:notes xmlns:a="http://schemas.openxmlformats.org/drawingml/2006/main" xmlns:r="http://schemas.openxmlformats.org/officeDocument/2006/relationships" xmlns:p="http://schemas.openxmlformats.org/presentationml/2006/main" showMasterSp="0" showMasterPhAnim="0">
+  <p:cSld>
+    <p:spTree>
+      <p:nvGrpSpPr>
+        <p:cNvPr id="1" name="Shape 41"/>
+        <p:cNvGrpSpPr/>
+        <p:nvPr/>
+      </p:nvGrpSpPr>
+      <p:grpSpPr>
+        <a:xfrm>
+          <a:off x="0" y="0"/>
+          <a:ext cx="0" cy="0"/>
+          <a:chOff x="0" y="0"/>
+          <a:chExt cx="0" cy="0"/>
+        </a:xfrm>
+      </p:grpSpPr>
+      <p:sp>
+        <p:nvSpPr>
+          <p:cNvPr id="42" name="Shape 42"/>
+          <p:cNvSpPr>
+            <a:spLocks noGrp="1" noRot="1" noChangeAspect="1"/>
+          </p:cNvSpPr>
+          <p:nvPr>
+            <p:ph type="sldImg" idx="2"/>
+          </p:nvPr>
+        </p:nvSpPr>
+        <p:spPr>
+          <a:xfrm>
+            <a:off x="1143000" y="685800"/>
+            <a:ext cx="4572000" cy="3429000"/>
+          </a:xfrm>
+          <a:custGeom>
+            <a:avLst/>
+            <a:gdLst/>
+            <a:ahLst/>
+            <a:cxnLst/>
+            <a:rect l="0" t="0" r="0" b="0"/>
+            <a:pathLst>
+              <a:path w="120000" h="120000" extrusionOk="0">
+                <a:moveTo>
+                  <a:pt x="0" y="0"/>
+                </a:moveTo>
+                <a:lnTo>
+                  <a:pt x="120000" y="0"/>
+                </a:lnTo>
+                <a:lnTo>
+                  <a:pt x="120000" y="120000"/>
+                </a:lnTo>
+                <a:lnTo>
+                  <a:pt x="0" y="120000"/>
+                </a:lnTo>
+                <a:close/>
+              </a:path>
+            </a:pathLst>
+          </a:custGeom>
+          <a:noFill/>
+          <a:ln w="9525" cap="flat" cmpd="sng">
+            <a:solidFill>
+              <a:srgbClr val="000000"/>
+            </a:solidFill>
+            <a:prstDash val="solid"/>
+            <a:round/>
+            <a:headEnd type="none" w="med" len="med"/>
+            <a:tailEnd type="none" w="med" len="med"/>
+          </a:ln>
+        </p:spPr>
+      </p:sp>
+      <p:sp>
+        <p:nvSpPr>
+          <p:cNvPr id="43" name="Shape 43"/>
+          <p:cNvSpPr txBox="1">
+            <a:spLocks noGrp="1"/>
+          </p:cNvSpPr>
+          <p:nvPr>
+            <p:ph type="body" idx="1"/>
+          </p:nvPr>
+        </p:nvSpPr>
+        <p:spPr>
+          <a:xfrm>
+            <a:off x="685800" y="4343400"/>
+            <a:ext cx="5486399" cy="4114800"/>
+          </a:xfrm>
+          <a:prstGeom prst="rect">
+            <a:avLst/>
+          </a:prstGeom>
+        </p:spPr>
+        <p:txBody>
+          <a:bodyPr lIns="91425" tIns="91425" rIns="91425" bIns="91425" anchor="t" anchorCtr="0">
+            <a:noAutofit/>
+          </a:bodyPr>
+          <a:lstStyle/>
+          <a:p>
+            <a:pPr lvl="0" rtl="0">
+              <a:spcBef>
+                <a:spcPts val="0"/>
+              </a:spcBef>
+              <a:buNone/>
+            </a:pPr>
+            <a:endParaRPr/>
+          </a:p>
+        </p:txBody>
+      </p:sp>
+    </p:spTree>
+  </p:cSld>
+  <p:clrMapOvr>
+    <a:masterClrMapping/>
+  </p:clrMapOvr>
+</p:notes>
+</file>
+
+<file path=ppt/notesSlides/notesSlide24.xml><?xml version="1.0" encoding="utf-8"?>
+<p:notes xmlns:a="http://schemas.openxmlformats.org/drawingml/2006/main" xmlns:r="http://schemas.openxmlformats.org/officeDocument/2006/relationships" xmlns:p="http://schemas.openxmlformats.org/presentationml/2006/main" showMasterSp="0" showMasterPhAnim="0">
+  <p:cSld>
+    <p:spTree>
+      <p:nvGrpSpPr>
+        <p:cNvPr id="1" name="Shape 41"/>
+        <p:cNvGrpSpPr/>
+        <p:nvPr/>
+      </p:nvGrpSpPr>
+      <p:grpSpPr>
+        <a:xfrm>
+          <a:off x="0" y="0"/>
+          <a:ext cx="0" cy="0"/>
+          <a:chOff x="0" y="0"/>
+          <a:chExt cx="0" cy="0"/>
+        </a:xfrm>
+      </p:grpSpPr>
+      <p:sp>
+        <p:nvSpPr>
+          <p:cNvPr id="42" name="Shape 42"/>
+          <p:cNvSpPr>
+            <a:spLocks noGrp="1" noRot="1" noChangeAspect="1"/>
+          </p:cNvSpPr>
+          <p:nvPr>
+            <p:ph type="sldImg" idx="2"/>
+          </p:nvPr>
+        </p:nvSpPr>
+        <p:spPr>
+          <a:xfrm>
+            <a:off x="1143000" y="685800"/>
+            <a:ext cx="4572000" cy="3429000"/>
+          </a:xfrm>
+          <a:custGeom>
+            <a:avLst/>
+            <a:gdLst/>
+            <a:ahLst/>
+            <a:cxnLst/>
+            <a:rect l="0" t="0" r="0" b="0"/>
+            <a:pathLst>
+              <a:path w="120000" h="120000" extrusionOk="0">
+                <a:moveTo>
+                  <a:pt x="0" y="0"/>
+                </a:moveTo>
+                <a:lnTo>
+                  <a:pt x="120000" y="0"/>
+                </a:lnTo>
+                <a:lnTo>
+                  <a:pt x="120000" y="120000"/>
+                </a:lnTo>
+                <a:lnTo>
+                  <a:pt x="0" y="120000"/>
+                </a:lnTo>
+                <a:close/>
+              </a:path>
+            </a:pathLst>
+          </a:custGeom>
+          <a:noFill/>
+          <a:ln w="9525" cap="flat" cmpd="sng">
+            <a:solidFill>
+              <a:srgbClr val="000000"/>
+            </a:solidFill>
+            <a:prstDash val="solid"/>
+            <a:round/>
+            <a:headEnd type="none" w="med" len="med"/>
+            <a:tailEnd type="none" w="med" len="med"/>
+          </a:ln>
+        </p:spPr>
+      </p:sp>
+      <p:sp>
+        <p:nvSpPr>
+          <p:cNvPr id="43" name="Shape 43"/>
+          <p:cNvSpPr txBox="1">
+            <a:spLocks noGrp="1"/>
+          </p:cNvSpPr>
+          <p:nvPr>
+            <p:ph type="body" idx="1"/>
+          </p:nvPr>
+        </p:nvSpPr>
+        <p:spPr>
+          <a:xfrm>
+            <a:off x="685800" y="4343400"/>
+            <a:ext cx="5486399" cy="4114800"/>
+          </a:xfrm>
+          <a:prstGeom prst="rect">
+            <a:avLst/>
+          </a:prstGeom>
+        </p:spPr>
+        <p:txBody>
+          <a:bodyPr lIns="91425" tIns="91425" rIns="91425" bIns="91425" anchor="t" anchorCtr="0">
+            <a:noAutofit/>
+          </a:bodyPr>
+          <a:lstStyle/>
+          <a:p>
+            <a:pPr lvl="0" rtl="0">
+              <a:spcBef>
+                <a:spcPts val="0"/>
+              </a:spcBef>
+              <a:buNone/>
+            </a:pPr>
+            <a:endParaRPr/>
+          </a:p>
+        </p:txBody>
+      </p:sp>
+    </p:spTree>
+  </p:cSld>
+  <p:clrMapOvr>
+    <a:masterClrMapping/>
+  </p:clrMapOvr>
+</p:notes>
+</file>
+
+<file path=ppt/notesSlides/notesSlide25.xml><?xml version="1.0" encoding="utf-8"?>
+<p:notes xmlns:a="http://schemas.openxmlformats.org/drawingml/2006/main" xmlns:r="http://schemas.openxmlformats.org/officeDocument/2006/relationships" xmlns:p="http://schemas.openxmlformats.org/presentationml/2006/main" showMasterSp="0" showMasterPhAnim="0">
+  <p:cSld>
+    <p:spTree>
+      <p:nvGrpSpPr>
+        <p:cNvPr id="1" name="Shape 41"/>
+        <p:cNvGrpSpPr/>
+        <p:nvPr/>
+      </p:nvGrpSpPr>
+      <p:grpSpPr>
+        <a:xfrm>
+          <a:off x="0" y="0"/>
+          <a:ext cx="0" cy="0"/>
+          <a:chOff x="0" y="0"/>
+          <a:chExt cx="0" cy="0"/>
+        </a:xfrm>
+      </p:grpSpPr>
+      <p:sp>
+        <p:nvSpPr>
+          <p:cNvPr id="42" name="Shape 42"/>
+          <p:cNvSpPr>
+            <a:spLocks noGrp="1" noRot="1" noChangeAspect="1"/>
+          </p:cNvSpPr>
+          <p:nvPr>
+            <p:ph type="sldImg" idx="2"/>
+          </p:nvPr>
+        </p:nvSpPr>
+        <p:spPr>
+          <a:xfrm>
+            <a:off x="1143000" y="685800"/>
+            <a:ext cx="4572000" cy="3429000"/>
+          </a:xfrm>
+          <a:custGeom>
+            <a:avLst/>
+            <a:gdLst/>
+            <a:ahLst/>
+            <a:cxnLst/>
+            <a:rect l="0" t="0" r="0" b="0"/>
+            <a:pathLst>
+              <a:path w="120000" h="120000" extrusionOk="0">
+                <a:moveTo>
+                  <a:pt x="0" y="0"/>
+                </a:moveTo>
+                <a:lnTo>
+                  <a:pt x="120000" y="0"/>
+                </a:lnTo>
+                <a:lnTo>
+                  <a:pt x="120000" y="120000"/>
+                </a:lnTo>
+                <a:lnTo>
+                  <a:pt x="0" y="120000"/>
+                </a:lnTo>
+                <a:close/>
+              </a:path>
+            </a:pathLst>
+          </a:custGeom>
+          <a:noFill/>
+          <a:ln w="9525" cap="flat" cmpd="sng">
+            <a:solidFill>
+              <a:srgbClr val="000000"/>
+            </a:solidFill>
+            <a:prstDash val="solid"/>
+            <a:round/>
+            <a:headEnd type="none" w="med" len="med"/>
+            <a:tailEnd type="none" w="med" len="med"/>
+          </a:ln>
+        </p:spPr>
+      </p:sp>
+      <p:sp>
+        <p:nvSpPr>
+          <p:cNvPr id="43" name="Shape 43"/>
+          <p:cNvSpPr txBox="1">
+            <a:spLocks noGrp="1"/>
+          </p:cNvSpPr>
+          <p:nvPr>
+            <p:ph type="body" idx="1"/>
+          </p:nvPr>
+        </p:nvSpPr>
+        <p:spPr>
+          <a:xfrm>
+            <a:off x="685800" y="4343400"/>
+            <a:ext cx="5486399" cy="4114800"/>
+          </a:xfrm>
+          <a:prstGeom prst="rect">
+            <a:avLst/>
+          </a:prstGeom>
+        </p:spPr>
+        <p:txBody>
+          <a:bodyPr lIns="91425" tIns="91425" rIns="91425" bIns="91425" anchor="t" anchorCtr="0">
+            <a:noAutofit/>
+          </a:bodyPr>
+          <a:lstStyle/>
+          <a:p>
+            <a:pPr lvl="0" rtl="0">
+              <a:spcBef>
+                <a:spcPts val="0"/>
+              </a:spcBef>
+              <a:buNone/>
+            </a:pPr>
+            <a:endParaRPr/>
+          </a:p>
+        </p:txBody>
+      </p:sp>
+    </p:spTree>
+  </p:cSld>
+  <p:clrMapOvr>
+    <a:masterClrMapping/>
+  </p:clrMapOvr>
+</p:notes>
+</file>
+
+<file path=ppt/notesSlides/notesSlide26.xml><?xml version="1.0" encoding="utf-8"?>
+<p:notes xmlns:a="http://schemas.openxmlformats.org/drawingml/2006/main" xmlns:r="http://schemas.openxmlformats.org/officeDocument/2006/relationships" xmlns:p="http://schemas.openxmlformats.org/presentationml/2006/main" showMasterSp="0" showMasterPhAnim="0">
+  <p:cSld>
+    <p:spTree>
+      <p:nvGrpSpPr>
+        <p:cNvPr id="1" name="Shape 41"/>
+        <p:cNvGrpSpPr/>
+        <p:nvPr/>
+      </p:nvGrpSpPr>
+      <p:grpSpPr>
+        <a:xfrm>
+          <a:off x="0" y="0"/>
+          <a:ext cx="0" cy="0"/>
+          <a:chOff x="0" y="0"/>
+          <a:chExt cx="0" cy="0"/>
+        </a:xfrm>
+      </p:grpSpPr>
+      <p:sp>
+        <p:nvSpPr>
+          <p:cNvPr id="42" name="Shape 42"/>
+          <p:cNvSpPr>
+            <a:spLocks noGrp="1" noRot="1" noChangeAspect="1"/>
+          </p:cNvSpPr>
+          <p:nvPr>
+            <p:ph type="sldImg" idx="2"/>
+          </p:nvPr>
+        </p:nvSpPr>
+        <p:spPr>
+          <a:xfrm>
+            <a:off x="1143000" y="685800"/>
+            <a:ext cx="4572000" cy="3429000"/>
+          </a:xfrm>
+          <a:custGeom>
+            <a:avLst/>
+            <a:gdLst/>
+            <a:ahLst/>
+            <a:cxnLst/>
+            <a:rect l="0" t="0" r="0" b="0"/>
+            <a:pathLst>
+              <a:path w="120000" h="120000" extrusionOk="0">
+                <a:moveTo>
+                  <a:pt x="0" y="0"/>
+                </a:moveTo>
+                <a:lnTo>
+                  <a:pt x="120000" y="0"/>
+                </a:lnTo>
+                <a:lnTo>
+                  <a:pt x="120000" y="120000"/>
+                </a:lnTo>
+                <a:lnTo>
+                  <a:pt x="0" y="120000"/>
+                </a:lnTo>
+                <a:close/>
+              </a:path>
+            </a:pathLst>
+          </a:custGeom>
+          <a:noFill/>
+          <a:ln w="9525" cap="flat" cmpd="sng">
+            <a:solidFill>
+              <a:srgbClr val="000000"/>
+            </a:solidFill>
+            <a:prstDash val="solid"/>
+            <a:round/>
+            <a:headEnd type="none" w="med" len="med"/>
+            <a:tailEnd type="none" w="med" len="med"/>
+          </a:ln>
+        </p:spPr>
+      </p:sp>
+      <p:sp>
+        <p:nvSpPr>
+          <p:cNvPr id="43" name="Shape 43"/>
+          <p:cNvSpPr txBox="1">
+            <a:spLocks noGrp="1"/>
+          </p:cNvSpPr>
+          <p:nvPr>
+            <p:ph type="body" idx="1"/>
+          </p:nvPr>
+        </p:nvSpPr>
+        <p:spPr>
+          <a:xfrm>
+            <a:off x="685800" y="4343400"/>
+            <a:ext cx="5486399" cy="4114800"/>
+          </a:xfrm>
+          <a:prstGeom prst="rect">
+            <a:avLst/>
+          </a:prstGeom>
+        </p:spPr>
+        <p:txBody>
+          <a:bodyPr lIns="91425" tIns="91425" rIns="91425" bIns="91425" anchor="t" anchorCtr="0">
+            <a:noAutofit/>
+          </a:bodyPr>
+          <a:lstStyle/>
+          <a:p>
+            <a:pPr lvl="0" rtl="0">
+              <a:spcBef>
+                <a:spcPts val="0"/>
+              </a:spcBef>
+              <a:buNone/>
+            </a:pPr>
+            <a:endParaRPr/>
+          </a:p>
+        </p:txBody>
+      </p:sp>
+    </p:spTree>
+  </p:cSld>
+  <p:clrMapOvr>
+    <a:masterClrMapping/>
+  </p:clrMapOvr>
+</p:notes>
+</file>
+
+<file path=ppt/notesSlides/notesSlide27.xml><?xml version="1.0" encoding="utf-8"?>
 <p:notes xmlns:a="http://schemas.openxmlformats.org/drawingml/2006/main" xmlns:r="http://schemas.openxmlformats.org/officeDocument/2006/relationships" xmlns:p="http://schemas.openxmlformats.org/presentationml/2006/main" showMasterSp="0" showMasterPhAnim="0">
   <p:cSld>
     <p:spTree>
@@ -7852,6 +9083,108 @@
       </p:grpSpPr>
       <p:sp>
         <p:nvSpPr>
+          <p:cNvPr id="3" name="Rounded Rectangle 2"/>
+          <p:cNvSpPr/>
+          <p:nvPr/>
+        </p:nvSpPr>
+        <p:spPr>
+          <a:xfrm>
+            <a:off x="3362339" y="1008318"/>
+            <a:ext cx="5688632" cy="4913678"/>
+          </a:xfrm>
+          <a:prstGeom prst="roundRect">
+            <a:avLst/>
+          </a:prstGeom>
+          <a:solidFill>
+            <a:schemeClr val="accent3">
+              <a:lumMod val="60000"/>
+              <a:lumOff val="40000"/>
+            </a:schemeClr>
+          </a:solidFill>
+        </p:spPr>
+        <p:style>
+          <a:lnRef idx="2">
+            <a:schemeClr val="accent1">
+              <a:shade val="50000"/>
+            </a:schemeClr>
+          </a:lnRef>
+          <a:fillRef idx="1">
+            <a:schemeClr val="accent1"/>
+          </a:fillRef>
+          <a:effectRef idx="0">
+            <a:schemeClr val="accent1"/>
+          </a:effectRef>
+          <a:fontRef idx="minor">
+            <a:schemeClr val="lt1"/>
+          </a:fontRef>
+        </p:style>
+        <p:txBody>
+          <a:bodyPr bIns="0" rtlCol="0" anchor="b"/>
+          <a:lstStyle/>
+          <a:p>
+            <a:pPr algn="ctr"/>
+            <a:r>
+              <a:rPr lang="en-US" sz="1800" dirty="0" smtClean="0">
+                <a:solidFill>
+                  <a:schemeClr val="accent5">
+                    <a:lumMod val="50000"/>
+                  </a:schemeClr>
+                </a:solidFill>
+              </a:rPr>
+              <a:t>Driver application</a:t>
+            </a:r>
+            <a:endParaRPr lang="en-US" sz="1800" dirty="0">
+              <a:solidFill>
+                <a:schemeClr val="accent5">
+                  <a:lumMod val="50000"/>
+                </a:schemeClr>
+              </a:solidFill>
+            </a:endParaRPr>
+          </a:p>
+        </p:txBody>
+      </p:sp>
+      <p:sp>
+        <p:nvSpPr>
+          <p:cNvPr id="2" name="Oval 1"/>
+          <p:cNvSpPr/>
+          <p:nvPr/>
+        </p:nvSpPr>
+        <p:spPr>
+          <a:xfrm>
+            <a:off x="185359" y="740031"/>
+            <a:ext cx="3537020" cy="5092823"/>
+          </a:xfrm>
+          <a:prstGeom prst="ellipse">
+            <a:avLst/>
+          </a:prstGeom>
+        </p:spPr>
+        <p:style>
+          <a:lnRef idx="2">
+            <a:schemeClr val="accent1">
+              <a:shade val="50000"/>
+            </a:schemeClr>
+          </a:lnRef>
+          <a:fillRef idx="1">
+            <a:schemeClr val="accent1"/>
+          </a:fillRef>
+          <a:effectRef idx="0">
+            <a:schemeClr val="accent1"/>
+          </a:effectRef>
+          <a:fontRef idx="minor">
+            <a:schemeClr val="lt1"/>
+          </a:fontRef>
+        </p:style>
+        <p:txBody>
+          <a:bodyPr rtlCol="0" anchor="ctr"/>
+          <a:lstStyle/>
+          <a:p>
+            <a:pPr algn="ctr"/>
+            <a:endParaRPr lang="en-US"/>
+          </a:p>
+        </p:txBody>
+      </p:sp>
+      <p:sp>
+        <p:nvSpPr>
           <p:cNvPr id="33" name="Shape 33"/>
           <p:cNvSpPr txBox="1">
             <a:spLocks noGrp="1"/>
@@ -7882,7 +9215,33 @@
                   <a:srgbClr val="003366"/>
                 </a:solidFill>
               </a:rPr>
-              <a:t>Specific requirements</a:t>
+              <a:t>Specific </a:t>
+            </a:r>
+            <a:r>
+              <a:rPr lang="en-US" sz="3000" dirty="0" smtClean="0">
+                <a:solidFill>
+                  <a:srgbClr val="003366"/>
+                </a:solidFill>
+              </a:rPr>
+              <a:t>requirements</a:t>
+            </a:r>
+            <a:r>
+              <a:rPr lang="en-US" sz="2800" dirty="0">
+                <a:solidFill>
+                  <a:srgbClr val="003366"/>
+                </a:solidFill>
+              </a:rPr>
+              <a:t> - </a:t>
+            </a:r>
+            <a:r>
+              <a:rPr lang="en-US" sz="2800" dirty="0">
+                <a:solidFill>
+                  <a:schemeClr val="accent1">
+                    <a:lumMod val="50000"/>
+                  </a:schemeClr>
+                </a:solidFill>
+              </a:rPr>
+              <a:t>Mockups</a:t>
             </a:r>
             <a:endParaRPr sz="3000" dirty="0">
               <a:solidFill>
@@ -8078,7 +9437,7 @@
               </a:spcBef>
               <a:buNone/>
             </a:pPr>
-            <a:endParaRPr sz="1300">
+            <a:endParaRPr sz="1300" dirty="0">
               <a:solidFill>
                 <a:srgbClr val="003366"/>
               </a:solidFill>
@@ -8086,39 +9445,9 @@
           </a:p>
         </p:txBody>
       </p:sp>
-      <p:sp>
-        <p:nvSpPr>
-          <p:cNvPr id="10" name="TextBox 9"/>
-          <p:cNvSpPr txBox="1"/>
-          <p:nvPr/>
-        </p:nvSpPr>
-        <p:spPr>
-          <a:xfrm>
-            <a:off x="547350" y="980728"/>
-            <a:ext cx="7913082" cy="307777"/>
-          </a:xfrm>
-          <a:prstGeom prst="rect">
-            <a:avLst/>
-          </a:prstGeom>
-          <a:noFill/>
-        </p:spPr>
-        <p:txBody>
-          <a:bodyPr wrap="square" rtlCol="0">
-            <a:spAutoFit/>
-          </a:bodyPr>
-          <a:lstStyle/>
-          <a:p>
-            <a:r>
-              <a:rPr lang="en-US" dirty="0" smtClean="0"/>
-              <a:t>Mockups</a:t>
-            </a:r>
-            <a:endParaRPr lang="en-US" dirty="0"/>
-          </a:p>
-        </p:txBody>
-      </p:sp>
       <p:pic>
         <p:nvPicPr>
-          <p:cNvPr id="4099" name="Picture 3" descr="D:\FAX\SW2\SW2015\Mockups\5 Request.png"/>
+          <p:cNvPr id="3074" name="Picture 2" descr="D:\FAX\SW2\SW2015\Mockups\4 Home screen.png"/>
           <p:cNvPicPr>
             <a:picLocks noChangeAspect="1" noChangeArrowheads="1"/>
           </p:cNvPicPr>
@@ -8139,8 +9468,8 @@
         </p:blipFill>
         <p:spPr bwMode="auto">
           <a:xfrm>
-            <a:off x="2195736" y="1002715"/>
-            <a:ext cx="2833663" cy="5400000"/>
+            <a:off x="842751" y="1080326"/>
+            <a:ext cx="2266930" cy="4320000"/>
           </a:xfrm>
           <a:prstGeom prst="rect">
             <a:avLst/>
@@ -8159,7 +9488,7 @@
       </p:pic>
       <p:pic>
         <p:nvPicPr>
-          <p:cNvPr id="4100" name="Picture 4" descr="D:\FAX\SW2\SW2015\Mockups\6 Reservation.png"/>
+          <p:cNvPr id="3075" name="Picture 3" descr="D:\FAX\SW2\SW2015\Mockups\7 HomeDriver.png"/>
           <p:cNvPicPr>
             <a:picLocks noChangeAspect="1" noChangeArrowheads="1"/>
           </p:cNvPicPr>
@@ -8180,8 +9509,8 @@
         </p:blipFill>
         <p:spPr bwMode="auto">
           <a:xfrm>
-            <a:off x="5366868" y="1012309"/>
-            <a:ext cx="2833663" cy="5400000"/>
+            <a:off x="3961496" y="1080326"/>
+            <a:ext cx="2266930" cy="4320000"/>
           </a:xfrm>
           <a:prstGeom prst="rect">
             <a:avLst/>
@@ -8198,6 +9527,135 @@
           </a:extLst>
         </p:spPr>
       </p:pic>
+      <p:pic>
+        <p:nvPicPr>
+          <p:cNvPr id="15" name="Picture 2" descr="D:\FAX\SW2\SW2015\Mockups\8 Popup.png"/>
+          <p:cNvPicPr>
+            <a:picLocks noChangeAspect="1" noChangeArrowheads="1"/>
+          </p:cNvPicPr>
+          <p:nvPr/>
+        </p:nvPicPr>
+        <p:blipFill>
+          <a:blip r:embed="rId8">
+            <a:extLst>
+              <a:ext uri="{28A0092B-C50C-407E-A947-70E740481C1C}">
+                <a14:useLocalDpi xmlns:a14="http://schemas.microsoft.com/office/drawing/2010/main" val="0"/>
+              </a:ext>
+            </a:extLst>
+          </a:blip>
+          <a:srcRect/>
+          <a:stretch>
+            <a:fillRect/>
+          </a:stretch>
+        </p:blipFill>
+        <p:spPr bwMode="auto">
+          <a:xfrm>
+            <a:off x="6386675" y="1080326"/>
+            <a:ext cx="2266930" cy="4320000"/>
+          </a:xfrm>
+          <a:prstGeom prst="rect">
+            <a:avLst/>
+          </a:prstGeom>
+          <a:noFill/>
+          <a:extLst>
+            <a:ext uri="{909E8E84-426E-40DD-AFC4-6F175D3DCCD1}">
+              <a14:hiddenFill xmlns:a14="http://schemas.microsoft.com/office/drawing/2010/main">
+                <a:solidFill>
+                  <a:srgbClr val="FFFFFF"/>
+                </a:solidFill>
+              </a14:hiddenFill>
+            </a:ext>
+          </a:extLst>
+        </p:spPr>
+      </p:pic>
+      <p:sp>
+        <p:nvSpPr>
+          <p:cNvPr id="16" name="TextBox 15"/>
+          <p:cNvSpPr txBox="1"/>
+          <p:nvPr/>
+        </p:nvSpPr>
+        <p:spPr>
+          <a:xfrm>
+            <a:off x="997813" y="5921996"/>
+            <a:ext cx="2064989" cy="307777"/>
+          </a:xfrm>
+          <a:prstGeom prst="rect">
+            <a:avLst/>
+          </a:prstGeom>
+          <a:noFill/>
+        </p:spPr>
+        <p:txBody>
+          <a:bodyPr wrap="none" rtlCol="0">
+            <a:spAutoFit/>
+          </a:bodyPr>
+          <a:lstStyle/>
+          <a:p>
+            <a:r>
+              <a:rPr lang="en-US" dirty="0"/>
+              <a:t>Passenger Home page </a:t>
+            </a:r>
+          </a:p>
+        </p:txBody>
+      </p:sp>
+      <p:sp>
+        <p:nvSpPr>
+          <p:cNvPr id="17" name="TextBox 16"/>
+          <p:cNvSpPr txBox="1"/>
+          <p:nvPr/>
+        </p:nvSpPr>
+        <p:spPr>
+          <a:xfrm>
+            <a:off x="4251621" y="5921996"/>
+            <a:ext cx="1686679" cy="307777"/>
+          </a:xfrm>
+          <a:prstGeom prst="rect">
+            <a:avLst/>
+          </a:prstGeom>
+          <a:noFill/>
+        </p:spPr>
+        <p:txBody>
+          <a:bodyPr wrap="none" rtlCol="0">
+            <a:spAutoFit/>
+          </a:bodyPr>
+          <a:lstStyle/>
+          <a:p>
+            <a:pPr algn="ctr"/>
+            <a:r>
+              <a:rPr lang="en-US" dirty="0"/>
+              <a:t>Driver Home page </a:t>
+            </a:r>
+          </a:p>
+        </p:txBody>
+      </p:sp>
+      <p:sp>
+        <p:nvSpPr>
+          <p:cNvPr id="18" name="TextBox 17"/>
+          <p:cNvSpPr txBox="1"/>
+          <p:nvPr/>
+        </p:nvSpPr>
+        <p:spPr>
+          <a:xfrm>
+            <a:off x="6731302" y="5921995"/>
+            <a:ext cx="1577676" cy="307777"/>
+          </a:xfrm>
+          <a:prstGeom prst="rect">
+            <a:avLst/>
+          </a:prstGeom>
+          <a:noFill/>
+        </p:spPr>
+        <p:txBody>
+          <a:bodyPr wrap="none" rtlCol="0">
+            <a:spAutoFit/>
+          </a:bodyPr>
+          <a:lstStyle/>
+          <a:p>
+            <a:r>
+              <a:rPr lang="en-US" dirty="0"/>
+              <a:t>Pop up message </a:t>
+            </a:r>
+          </a:p>
+        </p:txBody>
+      </p:sp>
     </p:spTree>
     <p:extLst>
       <p:ext uri="{BB962C8B-B14F-4D97-AF65-F5344CB8AC3E}">
@@ -8265,12 +9723,22 @@
           <a:p>
             <a:pPr lvl="0"/>
             <a:r>
-              <a:rPr lang="en-US" sz="3000" dirty="0" smtClean="0">
+              <a:rPr lang="en-US" sz="3000" dirty="0">
                 <a:solidFill>
                   <a:srgbClr val="003366"/>
                 </a:solidFill>
               </a:rPr>
-              <a:t>Specific requirements</a:t>
+              <a:t>Specific requirements - </a:t>
+            </a:r>
+            <a:r>
+              <a:rPr lang="en-US" sz="3200" dirty="0">
+                <a:solidFill>
+                  <a:schemeClr val="accent1">
+                    <a:lumMod val="50000"/>
+                  </a:schemeClr>
+                </a:solidFill>
+              </a:rPr>
+              <a:t>Mockups</a:t>
             </a:r>
             <a:endParaRPr sz="3000" dirty="0">
               <a:solidFill>
@@ -8474,39 +9942,9 @@
           </a:p>
         </p:txBody>
       </p:sp>
-      <p:sp>
-        <p:nvSpPr>
-          <p:cNvPr id="10" name="TextBox 9"/>
-          <p:cNvSpPr txBox="1"/>
-          <p:nvPr/>
-        </p:nvSpPr>
-        <p:spPr>
-          <a:xfrm>
-            <a:off x="547350" y="980728"/>
-            <a:ext cx="7913082" cy="307777"/>
-          </a:xfrm>
-          <a:prstGeom prst="rect">
-            <a:avLst/>
-          </a:prstGeom>
-          <a:noFill/>
-        </p:spPr>
-        <p:txBody>
-          <a:bodyPr wrap="square" rtlCol="0">
-            <a:spAutoFit/>
-          </a:bodyPr>
-          <a:lstStyle/>
-          <a:p>
-            <a:r>
-              <a:rPr lang="en-US" dirty="0" smtClean="0"/>
-              <a:t>Mockups</a:t>
-            </a:r>
-            <a:endParaRPr lang="en-US" dirty="0"/>
-          </a:p>
-        </p:txBody>
-      </p:sp>
       <p:pic>
         <p:nvPicPr>
-          <p:cNvPr id="5123" name="Picture 3" descr="D:\FAX\SW2\SW2015\Mockups\11 Notification Screen.png"/>
+          <p:cNvPr id="4099" name="Picture 3" descr="D:\FAX\SW2\SW2015\Mockups\5 Request.png"/>
           <p:cNvPicPr>
             <a:picLocks noChangeAspect="1" noChangeArrowheads="1"/>
           </p:cNvPicPr>
@@ -8527,8 +9965,8 @@
         </p:blipFill>
         <p:spPr bwMode="auto">
           <a:xfrm>
-            <a:off x="2267744" y="1034848"/>
-            <a:ext cx="2833663" cy="5400000"/>
+            <a:off x="1691680" y="836712"/>
+            <a:ext cx="2644752" cy="5040000"/>
           </a:xfrm>
           <a:prstGeom prst="rect">
             <a:avLst/>
@@ -8547,7 +9985,7 @@
       </p:pic>
       <p:pic>
         <p:nvPicPr>
-          <p:cNvPr id="5124" name="Picture 4" descr="D:\FAX\SW2\SW2015\Mockups\12 Reservation details.png"/>
+          <p:cNvPr id="4100" name="Picture 4" descr="D:\FAX\SW2\SW2015\Mockups\6 Reservation.png"/>
           <p:cNvPicPr>
             <a:picLocks noChangeAspect="1" noChangeArrowheads="1"/>
           </p:cNvPicPr>
@@ -8568,8 +10006,8 @@
         </p:blipFill>
         <p:spPr bwMode="auto">
           <a:xfrm>
-            <a:off x="5366868" y="1028868"/>
-            <a:ext cx="2833663" cy="5400000"/>
+            <a:off x="4788024" y="836712"/>
+            <a:ext cx="2644752" cy="5040000"/>
           </a:xfrm>
           <a:prstGeom prst="rect">
             <a:avLst/>
@@ -8586,6 +10024,68 @@
           </a:extLst>
         </p:spPr>
       </p:pic>
+      <p:sp>
+        <p:nvSpPr>
+          <p:cNvPr id="12" name="TextBox 11"/>
+          <p:cNvSpPr txBox="1"/>
+          <p:nvPr/>
+        </p:nvSpPr>
+        <p:spPr>
+          <a:xfrm>
+            <a:off x="1886984" y="6074394"/>
+            <a:ext cx="2254143" cy="307777"/>
+          </a:xfrm>
+          <a:prstGeom prst="rect">
+            <a:avLst/>
+          </a:prstGeom>
+          <a:noFill/>
+        </p:spPr>
+        <p:txBody>
+          <a:bodyPr wrap="none" rtlCol="0">
+            <a:spAutoFit/>
+          </a:bodyPr>
+          <a:lstStyle/>
+          <a:p>
+            <a:r>
+              <a:rPr lang="en-US" dirty="0"/>
+              <a:t>Passenger Request page </a:t>
+            </a:r>
+          </a:p>
+        </p:txBody>
+      </p:sp>
+      <p:sp>
+        <p:nvSpPr>
+          <p:cNvPr id="13" name="TextBox 12"/>
+          <p:cNvSpPr txBox="1"/>
+          <p:nvPr/>
+        </p:nvSpPr>
+        <p:spPr>
+          <a:xfrm>
+            <a:off x="4839058" y="6074393"/>
+            <a:ext cx="2542684" cy="307777"/>
+          </a:xfrm>
+          <a:prstGeom prst="rect">
+            <a:avLst/>
+          </a:prstGeom>
+          <a:noFill/>
+        </p:spPr>
+        <p:txBody>
+          <a:bodyPr wrap="none" rtlCol="0">
+            <a:spAutoFit/>
+          </a:bodyPr>
+          <a:lstStyle/>
+          <a:p>
+            <a:r>
+              <a:rPr lang="en-US" dirty="0"/>
+              <a:t>Passenger </a:t>
+            </a:r>
+            <a:r>
+              <a:rPr lang="en-US" dirty="0"/>
+              <a:t>Reservation page </a:t>
+            </a:r>
+          </a:p>
+        </p:txBody>
+      </p:sp>
     </p:spTree>
     <p:extLst>
       <p:ext uri="{BB962C8B-B14F-4D97-AF65-F5344CB8AC3E}">
@@ -8653,12 +10153,22 @@
           <a:p>
             <a:pPr lvl="0"/>
             <a:r>
-              <a:rPr lang="en-US" sz="3000" dirty="0" smtClean="0">
+              <a:rPr lang="en-US" sz="3000" dirty="0">
                 <a:solidFill>
                   <a:srgbClr val="003366"/>
                 </a:solidFill>
               </a:rPr>
-              <a:t>Specific requirements</a:t>
+              <a:t>Specific requirements - </a:t>
+            </a:r>
+            <a:r>
+              <a:rPr lang="en-US" sz="3200" dirty="0">
+                <a:solidFill>
+                  <a:schemeClr val="accent1">
+                    <a:lumMod val="50000"/>
+                  </a:schemeClr>
+                </a:solidFill>
+              </a:rPr>
+              <a:t>Mockups</a:t>
             </a:r>
             <a:endParaRPr sz="3000" dirty="0">
               <a:solidFill>
@@ -8862,39 +10372,9 @@
           </a:p>
         </p:txBody>
       </p:sp>
-      <p:sp>
-        <p:nvSpPr>
-          <p:cNvPr id="10" name="TextBox 9"/>
-          <p:cNvSpPr txBox="1"/>
-          <p:nvPr/>
-        </p:nvSpPr>
-        <p:spPr>
-          <a:xfrm>
-            <a:off x="547350" y="980728"/>
-            <a:ext cx="7913082" cy="307777"/>
-          </a:xfrm>
-          <a:prstGeom prst="rect">
-            <a:avLst/>
-          </a:prstGeom>
-          <a:noFill/>
-        </p:spPr>
-        <p:txBody>
-          <a:bodyPr wrap="square" rtlCol="0">
-            <a:spAutoFit/>
-          </a:bodyPr>
-          <a:lstStyle/>
-          <a:p>
-            <a:r>
-              <a:rPr lang="en-US" dirty="0" smtClean="0"/>
-              <a:t>Mockups</a:t>
-            </a:r>
-            <a:endParaRPr lang="en-US" dirty="0"/>
-          </a:p>
-        </p:txBody>
-      </p:sp>
       <p:pic>
         <p:nvPicPr>
-          <p:cNvPr id="6146" name="Picture 2" descr="D:\FAX\SW2\SW2015\Mockups\Web Mockups\14 Admin list reports.png"/>
+          <p:cNvPr id="5123" name="Picture 3" descr="D:\FAX\SW2\SW2015\Mockups\11 Notification Screen.png"/>
           <p:cNvPicPr>
             <a:picLocks noChangeAspect="1" noChangeArrowheads="1"/>
           </p:cNvPicPr>
@@ -8915,8 +10395,8 @@
         </p:blipFill>
         <p:spPr bwMode="auto">
           <a:xfrm>
-            <a:off x="2185588" y="912764"/>
-            <a:ext cx="6290785" cy="5400000"/>
+            <a:off x="1927248" y="908720"/>
+            <a:ext cx="2644752" cy="5040000"/>
           </a:xfrm>
           <a:prstGeom prst="rect">
             <a:avLst/>
@@ -8933,6 +10413,105 @@
           </a:extLst>
         </p:spPr>
       </p:pic>
+      <p:pic>
+        <p:nvPicPr>
+          <p:cNvPr id="5124" name="Picture 4" descr="D:\FAX\SW2\SW2015\Mockups\12 Reservation details.png"/>
+          <p:cNvPicPr>
+            <a:picLocks noChangeAspect="1" noChangeArrowheads="1"/>
+          </p:cNvPicPr>
+          <p:nvPr/>
+        </p:nvPicPr>
+        <p:blipFill>
+          <a:blip r:embed="rId7">
+            <a:extLst>
+              <a:ext uri="{28A0092B-C50C-407E-A947-70E740481C1C}">
+                <a14:useLocalDpi xmlns:a14="http://schemas.microsoft.com/office/drawing/2010/main" val="0"/>
+              </a:ext>
+            </a:extLst>
+          </a:blip>
+          <a:srcRect/>
+          <a:stretch>
+            <a:fillRect/>
+          </a:stretch>
+        </p:blipFill>
+        <p:spPr bwMode="auto">
+          <a:xfrm>
+            <a:off x="4834048" y="908720"/>
+            <a:ext cx="2644752" cy="5040000"/>
+          </a:xfrm>
+          <a:prstGeom prst="rect">
+            <a:avLst/>
+          </a:prstGeom>
+          <a:noFill/>
+          <a:extLst>
+            <a:ext uri="{909E8E84-426E-40DD-AFC4-6F175D3DCCD1}">
+              <a14:hiddenFill xmlns:a14="http://schemas.microsoft.com/office/drawing/2010/main">
+                <a:solidFill>
+                  <a:srgbClr val="FFFFFF"/>
+                </a:solidFill>
+              </a14:hiddenFill>
+            </a:ext>
+          </a:extLst>
+        </p:spPr>
+      </p:pic>
+      <p:sp>
+        <p:nvSpPr>
+          <p:cNvPr id="12" name="TextBox 11"/>
+          <p:cNvSpPr txBox="1"/>
+          <p:nvPr/>
+        </p:nvSpPr>
+        <p:spPr>
+          <a:xfrm>
+            <a:off x="2465595" y="6073665"/>
+            <a:ext cx="1568058" cy="307777"/>
+          </a:xfrm>
+          <a:prstGeom prst="rect">
+            <a:avLst/>
+          </a:prstGeom>
+          <a:noFill/>
+        </p:spPr>
+        <p:txBody>
+          <a:bodyPr wrap="none" rtlCol="0">
+            <a:spAutoFit/>
+          </a:bodyPr>
+          <a:lstStyle/>
+          <a:p>
+            <a:r>
+              <a:rPr lang="en-US" dirty="0"/>
+              <a:t>Notification page </a:t>
+            </a:r>
+          </a:p>
+        </p:txBody>
+      </p:sp>
+      <p:sp>
+        <p:nvSpPr>
+          <p:cNvPr id="13" name="TextBox 12"/>
+          <p:cNvSpPr txBox="1"/>
+          <p:nvPr/>
+        </p:nvSpPr>
+        <p:spPr>
+          <a:xfrm>
+            <a:off x="5277818" y="6073665"/>
+            <a:ext cx="1757212" cy="307777"/>
+          </a:xfrm>
+          <a:prstGeom prst="rect">
+            <a:avLst/>
+          </a:prstGeom>
+          <a:noFill/>
+        </p:spPr>
+        <p:txBody>
+          <a:bodyPr wrap="none" rtlCol="0">
+            <a:spAutoFit/>
+          </a:bodyPr>
+          <a:lstStyle/>
+          <a:p>
+            <a:r>
+              <a:rPr lang="en-US" dirty="0"/>
+              <a:t>Reservation details </a:t>
+            </a:r>
+          </a:p>
+        </p:txBody>
+      </p:sp>
     </p:spTree>
     <p:extLst>
       <p:ext uri="{BB962C8B-B14F-4D97-AF65-F5344CB8AC3E}">
@@ -9000,12 +10579,22 @@
           <a:p>
             <a:pPr lvl="0"/>
             <a:r>
-              <a:rPr lang="en-US" sz="3000" dirty="0" smtClean="0">
+              <a:rPr lang="en-US" sz="3000" dirty="0">
                 <a:solidFill>
                   <a:srgbClr val="003366"/>
                 </a:solidFill>
               </a:rPr>
-              <a:t>Specific requirements</a:t>
+              <a:t>Specific requirements - </a:t>
+            </a:r>
+            <a:r>
+              <a:rPr lang="en-US" sz="3200" dirty="0">
+                <a:solidFill>
+                  <a:schemeClr val="accent1">
+                    <a:lumMod val="50000"/>
+                  </a:schemeClr>
+                </a:solidFill>
+              </a:rPr>
+              <a:t>Mockups</a:t>
             </a:r>
             <a:endParaRPr sz="3000" dirty="0">
               <a:solidFill>
@@ -9209,39 +10798,9 @@
           </a:p>
         </p:txBody>
       </p:sp>
-      <p:sp>
-        <p:nvSpPr>
-          <p:cNvPr id="10" name="TextBox 9"/>
-          <p:cNvSpPr txBox="1"/>
-          <p:nvPr/>
-        </p:nvSpPr>
-        <p:spPr>
-          <a:xfrm>
-            <a:off x="547350" y="980728"/>
-            <a:ext cx="7913082" cy="307777"/>
-          </a:xfrm>
-          <a:prstGeom prst="rect">
-            <a:avLst/>
-          </a:prstGeom>
-          <a:noFill/>
-        </p:spPr>
-        <p:txBody>
-          <a:bodyPr wrap="square" rtlCol="0">
-            <a:spAutoFit/>
-          </a:bodyPr>
-          <a:lstStyle/>
-          <a:p>
-            <a:r>
-              <a:rPr lang="en-US" dirty="0" smtClean="0"/>
-              <a:t>Mockups</a:t>
-            </a:r>
-            <a:endParaRPr lang="en-US" dirty="0"/>
-          </a:p>
-        </p:txBody>
-      </p:sp>
       <p:pic>
         <p:nvPicPr>
-          <p:cNvPr id="7170" name="Picture 2" descr="D:\FAX\SW2\SW2015\Mockups\Web Mockups\15 Admin report details page.png"/>
+          <p:cNvPr id="6146" name="Picture 2" descr="D:\FAX\SW2\SW2015\Mockups\Web Mockups\14 Admin list reports.png"/>
           <p:cNvPicPr>
             <a:picLocks noChangeAspect="1" noChangeArrowheads="1"/>
           </p:cNvPicPr>
@@ -9262,8 +10821,8 @@
         </p:blipFill>
         <p:spPr bwMode="auto">
           <a:xfrm>
-            <a:off x="2169647" y="952744"/>
-            <a:ext cx="6290785" cy="5400000"/>
+            <a:off x="547351" y="912764"/>
+            <a:ext cx="5968866" cy="5123665"/>
           </a:xfrm>
           <a:prstGeom prst="rect">
             <a:avLst/>
@@ -9280,6 +10839,120 @@
           </a:extLst>
         </p:spPr>
       </p:pic>
+      <p:sp>
+        <p:nvSpPr>
+          <p:cNvPr id="11" name="TextBox 10"/>
+          <p:cNvSpPr txBox="1"/>
+          <p:nvPr/>
+        </p:nvSpPr>
+        <p:spPr>
+          <a:xfrm>
+            <a:off x="6876256" y="5728652"/>
+            <a:ext cx="2064989" cy="307777"/>
+          </a:xfrm>
+          <a:prstGeom prst="rect">
+            <a:avLst/>
+          </a:prstGeom>
+          <a:noFill/>
+        </p:spPr>
+        <p:txBody>
+          <a:bodyPr wrap="none" rtlCol="0">
+            <a:spAutoFit/>
+          </a:bodyPr>
+          <a:lstStyle/>
+          <a:p>
+            <a:r>
+              <a:rPr lang="en-US" dirty="0"/>
+              <a:t>Admin list reports page </a:t>
+            </a:r>
+          </a:p>
+        </p:txBody>
+      </p:sp>
+      <p:sp>
+        <p:nvSpPr>
+          <p:cNvPr id="12" name="Down Arrow 11"/>
+          <p:cNvSpPr/>
+          <p:nvPr/>
+        </p:nvSpPr>
+        <p:spPr>
+          <a:xfrm rot="5400000">
+            <a:off x="6516216" y="2826524"/>
+            <a:ext cx="504056" cy="792088"/>
+          </a:xfrm>
+          <a:prstGeom prst="downArrow">
+            <a:avLst/>
+          </a:prstGeom>
+        </p:spPr>
+        <p:style>
+          <a:lnRef idx="2">
+            <a:schemeClr val="accent1">
+              <a:shade val="50000"/>
+            </a:schemeClr>
+          </a:lnRef>
+          <a:fillRef idx="1">
+            <a:schemeClr val="accent1"/>
+          </a:fillRef>
+          <a:effectRef idx="0">
+            <a:schemeClr val="accent1"/>
+          </a:effectRef>
+          <a:fontRef idx="minor">
+            <a:schemeClr val="lt1"/>
+          </a:fontRef>
+        </p:style>
+        <p:txBody>
+          <a:bodyPr rtlCol="0" anchor="ctr"/>
+          <a:lstStyle/>
+          <a:p>
+            <a:pPr algn="ctr"/>
+            <a:endParaRPr lang="en-US"/>
+          </a:p>
+        </p:txBody>
+      </p:sp>
+      <p:sp>
+        <p:nvSpPr>
+          <p:cNvPr id="2" name="TextBox 1"/>
+          <p:cNvSpPr txBox="1"/>
+          <p:nvPr/>
+        </p:nvSpPr>
+        <p:spPr>
+          <a:xfrm>
+            <a:off x="7274344" y="2695222"/>
+            <a:ext cx="1666901" cy="1077218"/>
+          </a:xfrm>
+          <a:prstGeom prst="rect">
+            <a:avLst/>
+          </a:prstGeom>
+          <a:noFill/>
+          <a:ln w="25400">
+            <a:solidFill>
+              <a:schemeClr val="accent1">
+                <a:shade val="50000"/>
+              </a:schemeClr>
+            </a:solidFill>
+          </a:ln>
+        </p:spPr>
+        <p:txBody>
+          <a:bodyPr wrap="square" rtlCol="0">
+            <a:spAutoFit/>
+          </a:bodyPr>
+          <a:lstStyle/>
+          <a:p>
+            <a:r>
+              <a:rPr lang="en-US" sz="1600" dirty="0" smtClean="0">
+                <a:solidFill>
+                  <a:srgbClr val="002060"/>
+                </a:solidFill>
+              </a:rPr>
+              <a:t>Show details action brings Admin to Report details page</a:t>
+            </a:r>
+            <a:endParaRPr lang="en-US" sz="1600" dirty="0">
+              <a:solidFill>
+                <a:srgbClr val="002060"/>
+              </a:solidFill>
+            </a:endParaRPr>
+          </a:p>
+        </p:txBody>
+      </p:sp>
     </p:spTree>
     <p:extLst>
       <p:ext uri="{BB962C8B-B14F-4D97-AF65-F5344CB8AC3E}">
@@ -9347,12 +11020,22 @@
           <a:p>
             <a:pPr lvl="0"/>
             <a:r>
-              <a:rPr lang="en-US" sz="3000" dirty="0" smtClean="0">
+              <a:rPr lang="en-US" sz="3000" dirty="0">
                 <a:solidFill>
                   <a:srgbClr val="003366"/>
                 </a:solidFill>
               </a:rPr>
-              <a:t>Specific requirements</a:t>
+              <a:t>Specific requirements - </a:t>
+            </a:r>
+            <a:r>
+              <a:rPr lang="en-US" sz="3200" dirty="0">
+                <a:solidFill>
+                  <a:schemeClr val="accent1">
+                    <a:lumMod val="50000"/>
+                  </a:schemeClr>
+                </a:solidFill>
+              </a:rPr>
+              <a:t>Mockups</a:t>
             </a:r>
             <a:endParaRPr sz="3000" dirty="0">
               <a:solidFill>
@@ -9564,8 +11247,8 @@
         </p:nvSpPr>
         <p:spPr>
           <a:xfrm>
-            <a:off x="547350" y="980728"/>
-            <a:ext cx="7913082" cy="307777"/>
+            <a:off x="179512" y="5927257"/>
+            <a:ext cx="2224450" cy="307777"/>
           </a:xfrm>
           <a:prstGeom prst="rect">
             <a:avLst/>
@@ -9579,8 +11262,8 @@
           <a:lstStyle/>
           <a:p>
             <a:r>
-              <a:rPr lang="en-US" dirty="0" smtClean="0"/>
-              <a:t>Use cases</a:t>
+              <a:rPr lang="en-US" dirty="0"/>
+              <a:t>Admin report details page </a:t>
             </a:r>
             <a:endParaRPr lang="en-US" dirty="0"/>
           </a:p>
@@ -9588,7 +11271,7 @@
       </p:sp>
       <p:pic>
         <p:nvPicPr>
-          <p:cNvPr id="8194" name="Picture 2"/>
+          <p:cNvPr id="7170" name="Picture 2" descr="D:\FAX\SW2\SW2015\Mockups\Web Mockups\15 Admin report details page.png"/>
           <p:cNvPicPr>
             <a:picLocks noChangeAspect="1" noChangeArrowheads="1"/>
           </p:cNvPicPr>
@@ -9609,37 +11292,194 @@
         </p:blipFill>
         <p:spPr bwMode="auto">
           <a:xfrm>
-            <a:off x="671483" y="1562100"/>
-            <a:ext cx="8042464" cy="4459188"/>
-          </a:xfrm>
-          <a:prstGeom prst="rect">
-            <a:avLst/>
-          </a:prstGeom>
-          <a:noFill/>
-          <a:ln>
-            <a:noFill/>
-          </a:ln>
+            <a:off x="2627784" y="958657"/>
+            <a:ext cx="6146769" cy="5276377"/>
+          </a:xfrm>
+          <a:prstGeom prst="rect">
+            <a:avLst/>
+          </a:prstGeom>
+          <a:noFill/>
           <a:extLst>
             <a:ext uri="{909E8E84-426E-40DD-AFC4-6F175D3DCCD1}">
               <a14:hiddenFill xmlns:a14="http://schemas.microsoft.com/office/drawing/2010/main">
                 <a:solidFill>
-                  <a:schemeClr val="accent1"/>
+                  <a:srgbClr val="FFFFFF"/>
                 </a:solidFill>
               </a14:hiddenFill>
             </a:ext>
-            <a:ext uri="{91240B29-F687-4F45-9708-019B960494DF}">
-              <a14:hiddenLine xmlns:a14="http://schemas.microsoft.com/office/drawing/2010/main" w="9525">
-                <a:solidFill>
-                  <a:schemeClr val="tx1"/>
-                </a:solidFill>
-                <a:miter lim="800000"/>
-                <a:headEnd/>
-                <a:tailEnd/>
-              </a14:hiddenLine>
-            </a:ext>
           </a:extLst>
         </p:spPr>
       </p:pic>
+      <p:sp>
+        <p:nvSpPr>
+          <p:cNvPr id="11" name="Down Arrow 10"/>
+          <p:cNvSpPr/>
+          <p:nvPr/>
+        </p:nvSpPr>
+        <p:spPr>
+          <a:xfrm rot="16200000">
+            <a:off x="2278693" y="2473910"/>
+            <a:ext cx="504056" cy="792088"/>
+          </a:xfrm>
+          <a:prstGeom prst="downArrow">
+            <a:avLst/>
+          </a:prstGeom>
+        </p:spPr>
+        <p:style>
+          <a:lnRef idx="2">
+            <a:schemeClr val="accent1">
+              <a:shade val="50000"/>
+            </a:schemeClr>
+          </a:lnRef>
+          <a:fillRef idx="1">
+            <a:schemeClr val="accent1"/>
+          </a:fillRef>
+          <a:effectRef idx="0">
+            <a:schemeClr val="accent1"/>
+          </a:effectRef>
+          <a:fontRef idx="minor">
+            <a:schemeClr val="lt1"/>
+          </a:fontRef>
+        </p:style>
+        <p:txBody>
+          <a:bodyPr rtlCol="0" anchor="ctr"/>
+          <a:lstStyle/>
+          <a:p>
+            <a:pPr algn="ctr"/>
+            <a:endParaRPr lang="en-US"/>
+          </a:p>
+        </p:txBody>
+      </p:sp>
+      <p:sp>
+        <p:nvSpPr>
+          <p:cNvPr id="12" name="TextBox 11"/>
+          <p:cNvSpPr txBox="1"/>
+          <p:nvPr/>
+        </p:nvSpPr>
+        <p:spPr>
+          <a:xfrm>
+            <a:off x="321996" y="2496037"/>
+            <a:ext cx="1664812" cy="1077218"/>
+          </a:xfrm>
+          <a:prstGeom prst="rect">
+            <a:avLst/>
+          </a:prstGeom>
+          <a:noFill/>
+          <a:ln w="25400">
+            <a:solidFill>
+              <a:schemeClr val="accent1">
+                <a:shade val="50000"/>
+              </a:schemeClr>
+            </a:solidFill>
+          </a:ln>
+        </p:spPr>
+        <p:txBody>
+          <a:bodyPr wrap="square" rtlCol="0">
+            <a:spAutoFit/>
+          </a:bodyPr>
+          <a:lstStyle/>
+          <a:p>
+            <a:r>
+              <a:rPr lang="en-US" sz="1600" dirty="0" smtClean="0">
+                <a:solidFill>
+                  <a:srgbClr val="002060"/>
+                </a:solidFill>
+              </a:rPr>
+              <a:t>Information about the user that made the repot</a:t>
+            </a:r>
+            <a:endParaRPr lang="en-US" sz="1600" dirty="0">
+              <a:solidFill>
+                <a:srgbClr val="002060"/>
+              </a:solidFill>
+            </a:endParaRPr>
+          </a:p>
+        </p:txBody>
+      </p:sp>
+      <p:sp>
+        <p:nvSpPr>
+          <p:cNvPr id="13" name="Down Arrow 12"/>
+          <p:cNvSpPr/>
+          <p:nvPr/>
+        </p:nvSpPr>
+        <p:spPr>
+          <a:xfrm rot="8992821">
+            <a:off x="7350616" y="2921300"/>
+            <a:ext cx="504056" cy="1112758"/>
+          </a:xfrm>
+          <a:prstGeom prst="downArrow">
+            <a:avLst/>
+          </a:prstGeom>
+        </p:spPr>
+        <p:style>
+          <a:lnRef idx="2">
+            <a:schemeClr val="accent1">
+              <a:shade val="50000"/>
+            </a:schemeClr>
+          </a:lnRef>
+          <a:fillRef idx="1">
+            <a:schemeClr val="accent1"/>
+          </a:fillRef>
+          <a:effectRef idx="0">
+            <a:schemeClr val="accent1"/>
+          </a:effectRef>
+          <a:fontRef idx="minor">
+            <a:schemeClr val="lt1"/>
+          </a:fontRef>
+        </p:style>
+        <p:txBody>
+          <a:bodyPr rtlCol="0" anchor="ctr"/>
+          <a:lstStyle/>
+          <a:p>
+            <a:pPr algn="ctr"/>
+            <a:endParaRPr lang="en-US"/>
+          </a:p>
+        </p:txBody>
+      </p:sp>
+      <p:sp>
+        <p:nvSpPr>
+          <p:cNvPr id="14" name="TextBox 13"/>
+          <p:cNvSpPr txBox="1"/>
+          <p:nvPr/>
+        </p:nvSpPr>
+        <p:spPr>
+          <a:xfrm>
+            <a:off x="7250894" y="4221088"/>
+            <a:ext cx="1664812" cy="830997"/>
+          </a:xfrm>
+          <a:prstGeom prst="rect">
+            <a:avLst/>
+          </a:prstGeom>
+          <a:noFill/>
+          <a:ln w="25400">
+            <a:solidFill>
+              <a:schemeClr val="accent1">
+                <a:shade val="50000"/>
+              </a:schemeClr>
+            </a:solidFill>
+          </a:ln>
+        </p:spPr>
+        <p:txBody>
+          <a:bodyPr wrap="square" rtlCol="0">
+            <a:spAutoFit/>
+          </a:bodyPr>
+          <a:lstStyle/>
+          <a:p>
+            <a:r>
+              <a:rPr lang="en-US" sz="1600" dirty="0" smtClean="0">
+                <a:solidFill>
+                  <a:srgbClr val="002060"/>
+                </a:solidFill>
+              </a:rPr>
+              <a:t>Bans reported user from the system</a:t>
+            </a:r>
+            <a:endParaRPr lang="en-US" sz="1600" dirty="0">
+              <a:solidFill>
+                <a:srgbClr val="002060"/>
+              </a:solidFill>
+            </a:endParaRPr>
+          </a:p>
+        </p:txBody>
+      </p:sp>
     </p:spTree>
     <p:extLst>
       <p:ext uri="{BB962C8B-B14F-4D97-AF65-F5344CB8AC3E}">
@@ -9712,7 +11552,31 @@
                   <a:srgbClr val="003366"/>
                 </a:solidFill>
               </a:rPr>
-              <a:t>Specific requirements</a:t>
+              <a:t>Specific </a:t>
+            </a:r>
+            <a:r>
+              <a:rPr lang="en-US" sz="3000" dirty="0" smtClean="0">
+                <a:solidFill>
+                  <a:srgbClr val="003366"/>
+                </a:solidFill>
+              </a:rPr>
+              <a:t>requirements - </a:t>
+            </a:r>
+            <a:r>
+              <a:rPr lang="en-US" sz="3000" dirty="0">
+                <a:solidFill>
+                  <a:srgbClr val="003366"/>
+                </a:solidFill>
+              </a:rPr>
+              <a:t>Use </a:t>
+            </a:r>
+            <a:r>
+              <a:rPr lang="en-US" sz="3000" dirty="0" smtClean="0">
+                <a:solidFill>
+                  <a:srgbClr val="003366"/>
+                </a:solidFill>
+              </a:rPr>
+              <a:t>cases</a:t>
             </a:r>
             <a:endParaRPr sz="3000" dirty="0">
               <a:solidFill>
@@ -9916,16 +11780,70 @@
           </a:p>
         </p:txBody>
       </p:sp>
+      <p:pic>
+        <p:nvPicPr>
+          <p:cNvPr id="8194" name="Picture 2"/>
+          <p:cNvPicPr>
+            <a:picLocks noChangeAspect="1" noChangeArrowheads="1"/>
+          </p:cNvPicPr>
+          <p:nvPr/>
+        </p:nvPicPr>
+        <p:blipFill>
+          <a:blip r:embed="rId6">
+            <a:extLst>
+              <a:ext uri="{28A0092B-C50C-407E-A947-70E740481C1C}">
+                <a14:useLocalDpi xmlns:a14="http://schemas.microsoft.com/office/drawing/2010/main" val="0"/>
+              </a:ext>
+            </a:extLst>
+          </a:blip>
+          <a:srcRect/>
+          <a:stretch>
+            <a:fillRect/>
+          </a:stretch>
+        </p:blipFill>
+        <p:spPr bwMode="auto">
+          <a:xfrm>
+            <a:off x="528728" y="1052736"/>
+            <a:ext cx="8042464" cy="4459188"/>
+          </a:xfrm>
+          <a:prstGeom prst="rect">
+            <a:avLst/>
+          </a:prstGeom>
+          <a:noFill/>
+          <a:ln>
+            <a:noFill/>
+          </a:ln>
+          <a:extLst>
+            <a:ext uri="{909E8E84-426E-40DD-AFC4-6F175D3DCCD1}">
+              <a14:hiddenFill xmlns:a14="http://schemas.microsoft.com/office/drawing/2010/main">
+                <a:solidFill>
+                  <a:schemeClr val="accent1"/>
+                </a:solidFill>
+              </a14:hiddenFill>
+            </a:ext>
+            <a:ext uri="{91240B29-F687-4F45-9708-019B960494DF}">
+              <a14:hiddenLine xmlns:a14="http://schemas.microsoft.com/office/drawing/2010/main" w="9525">
+                <a:solidFill>
+                  <a:schemeClr val="tx1"/>
+                </a:solidFill>
+                <a:miter lim="800000"/>
+                <a:headEnd/>
+                <a:tailEnd/>
+              </a14:hiddenLine>
+            </a:ext>
+          </a:extLst>
+        </p:spPr>
+      </p:pic>
       <p:sp>
         <p:nvSpPr>
-          <p:cNvPr id="10" name="TextBox 9"/>
+          <p:cNvPr id="11" name="TextBox 10"/>
           <p:cNvSpPr txBox="1"/>
           <p:nvPr/>
         </p:nvSpPr>
         <p:spPr>
           <a:xfrm>
-            <a:off x="547350" y="980728"/>
-            <a:ext cx="7913082" cy="307777"/>
+            <a:off x="3716835" y="5589240"/>
+            <a:ext cx="1710330" cy="307777"/>
           </a:xfrm>
           <a:prstGeom prst="rect">
             <a:avLst/>
@@ -9940,7 +11858,7 @@
           <a:p>
             <a:r>
               <a:rPr lang="en-US" dirty="0" smtClean="0"/>
-              <a:t>Use cases</a:t>
+              <a:t>Sign Up use case</a:t>
             </a:r>
             <a:endParaRPr lang="en-US" dirty="0"/>
           </a:p>
@@ -10013,12 +11931,12 @@
           <a:p>
             <a:pPr lvl="0"/>
             <a:r>
-              <a:rPr lang="en-US" sz="3000" dirty="0" smtClean="0">
+              <a:rPr lang="en-US" sz="3000" dirty="0">
                 <a:solidFill>
                   <a:srgbClr val="003366"/>
                 </a:solidFill>
               </a:rPr>
-              <a:t>Specific requirements</a:t>
+              <a:t>Specific requirements - Use cases</a:t>
             </a:r>
             <a:endParaRPr sz="3000" dirty="0">
               <a:solidFill>
@@ -10222,39 +12140,9 @@
           </a:p>
         </p:txBody>
       </p:sp>
-      <p:sp>
-        <p:nvSpPr>
-          <p:cNvPr id="10" name="TextBox 9"/>
-          <p:cNvSpPr txBox="1"/>
-          <p:nvPr/>
-        </p:nvSpPr>
-        <p:spPr>
-          <a:xfrm>
-            <a:off x="547350" y="980728"/>
-            <a:ext cx="7913082" cy="307777"/>
-          </a:xfrm>
-          <a:prstGeom prst="rect">
-            <a:avLst/>
-          </a:prstGeom>
-          <a:noFill/>
-        </p:spPr>
-        <p:txBody>
-          <a:bodyPr wrap="square" rtlCol="0">
-            <a:spAutoFit/>
-          </a:bodyPr>
-          <a:lstStyle/>
-          <a:p>
-            <a:r>
-              <a:rPr lang="en-US" dirty="0" smtClean="0"/>
-              <a:t>Mockups</a:t>
-            </a:r>
-            <a:endParaRPr lang="en-US" dirty="0"/>
-          </a:p>
-        </p:txBody>
-      </p:sp>
       <p:pic>
         <p:nvPicPr>
-          <p:cNvPr id="2051" name="Picture 3" descr="D:\FAX\SW2\SW2015\Mockups\1 Guest screen.png"/>
+          <p:cNvPr id="2050" name="Picture 2"/>
           <p:cNvPicPr>
             <a:picLocks noChangeAspect="1" noChangeArrowheads="1"/>
           </p:cNvPicPr>
@@ -10275,102 +12163,33 @@
         </p:blipFill>
         <p:spPr bwMode="auto">
           <a:xfrm>
-            <a:off x="971600" y="1628800"/>
-            <a:ext cx="2266931" cy="4320000"/>
-          </a:xfrm>
-          <a:prstGeom prst="rect">
-            <a:avLst/>
-          </a:prstGeom>
-          <a:noFill/>
+            <a:off x="1" y="965057"/>
+            <a:ext cx="9143998" cy="4906535"/>
+          </a:xfrm>
+          <a:prstGeom prst="rect">
+            <a:avLst/>
+          </a:prstGeom>
+          <a:noFill/>
+          <a:ln>
+            <a:noFill/>
+          </a:ln>
           <a:extLst>
             <a:ext uri="{909E8E84-426E-40DD-AFC4-6F175D3DCCD1}">
               <a14:hiddenFill xmlns:a14="http://schemas.microsoft.com/office/drawing/2010/main">
                 <a:solidFill>
-                  <a:srgbClr val="FFFFFF"/>
+                  <a:schemeClr val="accent1"/>
                 </a:solidFill>
               </a14:hiddenFill>
             </a:ext>
-          </a:extLst>
-        </p:spPr>
-      </p:pic>
-      <p:pic>
-        <p:nvPicPr>
-          <p:cNvPr id="2052" name="Picture 4" descr="D:\FAX\SW2\SW2015\Mockups\2 SignUp.png"/>
-          <p:cNvPicPr>
-            <a:picLocks noChangeAspect="1" noChangeArrowheads="1"/>
-          </p:cNvPicPr>
-          <p:nvPr/>
-        </p:nvPicPr>
-        <p:blipFill>
-          <a:blip r:embed="rId7">
-            <a:extLst>
-              <a:ext uri="{28A0092B-C50C-407E-A947-70E740481C1C}">
-                <a14:useLocalDpi xmlns:a14="http://schemas.microsoft.com/office/drawing/2010/main" val="0"/>
-              </a:ext>
-            </a:extLst>
-          </a:blip>
-          <a:srcRect/>
-          <a:stretch>
-            <a:fillRect/>
-          </a:stretch>
-        </p:blipFill>
-        <p:spPr bwMode="auto">
-          <a:xfrm>
-            <a:off x="3563888" y="1628950"/>
-            <a:ext cx="2266931" cy="4320000"/>
-          </a:xfrm>
-          <a:prstGeom prst="rect">
-            <a:avLst/>
-          </a:prstGeom>
-          <a:noFill/>
-          <a:extLst>
-            <a:ext uri="{909E8E84-426E-40DD-AFC4-6F175D3DCCD1}">
-              <a14:hiddenFill xmlns:a14="http://schemas.microsoft.com/office/drawing/2010/main">
-                <a:solidFill>
-                  <a:srgbClr val="FFFFFF"/>
-                </a:solidFill>
-              </a14:hiddenFill>
-            </a:ext>
-          </a:extLst>
-        </p:spPr>
-      </p:pic>
-      <p:pic>
-        <p:nvPicPr>
-          <p:cNvPr id="2053" name="Picture 5" descr="D:\FAX\SW2\SW2015\Mockups\3 Sign In.png"/>
-          <p:cNvPicPr>
-            <a:picLocks noChangeAspect="1" noChangeArrowheads="1"/>
-          </p:cNvPicPr>
-          <p:nvPr/>
-        </p:nvPicPr>
-        <p:blipFill>
-          <a:blip r:embed="rId8">
-            <a:extLst>
-              <a:ext uri="{28A0092B-C50C-407E-A947-70E740481C1C}">
-                <a14:useLocalDpi xmlns:a14="http://schemas.microsoft.com/office/drawing/2010/main" val="0"/>
-              </a:ext>
-            </a:extLst>
-          </a:blip>
-          <a:srcRect/>
-          <a:stretch>
-            <a:fillRect/>
-          </a:stretch>
-        </p:blipFill>
-        <p:spPr bwMode="auto">
-          <a:xfrm>
-            <a:off x="6193501" y="1654285"/>
-            <a:ext cx="2266931" cy="4320000"/>
-          </a:xfrm>
-          <a:prstGeom prst="rect">
-            <a:avLst/>
-          </a:prstGeom>
-          <a:noFill/>
-          <a:extLst>
-            <a:ext uri="{909E8E84-426E-40DD-AFC4-6F175D3DCCD1}">
-              <a14:hiddenFill xmlns:a14="http://schemas.microsoft.com/office/drawing/2010/main">
-                <a:solidFill>
-                  <a:srgbClr val="FFFFFF"/>
-                </a:solidFill>
-              </a14:hiddenFill>
+            <a:ext uri="{91240B29-F687-4F45-9708-019B960494DF}">
+              <a14:hiddenLine xmlns:a14="http://schemas.microsoft.com/office/drawing/2010/main" w="9525">
+                <a:solidFill>
+                  <a:schemeClr val="tx1"/>
+                </a:solidFill>
+                <a:miter lim="800000"/>
+                <a:headEnd/>
+                <a:tailEnd/>
+              </a14:hiddenLine>
             </a:ext>
           </a:extLst>
         </p:spPr>
@@ -10403,7 +12222,7 @@
   <p:cSld>
     <p:spTree>
       <p:nvGrpSpPr>
-        <p:cNvPr id="1" name=""/>
+        <p:cNvPr id="1" name="Shape 32"/>
         <p:cNvGrpSpPr/>
         <p:nvPr/>
       </p:nvGrpSpPr>
@@ -10417,52 +12236,1165 @@
       </p:grpSpPr>
       <p:sp>
         <p:nvSpPr>
-          <p:cNvPr id="2" name="Title 1"/>
-          <p:cNvSpPr>
+          <p:cNvPr id="33" name="Shape 33"/>
+          <p:cNvSpPr txBox="1">
             <a:spLocks noGrp="1"/>
           </p:cNvSpPr>
           <p:nvPr>
             <p:ph type="title"/>
           </p:nvPr>
         </p:nvSpPr>
-        <p:spPr/>
+        <p:spPr>
+          <a:xfrm>
+            <a:off x="837450" y="131950"/>
+            <a:ext cx="8136900" cy="498599"/>
+          </a:xfrm>
+          <a:prstGeom prst="rect">
+            <a:avLst/>
+          </a:prstGeom>
+        </p:spPr>
         <p:txBody>
-          <a:bodyPr/>
+          <a:bodyPr lIns="91425" tIns="91425" rIns="91425" bIns="91425" anchor="b" anchorCtr="0">
+            <a:noAutofit/>
+          </a:bodyPr>
           <a:lstStyle/>
           <a:p>
-            <a:endParaRPr lang="en-US"/>
+            <a:pPr lvl="0"/>
+            <a:r>
+              <a:rPr lang="en-US" sz="3000" dirty="0">
+                <a:solidFill>
+                  <a:srgbClr val="003366"/>
+                </a:solidFill>
+              </a:rPr>
+              <a:t>Specific requirements - Use cases</a:t>
+            </a:r>
+            <a:endParaRPr sz="3000" dirty="0">
+              <a:solidFill>
+                <a:srgbClr val="003366"/>
+              </a:solidFill>
+            </a:endParaRPr>
+          </a:p>
+        </p:txBody>
+      </p:sp>
+      <p:pic>
+        <p:nvPicPr>
+          <p:cNvPr id="35" name="Shape 35"/>
+          <p:cNvPicPr preferRelativeResize="0"/>
+          <p:nvPr/>
+        </p:nvPicPr>
+        <p:blipFill>
+          <a:blip r:embed="rId3">
+            <a:alphaModFix/>
+          </a:blip>
+          <a:stretch>
+            <a:fillRect/>
+          </a:stretch>
+        </p:blipFill>
+        <p:spPr>
+          <a:xfrm>
+            <a:off x="82450" y="65950"/>
+            <a:ext cx="464900" cy="498650"/>
+          </a:xfrm>
+          <a:prstGeom prst="rect">
+            <a:avLst/>
+          </a:prstGeom>
+          <a:noFill/>
+          <a:ln>
+            <a:noFill/>
+          </a:ln>
+        </p:spPr>
+      </p:pic>
+      <p:pic>
+        <p:nvPicPr>
+          <p:cNvPr id="36" name="Shape 36"/>
+          <p:cNvPicPr preferRelativeResize="0"/>
+          <p:nvPr/>
+        </p:nvPicPr>
+        <p:blipFill>
+          <a:blip r:embed="rId4">
+            <a:alphaModFix/>
+          </a:blip>
+          <a:stretch>
+            <a:fillRect/>
+          </a:stretch>
+        </p:blipFill>
+        <p:spPr>
+          <a:xfrm>
+            <a:off x="0" y="630539"/>
+            <a:ext cx="9143998" cy="97471"/>
+          </a:xfrm>
+          <a:prstGeom prst="rect">
+            <a:avLst/>
+          </a:prstGeom>
+          <a:noFill/>
+          <a:ln>
+            <a:noFill/>
+          </a:ln>
+        </p:spPr>
+      </p:pic>
+      <p:cxnSp>
+        <p:nvCxnSpPr>
+          <p:cNvPr id="37" name="Shape 37"/>
+          <p:cNvCxnSpPr/>
+          <p:nvPr/>
+        </p:nvCxnSpPr>
+        <p:spPr>
+          <a:xfrm rot="10800000">
+            <a:off x="691550" y="125"/>
+            <a:ext cx="0" cy="630299"/>
+          </a:xfrm>
+          <a:prstGeom prst="straightConnector1">
+            <a:avLst/>
+          </a:prstGeom>
+          <a:noFill/>
+          <a:ln w="9525" cap="flat" cmpd="sng">
+            <a:solidFill>
+              <a:srgbClr val="003366"/>
+            </a:solidFill>
+            <a:prstDash val="solid"/>
+            <a:round/>
+            <a:headEnd type="none" w="lg" len="lg"/>
+            <a:tailEnd type="none" w="lg" len="lg"/>
+          </a:ln>
+        </p:spPr>
+      </p:cxnSp>
+      <p:sp>
+        <p:nvSpPr>
+          <p:cNvPr id="38" name="Shape 38"/>
+          <p:cNvSpPr txBox="1"/>
+          <p:nvPr/>
+        </p:nvSpPr>
+        <p:spPr>
+          <a:xfrm>
+            <a:off x="6783700" y="6531000"/>
+            <a:ext cx="2599200" cy="363899"/>
+          </a:xfrm>
+          <a:prstGeom prst="rect">
+            <a:avLst/>
+          </a:prstGeom>
+          <a:noFill/>
+          <a:ln>
+            <a:noFill/>
+          </a:ln>
+        </p:spPr>
+        <p:txBody>
+          <a:bodyPr lIns="91425" tIns="91425" rIns="91425" bIns="91425" anchor="t" anchorCtr="0">
+            <a:noAutofit/>
+          </a:bodyPr>
+          <a:lstStyle/>
+          <a:p>
+            <a:pPr lvl="0" rtl="0">
+              <a:spcBef>
+                <a:spcPts val="0"/>
+              </a:spcBef>
+              <a:buNone/>
+            </a:pPr>
+            <a:r>
+              <a:rPr lang="it" sz="1200" b="1">
+                <a:solidFill>
+                  <a:srgbClr val="FFFFFF"/>
+                </a:solidFill>
+              </a:rPr>
+              <a:t>POLITECNICO DI MILANO</a:t>
+            </a:r>
+          </a:p>
+        </p:txBody>
+      </p:sp>
+      <p:pic>
+        <p:nvPicPr>
+          <p:cNvPr id="39" name="Shape 39"/>
+          <p:cNvPicPr preferRelativeResize="0"/>
+          <p:nvPr/>
+        </p:nvPicPr>
+        <p:blipFill>
+          <a:blip r:embed="rId5">
+            <a:alphaModFix/>
+          </a:blip>
+          <a:stretch>
+            <a:fillRect/>
+          </a:stretch>
+        </p:blipFill>
+        <p:spPr>
+          <a:xfrm>
+            <a:off x="0" y="6571225"/>
+            <a:ext cx="9144000" cy="286775"/>
+          </a:xfrm>
+          <a:prstGeom prst="rect">
+            <a:avLst/>
+          </a:prstGeom>
+          <a:noFill/>
+          <a:ln>
+            <a:noFill/>
+          </a:ln>
+        </p:spPr>
+      </p:pic>
+      <p:sp>
+        <p:nvSpPr>
+          <p:cNvPr id="40" name="Shape 40"/>
+          <p:cNvSpPr txBox="1">
+            <a:spLocks noGrp="1"/>
+          </p:cNvSpPr>
+          <p:nvPr>
+            <p:ph type="ctrTitle" idx="4294967295"/>
+          </p:nvPr>
+        </p:nvSpPr>
+        <p:spPr>
+          <a:xfrm>
+            <a:off x="2196425" y="6531000"/>
+            <a:ext cx="3238799" cy="424199"/>
+          </a:xfrm>
+          <a:prstGeom prst="rect">
+            <a:avLst/>
+          </a:prstGeom>
+        </p:spPr>
+        <p:txBody>
+          <a:bodyPr lIns="91425" tIns="91425" rIns="91425" bIns="91425" anchor="ctr" anchorCtr="0">
+            <a:noAutofit/>
+          </a:bodyPr>
+          <a:lstStyle/>
+          <a:p>
+            <a:pPr lvl="0" indent="457200" rtl="0">
+              <a:lnSpc>
+                <a:spcPct val="115000"/>
+              </a:lnSpc>
+              <a:spcBef>
+                <a:spcPts val="0"/>
+              </a:spcBef>
+              <a:buNone/>
+            </a:pPr>
+            <a:endParaRPr sz="1300">
+              <a:solidFill>
+                <a:srgbClr val="003366"/>
+              </a:solidFill>
+            </a:endParaRPr>
           </a:p>
         </p:txBody>
       </p:sp>
       <p:sp>
         <p:nvSpPr>
-          <p:cNvPr id="3" name="Text Placeholder 2"/>
-          <p:cNvSpPr>
-            <a:spLocks noGrp="1"/>
-          </p:cNvSpPr>
-          <p:nvPr>
-            <p:ph type="body" idx="1"/>
-          </p:nvPr>
+          <p:cNvPr id="10" name="TextBox 9"/>
+          <p:cNvSpPr txBox="1"/>
+          <p:nvPr/>
         </p:nvSpPr>
-        <p:spPr/>
+        <p:spPr>
+          <a:xfrm>
+            <a:off x="547350" y="980728"/>
+            <a:ext cx="7913082" cy="307777"/>
+          </a:xfrm>
+          <a:prstGeom prst="rect">
+            <a:avLst/>
+          </a:prstGeom>
+          <a:noFill/>
+        </p:spPr>
         <p:txBody>
-          <a:bodyPr/>
+          <a:bodyPr wrap="square" rtlCol="0">
+            <a:spAutoFit/>
+          </a:bodyPr>
           <a:lstStyle/>
           <a:p>
+            <a:r>
+              <a:rPr lang="en-US" dirty="0" smtClean="0"/>
+              <a:t>Use cases</a:t>
+            </a:r>
             <a:endParaRPr lang="en-US" dirty="0"/>
           </a:p>
         </p:txBody>
       </p:sp>
+      <p:pic>
+        <p:nvPicPr>
+          <p:cNvPr id="3074" name="Picture 2"/>
+          <p:cNvPicPr>
+            <a:picLocks noChangeAspect="1" noChangeArrowheads="1"/>
+          </p:cNvPicPr>
+          <p:nvPr/>
+        </p:nvPicPr>
+        <p:blipFill>
+          <a:blip r:embed="rId6">
+            <a:extLst>
+              <a:ext uri="{28A0092B-C50C-407E-A947-70E740481C1C}">
+                <a14:useLocalDpi xmlns:a14="http://schemas.microsoft.com/office/drawing/2010/main" val="0"/>
+              </a:ext>
+            </a:extLst>
+          </a:blip>
+          <a:srcRect/>
+          <a:stretch>
+            <a:fillRect/>
+          </a:stretch>
+        </p:blipFill>
+        <p:spPr bwMode="auto">
+          <a:xfrm>
+            <a:off x="547350" y="980728"/>
+            <a:ext cx="5067300" cy="1790700"/>
+          </a:xfrm>
+          <a:prstGeom prst="rect">
+            <a:avLst/>
+          </a:prstGeom>
+          <a:noFill/>
+          <a:ln>
+            <a:noFill/>
+          </a:ln>
+          <a:extLst>
+            <a:ext uri="{909E8E84-426E-40DD-AFC4-6F175D3DCCD1}">
+              <a14:hiddenFill xmlns:a14="http://schemas.microsoft.com/office/drawing/2010/main">
+                <a:solidFill>
+                  <a:schemeClr val="accent1"/>
+                </a:solidFill>
+              </a14:hiddenFill>
+            </a:ext>
+            <a:ext uri="{91240B29-F687-4F45-9708-019B960494DF}">
+              <a14:hiddenLine xmlns:a14="http://schemas.microsoft.com/office/drawing/2010/main" w="9525">
+                <a:solidFill>
+                  <a:schemeClr val="tx1"/>
+                </a:solidFill>
+                <a:miter lim="800000"/>
+                <a:headEnd/>
+                <a:tailEnd/>
+              </a14:hiddenLine>
+            </a:ext>
+          </a:extLst>
+        </p:spPr>
+      </p:pic>
+      <p:pic>
+        <p:nvPicPr>
+          <p:cNvPr id="3075" name="Picture 3"/>
+          <p:cNvPicPr>
+            <a:picLocks noChangeAspect="1" noChangeArrowheads="1"/>
+          </p:cNvPicPr>
+          <p:nvPr/>
+        </p:nvPicPr>
+        <p:blipFill>
+          <a:blip r:embed="rId7">
+            <a:extLst>
+              <a:ext uri="{28A0092B-C50C-407E-A947-70E740481C1C}">
+                <a14:useLocalDpi xmlns:a14="http://schemas.microsoft.com/office/drawing/2010/main" val="0"/>
+              </a:ext>
+            </a:extLst>
+          </a:blip>
+          <a:srcRect/>
+          <a:stretch>
+            <a:fillRect/>
+          </a:stretch>
+        </p:blipFill>
+        <p:spPr bwMode="auto">
+          <a:xfrm>
+            <a:off x="2314237" y="2771428"/>
+            <a:ext cx="6600825" cy="3086100"/>
+          </a:xfrm>
+          <a:prstGeom prst="rect">
+            <a:avLst/>
+          </a:prstGeom>
+          <a:noFill/>
+          <a:ln>
+            <a:noFill/>
+          </a:ln>
+          <a:extLst>
+            <a:ext uri="{909E8E84-426E-40DD-AFC4-6F175D3DCCD1}">
+              <a14:hiddenFill xmlns:a14="http://schemas.microsoft.com/office/drawing/2010/main">
+                <a:solidFill>
+                  <a:schemeClr val="accent1"/>
+                </a:solidFill>
+              </a14:hiddenFill>
+            </a:ext>
+            <a:ext uri="{91240B29-F687-4F45-9708-019B960494DF}">
+              <a14:hiddenLine xmlns:a14="http://schemas.microsoft.com/office/drawing/2010/main" w="9525">
+                <a:solidFill>
+                  <a:schemeClr val="tx1"/>
+                </a:solidFill>
+                <a:miter lim="800000"/>
+                <a:headEnd/>
+                <a:tailEnd/>
+              </a14:hiddenLine>
+            </a:ext>
+          </a:extLst>
+        </p:spPr>
+      </p:pic>
     </p:spTree>
     <p:extLst>
       <p:ext uri="{BB962C8B-B14F-4D97-AF65-F5344CB8AC3E}">
-        <p14:creationId xmlns:p14="http://schemas.microsoft.com/office/powerpoint/2010/main" val="1853144325"/>
+        <p14:creationId xmlns:p14="http://schemas.microsoft.com/office/powerpoint/2010/main" val="3158333181"/>
       </p:ext>
     </p:extLst>
   </p:cSld>
   <p:clrMapOvr>
     <a:masterClrMapping/>
   </p:clrMapOvr>
+  <p:transition spd="slow">
+    <p:cut/>
+  </p:transition>
+  <p:timing>
+    <p:tnLst>
+      <p:par>
+        <p:cTn id="1" dur="indefinite" restart="never" nodeType="tmRoot"/>
+      </p:par>
+    </p:tnLst>
+  </p:timing>
+</p:sld>
+</file>
+
+<file path=ppt/slides/slide18.xml><?xml version="1.0" encoding="utf-8"?>
+<p:sld xmlns:a="http://schemas.openxmlformats.org/drawingml/2006/main" xmlns:r="http://schemas.openxmlformats.org/officeDocument/2006/relationships" xmlns:p="http://schemas.openxmlformats.org/presentationml/2006/main">
+  <p:cSld>
+    <p:spTree>
+      <p:nvGrpSpPr>
+        <p:cNvPr id="1" name="Shape 32"/>
+        <p:cNvGrpSpPr/>
+        <p:nvPr/>
+      </p:nvGrpSpPr>
+      <p:grpSpPr>
+        <a:xfrm>
+          <a:off x="0" y="0"/>
+          <a:ext cx="0" cy="0"/>
+          <a:chOff x="0" y="0"/>
+          <a:chExt cx="0" cy="0"/>
+        </a:xfrm>
+      </p:grpSpPr>
+      <p:sp>
+        <p:nvSpPr>
+          <p:cNvPr id="33" name="Shape 33"/>
+          <p:cNvSpPr txBox="1">
+            <a:spLocks noGrp="1"/>
+          </p:cNvSpPr>
+          <p:nvPr>
+            <p:ph type="title"/>
+          </p:nvPr>
+        </p:nvSpPr>
+        <p:spPr>
+          <a:xfrm>
+            <a:off x="837450" y="131950"/>
+            <a:ext cx="8136900" cy="498599"/>
+          </a:xfrm>
+          <a:prstGeom prst="rect">
+            <a:avLst/>
+          </a:prstGeom>
+        </p:spPr>
+        <p:txBody>
+          <a:bodyPr lIns="91425" tIns="91425" rIns="91425" bIns="91425" anchor="b" anchorCtr="0">
+            <a:noAutofit/>
+          </a:bodyPr>
+          <a:lstStyle/>
+          <a:p>
+            <a:pPr lvl="0"/>
+            <a:r>
+              <a:rPr lang="en-US" sz="3000" dirty="0">
+                <a:solidFill>
+                  <a:srgbClr val="003366"/>
+                </a:solidFill>
+              </a:rPr>
+              <a:t>Specific requirements - Use cases</a:t>
+            </a:r>
+            <a:endParaRPr sz="3000" dirty="0">
+              <a:solidFill>
+                <a:srgbClr val="003366"/>
+              </a:solidFill>
+            </a:endParaRPr>
+          </a:p>
+        </p:txBody>
+      </p:sp>
+      <p:pic>
+        <p:nvPicPr>
+          <p:cNvPr id="35" name="Shape 35"/>
+          <p:cNvPicPr preferRelativeResize="0"/>
+          <p:nvPr/>
+        </p:nvPicPr>
+        <p:blipFill>
+          <a:blip r:embed="rId3">
+            <a:alphaModFix/>
+          </a:blip>
+          <a:stretch>
+            <a:fillRect/>
+          </a:stretch>
+        </p:blipFill>
+        <p:spPr>
+          <a:xfrm>
+            <a:off x="82450" y="65950"/>
+            <a:ext cx="464900" cy="498650"/>
+          </a:xfrm>
+          <a:prstGeom prst="rect">
+            <a:avLst/>
+          </a:prstGeom>
+          <a:noFill/>
+          <a:ln>
+            <a:noFill/>
+          </a:ln>
+        </p:spPr>
+      </p:pic>
+      <p:pic>
+        <p:nvPicPr>
+          <p:cNvPr id="36" name="Shape 36"/>
+          <p:cNvPicPr preferRelativeResize="0"/>
+          <p:nvPr/>
+        </p:nvPicPr>
+        <p:blipFill>
+          <a:blip r:embed="rId4">
+            <a:alphaModFix/>
+          </a:blip>
+          <a:stretch>
+            <a:fillRect/>
+          </a:stretch>
+        </p:blipFill>
+        <p:spPr>
+          <a:xfrm>
+            <a:off x="0" y="630539"/>
+            <a:ext cx="9143998" cy="97471"/>
+          </a:xfrm>
+          <a:prstGeom prst="rect">
+            <a:avLst/>
+          </a:prstGeom>
+          <a:noFill/>
+          <a:ln>
+            <a:noFill/>
+          </a:ln>
+        </p:spPr>
+      </p:pic>
+      <p:cxnSp>
+        <p:nvCxnSpPr>
+          <p:cNvPr id="37" name="Shape 37"/>
+          <p:cNvCxnSpPr/>
+          <p:nvPr/>
+        </p:nvCxnSpPr>
+        <p:spPr>
+          <a:xfrm rot="10800000">
+            <a:off x="691550" y="125"/>
+            <a:ext cx="0" cy="630299"/>
+          </a:xfrm>
+          <a:prstGeom prst="straightConnector1">
+            <a:avLst/>
+          </a:prstGeom>
+          <a:noFill/>
+          <a:ln w="9525" cap="flat" cmpd="sng">
+            <a:solidFill>
+              <a:srgbClr val="003366"/>
+            </a:solidFill>
+            <a:prstDash val="solid"/>
+            <a:round/>
+            <a:headEnd type="none" w="lg" len="lg"/>
+            <a:tailEnd type="none" w="lg" len="lg"/>
+          </a:ln>
+        </p:spPr>
+      </p:cxnSp>
+      <p:sp>
+        <p:nvSpPr>
+          <p:cNvPr id="38" name="Shape 38"/>
+          <p:cNvSpPr txBox="1"/>
+          <p:nvPr/>
+        </p:nvSpPr>
+        <p:spPr>
+          <a:xfrm>
+            <a:off x="6783700" y="6531000"/>
+            <a:ext cx="2599200" cy="363899"/>
+          </a:xfrm>
+          <a:prstGeom prst="rect">
+            <a:avLst/>
+          </a:prstGeom>
+          <a:noFill/>
+          <a:ln>
+            <a:noFill/>
+          </a:ln>
+        </p:spPr>
+        <p:txBody>
+          <a:bodyPr lIns="91425" tIns="91425" rIns="91425" bIns="91425" anchor="t" anchorCtr="0">
+            <a:noAutofit/>
+          </a:bodyPr>
+          <a:lstStyle/>
+          <a:p>
+            <a:pPr lvl="0" rtl="0">
+              <a:spcBef>
+                <a:spcPts val="0"/>
+              </a:spcBef>
+              <a:buNone/>
+            </a:pPr>
+            <a:r>
+              <a:rPr lang="it" sz="1200" b="1">
+                <a:solidFill>
+                  <a:srgbClr val="FFFFFF"/>
+                </a:solidFill>
+              </a:rPr>
+              <a:t>POLITECNICO DI MILANO</a:t>
+            </a:r>
+          </a:p>
+        </p:txBody>
+      </p:sp>
+      <p:pic>
+        <p:nvPicPr>
+          <p:cNvPr id="39" name="Shape 39"/>
+          <p:cNvPicPr preferRelativeResize="0"/>
+          <p:nvPr/>
+        </p:nvPicPr>
+        <p:blipFill>
+          <a:blip r:embed="rId5">
+            <a:alphaModFix/>
+          </a:blip>
+          <a:stretch>
+            <a:fillRect/>
+          </a:stretch>
+        </p:blipFill>
+        <p:spPr>
+          <a:xfrm>
+            <a:off x="0" y="6571225"/>
+            <a:ext cx="9144000" cy="286775"/>
+          </a:xfrm>
+          <a:prstGeom prst="rect">
+            <a:avLst/>
+          </a:prstGeom>
+          <a:noFill/>
+          <a:ln>
+            <a:noFill/>
+          </a:ln>
+        </p:spPr>
+      </p:pic>
+      <p:sp>
+        <p:nvSpPr>
+          <p:cNvPr id="40" name="Shape 40"/>
+          <p:cNvSpPr txBox="1">
+            <a:spLocks noGrp="1"/>
+          </p:cNvSpPr>
+          <p:nvPr>
+            <p:ph type="ctrTitle" idx="4294967295"/>
+          </p:nvPr>
+        </p:nvSpPr>
+        <p:spPr>
+          <a:xfrm>
+            <a:off x="2196425" y="6531000"/>
+            <a:ext cx="3238799" cy="424199"/>
+          </a:xfrm>
+          <a:prstGeom prst="rect">
+            <a:avLst/>
+          </a:prstGeom>
+        </p:spPr>
+        <p:txBody>
+          <a:bodyPr lIns="91425" tIns="91425" rIns="91425" bIns="91425" anchor="ctr" anchorCtr="0">
+            <a:noAutofit/>
+          </a:bodyPr>
+          <a:lstStyle/>
+          <a:p>
+            <a:pPr lvl="0" indent="457200" rtl="0">
+              <a:lnSpc>
+                <a:spcPct val="115000"/>
+              </a:lnSpc>
+              <a:spcBef>
+                <a:spcPts val="0"/>
+              </a:spcBef>
+              <a:buNone/>
+            </a:pPr>
+            <a:endParaRPr sz="1300">
+              <a:solidFill>
+                <a:srgbClr val="003366"/>
+              </a:solidFill>
+            </a:endParaRPr>
+          </a:p>
+        </p:txBody>
+      </p:sp>
+      <p:sp>
+        <p:nvSpPr>
+          <p:cNvPr id="10" name="TextBox 9"/>
+          <p:cNvSpPr txBox="1"/>
+          <p:nvPr/>
+        </p:nvSpPr>
+        <p:spPr>
+          <a:xfrm>
+            <a:off x="547350" y="980728"/>
+            <a:ext cx="7913082" cy="307777"/>
+          </a:xfrm>
+          <a:prstGeom prst="rect">
+            <a:avLst/>
+          </a:prstGeom>
+          <a:noFill/>
+        </p:spPr>
+        <p:txBody>
+          <a:bodyPr wrap="square" rtlCol="0">
+            <a:spAutoFit/>
+          </a:bodyPr>
+          <a:lstStyle/>
+          <a:p>
+            <a:r>
+              <a:rPr lang="en-US" dirty="0" smtClean="0"/>
+              <a:t>Use cases</a:t>
+            </a:r>
+            <a:endParaRPr lang="en-US" dirty="0"/>
+          </a:p>
+        </p:txBody>
+      </p:sp>
+      <p:pic>
+        <p:nvPicPr>
+          <p:cNvPr id="4098" name="Picture 2"/>
+          <p:cNvPicPr>
+            <a:picLocks noChangeAspect="1" noChangeArrowheads="1"/>
+          </p:cNvPicPr>
+          <p:nvPr/>
+        </p:nvPicPr>
+        <p:blipFill>
+          <a:blip r:embed="rId6">
+            <a:extLst>
+              <a:ext uri="{28A0092B-C50C-407E-A947-70E740481C1C}">
+                <a14:useLocalDpi xmlns:a14="http://schemas.microsoft.com/office/drawing/2010/main" val="0"/>
+              </a:ext>
+            </a:extLst>
+          </a:blip>
+          <a:srcRect/>
+          <a:stretch>
+            <a:fillRect/>
+          </a:stretch>
+        </p:blipFill>
+        <p:spPr bwMode="auto">
+          <a:xfrm>
+            <a:off x="327493" y="961922"/>
+            <a:ext cx="5476875" cy="1790700"/>
+          </a:xfrm>
+          <a:prstGeom prst="rect">
+            <a:avLst/>
+          </a:prstGeom>
+          <a:noFill/>
+          <a:ln>
+            <a:noFill/>
+          </a:ln>
+          <a:extLst>
+            <a:ext uri="{909E8E84-426E-40DD-AFC4-6F175D3DCCD1}">
+              <a14:hiddenFill xmlns:a14="http://schemas.microsoft.com/office/drawing/2010/main">
+                <a:solidFill>
+                  <a:schemeClr val="accent1"/>
+                </a:solidFill>
+              </a14:hiddenFill>
+            </a:ext>
+            <a:ext uri="{91240B29-F687-4F45-9708-019B960494DF}">
+              <a14:hiddenLine xmlns:a14="http://schemas.microsoft.com/office/drawing/2010/main" w="9525">
+                <a:solidFill>
+                  <a:schemeClr val="tx1"/>
+                </a:solidFill>
+                <a:miter lim="800000"/>
+                <a:headEnd/>
+                <a:tailEnd/>
+              </a14:hiddenLine>
+            </a:ext>
+          </a:extLst>
+        </p:spPr>
+      </p:pic>
+      <p:pic>
+        <p:nvPicPr>
+          <p:cNvPr id="4099" name="Picture 3"/>
+          <p:cNvPicPr>
+            <a:picLocks noChangeAspect="1" noChangeArrowheads="1"/>
+          </p:cNvPicPr>
+          <p:nvPr/>
+        </p:nvPicPr>
+        <p:blipFill>
+          <a:blip r:embed="rId7">
+            <a:extLst>
+              <a:ext uri="{28A0092B-C50C-407E-A947-70E740481C1C}">
+                <a14:useLocalDpi xmlns:a14="http://schemas.microsoft.com/office/drawing/2010/main" val="0"/>
+              </a:ext>
+            </a:extLst>
+          </a:blip>
+          <a:srcRect/>
+          <a:stretch>
+            <a:fillRect/>
+          </a:stretch>
+        </p:blipFill>
+        <p:spPr bwMode="auto">
+          <a:xfrm>
+            <a:off x="2051720" y="3429000"/>
+            <a:ext cx="6629400" cy="2076450"/>
+          </a:xfrm>
+          <a:prstGeom prst="rect">
+            <a:avLst/>
+          </a:prstGeom>
+          <a:noFill/>
+          <a:ln>
+            <a:noFill/>
+          </a:ln>
+          <a:extLst>
+            <a:ext uri="{909E8E84-426E-40DD-AFC4-6F175D3DCCD1}">
+              <a14:hiddenFill xmlns:a14="http://schemas.microsoft.com/office/drawing/2010/main">
+                <a:solidFill>
+                  <a:schemeClr val="accent1"/>
+                </a:solidFill>
+              </a14:hiddenFill>
+            </a:ext>
+            <a:ext uri="{91240B29-F687-4F45-9708-019B960494DF}">
+              <a14:hiddenLine xmlns:a14="http://schemas.microsoft.com/office/drawing/2010/main" w="9525">
+                <a:solidFill>
+                  <a:schemeClr val="tx1"/>
+                </a:solidFill>
+                <a:miter lim="800000"/>
+                <a:headEnd/>
+                <a:tailEnd/>
+              </a14:hiddenLine>
+            </a:ext>
+          </a:extLst>
+        </p:spPr>
+      </p:pic>
+    </p:spTree>
+    <p:extLst>
+      <p:ext uri="{BB962C8B-B14F-4D97-AF65-F5344CB8AC3E}">
+        <p14:creationId xmlns:p14="http://schemas.microsoft.com/office/powerpoint/2010/main" val="2735163735"/>
+      </p:ext>
+    </p:extLst>
+  </p:cSld>
+  <p:clrMapOvr>
+    <a:masterClrMapping/>
+  </p:clrMapOvr>
+  <p:transition spd="slow">
+    <p:cut/>
+  </p:transition>
+  <p:timing>
+    <p:tnLst>
+      <p:par>
+        <p:cTn id="1" dur="indefinite" restart="never" nodeType="tmRoot"/>
+      </p:par>
+    </p:tnLst>
+  </p:timing>
+</p:sld>
+</file>
+
+<file path=ppt/slides/slide19.xml><?xml version="1.0" encoding="utf-8"?>
+<p:sld xmlns:a="http://schemas.openxmlformats.org/drawingml/2006/main" xmlns:r="http://schemas.openxmlformats.org/officeDocument/2006/relationships" xmlns:p="http://schemas.openxmlformats.org/presentationml/2006/main">
+  <p:cSld>
+    <p:spTree>
+      <p:nvGrpSpPr>
+        <p:cNvPr id="1" name="Shape 32"/>
+        <p:cNvGrpSpPr/>
+        <p:nvPr/>
+      </p:nvGrpSpPr>
+      <p:grpSpPr>
+        <a:xfrm>
+          <a:off x="0" y="0"/>
+          <a:ext cx="0" cy="0"/>
+          <a:chOff x="0" y="0"/>
+          <a:chExt cx="0" cy="0"/>
+        </a:xfrm>
+      </p:grpSpPr>
+      <p:sp>
+        <p:nvSpPr>
+          <p:cNvPr id="33" name="Shape 33"/>
+          <p:cNvSpPr txBox="1">
+            <a:spLocks noGrp="1"/>
+          </p:cNvSpPr>
+          <p:nvPr>
+            <p:ph type="title"/>
+          </p:nvPr>
+        </p:nvSpPr>
+        <p:spPr>
+          <a:xfrm>
+            <a:off x="837450" y="131950"/>
+            <a:ext cx="8136900" cy="498599"/>
+          </a:xfrm>
+          <a:prstGeom prst="rect">
+            <a:avLst/>
+          </a:prstGeom>
+        </p:spPr>
+        <p:txBody>
+          <a:bodyPr lIns="91425" tIns="91425" rIns="91425" bIns="91425" anchor="b" anchorCtr="0">
+            <a:noAutofit/>
+          </a:bodyPr>
+          <a:lstStyle/>
+          <a:p>
+            <a:pPr lvl="0"/>
+            <a:r>
+              <a:rPr lang="en-US" sz="3000" dirty="0">
+                <a:solidFill>
+                  <a:srgbClr val="003366"/>
+                </a:solidFill>
+              </a:rPr>
+              <a:t>Specific requirements - Use cases</a:t>
+            </a:r>
+            <a:endParaRPr sz="3000" dirty="0">
+              <a:solidFill>
+                <a:srgbClr val="003366"/>
+              </a:solidFill>
+            </a:endParaRPr>
+          </a:p>
+        </p:txBody>
+      </p:sp>
+      <p:pic>
+        <p:nvPicPr>
+          <p:cNvPr id="35" name="Shape 35"/>
+          <p:cNvPicPr preferRelativeResize="0"/>
+          <p:nvPr/>
+        </p:nvPicPr>
+        <p:blipFill>
+          <a:blip r:embed="rId3">
+            <a:alphaModFix/>
+          </a:blip>
+          <a:stretch>
+            <a:fillRect/>
+          </a:stretch>
+        </p:blipFill>
+        <p:spPr>
+          <a:xfrm>
+            <a:off x="82450" y="65950"/>
+            <a:ext cx="464900" cy="498650"/>
+          </a:xfrm>
+          <a:prstGeom prst="rect">
+            <a:avLst/>
+          </a:prstGeom>
+          <a:noFill/>
+          <a:ln>
+            <a:noFill/>
+          </a:ln>
+        </p:spPr>
+      </p:pic>
+      <p:pic>
+        <p:nvPicPr>
+          <p:cNvPr id="36" name="Shape 36"/>
+          <p:cNvPicPr preferRelativeResize="0"/>
+          <p:nvPr/>
+        </p:nvPicPr>
+        <p:blipFill>
+          <a:blip r:embed="rId4">
+            <a:alphaModFix/>
+          </a:blip>
+          <a:stretch>
+            <a:fillRect/>
+          </a:stretch>
+        </p:blipFill>
+        <p:spPr>
+          <a:xfrm>
+            <a:off x="0" y="630539"/>
+            <a:ext cx="9143998" cy="97471"/>
+          </a:xfrm>
+          <a:prstGeom prst="rect">
+            <a:avLst/>
+          </a:prstGeom>
+          <a:noFill/>
+          <a:ln>
+            <a:noFill/>
+          </a:ln>
+        </p:spPr>
+      </p:pic>
+      <p:cxnSp>
+        <p:nvCxnSpPr>
+          <p:cNvPr id="37" name="Shape 37"/>
+          <p:cNvCxnSpPr/>
+          <p:nvPr/>
+        </p:nvCxnSpPr>
+        <p:spPr>
+          <a:xfrm rot="10800000">
+            <a:off x="691550" y="125"/>
+            <a:ext cx="0" cy="630299"/>
+          </a:xfrm>
+          <a:prstGeom prst="straightConnector1">
+            <a:avLst/>
+          </a:prstGeom>
+          <a:noFill/>
+          <a:ln w="9525" cap="flat" cmpd="sng">
+            <a:solidFill>
+              <a:srgbClr val="003366"/>
+            </a:solidFill>
+            <a:prstDash val="solid"/>
+            <a:round/>
+            <a:headEnd type="none" w="lg" len="lg"/>
+            <a:tailEnd type="none" w="lg" len="lg"/>
+          </a:ln>
+        </p:spPr>
+      </p:cxnSp>
+      <p:sp>
+        <p:nvSpPr>
+          <p:cNvPr id="38" name="Shape 38"/>
+          <p:cNvSpPr txBox="1"/>
+          <p:nvPr/>
+        </p:nvSpPr>
+        <p:spPr>
+          <a:xfrm>
+            <a:off x="6783700" y="6531000"/>
+            <a:ext cx="2599200" cy="363899"/>
+          </a:xfrm>
+          <a:prstGeom prst="rect">
+            <a:avLst/>
+          </a:prstGeom>
+          <a:noFill/>
+          <a:ln>
+            <a:noFill/>
+          </a:ln>
+        </p:spPr>
+        <p:txBody>
+          <a:bodyPr lIns="91425" tIns="91425" rIns="91425" bIns="91425" anchor="t" anchorCtr="0">
+            <a:noAutofit/>
+          </a:bodyPr>
+          <a:lstStyle/>
+          <a:p>
+            <a:pPr lvl="0" rtl="0">
+              <a:spcBef>
+                <a:spcPts val="0"/>
+              </a:spcBef>
+              <a:buNone/>
+            </a:pPr>
+            <a:r>
+              <a:rPr lang="it" sz="1200" b="1">
+                <a:solidFill>
+                  <a:srgbClr val="FFFFFF"/>
+                </a:solidFill>
+              </a:rPr>
+              <a:t>POLITECNICO DI MILANO</a:t>
+            </a:r>
+          </a:p>
+        </p:txBody>
+      </p:sp>
+      <p:pic>
+        <p:nvPicPr>
+          <p:cNvPr id="39" name="Shape 39"/>
+          <p:cNvPicPr preferRelativeResize="0"/>
+          <p:nvPr/>
+        </p:nvPicPr>
+        <p:blipFill>
+          <a:blip r:embed="rId5">
+            <a:alphaModFix/>
+          </a:blip>
+          <a:stretch>
+            <a:fillRect/>
+          </a:stretch>
+        </p:blipFill>
+        <p:spPr>
+          <a:xfrm>
+            <a:off x="0" y="6571225"/>
+            <a:ext cx="9144000" cy="286775"/>
+          </a:xfrm>
+          <a:prstGeom prst="rect">
+            <a:avLst/>
+          </a:prstGeom>
+          <a:noFill/>
+          <a:ln>
+            <a:noFill/>
+          </a:ln>
+        </p:spPr>
+      </p:pic>
+      <p:sp>
+        <p:nvSpPr>
+          <p:cNvPr id="40" name="Shape 40"/>
+          <p:cNvSpPr txBox="1">
+            <a:spLocks noGrp="1"/>
+          </p:cNvSpPr>
+          <p:nvPr>
+            <p:ph type="ctrTitle" idx="4294967295"/>
+          </p:nvPr>
+        </p:nvSpPr>
+        <p:spPr>
+          <a:xfrm>
+            <a:off x="2196425" y="6531000"/>
+            <a:ext cx="3238799" cy="424199"/>
+          </a:xfrm>
+          <a:prstGeom prst="rect">
+            <a:avLst/>
+          </a:prstGeom>
+        </p:spPr>
+        <p:txBody>
+          <a:bodyPr lIns="91425" tIns="91425" rIns="91425" bIns="91425" anchor="ctr" anchorCtr="0">
+            <a:noAutofit/>
+          </a:bodyPr>
+          <a:lstStyle/>
+          <a:p>
+            <a:pPr lvl="0" indent="457200" rtl="0">
+              <a:lnSpc>
+                <a:spcPct val="115000"/>
+              </a:lnSpc>
+              <a:spcBef>
+                <a:spcPts val="0"/>
+              </a:spcBef>
+              <a:buNone/>
+            </a:pPr>
+            <a:endParaRPr sz="1300">
+              <a:solidFill>
+                <a:srgbClr val="003366"/>
+              </a:solidFill>
+            </a:endParaRPr>
+          </a:p>
+        </p:txBody>
+      </p:sp>
+      <p:sp>
+        <p:nvSpPr>
+          <p:cNvPr id="10" name="TextBox 9"/>
+          <p:cNvSpPr txBox="1"/>
+          <p:nvPr/>
+        </p:nvSpPr>
+        <p:spPr>
+          <a:xfrm>
+            <a:off x="547350" y="980728"/>
+            <a:ext cx="7913082" cy="307777"/>
+          </a:xfrm>
+          <a:prstGeom prst="rect">
+            <a:avLst/>
+          </a:prstGeom>
+          <a:noFill/>
+        </p:spPr>
+        <p:txBody>
+          <a:bodyPr wrap="square" rtlCol="0">
+            <a:spAutoFit/>
+          </a:bodyPr>
+          <a:lstStyle/>
+          <a:p>
+            <a:r>
+              <a:rPr lang="en-US" dirty="0" smtClean="0"/>
+              <a:t>Use cases</a:t>
+            </a:r>
+            <a:endParaRPr lang="en-US" dirty="0"/>
+          </a:p>
+        </p:txBody>
+      </p:sp>
+      <p:pic>
+        <p:nvPicPr>
+          <p:cNvPr id="5123" name="Picture 3"/>
+          <p:cNvPicPr>
+            <a:picLocks noChangeAspect="1" noChangeArrowheads="1"/>
+          </p:cNvPicPr>
+          <p:nvPr/>
+        </p:nvPicPr>
+        <p:blipFill>
+          <a:blip r:embed="rId6">
+            <a:extLst>
+              <a:ext uri="{28A0092B-C50C-407E-A947-70E740481C1C}">
+                <a14:useLocalDpi xmlns:a14="http://schemas.microsoft.com/office/drawing/2010/main" val="0"/>
+              </a:ext>
+            </a:extLst>
+          </a:blip>
+          <a:srcRect/>
+          <a:stretch>
+            <a:fillRect/>
+          </a:stretch>
+        </p:blipFill>
+        <p:spPr bwMode="auto">
+          <a:xfrm>
+            <a:off x="653971" y="990189"/>
+            <a:ext cx="6892050" cy="3383370"/>
+          </a:xfrm>
+          <a:prstGeom prst="rect">
+            <a:avLst/>
+          </a:prstGeom>
+          <a:noFill/>
+          <a:ln>
+            <a:noFill/>
+          </a:ln>
+          <a:extLst>
+            <a:ext uri="{909E8E84-426E-40DD-AFC4-6F175D3DCCD1}">
+              <a14:hiddenFill xmlns:a14="http://schemas.microsoft.com/office/drawing/2010/main">
+                <a:solidFill>
+                  <a:schemeClr val="accent1"/>
+                </a:solidFill>
+              </a14:hiddenFill>
+            </a:ext>
+            <a:ext uri="{91240B29-F687-4F45-9708-019B960494DF}">
+              <a14:hiddenLine xmlns:a14="http://schemas.microsoft.com/office/drawing/2010/main" w="9525">
+                <a:solidFill>
+                  <a:schemeClr val="tx1"/>
+                </a:solidFill>
+                <a:miter lim="800000"/>
+                <a:headEnd/>
+                <a:tailEnd/>
+              </a14:hiddenLine>
+            </a:ext>
+          </a:extLst>
+        </p:spPr>
+      </p:pic>
+    </p:spTree>
+    <p:extLst>
+      <p:ext uri="{BB962C8B-B14F-4D97-AF65-F5344CB8AC3E}">
+        <p14:creationId xmlns:p14="http://schemas.microsoft.com/office/powerpoint/2010/main" val="3793545275"/>
+      </p:ext>
+    </p:extLst>
+  </p:cSld>
+  <p:clrMapOvr>
+    <a:masterClrMapping/>
+  </p:clrMapOvr>
+  <p:transition spd="slow">
+    <p:cut/>
+  </p:transition>
   <p:timing>
     <p:tnLst>
       <p:par>
@@ -11310,6 +14242,2316 @@
 </p:sld>
 </file>
 
+<file path=ppt/slides/slide20.xml><?xml version="1.0" encoding="utf-8"?>
+<p:sld xmlns:a="http://schemas.openxmlformats.org/drawingml/2006/main" xmlns:r="http://schemas.openxmlformats.org/officeDocument/2006/relationships" xmlns:p="http://schemas.openxmlformats.org/presentationml/2006/main">
+  <p:cSld>
+    <p:spTree>
+      <p:nvGrpSpPr>
+        <p:cNvPr id="1" name="Shape 32"/>
+        <p:cNvGrpSpPr/>
+        <p:nvPr/>
+      </p:nvGrpSpPr>
+      <p:grpSpPr>
+        <a:xfrm>
+          <a:off x="0" y="0"/>
+          <a:ext cx="0" cy="0"/>
+          <a:chOff x="0" y="0"/>
+          <a:chExt cx="0" cy="0"/>
+        </a:xfrm>
+      </p:grpSpPr>
+      <p:sp>
+        <p:nvSpPr>
+          <p:cNvPr id="33" name="Shape 33"/>
+          <p:cNvSpPr txBox="1">
+            <a:spLocks noGrp="1"/>
+          </p:cNvSpPr>
+          <p:nvPr>
+            <p:ph type="title"/>
+          </p:nvPr>
+        </p:nvSpPr>
+        <p:spPr>
+          <a:xfrm>
+            <a:off x="837450" y="131950"/>
+            <a:ext cx="8136900" cy="498599"/>
+          </a:xfrm>
+          <a:prstGeom prst="rect">
+            <a:avLst/>
+          </a:prstGeom>
+        </p:spPr>
+        <p:txBody>
+          <a:bodyPr lIns="91425" tIns="91425" rIns="91425" bIns="91425" anchor="b" anchorCtr="0">
+            <a:noAutofit/>
+          </a:bodyPr>
+          <a:lstStyle/>
+          <a:p>
+            <a:pPr lvl="0"/>
+            <a:r>
+              <a:rPr lang="en-US" sz="3000" dirty="0" smtClean="0">
+                <a:solidFill>
+                  <a:srgbClr val="003366"/>
+                </a:solidFill>
+              </a:rPr>
+              <a:t>Specific </a:t>
+            </a:r>
+            <a:r>
+              <a:rPr lang="en-US" sz="3000" dirty="0" smtClean="0">
+                <a:solidFill>
+                  <a:srgbClr val="003366"/>
+                </a:solidFill>
+              </a:rPr>
+              <a:t>requirements – Class diagram</a:t>
+            </a:r>
+            <a:endParaRPr sz="3000" dirty="0">
+              <a:solidFill>
+                <a:srgbClr val="003366"/>
+              </a:solidFill>
+            </a:endParaRPr>
+          </a:p>
+        </p:txBody>
+      </p:sp>
+      <p:pic>
+        <p:nvPicPr>
+          <p:cNvPr id="35" name="Shape 35"/>
+          <p:cNvPicPr preferRelativeResize="0"/>
+          <p:nvPr/>
+        </p:nvPicPr>
+        <p:blipFill>
+          <a:blip r:embed="rId3">
+            <a:alphaModFix/>
+          </a:blip>
+          <a:stretch>
+            <a:fillRect/>
+          </a:stretch>
+        </p:blipFill>
+        <p:spPr>
+          <a:xfrm>
+            <a:off x="82450" y="65950"/>
+            <a:ext cx="464900" cy="498650"/>
+          </a:xfrm>
+          <a:prstGeom prst="rect">
+            <a:avLst/>
+          </a:prstGeom>
+          <a:noFill/>
+          <a:ln>
+            <a:noFill/>
+          </a:ln>
+        </p:spPr>
+      </p:pic>
+      <p:pic>
+        <p:nvPicPr>
+          <p:cNvPr id="36" name="Shape 36"/>
+          <p:cNvPicPr preferRelativeResize="0"/>
+          <p:nvPr/>
+        </p:nvPicPr>
+        <p:blipFill>
+          <a:blip r:embed="rId4">
+            <a:alphaModFix/>
+          </a:blip>
+          <a:stretch>
+            <a:fillRect/>
+          </a:stretch>
+        </p:blipFill>
+        <p:spPr>
+          <a:xfrm>
+            <a:off x="0" y="630539"/>
+            <a:ext cx="9143998" cy="97471"/>
+          </a:xfrm>
+          <a:prstGeom prst="rect">
+            <a:avLst/>
+          </a:prstGeom>
+          <a:noFill/>
+          <a:ln>
+            <a:noFill/>
+          </a:ln>
+        </p:spPr>
+      </p:pic>
+      <p:cxnSp>
+        <p:nvCxnSpPr>
+          <p:cNvPr id="37" name="Shape 37"/>
+          <p:cNvCxnSpPr/>
+          <p:nvPr/>
+        </p:nvCxnSpPr>
+        <p:spPr>
+          <a:xfrm rot="10800000">
+            <a:off x="691550" y="125"/>
+            <a:ext cx="0" cy="630299"/>
+          </a:xfrm>
+          <a:prstGeom prst="straightConnector1">
+            <a:avLst/>
+          </a:prstGeom>
+          <a:noFill/>
+          <a:ln w="9525" cap="flat" cmpd="sng">
+            <a:solidFill>
+              <a:srgbClr val="003366"/>
+            </a:solidFill>
+            <a:prstDash val="solid"/>
+            <a:round/>
+            <a:headEnd type="none" w="lg" len="lg"/>
+            <a:tailEnd type="none" w="lg" len="lg"/>
+          </a:ln>
+        </p:spPr>
+      </p:cxnSp>
+      <p:sp>
+        <p:nvSpPr>
+          <p:cNvPr id="38" name="Shape 38"/>
+          <p:cNvSpPr txBox="1"/>
+          <p:nvPr/>
+        </p:nvSpPr>
+        <p:spPr>
+          <a:xfrm>
+            <a:off x="6783700" y="6531000"/>
+            <a:ext cx="2599200" cy="363899"/>
+          </a:xfrm>
+          <a:prstGeom prst="rect">
+            <a:avLst/>
+          </a:prstGeom>
+          <a:noFill/>
+          <a:ln>
+            <a:noFill/>
+          </a:ln>
+        </p:spPr>
+        <p:txBody>
+          <a:bodyPr lIns="91425" tIns="91425" rIns="91425" bIns="91425" anchor="t" anchorCtr="0">
+            <a:noAutofit/>
+          </a:bodyPr>
+          <a:lstStyle/>
+          <a:p>
+            <a:pPr lvl="0" rtl="0">
+              <a:spcBef>
+                <a:spcPts val="0"/>
+              </a:spcBef>
+              <a:buNone/>
+            </a:pPr>
+            <a:r>
+              <a:rPr lang="it" sz="1200" b="1">
+                <a:solidFill>
+                  <a:srgbClr val="FFFFFF"/>
+                </a:solidFill>
+              </a:rPr>
+              <a:t>POLITECNICO DI MILANO</a:t>
+            </a:r>
+          </a:p>
+        </p:txBody>
+      </p:sp>
+      <p:pic>
+        <p:nvPicPr>
+          <p:cNvPr id="39" name="Shape 39"/>
+          <p:cNvPicPr preferRelativeResize="0"/>
+          <p:nvPr/>
+        </p:nvPicPr>
+        <p:blipFill>
+          <a:blip r:embed="rId5">
+            <a:alphaModFix/>
+          </a:blip>
+          <a:stretch>
+            <a:fillRect/>
+          </a:stretch>
+        </p:blipFill>
+        <p:spPr>
+          <a:xfrm>
+            <a:off x="0" y="6571225"/>
+            <a:ext cx="9144000" cy="286775"/>
+          </a:xfrm>
+          <a:prstGeom prst="rect">
+            <a:avLst/>
+          </a:prstGeom>
+          <a:noFill/>
+          <a:ln>
+            <a:noFill/>
+          </a:ln>
+        </p:spPr>
+      </p:pic>
+      <p:sp>
+        <p:nvSpPr>
+          <p:cNvPr id="40" name="Shape 40"/>
+          <p:cNvSpPr txBox="1">
+            <a:spLocks noGrp="1"/>
+          </p:cNvSpPr>
+          <p:nvPr>
+            <p:ph type="ctrTitle" idx="4294967295"/>
+          </p:nvPr>
+        </p:nvSpPr>
+        <p:spPr>
+          <a:xfrm>
+            <a:off x="2196425" y="6531000"/>
+            <a:ext cx="3238799" cy="424199"/>
+          </a:xfrm>
+          <a:prstGeom prst="rect">
+            <a:avLst/>
+          </a:prstGeom>
+        </p:spPr>
+        <p:txBody>
+          <a:bodyPr lIns="91425" tIns="91425" rIns="91425" bIns="91425" anchor="ctr" anchorCtr="0">
+            <a:noAutofit/>
+          </a:bodyPr>
+          <a:lstStyle/>
+          <a:p>
+            <a:pPr lvl="0" indent="457200" rtl="0">
+              <a:lnSpc>
+                <a:spcPct val="115000"/>
+              </a:lnSpc>
+              <a:spcBef>
+                <a:spcPts val="0"/>
+              </a:spcBef>
+              <a:buNone/>
+            </a:pPr>
+            <a:endParaRPr sz="1300">
+              <a:solidFill>
+                <a:srgbClr val="003366"/>
+              </a:solidFill>
+            </a:endParaRPr>
+          </a:p>
+        </p:txBody>
+      </p:sp>
+      <p:pic>
+        <p:nvPicPr>
+          <p:cNvPr id="6146" name="Picture 2"/>
+          <p:cNvPicPr>
+            <a:picLocks noChangeAspect="1" noChangeArrowheads="1"/>
+          </p:cNvPicPr>
+          <p:nvPr/>
+        </p:nvPicPr>
+        <p:blipFill>
+          <a:blip r:embed="rId6">
+            <a:extLst>
+              <a:ext uri="{28A0092B-C50C-407E-A947-70E740481C1C}">
+                <a14:useLocalDpi xmlns:a14="http://schemas.microsoft.com/office/drawing/2010/main" val="0"/>
+              </a:ext>
+            </a:extLst>
+          </a:blip>
+          <a:srcRect/>
+          <a:stretch>
+            <a:fillRect/>
+          </a:stretch>
+        </p:blipFill>
+        <p:spPr bwMode="auto">
+          <a:xfrm>
+            <a:off x="938767" y="811225"/>
+            <a:ext cx="7540088" cy="5760000"/>
+          </a:xfrm>
+          <a:prstGeom prst="rect">
+            <a:avLst/>
+          </a:prstGeom>
+          <a:noFill/>
+          <a:ln>
+            <a:noFill/>
+          </a:ln>
+          <a:extLst>
+            <a:ext uri="{909E8E84-426E-40DD-AFC4-6F175D3DCCD1}">
+              <a14:hiddenFill xmlns:a14="http://schemas.microsoft.com/office/drawing/2010/main">
+                <a:solidFill>
+                  <a:schemeClr val="accent1"/>
+                </a:solidFill>
+              </a14:hiddenFill>
+            </a:ext>
+            <a:ext uri="{91240B29-F687-4F45-9708-019B960494DF}">
+              <a14:hiddenLine xmlns:a14="http://schemas.microsoft.com/office/drawing/2010/main" w="9525">
+                <a:solidFill>
+                  <a:schemeClr val="tx1"/>
+                </a:solidFill>
+                <a:miter lim="800000"/>
+                <a:headEnd/>
+                <a:tailEnd/>
+              </a14:hiddenLine>
+            </a:ext>
+          </a:extLst>
+        </p:spPr>
+      </p:pic>
+    </p:spTree>
+    <p:extLst>
+      <p:ext uri="{BB962C8B-B14F-4D97-AF65-F5344CB8AC3E}">
+        <p14:creationId xmlns:p14="http://schemas.microsoft.com/office/powerpoint/2010/main" val="299045841"/>
+      </p:ext>
+    </p:extLst>
+  </p:cSld>
+  <p:clrMapOvr>
+    <a:masterClrMapping/>
+  </p:clrMapOvr>
+  <p:transition spd="slow">
+    <p:cut/>
+  </p:transition>
+  <p:timing>
+    <p:tnLst>
+      <p:par>
+        <p:cTn id="1" dur="indefinite" restart="never" nodeType="tmRoot"/>
+      </p:par>
+    </p:tnLst>
+  </p:timing>
+</p:sld>
+</file>
+
+<file path=ppt/slides/slide21.xml><?xml version="1.0" encoding="utf-8"?>
+<p:sld xmlns:a="http://schemas.openxmlformats.org/drawingml/2006/main" xmlns:r="http://schemas.openxmlformats.org/officeDocument/2006/relationships" xmlns:p="http://schemas.openxmlformats.org/presentationml/2006/main">
+  <p:cSld>
+    <p:spTree>
+      <p:nvGrpSpPr>
+        <p:cNvPr id="1" name="Shape 32"/>
+        <p:cNvGrpSpPr/>
+        <p:nvPr/>
+      </p:nvGrpSpPr>
+      <p:grpSpPr>
+        <a:xfrm>
+          <a:off x="0" y="0"/>
+          <a:ext cx="0" cy="0"/>
+          <a:chOff x="0" y="0"/>
+          <a:chExt cx="0" cy="0"/>
+        </a:xfrm>
+      </p:grpSpPr>
+      <p:sp>
+        <p:nvSpPr>
+          <p:cNvPr id="33" name="Shape 33"/>
+          <p:cNvSpPr txBox="1">
+            <a:spLocks noGrp="1"/>
+          </p:cNvSpPr>
+          <p:nvPr>
+            <p:ph type="title"/>
+          </p:nvPr>
+        </p:nvSpPr>
+        <p:spPr>
+          <a:xfrm>
+            <a:off x="837450" y="131950"/>
+            <a:ext cx="8136900" cy="498599"/>
+          </a:xfrm>
+          <a:prstGeom prst="rect">
+            <a:avLst/>
+          </a:prstGeom>
+        </p:spPr>
+        <p:txBody>
+          <a:bodyPr lIns="91425" tIns="91425" rIns="91425" bIns="91425" anchor="b" anchorCtr="0">
+            <a:noAutofit/>
+          </a:bodyPr>
+          <a:lstStyle/>
+          <a:p>
+            <a:pPr lvl="0"/>
+            <a:r>
+              <a:rPr lang="en-US" sz="2800" dirty="0" smtClean="0">
+                <a:solidFill>
+                  <a:srgbClr val="003366"/>
+                </a:solidFill>
+              </a:rPr>
+              <a:t>Specific </a:t>
+            </a:r>
+            <a:r>
+              <a:rPr lang="en-US" sz="2800" dirty="0" smtClean="0">
+                <a:solidFill>
+                  <a:srgbClr val="003366"/>
+                </a:solidFill>
+              </a:rPr>
+              <a:t>requirements – Sequence diagrams</a:t>
+            </a:r>
+            <a:endParaRPr sz="2800" dirty="0">
+              <a:solidFill>
+                <a:srgbClr val="003366"/>
+              </a:solidFill>
+            </a:endParaRPr>
+          </a:p>
+        </p:txBody>
+      </p:sp>
+      <p:pic>
+        <p:nvPicPr>
+          <p:cNvPr id="35" name="Shape 35"/>
+          <p:cNvPicPr preferRelativeResize="0"/>
+          <p:nvPr/>
+        </p:nvPicPr>
+        <p:blipFill>
+          <a:blip r:embed="rId3">
+            <a:alphaModFix/>
+          </a:blip>
+          <a:stretch>
+            <a:fillRect/>
+          </a:stretch>
+        </p:blipFill>
+        <p:spPr>
+          <a:xfrm>
+            <a:off x="82450" y="65950"/>
+            <a:ext cx="464900" cy="498650"/>
+          </a:xfrm>
+          <a:prstGeom prst="rect">
+            <a:avLst/>
+          </a:prstGeom>
+          <a:noFill/>
+          <a:ln>
+            <a:noFill/>
+          </a:ln>
+        </p:spPr>
+      </p:pic>
+      <p:pic>
+        <p:nvPicPr>
+          <p:cNvPr id="36" name="Shape 36"/>
+          <p:cNvPicPr preferRelativeResize="0"/>
+          <p:nvPr/>
+        </p:nvPicPr>
+        <p:blipFill>
+          <a:blip r:embed="rId4">
+            <a:alphaModFix/>
+          </a:blip>
+          <a:stretch>
+            <a:fillRect/>
+          </a:stretch>
+        </p:blipFill>
+        <p:spPr>
+          <a:xfrm>
+            <a:off x="0" y="630539"/>
+            <a:ext cx="9143998" cy="97471"/>
+          </a:xfrm>
+          <a:prstGeom prst="rect">
+            <a:avLst/>
+          </a:prstGeom>
+          <a:noFill/>
+          <a:ln>
+            <a:noFill/>
+          </a:ln>
+        </p:spPr>
+      </p:pic>
+      <p:cxnSp>
+        <p:nvCxnSpPr>
+          <p:cNvPr id="37" name="Shape 37"/>
+          <p:cNvCxnSpPr/>
+          <p:nvPr/>
+        </p:nvCxnSpPr>
+        <p:spPr>
+          <a:xfrm rot="10800000">
+            <a:off x="691550" y="125"/>
+            <a:ext cx="0" cy="630299"/>
+          </a:xfrm>
+          <a:prstGeom prst="straightConnector1">
+            <a:avLst/>
+          </a:prstGeom>
+          <a:noFill/>
+          <a:ln w="9525" cap="flat" cmpd="sng">
+            <a:solidFill>
+              <a:srgbClr val="003366"/>
+            </a:solidFill>
+            <a:prstDash val="solid"/>
+            <a:round/>
+            <a:headEnd type="none" w="lg" len="lg"/>
+            <a:tailEnd type="none" w="lg" len="lg"/>
+          </a:ln>
+        </p:spPr>
+      </p:cxnSp>
+      <p:sp>
+        <p:nvSpPr>
+          <p:cNvPr id="38" name="Shape 38"/>
+          <p:cNvSpPr txBox="1"/>
+          <p:nvPr/>
+        </p:nvSpPr>
+        <p:spPr>
+          <a:xfrm>
+            <a:off x="6783700" y="6531000"/>
+            <a:ext cx="2599200" cy="363899"/>
+          </a:xfrm>
+          <a:prstGeom prst="rect">
+            <a:avLst/>
+          </a:prstGeom>
+          <a:noFill/>
+          <a:ln>
+            <a:noFill/>
+          </a:ln>
+        </p:spPr>
+        <p:txBody>
+          <a:bodyPr lIns="91425" tIns="91425" rIns="91425" bIns="91425" anchor="t" anchorCtr="0">
+            <a:noAutofit/>
+          </a:bodyPr>
+          <a:lstStyle/>
+          <a:p>
+            <a:pPr lvl="0" rtl="0">
+              <a:spcBef>
+                <a:spcPts val="0"/>
+              </a:spcBef>
+              <a:buNone/>
+            </a:pPr>
+            <a:r>
+              <a:rPr lang="it" sz="1200" b="1">
+                <a:solidFill>
+                  <a:srgbClr val="FFFFFF"/>
+                </a:solidFill>
+              </a:rPr>
+              <a:t>POLITECNICO DI MILANO</a:t>
+            </a:r>
+          </a:p>
+        </p:txBody>
+      </p:sp>
+      <p:pic>
+        <p:nvPicPr>
+          <p:cNvPr id="39" name="Shape 39"/>
+          <p:cNvPicPr preferRelativeResize="0"/>
+          <p:nvPr/>
+        </p:nvPicPr>
+        <p:blipFill>
+          <a:blip r:embed="rId5">
+            <a:alphaModFix/>
+          </a:blip>
+          <a:stretch>
+            <a:fillRect/>
+          </a:stretch>
+        </p:blipFill>
+        <p:spPr>
+          <a:xfrm>
+            <a:off x="0" y="6571225"/>
+            <a:ext cx="9144000" cy="286775"/>
+          </a:xfrm>
+          <a:prstGeom prst="rect">
+            <a:avLst/>
+          </a:prstGeom>
+          <a:noFill/>
+          <a:ln>
+            <a:noFill/>
+          </a:ln>
+        </p:spPr>
+      </p:pic>
+      <p:sp>
+        <p:nvSpPr>
+          <p:cNvPr id="40" name="Shape 40"/>
+          <p:cNvSpPr txBox="1">
+            <a:spLocks noGrp="1"/>
+          </p:cNvSpPr>
+          <p:nvPr>
+            <p:ph type="ctrTitle" idx="4294967295"/>
+          </p:nvPr>
+        </p:nvSpPr>
+        <p:spPr>
+          <a:xfrm>
+            <a:off x="2196425" y="6531000"/>
+            <a:ext cx="3238799" cy="424199"/>
+          </a:xfrm>
+          <a:prstGeom prst="rect">
+            <a:avLst/>
+          </a:prstGeom>
+        </p:spPr>
+        <p:txBody>
+          <a:bodyPr lIns="91425" tIns="91425" rIns="91425" bIns="91425" anchor="ctr" anchorCtr="0">
+            <a:noAutofit/>
+          </a:bodyPr>
+          <a:lstStyle/>
+          <a:p>
+            <a:pPr lvl="0" indent="457200" rtl="0">
+              <a:lnSpc>
+                <a:spcPct val="115000"/>
+              </a:lnSpc>
+              <a:spcBef>
+                <a:spcPts val="0"/>
+              </a:spcBef>
+              <a:buNone/>
+            </a:pPr>
+            <a:endParaRPr sz="1300">
+              <a:solidFill>
+                <a:srgbClr val="003366"/>
+              </a:solidFill>
+            </a:endParaRPr>
+          </a:p>
+        </p:txBody>
+      </p:sp>
+    </p:spTree>
+    <p:extLst>
+      <p:ext uri="{BB962C8B-B14F-4D97-AF65-F5344CB8AC3E}">
+        <p14:creationId xmlns:p14="http://schemas.microsoft.com/office/powerpoint/2010/main" val="762104067"/>
+      </p:ext>
+    </p:extLst>
+  </p:cSld>
+  <p:clrMapOvr>
+    <a:masterClrMapping/>
+  </p:clrMapOvr>
+  <p:transition spd="slow">
+    <p:cut/>
+  </p:transition>
+  <p:timing>
+    <p:tnLst>
+      <p:par>
+        <p:cTn id="1" dur="indefinite" restart="never" nodeType="tmRoot"/>
+      </p:par>
+    </p:tnLst>
+  </p:timing>
+</p:sld>
+</file>
+
+<file path=ppt/slides/slide22.xml><?xml version="1.0" encoding="utf-8"?>
+<p:sld xmlns:a="http://schemas.openxmlformats.org/drawingml/2006/main" xmlns:r="http://schemas.openxmlformats.org/officeDocument/2006/relationships" xmlns:p="http://schemas.openxmlformats.org/presentationml/2006/main">
+  <p:cSld>
+    <p:spTree>
+      <p:nvGrpSpPr>
+        <p:cNvPr id="1" name="Shape 32"/>
+        <p:cNvGrpSpPr/>
+        <p:nvPr/>
+      </p:nvGrpSpPr>
+      <p:grpSpPr>
+        <a:xfrm>
+          <a:off x="0" y="0"/>
+          <a:ext cx="0" cy="0"/>
+          <a:chOff x="0" y="0"/>
+          <a:chExt cx="0" cy="0"/>
+        </a:xfrm>
+      </p:grpSpPr>
+      <p:sp>
+        <p:nvSpPr>
+          <p:cNvPr id="33" name="Shape 33"/>
+          <p:cNvSpPr txBox="1">
+            <a:spLocks noGrp="1"/>
+          </p:cNvSpPr>
+          <p:nvPr>
+            <p:ph type="title"/>
+          </p:nvPr>
+        </p:nvSpPr>
+        <p:spPr>
+          <a:xfrm>
+            <a:off x="837450" y="131950"/>
+            <a:ext cx="8136900" cy="498599"/>
+          </a:xfrm>
+          <a:prstGeom prst="rect">
+            <a:avLst/>
+          </a:prstGeom>
+        </p:spPr>
+        <p:txBody>
+          <a:bodyPr lIns="91425" tIns="91425" rIns="91425" bIns="91425" anchor="b" anchorCtr="0">
+            <a:noAutofit/>
+          </a:bodyPr>
+          <a:lstStyle/>
+          <a:p>
+            <a:pPr lvl="0"/>
+            <a:r>
+              <a:rPr lang="en-US" sz="2800" dirty="0" smtClean="0">
+                <a:solidFill>
+                  <a:srgbClr val="003366"/>
+                </a:solidFill>
+              </a:rPr>
+              <a:t>Specific </a:t>
+            </a:r>
+            <a:r>
+              <a:rPr lang="en-US" sz="2800" dirty="0" smtClean="0">
+                <a:solidFill>
+                  <a:srgbClr val="003366"/>
+                </a:solidFill>
+              </a:rPr>
+              <a:t>requirements – Sequence diagrams</a:t>
+            </a:r>
+            <a:endParaRPr sz="2800" dirty="0">
+              <a:solidFill>
+                <a:srgbClr val="003366"/>
+              </a:solidFill>
+            </a:endParaRPr>
+          </a:p>
+        </p:txBody>
+      </p:sp>
+      <p:pic>
+        <p:nvPicPr>
+          <p:cNvPr id="35" name="Shape 35"/>
+          <p:cNvPicPr preferRelativeResize="0"/>
+          <p:nvPr/>
+        </p:nvPicPr>
+        <p:blipFill>
+          <a:blip r:embed="rId3">
+            <a:alphaModFix/>
+          </a:blip>
+          <a:stretch>
+            <a:fillRect/>
+          </a:stretch>
+        </p:blipFill>
+        <p:spPr>
+          <a:xfrm>
+            <a:off x="82450" y="65950"/>
+            <a:ext cx="464900" cy="498650"/>
+          </a:xfrm>
+          <a:prstGeom prst="rect">
+            <a:avLst/>
+          </a:prstGeom>
+          <a:noFill/>
+          <a:ln>
+            <a:noFill/>
+          </a:ln>
+        </p:spPr>
+      </p:pic>
+      <p:pic>
+        <p:nvPicPr>
+          <p:cNvPr id="36" name="Shape 36"/>
+          <p:cNvPicPr preferRelativeResize="0"/>
+          <p:nvPr/>
+        </p:nvPicPr>
+        <p:blipFill>
+          <a:blip r:embed="rId4">
+            <a:alphaModFix/>
+          </a:blip>
+          <a:stretch>
+            <a:fillRect/>
+          </a:stretch>
+        </p:blipFill>
+        <p:spPr>
+          <a:xfrm>
+            <a:off x="0" y="630539"/>
+            <a:ext cx="9143998" cy="97471"/>
+          </a:xfrm>
+          <a:prstGeom prst="rect">
+            <a:avLst/>
+          </a:prstGeom>
+          <a:noFill/>
+          <a:ln>
+            <a:noFill/>
+          </a:ln>
+        </p:spPr>
+      </p:pic>
+      <p:cxnSp>
+        <p:nvCxnSpPr>
+          <p:cNvPr id="37" name="Shape 37"/>
+          <p:cNvCxnSpPr/>
+          <p:nvPr/>
+        </p:nvCxnSpPr>
+        <p:spPr>
+          <a:xfrm rot="10800000">
+            <a:off x="691550" y="125"/>
+            <a:ext cx="0" cy="630299"/>
+          </a:xfrm>
+          <a:prstGeom prst="straightConnector1">
+            <a:avLst/>
+          </a:prstGeom>
+          <a:noFill/>
+          <a:ln w="9525" cap="flat" cmpd="sng">
+            <a:solidFill>
+              <a:srgbClr val="003366"/>
+            </a:solidFill>
+            <a:prstDash val="solid"/>
+            <a:round/>
+            <a:headEnd type="none" w="lg" len="lg"/>
+            <a:tailEnd type="none" w="lg" len="lg"/>
+          </a:ln>
+        </p:spPr>
+      </p:cxnSp>
+      <p:sp>
+        <p:nvSpPr>
+          <p:cNvPr id="38" name="Shape 38"/>
+          <p:cNvSpPr txBox="1"/>
+          <p:nvPr/>
+        </p:nvSpPr>
+        <p:spPr>
+          <a:xfrm>
+            <a:off x="6783700" y="6531000"/>
+            <a:ext cx="2599200" cy="363899"/>
+          </a:xfrm>
+          <a:prstGeom prst="rect">
+            <a:avLst/>
+          </a:prstGeom>
+          <a:noFill/>
+          <a:ln>
+            <a:noFill/>
+          </a:ln>
+        </p:spPr>
+        <p:txBody>
+          <a:bodyPr lIns="91425" tIns="91425" rIns="91425" bIns="91425" anchor="t" anchorCtr="0">
+            <a:noAutofit/>
+          </a:bodyPr>
+          <a:lstStyle/>
+          <a:p>
+            <a:pPr lvl="0" rtl="0">
+              <a:spcBef>
+                <a:spcPts val="0"/>
+              </a:spcBef>
+              <a:buNone/>
+            </a:pPr>
+            <a:r>
+              <a:rPr lang="it" sz="1200" b="1">
+                <a:solidFill>
+                  <a:srgbClr val="FFFFFF"/>
+                </a:solidFill>
+              </a:rPr>
+              <a:t>POLITECNICO DI MILANO</a:t>
+            </a:r>
+          </a:p>
+        </p:txBody>
+      </p:sp>
+      <p:pic>
+        <p:nvPicPr>
+          <p:cNvPr id="39" name="Shape 39"/>
+          <p:cNvPicPr preferRelativeResize="0"/>
+          <p:nvPr/>
+        </p:nvPicPr>
+        <p:blipFill>
+          <a:blip r:embed="rId5">
+            <a:alphaModFix/>
+          </a:blip>
+          <a:stretch>
+            <a:fillRect/>
+          </a:stretch>
+        </p:blipFill>
+        <p:spPr>
+          <a:xfrm>
+            <a:off x="0" y="6571225"/>
+            <a:ext cx="9144000" cy="286775"/>
+          </a:xfrm>
+          <a:prstGeom prst="rect">
+            <a:avLst/>
+          </a:prstGeom>
+          <a:noFill/>
+          <a:ln>
+            <a:noFill/>
+          </a:ln>
+        </p:spPr>
+      </p:pic>
+      <p:sp>
+        <p:nvSpPr>
+          <p:cNvPr id="40" name="Shape 40"/>
+          <p:cNvSpPr txBox="1">
+            <a:spLocks noGrp="1"/>
+          </p:cNvSpPr>
+          <p:nvPr>
+            <p:ph type="ctrTitle" idx="4294967295"/>
+          </p:nvPr>
+        </p:nvSpPr>
+        <p:spPr>
+          <a:xfrm>
+            <a:off x="2196425" y="6531000"/>
+            <a:ext cx="3238799" cy="424199"/>
+          </a:xfrm>
+          <a:prstGeom prst="rect">
+            <a:avLst/>
+          </a:prstGeom>
+        </p:spPr>
+        <p:txBody>
+          <a:bodyPr lIns="91425" tIns="91425" rIns="91425" bIns="91425" anchor="ctr" anchorCtr="0">
+            <a:noAutofit/>
+          </a:bodyPr>
+          <a:lstStyle/>
+          <a:p>
+            <a:pPr lvl="0" indent="457200" rtl="0">
+              <a:lnSpc>
+                <a:spcPct val="115000"/>
+              </a:lnSpc>
+              <a:spcBef>
+                <a:spcPts val="0"/>
+              </a:spcBef>
+              <a:buNone/>
+            </a:pPr>
+            <a:endParaRPr sz="1300">
+              <a:solidFill>
+                <a:srgbClr val="003366"/>
+              </a:solidFill>
+            </a:endParaRPr>
+          </a:p>
+        </p:txBody>
+      </p:sp>
+    </p:spTree>
+    <p:extLst>
+      <p:ext uri="{BB962C8B-B14F-4D97-AF65-F5344CB8AC3E}">
+        <p14:creationId xmlns:p14="http://schemas.microsoft.com/office/powerpoint/2010/main" val="620337880"/>
+      </p:ext>
+    </p:extLst>
+  </p:cSld>
+  <p:clrMapOvr>
+    <a:masterClrMapping/>
+  </p:clrMapOvr>
+  <p:transition spd="slow">
+    <p:cut/>
+  </p:transition>
+  <p:timing>
+    <p:tnLst>
+      <p:par>
+        <p:cTn id="1" dur="indefinite" restart="never" nodeType="tmRoot"/>
+      </p:par>
+    </p:tnLst>
+  </p:timing>
+</p:sld>
+</file>
+
+<file path=ppt/slides/slide23.xml><?xml version="1.0" encoding="utf-8"?>
+<p:sld xmlns:a="http://schemas.openxmlformats.org/drawingml/2006/main" xmlns:r="http://schemas.openxmlformats.org/officeDocument/2006/relationships" xmlns:p="http://schemas.openxmlformats.org/presentationml/2006/main">
+  <p:cSld>
+    <p:spTree>
+      <p:nvGrpSpPr>
+        <p:cNvPr id="1" name="Shape 32"/>
+        <p:cNvGrpSpPr/>
+        <p:nvPr/>
+      </p:nvGrpSpPr>
+      <p:grpSpPr>
+        <a:xfrm>
+          <a:off x="0" y="0"/>
+          <a:ext cx="0" cy="0"/>
+          <a:chOff x="0" y="0"/>
+          <a:chExt cx="0" cy="0"/>
+        </a:xfrm>
+      </p:grpSpPr>
+      <p:sp>
+        <p:nvSpPr>
+          <p:cNvPr id="33" name="Shape 33"/>
+          <p:cNvSpPr txBox="1">
+            <a:spLocks noGrp="1"/>
+          </p:cNvSpPr>
+          <p:nvPr>
+            <p:ph type="title"/>
+          </p:nvPr>
+        </p:nvSpPr>
+        <p:spPr>
+          <a:xfrm>
+            <a:off x="837450" y="131950"/>
+            <a:ext cx="8136900" cy="498599"/>
+          </a:xfrm>
+          <a:prstGeom prst="rect">
+            <a:avLst/>
+          </a:prstGeom>
+        </p:spPr>
+        <p:txBody>
+          <a:bodyPr lIns="91425" tIns="91425" rIns="91425" bIns="91425" anchor="b" anchorCtr="0">
+            <a:noAutofit/>
+          </a:bodyPr>
+          <a:lstStyle/>
+          <a:p>
+            <a:pPr lvl="0"/>
+            <a:r>
+              <a:rPr lang="en-US" sz="2800" dirty="0" smtClean="0">
+                <a:solidFill>
+                  <a:srgbClr val="003366"/>
+                </a:solidFill>
+              </a:rPr>
+              <a:t>Specific </a:t>
+            </a:r>
+            <a:r>
+              <a:rPr lang="en-US" sz="2800" dirty="0" smtClean="0">
+                <a:solidFill>
+                  <a:srgbClr val="003366"/>
+                </a:solidFill>
+              </a:rPr>
+              <a:t>requirements – Sequence diagrams</a:t>
+            </a:r>
+            <a:endParaRPr sz="2800" dirty="0">
+              <a:solidFill>
+                <a:srgbClr val="003366"/>
+              </a:solidFill>
+            </a:endParaRPr>
+          </a:p>
+        </p:txBody>
+      </p:sp>
+      <p:pic>
+        <p:nvPicPr>
+          <p:cNvPr id="35" name="Shape 35"/>
+          <p:cNvPicPr preferRelativeResize="0"/>
+          <p:nvPr/>
+        </p:nvPicPr>
+        <p:blipFill>
+          <a:blip r:embed="rId3">
+            <a:alphaModFix/>
+          </a:blip>
+          <a:stretch>
+            <a:fillRect/>
+          </a:stretch>
+        </p:blipFill>
+        <p:spPr>
+          <a:xfrm>
+            <a:off x="82450" y="65950"/>
+            <a:ext cx="464900" cy="498650"/>
+          </a:xfrm>
+          <a:prstGeom prst="rect">
+            <a:avLst/>
+          </a:prstGeom>
+          <a:noFill/>
+          <a:ln>
+            <a:noFill/>
+          </a:ln>
+        </p:spPr>
+      </p:pic>
+      <p:pic>
+        <p:nvPicPr>
+          <p:cNvPr id="36" name="Shape 36"/>
+          <p:cNvPicPr preferRelativeResize="0"/>
+          <p:nvPr/>
+        </p:nvPicPr>
+        <p:blipFill>
+          <a:blip r:embed="rId4">
+            <a:alphaModFix/>
+          </a:blip>
+          <a:stretch>
+            <a:fillRect/>
+          </a:stretch>
+        </p:blipFill>
+        <p:spPr>
+          <a:xfrm>
+            <a:off x="0" y="630539"/>
+            <a:ext cx="9143998" cy="97471"/>
+          </a:xfrm>
+          <a:prstGeom prst="rect">
+            <a:avLst/>
+          </a:prstGeom>
+          <a:noFill/>
+          <a:ln>
+            <a:noFill/>
+          </a:ln>
+        </p:spPr>
+      </p:pic>
+      <p:cxnSp>
+        <p:nvCxnSpPr>
+          <p:cNvPr id="37" name="Shape 37"/>
+          <p:cNvCxnSpPr/>
+          <p:nvPr/>
+        </p:nvCxnSpPr>
+        <p:spPr>
+          <a:xfrm rot="10800000">
+            <a:off x="691550" y="125"/>
+            <a:ext cx="0" cy="630299"/>
+          </a:xfrm>
+          <a:prstGeom prst="straightConnector1">
+            <a:avLst/>
+          </a:prstGeom>
+          <a:noFill/>
+          <a:ln w="9525" cap="flat" cmpd="sng">
+            <a:solidFill>
+              <a:srgbClr val="003366"/>
+            </a:solidFill>
+            <a:prstDash val="solid"/>
+            <a:round/>
+            <a:headEnd type="none" w="lg" len="lg"/>
+            <a:tailEnd type="none" w="lg" len="lg"/>
+          </a:ln>
+        </p:spPr>
+      </p:cxnSp>
+      <p:sp>
+        <p:nvSpPr>
+          <p:cNvPr id="38" name="Shape 38"/>
+          <p:cNvSpPr txBox="1"/>
+          <p:nvPr/>
+        </p:nvSpPr>
+        <p:spPr>
+          <a:xfrm>
+            <a:off x="6783700" y="6531000"/>
+            <a:ext cx="2599200" cy="363899"/>
+          </a:xfrm>
+          <a:prstGeom prst="rect">
+            <a:avLst/>
+          </a:prstGeom>
+          <a:noFill/>
+          <a:ln>
+            <a:noFill/>
+          </a:ln>
+        </p:spPr>
+        <p:txBody>
+          <a:bodyPr lIns="91425" tIns="91425" rIns="91425" bIns="91425" anchor="t" anchorCtr="0">
+            <a:noAutofit/>
+          </a:bodyPr>
+          <a:lstStyle/>
+          <a:p>
+            <a:pPr lvl="0" rtl="0">
+              <a:spcBef>
+                <a:spcPts val="0"/>
+              </a:spcBef>
+              <a:buNone/>
+            </a:pPr>
+            <a:r>
+              <a:rPr lang="it" sz="1200" b="1">
+                <a:solidFill>
+                  <a:srgbClr val="FFFFFF"/>
+                </a:solidFill>
+              </a:rPr>
+              <a:t>POLITECNICO DI MILANO</a:t>
+            </a:r>
+          </a:p>
+        </p:txBody>
+      </p:sp>
+      <p:pic>
+        <p:nvPicPr>
+          <p:cNvPr id="39" name="Shape 39"/>
+          <p:cNvPicPr preferRelativeResize="0"/>
+          <p:nvPr/>
+        </p:nvPicPr>
+        <p:blipFill>
+          <a:blip r:embed="rId5">
+            <a:alphaModFix/>
+          </a:blip>
+          <a:stretch>
+            <a:fillRect/>
+          </a:stretch>
+        </p:blipFill>
+        <p:spPr>
+          <a:xfrm>
+            <a:off x="0" y="6571225"/>
+            <a:ext cx="9144000" cy="286775"/>
+          </a:xfrm>
+          <a:prstGeom prst="rect">
+            <a:avLst/>
+          </a:prstGeom>
+          <a:noFill/>
+          <a:ln>
+            <a:noFill/>
+          </a:ln>
+        </p:spPr>
+      </p:pic>
+      <p:sp>
+        <p:nvSpPr>
+          <p:cNvPr id="40" name="Shape 40"/>
+          <p:cNvSpPr txBox="1">
+            <a:spLocks noGrp="1"/>
+          </p:cNvSpPr>
+          <p:nvPr>
+            <p:ph type="ctrTitle" idx="4294967295"/>
+          </p:nvPr>
+        </p:nvSpPr>
+        <p:spPr>
+          <a:xfrm>
+            <a:off x="2196425" y="6531000"/>
+            <a:ext cx="3238799" cy="424199"/>
+          </a:xfrm>
+          <a:prstGeom prst="rect">
+            <a:avLst/>
+          </a:prstGeom>
+        </p:spPr>
+        <p:txBody>
+          <a:bodyPr lIns="91425" tIns="91425" rIns="91425" bIns="91425" anchor="ctr" anchorCtr="0">
+            <a:noAutofit/>
+          </a:bodyPr>
+          <a:lstStyle/>
+          <a:p>
+            <a:pPr lvl="0" indent="457200" rtl="0">
+              <a:lnSpc>
+                <a:spcPct val="115000"/>
+              </a:lnSpc>
+              <a:spcBef>
+                <a:spcPts val="0"/>
+              </a:spcBef>
+              <a:buNone/>
+            </a:pPr>
+            <a:endParaRPr sz="1300">
+              <a:solidFill>
+                <a:srgbClr val="003366"/>
+              </a:solidFill>
+            </a:endParaRPr>
+          </a:p>
+        </p:txBody>
+      </p:sp>
+    </p:spTree>
+    <p:extLst>
+      <p:ext uri="{BB962C8B-B14F-4D97-AF65-F5344CB8AC3E}">
+        <p14:creationId xmlns:p14="http://schemas.microsoft.com/office/powerpoint/2010/main" val="1989899338"/>
+      </p:ext>
+    </p:extLst>
+  </p:cSld>
+  <p:clrMapOvr>
+    <a:masterClrMapping/>
+  </p:clrMapOvr>
+  <p:transition spd="slow">
+    <p:cut/>
+  </p:transition>
+  <p:timing>
+    <p:tnLst>
+      <p:par>
+        <p:cTn id="1" dur="indefinite" restart="never" nodeType="tmRoot"/>
+      </p:par>
+    </p:tnLst>
+  </p:timing>
+</p:sld>
+</file>
+
+<file path=ppt/slides/slide24.xml><?xml version="1.0" encoding="utf-8"?>
+<p:sld xmlns:a="http://schemas.openxmlformats.org/drawingml/2006/main" xmlns:r="http://schemas.openxmlformats.org/officeDocument/2006/relationships" xmlns:p="http://schemas.openxmlformats.org/presentationml/2006/main">
+  <p:cSld>
+    <p:spTree>
+      <p:nvGrpSpPr>
+        <p:cNvPr id="1" name="Shape 32"/>
+        <p:cNvGrpSpPr/>
+        <p:nvPr/>
+      </p:nvGrpSpPr>
+      <p:grpSpPr>
+        <a:xfrm>
+          <a:off x="0" y="0"/>
+          <a:ext cx="0" cy="0"/>
+          <a:chOff x="0" y="0"/>
+          <a:chExt cx="0" cy="0"/>
+        </a:xfrm>
+      </p:grpSpPr>
+      <p:sp>
+        <p:nvSpPr>
+          <p:cNvPr id="33" name="Shape 33"/>
+          <p:cNvSpPr txBox="1">
+            <a:spLocks noGrp="1"/>
+          </p:cNvSpPr>
+          <p:nvPr>
+            <p:ph type="title"/>
+          </p:nvPr>
+        </p:nvSpPr>
+        <p:spPr>
+          <a:xfrm>
+            <a:off x="691549" y="131950"/>
+            <a:ext cx="8452451" cy="498599"/>
+          </a:xfrm>
+          <a:prstGeom prst="rect">
+            <a:avLst/>
+          </a:prstGeom>
+        </p:spPr>
+        <p:txBody>
+          <a:bodyPr lIns="91425" tIns="91425" rIns="91425" bIns="91425" anchor="b" anchorCtr="0">
+            <a:noAutofit/>
+          </a:bodyPr>
+          <a:lstStyle/>
+          <a:p>
+            <a:pPr lvl="0"/>
+            <a:r>
+              <a:rPr lang="en-US" sz="2500" dirty="0" smtClean="0">
+                <a:solidFill>
+                  <a:srgbClr val="003366"/>
+                </a:solidFill>
+              </a:rPr>
+              <a:t>Specific </a:t>
+            </a:r>
+            <a:r>
+              <a:rPr lang="en-US" sz="2500" dirty="0" smtClean="0">
+                <a:solidFill>
+                  <a:srgbClr val="003366"/>
+                </a:solidFill>
+              </a:rPr>
+              <a:t>requirements – Non functional requirements</a:t>
+            </a:r>
+            <a:endParaRPr sz="2500" dirty="0">
+              <a:solidFill>
+                <a:srgbClr val="003366"/>
+              </a:solidFill>
+            </a:endParaRPr>
+          </a:p>
+        </p:txBody>
+      </p:sp>
+      <p:pic>
+        <p:nvPicPr>
+          <p:cNvPr id="35" name="Shape 35"/>
+          <p:cNvPicPr preferRelativeResize="0"/>
+          <p:nvPr/>
+        </p:nvPicPr>
+        <p:blipFill>
+          <a:blip r:embed="rId3">
+            <a:alphaModFix/>
+          </a:blip>
+          <a:stretch>
+            <a:fillRect/>
+          </a:stretch>
+        </p:blipFill>
+        <p:spPr>
+          <a:xfrm>
+            <a:off x="82450" y="65950"/>
+            <a:ext cx="464900" cy="498650"/>
+          </a:xfrm>
+          <a:prstGeom prst="rect">
+            <a:avLst/>
+          </a:prstGeom>
+          <a:noFill/>
+          <a:ln>
+            <a:noFill/>
+          </a:ln>
+        </p:spPr>
+      </p:pic>
+      <p:pic>
+        <p:nvPicPr>
+          <p:cNvPr id="36" name="Shape 36"/>
+          <p:cNvPicPr preferRelativeResize="0"/>
+          <p:nvPr/>
+        </p:nvPicPr>
+        <p:blipFill>
+          <a:blip r:embed="rId4">
+            <a:alphaModFix/>
+          </a:blip>
+          <a:stretch>
+            <a:fillRect/>
+          </a:stretch>
+        </p:blipFill>
+        <p:spPr>
+          <a:xfrm>
+            <a:off x="0" y="630539"/>
+            <a:ext cx="9143998" cy="97471"/>
+          </a:xfrm>
+          <a:prstGeom prst="rect">
+            <a:avLst/>
+          </a:prstGeom>
+          <a:noFill/>
+          <a:ln>
+            <a:noFill/>
+          </a:ln>
+        </p:spPr>
+      </p:pic>
+      <p:cxnSp>
+        <p:nvCxnSpPr>
+          <p:cNvPr id="37" name="Shape 37"/>
+          <p:cNvCxnSpPr/>
+          <p:nvPr/>
+        </p:nvCxnSpPr>
+        <p:spPr>
+          <a:xfrm rot="10800000">
+            <a:off x="691550" y="125"/>
+            <a:ext cx="0" cy="630299"/>
+          </a:xfrm>
+          <a:prstGeom prst="straightConnector1">
+            <a:avLst/>
+          </a:prstGeom>
+          <a:noFill/>
+          <a:ln w="9525" cap="flat" cmpd="sng">
+            <a:solidFill>
+              <a:srgbClr val="003366"/>
+            </a:solidFill>
+            <a:prstDash val="solid"/>
+            <a:round/>
+            <a:headEnd type="none" w="lg" len="lg"/>
+            <a:tailEnd type="none" w="lg" len="lg"/>
+          </a:ln>
+        </p:spPr>
+      </p:cxnSp>
+      <p:sp>
+        <p:nvSpPr>
+          <p:cNvPr id="38" name="Shape 38"/>
+          <p:cNvSpPr txBox="1"/>
+          <p:nvPr/>
+        </p:nvSpPr>
+        <p:spPr>
+          <a:xfrm>
+            <a:off x="6783700" y="6531000"/>
+            <a:ext cx="2599200" cy="363899"/>
+          </a:xfrm>
+          <a:prstGeom prst="rect">
+            <a:avLst/>
+          </a:prstGeom>
+          <a:noFill/>
+          <a:ln>
+            <a:noFill/>
+          </a:ln>
+        </p:spPr>
+        <p:txBody>
+          <a:bodyPr lIns="91425" tIns="91425" rIns="91425" bIns="91425" anchor="t" anchorCtr="0">
+            <a:noAutofit/>
+          </a:bodyPr>
+          <a:lstStyle/>
+          <a:p>
+            <a:pPr lvl="0" rtl="0">
+              <a:spcBef>
+                <a:spcPts val="0"/>
+              </a:spcBef>
+              <a:buNone/>
+            </a:pPr>
+            <a:r>
+              <a:rPr lang="it" sz="1200" b="1">
+                <a:solidFill>
+                  <a:srgbClr val="FFFFFF"/>
+                </a:solidFill>
+              </a:rPr>
+              <a:t>POLITECNICO DI MILANO</a:t>
+            </a:r>
+          </a:p>
+        </p:txBody>
+      </p:sp>
+      <p:pic>
+        <p:nvPicPr>
+          <p:cNvPr id="39" name="Shape 39"/>
+          <p:cNvPicPr preferRelativeResize="0"/>
+          <p:nvPr/>
+        </p:nvPicPr>
+        <p:blipFill>
+          <a:blip r:embed="rId5">
+            <a:alphaModFix/>
+          </a:blip>
+          <a:stretch>
+            <a:fillRect/>
+          </a:stretch>
+        </p:blipFill>
+        <p:spPr>
+          <a:xfrm>
+            <a:off x="0" y="6571225"/>
+            <a:ext cx="9144000" cy="286775"/>
+          </a:xfrm>
+          <a:prstGeom prst="rect">
+            <a:avLst/>
+          </a:prstGeom>
+          <a:noFill/>
+          <a:ln>
+            <a:noFill/>
+          </a:ln>
+        </p:spPr>
+      </p:pic>
+      <p:sp>
+        <p:nvSpPr>
+          <p:cNvPr id="40" name="Shape 40"/>
+          <p:cNvSpPr txBox="1">
+            <a:spLocks noGrp="1"/>
+          </p:cNvSpPr>
+          <p:nvPr>
+            <p:ph type="ctrTitle" idx="4294967295"/>
+          </p:nvPr>
+        </p:nvSpPr>
+        <p:spPr>
+          <a:xfrm>
+            <a:off x="2196425" y="6531000"/>
+            <a:ext cx="3238799" cy="424199"/>
+          </a:xfrm>
+          <a:prstGeom prst="rect">
+            <a:avLst/>
+          </a:prstGeom>
+        </p:spPr>
+        <p:txBody>
+          <a:bodyPr lIns="91425" tIns="91425" rIns="91425" bIns="91425" anchor="ctr" anchorCtr="0">
+            <a:noAutofit/>
+          </a:bodyPr>
+          <a:lstStyle/>
+          <a:p>
+            <a:pPr lvl="0" indent="457200" rtl="0">
+              <a:lnSpc>
+                <a:spcPct val="115000"/>
+              </a:lnSpc>
+              <a:spcBef>
+                <a:spcPts val="0"/>
+              </a:spcBef>
+              <a:buNone/>
+            </a:pPr>
+            <a:endParaRPr sz="1300">
+              <a:solidFill>
+                <a:srgbClr val="003366"/>
+              </a:solidFill>
+            </a:endParaRPr>
+          </a:p>
+        </p:txBody>
+      </p:sp>
+    </p:spTree>
+    <p:extLst>
+      <p:ext uri="{BB962C8B-B14F-4D97-AF65-F5344CB8AC3E}">
+        <p14:creationId xmlns:p14="http://schemas.microsoft.com/office/powerpoint/2010/main" val="4224975323"/>
+      </p:ext>
+    </p:extLst>
+  </p:cSld>
+  <p:clrMapOvr>
+    <a:masterClrMapping/>
+  </p:clrMapOvr>
+  <p:transition spd="slow">
+    <p:cut/>
+  </p:transition>
+  <p:timing>
+    <p:tnLst>
+      <p:par>
+        <p:cTn id="1" dur="indefinite" restart="never" nodeType="tmRoot"/>
+      </p:par>
+    </p:tnLst>
+  </p:timing>
+</p:sld>
+</file>
+
+<file path=ppt/slides/slide25.xml><?xml version="1.0" encoding="utf-8"?>
+<p:sld xmlns:a="http://schemas.openxmlformats.org/drawingml/2006/main" xmlns:r="http://schemas.openxmlformats.org/officeDocument/2006/relationships" xmlns:p="http://schemas.openxmlformats.org/presentationml/2006/main">
+  <p:cSld>
+    <p:spTree>
+      <p:nvGrpSpPr>
+        <p:cNvPr id="1" name="Shape 32"/>
+        <p:cNvGrpSpPr/>
+        <p:nvPr/>
+      </p:nvGrpSpPr>
+      <p:grpSpPr>
+        <a:xfrm>
+          <a:off x="0" y="0"/>
+          <a:ext cx="0" cy="0"/>
+          <a:chOff x="0" y="0"/>
+          <a:chExt cx="0" cy="0"/>
+        </a:xfrm>
+      </p:grpSpPr>
+      <p:sp>
+        <p:nvSpPr>
+          <p:cNvPr id="33" name="Shape 33"/>
+          <p:cNvSpPr txBox="1">
+            <a:spLocks noGrp="1"/>
+          </p:cNvSpPr>
+          <p:nvPr>
+            <p:ph type="title"/>
+          </p:nvPr>
+        </p:nvSpPr>
+        <p:spPr>
+          <a:xfrm>
+            <a:off x="837450" y="131950"/>
+            <a:ext cx="8136900" cy="498599"/>
+          </a:xfrm>
+          <a:prstGeom prst="rect">
+            <a:avLst/>
+          </a:prstGeom>
+        </p:spPr>
+        <p:txBody>
+          <a:bodyPr lIns="91425" tIns="91425" rIns="91425" bIns="91425" anchor="b" anchorCtr="0">
+            <a:noAutofit/>
+          </a:bodyPr>
+          <a:lstStyle/>
+          <a:p>
+            <a:pPr lvl="0"/>
+            <a:r>
+              <a:rPr lang="en-US" sz="2800" dirty="0" smtClean="0">
+                <a:solidFill>
+                  <a:srgbClr val="003366"/>
+                </a:solidFill>
+              </a:rPr>
+              <a:t>Alloy</a:t>
+            </a:r>
+            <a:endParaRPr sz="2800" dirty="0">
+              <a:solidFill>
+                <a:srgbClr val="003366"/>
+              </a:solidFill>
+            </a:endParaRPr>
+          </a:p>
+        </p:txBody>
+      </p:sp>
+      <p:pic>
+        <p:nvPicPr>
+          <p:cNvPr id="35" name="Shape 35"/>
+          <p:cNvPicPr preferRelativeResize="0"/>
+          <p:nvPr/>
+        </p:nvPicPr>
+        <p:blipFill>
+          <a:blip r:embed="rId3">
+            <a:alphaModFix/>
+          </a:blip>
+          <a:stretch>
+            <a:fillRect/>
+          </a:stretch>
+        </p:blipFill>
+        <p:spPr>
+          <a:xfrm>
+            <a:off x="82450" y="65950"/>
+            <a:ext cx="464900" cy="498650"/>
+          </a:xfrm>
+          <a:prstGeom prst="rect">
+            <a:avLst/>
+          </a:prstGeom>
+          <a:noFill/>
+          <a:ln>
+            <a:noFill/>
+          </a:ln>
+        </p:spPr>
+      </p:pic>
+      <p:pic>
+        <p:nvPicPr>
+          <p:cNvPr id="36" name="Shape 36"/>
+          <p:cNvPicPr preferRelativeResize="0"/>
+          <p:nvPr/>
+        </p:nvPicPr>
+        <p:blipFill>
+          <a:blip r:embed="rId4">
+            <a:alphaModFix/>
+          </a:blip>
+          <a:stretch>
+            <a:fillRect/>
+          </a:stretch>
+        </p:blipFill>
+        <p:spPr>
+          <a:xfrm>
+            <a:off x="0" y="630539"/>
+            <a:ext cx="9143998" cy="97471"/>
+          </a:xfrm>
+          <a:prstGeom prst="rect">
+            <a:avLst/>
+          </a:prstGeom>
+          <a:noFill/>
+          <a:ln>
+            <a:noFill/>
+          </a:ln>
+        </p:spPr>
+      </p:pic>
+      <p:cxnSp>
+        <p:nvCxnSpPr>
+          <p:cNvPr id="37" name="Shape 37"/>
+          <p:cNvCxnSpPr/>
+          <p:nvPr/>
+        </p:nvCxnSpPr>
+        <p:spPr>
+          <a:xfrm rot="10800000">
+            <a:off x="691550" y="125"/>
+            <a:ext cx="0" cy="630299"/>
+          </a:xfrm>
+          <a:prstGeom prst="straightConnector1">
+            <a:avLst/>
+          </a:prstGeom>
+          <a:noFill/>
+          <a:ln w="9525" cap="flat" cmpd="sng">
+            <a:solidFill>
+              <a:srgbClr val="003366"/>
+            </a:solidFill>
+            <a:prstDash val="solid"/>
+            <a:round/>
+            <a:headEnd type="none" w="lg" len="lg"/>
+            <a:tailEnd type="none" w="lg" len="lg"/>
+          </a:ln>
+        </p:spPr>
+      </p:cxnSp>
+      <p:sp>
+        <p:nvSpPr>
+          <p:cNvPr id="38" name="Shape 38"/>
+          <p:cNvSpPr txBox="1"/>
+          <p:nvPr/>
+        </p:nvSpPr>
+        <p:spPr>
+          <a:xfrm>
+            <a:off x="6783700" y="6531000"/>
+            <a:ext cx="2599200" cy="363899"/>
+          </a:xfrm>
+          <a:prstGeom prst="rect">
+            <a:avLst/>
+          </a:prstGeom>
+          <a:noFill/>
+          <a:ln>
+            <a:noFill/>
+          </a:ln>
+        </p:spPr>
+        <p:txBody>
+          <a:bodyPr lIns="91425" tIns="91425" rIns="91425" bIns="91425" anchor="t" anchorCtr="0">
+            <a:noAutofit/>
+          </a:bodyPr>
+          <a:lstStyle/>
+          <a:p>
+            <a:pPr lvl="0" rtl="0">
+              <a:spcBef>
+                <a:spcPts val="0"/>
+              </a:spcBef>
+              <a:buNone/>
+            </a:pPr>
+            <a:r>
+              <a:rPr lang="it" sz="1200" b="1">
+                <a:solidFill>
+                  <a:srgbClr val="FFFFFF"/>
+                </a:solidFill>
+              </a:rPr>
+              <a:t>POLITECNICO DI MILANO</a:t>
+            </a:r>
+          </a:p>
+        </p:txBody>
+      </p:sp>
+      <p:pic>
+        <p:nvPicPr>
+          <p:cNvPr id="39" name="Shape 39"/>
+          <p:cNvPicPr preferRelativeResize="0"/>
+          <p:nvPr/>
+        </p:nvPicPr>
+        <p:blipFill>
+          <a:blip r:embed="rId5">
+            <a:alphaModFix/>
+          </a:blip>
+          <a:stretch>
+            <a:fillRect/>
+          </a:stretch>
+        </p:blipFill>
+        <p:spPr>
+          <a:xfrm>
+            <a:off x="0" y="6571225"/>
+            <a:ext cx="9144000" cy="286775"/>
+          </a:xfrm>
+          <a:prstGeom prst="rect">
+            <a:avLst/>
+          </a:prstGeom>
+          <a:noFill/>
+          <a:ln>
+            <a:noFill/>
+          </a:ln>
+        </p:spPr>
+      </p:pic>
+      <p:sp>
+        <p:nvSpPr>
+          <p:cNvPr id="40" name="Shape 40"/>
+          <p:cNvSpPr txBox="1">
+            <a:spLocks noGrp="1"/>
+          </p:cNvSpPr>
+          <p:nvPr>
+            <p:ph type="ctrTitle" idx="4294967295"/>
+          </p:nvPr>
+        </p:nvSpPr>
+        <p:spPr>
+          <a:xfrm>
+            <a:off x="2196425" y="6531000"/>
+            <a:ext cx="3238799" cy="424199"/>
+          </a:xfrm>
+          <a:prstGeom prst="rect">
+            <a:avLst/>
+          </a:prstGeom>
+        </p:spPr>
+        <p:txBody>
+          <a:bodyPr lIns="91425" tIns="91425" rIns="91425" bIns="91425" anchor="ctr" anchorCtr="0">
+            <a:noAutofit/>
+          </a:bodyPr>
+          <a:lstStyle/>
+          <a:p>
+            <a:pPr lvl="0" indent="457200" rtl="0">
+              <a:lnSpc>
+                <a:spcPct val="115000"/>
+              </a:lnSpc>
+              <a:spcBef>
+                <a:spcPts val="0"/>
+              </a:spcBef>
+              <a:buNone/>
+            </a:pPr>
+            <a:endParaRPr sz="1300">
+              <a:solidFill>
+                <a:srgbClr val="003366"/>
+              </a:solidFill>
+            </a:endParaRPr>
+          </a:p>
+        </p:txBody>
+      </p:sp>
+    </p:spTree>
+    <p:extLst>
+      <p:ext uri="{BB962C8B-B14F-4D97-AF65-F5344CB8AC3E}">
+        <p14:creationId xmlns:p14="http://schemas.microsoft.com/office/powerpoint/2010/main" val="1683931613"/>
+      </p:ext>
+    </p:extLst>
+  </p:cSld>
+  <p:clrMapOvr>
+    <a:masterClrMapping/>
+  </p:clrMapOvr>
+  <p:transition spd="slow">
+    <p:cut/>
+  </p:transition>
+  <p:timing>
+    <p:tnLst>
+      <p:par>
+        <p:cTn id="1" dur="indefinite" restart="never" nodeType="tmRoot"/>
+      </p:par>
+    </p:tnLst>
+  </p:timing>
+</p:sld>
+</file>
+
+<file path=ppt/slides/slide26.xml><?xml version="1.0" encoding="utf-8"?>
+<p:sld xmlns:a="http://schemas.openxmlformats.org/drawingml/2006/main" xmlns:r="http://schemas.openxmlformats.org/officeDocument/2006/relationships" xmlns:p="http://schemas.openxmlformats.org/presentationml/2006/main">
+  <p:cSld>
+    <p:spTree>
+      <p:nvGrpSpPr>
+        <p:cNvPr id="1" name="Shape 32"/>
+        <p:cNvGrpSpPr/>
+        <p:nvPr/>
+      </p:nvGrpSpPr>
+      <p:grpSpPr>
+        <a:xfrm>
+          <a:off x="0" y="0"/>
+          <a:ext cx="0" cy="0"/>
+          <a:chOff x="0" y="0"/>
+          <a:chExt cx="0" cy="0"/>
+        </a:xfrm>
+      </p:grpSpPr>
+      <p:sp>
+        <p:nvSpPr>
+          <p:cNvPr id="33" name="Shape 33"/>
+          <p:cNvSpPr txBox="1">
+            <a:spLocks noGrp="1"/>
+          </p:cNvSpPr>
+          <p:nvPr>
+            <p:ph type="title"/>
+          </p:nvPr>
+        </p:nvSpPr>
+        <p:spPr>
+          <a:xfrm>
+            <a:off x="837450" y="131950"/>
+            <a:ext cx="8136900" cy="498599"/>
+          </a:xfrm>
+          <a:prstGeom prst="rect">
+            <a:avLst/>
+          </a:prstGeom>
+        </p:spPr>
+        <p:txBody>
+          <a:bodyPr lIns="91425" tIns="91425" rIns="91425" bIns="91425" anchor="b" anchorCtr="0">
+            <a:noAutofit/>
+          </a:bodyPr>
+          <a:lstStyle/>
+          <a:p>
+            <a:pPr lvl="0"/>
+            <a:r>
+              <a:rPr lang="en-US" sz="2800" dirty="0" smtClean="0">
+                <a:solidFill>
+                  <a:srgbClr val="003366"/>
+                </a:solidFill>
+              </a:rPr>
+              <a:t>Specific </a:t>
+            </a:r>
+            <a:r>
+              <a:rPr lang="en-US" sz="2800" dirty="0" smtClean="0">
+                <a:solidFill>
+                  <a:srgbClr val="003366"/>
+                </a:solidFill>
+              </a:rPr>
+              <a:t>requirements – Sequence diagrams</a:t>
+            </a:r>
+            <a:endParaRPr sz="2800" dirty="0">
+              <a:solidFill>
+                <a:srgbClr val="003366"/>
+              </a:solidFill>
+            </a:endParaRPr>
+          </a:p>
+        </p:txBody>
+      </p:sp>
+      <p:pic>
+        <p:nvPicPr>
+          <p:cNvPr id="35" name="Shape 35"/>
+          <p:cNvPicPr preferRelativeResize="0"/>
+          <p:nvPr/>
+        </p:nvPicPr>
+        <p:blipFill>
+          <a:blip r:embed="rId3">
+            <a:alphaModFix/>
+          </a:blip>
+          <a:stretch>
+            <a:fillRect/>
+          </a:stretch>
+        </p:blipFill>
+        <p:spPr>
+          <a:xfrm>
+            <a:off x="82450" y="65950"/>
+            <a:ext cx="464900" cy="498650"/>
+          </a:xfrm>
+          <a:prstGeom prst="rect">
+            <a:avLst/>
+          </a:prstGeom>
+          <a:noFill/>
+          <a:ln>
+            <a:noFill/>
+          </a:ln>
+        </p:spPr>
+      </p:pic>
+      <p:pic>
+        <p:nvPicPr>
+          <p:cNvPr id="36" name="Shape 36"/>
+          <p:cNvPicPr preferRelativeResize="0"/>
+          <p:nvPr/>
+        </p:nvPicPr>
+        <p:blipFill>
+          <a:blip r:embed="rId4">
+            <a:alphaModFix/>
+          </a:blip>
+          <a:stretch>
+            <a:fillRect/>
+          </a:stretch>
+        </p:blipFill>
+        <p:spPr>
+          <a:xfrm>
+            <a:off x="0" y="630539"/>
+            <a:ext cx="9143998" cy="97471"/>
+          </a:xfrm>
+          <a:prstGeom prst="rect">
+            <a:avLst/>
+          </a:prstGeom>
+          <a:noFill/>
+          <a:ln>
+            <a:noFill/>
+          </a:ln>
+        </p:spPr>
+      </p:pic>
+      <p:cxnSp>
+        <p:nvCxnSpPr>
+          <p:cNvPr id="37" name="Shape 37"/>
+          <p:cNvCxnSpPr/>
+          <p:nvPr/>
+        </p:nvCxnSpPr>
+        <p:spPr>
+          <a:xfrm rot="10800000">
+            <a:off x="691550" y="125"/>
+            <a:ext cx="0" cy="630299"/>
+          </a:xfrm>
+          <a:prstGeom prst="straightConnector1">
+            <a:avLst/>
+          </a:prstGeom>
+          <a:noFill/>
+          <a:ln w="9525" cap="flat" cmpd="sng">
+            <a:solidFill>
+              <a:srgbClr val="003366"/>
+            </a:solidFill>
+            <a:prstDash val="solid"/>
+            <a:round/>
+            <a:headEnd type="none" w="lg" len="lg"/>
+            <a:tailEnd type="none" w="lg" len="lg"/>
+          </a:ln>
+        </p:spPr>
+      </p:cxnSp>
+      <p:sp>
+        <p:nvSpPr>
+          <p:cNvPr id="38" name="Shape 38"/>
+          <p:cNvSpPr txBox="1"/>
+          <p:nvPr/>
+        </p:nvSpPr>
+        <p:spPr>
+          <a:xfrm>
+            <a:off x="6783700" y="6531000"/>
+            <a:ext cx="2599200" cy="363899"/>
+          </a:xfrm>
+          <a:prstGeom prst="rect">
+            <a:avLst/>
+          </a:prstGeom>
+          <a:noFill/>
+          <a:ln>
+            <a:noFill/>
+          </a:ln>
+        </p:spPr>
+        <p:txBody>
+          <a:bodyPr lIns="91425" tIns="91425" rIns="91425" bIns="91425" anchor="t" anchorCtr="0">
+            <a:noAutofit/>
+          </a:bodyPr>
+          <a:lstStyle/>
+          <a:p>
+            <a:pPr lvl="0" rtl="0">
+              <a:spcBef>
+                <a:spcPts val="0"/>
+              </a:spcBef>
+              <a:buNone/>
+            </a:pPr>
+            <a:r>
+              <a:rPr lang="it" sz="1200" b="1">
+                <a:solidFill>
+                  <a:srgbClr val="FFFFFF"/>
+                </a:solidFill>
+              </a:rPr>
+              <a:t>POLITECNICO DI MILANO</a:t>
+            </a:r>
+          </a:p>
+        </p:txBody>
+      </p:sp>
+      <p:pic>
+        <p:nvPicPr>
+          <p:cNvPr id="39" name="Shape 39"/>
+          <p:cNvPicPr preferRelativeResize="0"/>
+          <p:nvPr/>
+        </p:nvPicPr>
+        <p:blipFill>
+          <a:blip r:embed="rId5">
+            <a:alphaModFix/>
+          </a:blip>
+          <a:stretch>
+            <a:fillRect/>
+          </a:stretch>
+        </p:blipFill>
+        <p:spPr>
+          <a:xfrm>
+            <a:off x="0" y="6571225"/>
+            <a:ext cx="9144000" cy="286775"/>
+          </a:xfrm>
+          <a:prstGeom prst="rect">
+            <a:avLst/>
+          </a:prstGeom>
+          <a:noFill/>
+          <a:ln>
+            <a:noFill/>
+          </a:ln>
+        </p:spPr>
+      </p:pic>
+      <p:sp>
+        <p:nvSpPr>
+          <p:cNvPr id="40" name="Shape 40"/>
+          <p:cNvSpPr txBox="1">
+            <a:spLocks noGrp="1"/>
+          </p:cNvSpPr>
+          <p:nvPr>
+            <p:ph type="ctrTitle" idx="4294967295"/>
+          </p:nvPr>
+        </p:nvSpPr>
+        <p:spPr>
+          <a:xfrm>
+            <a:off x="2196425" y="6531000"/>
+            <a:ext cx="3238799" cy="424199"/>
+          </a:xfrm>
+          <a:prstGeom prst="rect">
+            <a:avLst/>
+          </a:prstGeom>
+        </p:spPr>
+        <p:txBody>
+          <a:bodyPr lIns="91425" tIns="91425" rIns="91425" bIns="91425" anchor="ctr" anchorCtr="0">
+            <a:noAutofit/>
+          </a:bodyPr>
+          <a:lstStyle/>
+          <a:p>
+            <a:pPr lvl="0" indent="457200" rtl="0">
+              <a:lnSpc>
+                <a:spcPct val="115000"/>
+              </a:lnSpc>
+              <a:spcBef>
+                <a:spcPts val="0"/>
+              </a:spcBef>
+              <a:buNone/>
+            </a:pPr>
+            <a:endParaRPr sz="1300">
+              <a:solidFill>
+                <a:srgbClr val="003366"/>
+              </a:solidFill>
+            </a:endParaRPr>
+          </a:p>
+        </p:txBody>
+      </p:sp>
+    </p:spTree>
+    <p:extLst>
+      <p:ext uri="{BB962C8B-B14F-4D97-AF65-F5344CB8AC3E}">
+        <p14:creationId xmlns:p14="http://schemas.microsoft.com/office/powerpoint/2010/main" val="3744527726"/>
+      </p:ext>
+    </p:extLst>
+  </p:cSld>
+  <p:clrMapOvr>
+    <a:masterClrMapping/>
+  </p:clrMapOvr>
+  <p:transition spd="slow">
+    <p:cut/>
+  </p:transition>
+  <p:timing>
+    <p:tnLst>
+      <p:par>
+        <p:cTn id="1" dur="indefinite" restart="never" nodeType="tmRoot"/>
+      </p:par>
+    </p:tnLst>
+  </p:timing>
+</p:sld>
+</file>
+
+<file path=ppt/slides/slide27.xml><?xml version="1.0" encoding="utf-8"?>
+<p:sld xmlns:a="http://schemas.openxmlformats.org/drawingml/2006/main" xmlns:r="http://schemas.openxmlformats.org/officeDocument/2006/relationships" xmlns:p="http://schemas.openxmlformats.org/presentationml/2006/main">
+  <p:cSld>
+    <p:spTree>
+      <p:nvGrpSpPr>
+        <p:cNvPr id="1" name="Shape 32"/>
+        <p:cNvGrpSpPr/>
+        <p:nvPr/>
+      </p:nvGrpSpPr>
+      <p:grpSpPr>
+        <a:xfrm>
+          <a:off x="0" y="0"/>
+          <a:ext cx="0" cy="0"/>
+          <a:chOff x="0" y="0"/>
+          <a:chExt cx="0" cy="0"/>
+        </a:xfrm>
+      </p:grpSpPr>
+      <p:sp>
+        <p:nvSpPr>
+          <p:cNvPr id="33" name="Shape 33"/>
+          <p:cNvSpPr txBox="1">
+            <a:spLocks noGrp="1"/>
+          </p:cNvSpPr>
+          <p:nvPr>
+            <p:ph type="title"/>
+          </p:nvPr>
+        </p:nvSpPr>
+        <p:spPr>
+          <a:xfrm>
+            <a:off x="837450" y="131950"/>
+            <a:ext cx="8136900" cy="498599"/>
+          </a:xfrm>
+          <a:prstGeom prst="rect">
+            <a:avLst/>
+          </a:prstGeom>
+        </p:spPr>
+        <p:txBody>
+          <a:bodyPr lIns="91425" tIns="91425" rIns="91425" bIns="91425" anchor="b" anchorCtr="0">
+            <a:noAutofit/>
+          </a:bodyPr>
+          <a:lstStyle/>
+          <a:p>
+            <a:pPr lvl="0"/>
+            <a:r>
+              <a:rPr lang="en-US" sz="2800" dirty="0">
+                <a:solidFill>
+                  <a:srgbClr val="003366"/>
+                </a:solidFill>
+              </a:rPr>
+              <a:t>Alloy</a:t>
+            </a:r>
+            <a:endParaRPr sz="2800" dirty="0">
+              <a:solidFill>
+                <a:srgbClr val="003366"/>
+              </a:solidFill>
+            </a:endParaRPr>
+          </a:p>
+        </p:txBody>
+      </p:sp>
+      <p:pic>
+        <p:nvPicPr>
+          <p:cNvPr id="35" name="Shape 35"/>
+          <p:cNvPicPr preferRelativeResize="0"/>
+          <p:nvPr/>
+        </p:nvPicPr>
+        <p:blipFill>
+          <a:blip r:embed="rId3">
+            <a:alphaModFix/>
+          </a:blip>
+          <a:stretch>
+            <a:fillRect/>
+          </a:stretch>
+        </p:blipFill>
+        <p:spPr>
+          <a:xfrm>
+            <a:off x="82450" y="65950"/>
+            <a:ext cx="464900" cy="498650"/>
+          </a:xfrm>
+          <a:prstGeom prst="rect">
+            <a:avLst/>
+          </a:prstGeom>
+          <a:noFill/>
+          <a:ln>
+            <a:noFill/>
+          </a:ln>
+        </p:spPr>
+      </p:pic>
+      <p:pic>
+        <p:nvPicPr>
+          <p:cNvPr id="36" name="Shape 36"/>
+          <p:cNvPicPr preferRelativeResize="0"/>
+          <p:nvPr/>
+        </p:nvPicPr>
+        <p:blipFill>
+          <a:blip r:embed="rId4">
+            <a:alphaModFix/>
+          </a:blip>
+          <a:stretch>
+            <a:fillRect/>
+          </a:stretch>
+        </p:blipFill>
+        <p:spPr>
+          <a:xfrm>
+            <a:off x="0" y="630539"/>
+            <a:ext cx="9143998" cy="97471"/>
+          </a:xfrm>
+          <a:prstGeom prst="rect">
+            <a:avLst/>
+          </a:prstGeom>
+          <a:noFill/>
+          <a:ln>
+            <a:noFill/>
+          </a:ln>
+        </p:spPr>
+      </p:pic>
+      <p:cxnSp>
+        <p:nvCxnSpPr>
+          <p:cNvPr id="37" name="Shape 37"/>
+          <p:cNvCxnSpPr/>
+          <p:nvPr/>
+        </p:nvCxnSpPr>
+        <p:spPr>
+          <a:xfrm rot="10800000">
+            <a:off x="691550" y="125"/>
+            <a:ext cx="0" cy="630299"/>
+          </a:xfrm>
+          <a:prstGeom prst="straightConnector1">
+            <a:avLst/>
+          </a:prstGeom>
+          <a:noFill/>
+          <a:ln w="9525" cap="flat" cmpd="sng">
+            <a:solidFill>
+              <a:srgbClr val="003366"/>
+            </a:solidFill>
+            <a:prstDash val="solid"/>
+            <a:round/>
+            <a:headEnd type="none" w="lg" len="lg"/>
+            <a:tailEnd type="none" w="lg" len="lg"/>
+          </a:ln>
+        </p:spPr>
+      </p:cxnSp>
+      <p:sp>
+        <p:nvSpPr>
+          <p:cNvPr id="38" name="Shape 38"/>
+          <p:cNvSpPr txBox="1"/>
+          <p:nvPr/>
+        </p:nvSpPr>
+        <p:spPr>
+          <a:xfrm>
+            <a:off x="6783700" y="6531000"/>
+            <a:ext cx="2599200" cy="363899"/>
+          </a:xfrm>
+          <a:prstGeom prst="rect">
+            <a:avLst/>
+          </a:prstGeom>
+          <a:noFill/>
+          <a:ln>
+            <a:noFill/>
+          </a:ln>
+        </p:spPr>
+        <p:txBody>
+          <a:bodyPr lIns="91425" tIns="91425" rIns="91425" bIns="91425" anchor="t" anchorCtr="0">
+            <a:noAutofit/>
+          </a:bodyPr>
+          <a:lstStyle/>
+          <a:p>
+            <a:pPr lvl="0" rtl="0">
+              <a:spcBef>
+                <a:spcPts val="0"/>
+              </a:spcBef>
+              <a:buNone/>
+            </a:pPr>
+            <a:r>
+              <a:rPr lang="it" sz="1200" b="1">
+                <a:solidFill>
+                  <a:srgbClr val="FFFFFF"/>
+                </a:solidFill>
+              </a:rPr>
+              <a:t>POLITECNICO DI MILANO</a:t>
+            </a:r>
+          </a:p>
+        </p:txBody>
+      </p:sp>
+      <p:pic>
+        <p:nvPicPr>
+          <p:cNvPr id="39" name="Shape 39"/>
+          <p:cNvPicPr preferRelativeResize="0"/>
+          <p:nvPr/>
+        </p:nvPicPr>
+        <p:blipFill>
+          <a:blip r:embed="rId5">
+            <a:alphaModFix/>
+          </a:blip>
+          <a:stretch>
+            <a:fillRect/>
+          </a:stretch>
+        </p:blipFill>
+        <p:spPr>
+          <a:xfrm>
+            <a:off x="0" y="6571225"/>
+            <a:ext cx="9144000" cy="286775"/>
+          </a:xfrm>
+          <a:prstGeom prst="rect">
+            <a:avLst/>
+          </a:prstGeom>
+          <a:noFill/>
+          <a:ln>
+            <a:noFill/>
+          </a:ln>
+        </p:spPr>
+      </p:pic>
+      <p:sp>
+        <p:nvSpPr>
+          <p:cNvPr id="40" name="Shape 40"/>
+          <p:cNvSpPr txBox="1">
+            <a:spLocks noGrp="1"/>
+          </p:cNvSpPr>
+          <p:nvPr>
+            <p:ph type="ctrTitle" idx="4294967295"/>
+          </p:nvPr>
+        </p:nvSpPr>
+        <p:spPr>
+          <a:xfrm>
+            <a:off x="2196425" y="6531000"/>
+            <a:ext cx="3238799" cy="424199"/>
+          </a:xfrm>
+          <a:prstGeom prst="rect">
+            <a:avLst/>
+          </a:prstGeom>
+        </p:spPr>
+        <p:txBody>
+          <a:bodyPr lIns="91425" tIns="91425" rIns="91425" bIns="91425" anchor="ctr" anchorCtr="0">
+            <a:noAutofit/>
+          </a:bodyPr>
+          <a:lstStyle/>
+          <a:p>
+            <a:pPr lvl="0" indent="457200" rtl="0">
+              <a:lnSpc>
+                <a:spcPct val="115000"/>
+              </a:lnSpc>
+              <a:spcBef>
+                <a:spcPts val="0"/>
+              </a:spcBef>
+              <a:buNone/>
+            </a:pPr>
+            <a:endParaRPr sz="1300">
+              <a:solidFill>
+                <a:srgbClr val="003366"/>
+              </a:solidFill>
+            </a:endParaRPr>
+          </a:p>
+        </p:txBody>
+      </p:sp>
+    </p:spTree>
+    <p:extLst>
+      <p:ext uri="{BB962C8B-B14F-4D97-AF65-F5344CB8AC3E}">
+        <p14:creationId xmlns:p14="http://schemas.microsoft.com/office/powerpoint/2010/main" val="1846807659"/>
+      </p:ext>
+    </p:extLst>
+  </p:cSld>
+  <p:clrMapOvr>
+    <a:masterClrMapping/>
+  </p:clrMapOvr>
+  <p:transition spd="slow">
+    <p:cut/>
+  </p:transition>
+  <p:timing>
+    <p:tnLst>
+      <p:par>
+        <p:cTn id="1" dur="indefinite" restart="never" nodeType="tmRoot"/>
+      </p:par>
+    </p:tnLst>
+  </p:timing>
+</p:sld>
+</file>
+
 <file path=ppt/slides/slide3.xml><?xml version="1.0" encoding="utf-8"?>
 <p:sld xmlns:a="http://schemas.openxmlformats.org/drawingml/2006/main" xmlns:r="http://schemas.openxmlformats.org/officeDocument/2006/relationships" xmlns:p="http://schemas.openxmlformats.org/presentationml/2006/main">
   <p:cSld>
@@ -11858,7 +17100,6 @@
               <a:rPr lang="en-US" sz="1800" dirty="0"/>
               <a:t>the model's consistency </a:t>
             </a:r>
-            <a:endParaRPr lang="en-US" sz="1800" dirty="0"/>
           </a:p>
           <a:p>
             <a:pPr>
@@ -13329,6 +18570,87 @@
           </a:extLst>
         </p:spPr>
       </p:pic>
+      <p:pic>
+        <p:nvPicPr>
+          <p:cNvPr id="1026" name="Picture 2" descr="C:\Users\Milica\Desktop\madrid-mental-map-blog.jpg"/>
+          <p:cNvPicPr>
+            <a:picLocks noChangeAspect="1" noChangeArrowheads="1"/>
+          </p:cNvPicPr>
+          <p:nvPr/>
+        </p:nvPicPr>
+        <p:blipFill>
+          <a:blip r:embed="rId7">
+            <a:extLst>
+              <a:ext uri="{28A0092B-C50C-407E-A947-70E740481C1C}">
+                <a14:useLocalDpi xmlns:a14="http://schemas.microsoft.com/office/drawing/2010/main" val="0"/>
+              </a:ext>
+            </a:extLst>
+          </a:blip>
+          <a:srcRect/>
+          <a:stretch>
+            <a:fillRect/>
+          </a:stretch>
+        </p:blipFill>
+        <p:spPr bwMode="auto">
+          <a:xfrm>
+            <a:off x="691550" y="3446364"/>
+            <a:ext cx="3205827" cy="2269207"/>
+          </a:xfrm>
+          <a:prstGeom prst="rect">
+            <a:avLst/>
+          </a:prstGeom>
+          <a:noFill/>
+          <a:extLst>
+            <a:ext uri="{909E8E84-426E-40DD-AFC4-6F175D3DCCD1}">
+              <a14:hiddenFill xmlns:a14="http://schemas.microsoft.com/office/drawing/2010/main">
+                <a:solidFill>
+                  <a:srgbClr val="FFFFFF"/>
+                </a:solidFill>
+              </a14:hiddenFill>
+            </a:ext>
+          </a:extLst>
+        </p:spPr>
+      </p:pic>
+      <p:sp>
+        <p:nvSpPr>
+          <p:cNvPr id="12" name="Down Arrow 11"/>
+          <p:cNvSpPr/>
+          <p:nvPr/>
+        </p:nvSpPr>
+        <p:spPr>
+          <a:xfrm rot="5400000">
+            <a:off x="4319972" y="3932895"/>
+            <a:ext cx="504056" cy="1296144"/>
+          </a:xfrm>
+          <a:prstGeom prst="downArrow">
+            <a:avLst/>
+          </a:prstGeom>
+        </p:spPr>
+        <p:style>
+          <a:lnRef idx="2">
+            <a:schemeClr val="accent1">
+              <a:shade val="50000"/>
+            </a:schemeClr>
+          </a:lnRef>
+          <a:fillRef idx="1">
+            <a:schemeClr val="accent1"/>
+          </a:fillRef>
+          <a:effectRef idx="0">
+            <a:schemeClr val="accent1"/>
+          </a:effectRef>
+          <a:fontRef idx="minor">
+            <a:schemeClr val="lt1"/>
+          </a:fontRef>
+        </p:style>
+        <p:txBody>
+          <a:bodyPr rtlCol="0" anchor="ctr"/>
+          <a:lstStyle/>
+          <a:p>
+            <a:pPr algn="ctr"/>
+            <a:endParaRPr lang="en-US"/>
+          </a:p>
+        </p:txBody>
+      </p:sp>
     </p:spTree>
     <p:extLst>
       <p:ext uri="{BB962C8B-B14F-4D97-AF65-F5344CB8AC3E}">
@@ -13396,12 +18718,12 @@
           <a:p>
             <a:pPr lvl="0"/>
             <a:r>
-              <a:rPr lang="en-US" sz="3000" dirty="0" smtClean="0">
+              <a:rPr lang="en-US" sz="3000" dirty="0">
                 <a:solidFill>
                   <a:srgbClr val="003366"/>
                 </a:solidFill>
               </a:rPr>
-              <a:t>Specific Requirements</a:t>
+              <a:t>Overall description</a:t>
             </a:r>
             <a:endParaRPr sz="3000" dirty="0">
               <a:solidFill>
@@ -13605,81 +18927,304 @@
           </a:p>
         </p:txBody>
       </p:sp>
-      <p:pic>
-        <p:nvPicPr>
-          <p:cNvPr id="1026" name="Picture 2" descr="D:\FAX\SW2\SW2015\world machine.jpg"/>
-          <p:cNvPicPr>
-            <a:picLocks noChangeAspect="1" noChangeArrowheads="1"/>
-          </p:cNvPicPr>
-          <p:nvPr/>
-        </p:nvPicPr>
-        <p:blipFill>
-          <a:blip r:embed="rId6">
-            <a:extLst>
-              <a:ext uri="{28A0092B-C50C-407E-A947-70E740481C1C}">
-                <a14:useLocalDpi xmlns:a14="http://schemas.microsoft.com/office/drawing/2010/main" val="0"/>
-              </a:ext>
-            </a:extLst>
-          </a:blip>
-          <a:srcRect/>
-          <a:stretch>
-            <a:fillRect/>
-          </a:stretch>
-        </p:blipFill>
-        <p:spPr bwMode="auto">
-          <a:xfrm>
-            <a:off x="827584" y="1997968"/>
-            <a:ext cx="6629400" cy="3209925"/>
-          </a:xfrm>
-          <a:prstGeom prst="rect">
-            <a:avLst/>
-          </a:prstGeom>
-          <a:noFill/>
-          <a:extLst>
-            <a:ext uri="{909E8E84-426E-40DD-AFC4-6F175D3DCCD1}">
-              <a14:hiddenFill xmlns:a14="http://schemas.microsoft.com/office/drawing/2010/main">
-                <a:solidFill>
-                  <a:srgbClr val="FFFFFF"/>
-                </a:solidFill>
-              </a14:hiddenFill>
-            </a:ext>
-          </a:extLst>
-        </p:spPr>
-      </p:pic>
       <p:sp>
         <p:nvSpPr>
-          <p:cNvPr id="2" name="TextBox 1"/>
-          <p:cNvSpPr txBox="1"/>
-          <p:nvPr/>
+          <p:cNvPr id="11" name="Shape 34"/>
+          <p:cNvSpPr txBox="1">
+            <a:spLocks noGrp="1"/>
+          </p:cNvSpPr>
+          <p:nvPr>
+            <p:ph type="body" idx="1"/>
+          </p:nvPr>
         </p:nvSpPr>
         <p:spPr>
           <a:xfrm>
-            <a:off x="1763688" y="1052736"/>
-            <a:ext cx="2024913" cy="307777"/>
-          </a:xfrm>
-          <a:prstGeom prst="rect">
-            <a:avLst/>
-          </a:prstGeom>
-          <a:noFill/>
+            <a:off x="457198" y="836712"/>
+            <a:ext cx="8579297" cy="5616624"/>
+          </a:xfrm>
+          <a:prstGeom prst="rect">
+            <a:avLst/>
+          </a:prstGeom>
         </p:spPr>
         <p:txBody>
-          <a:bodyPr wrap="none" rtlCol="0">
-            <a:spAutoFit/>
+          <a:bodyPr lIns="91425" tIns="91425" rIns="91425" bIns="91425" anchor="t" anchorCtr="0">
+            <a:noAutofit/>
           </a:bodyPr>
           <a:lstStyle/>
           <a:p>
-            <a:r>
-              <a:rPr lang="en-US" dirty="0" smtClean="0"/>
-              <a:t>World and the machine</a:t>
-            </a:r>
-            <a:endParaRPr lang="en-US" dirty="0"/>
+            <a:pPr indent="363538">
+              <a:lnSpc>
+                <a:spcPct val="150000"/>
+              </a:lnSpc>
+            </a:pPr>
+            <a:r>
+              <a:rPr lang="en-US" sz="2400" dirty="0" smtClean="0"/>
+              <a:t>Constraints</a:t>
+            </a:r>
+          </a:p>
+          <a:p>
+            <a:pPr marL="649288" lvl="8" indent="-285750">
+              <a:buFontTx/>
+              <a:buChar char="-"/>
+            </a:pPr>
+            <a:r>
+              <a:rPr lang="en-US" sz="1600" b="1" dirty="0" smtClean="0"/>
+              <a:t>Regulatory </a:t>
+            </a:r>
+            <a:r>
+              <a:rPr lang="en-US" sz="1600" b="1" dirty="0"/>
+              <a:t>policies </a:t>
+            </a:r>
+            <a:r>
+              <a:rPr lang="en-US" sz="1600" dirty="0" smtClean="0"/>
+              <a:t>- will not </a:t>
+            </a:r>
+            <a:r>
+              <a:rPr lang="en-US" sz="1600" dirty="0"/>
+              <a:t>take advantage of users personal information and will respect the </a:t>
+            </a:r>
+            <a:r>
+              <a:rPr lang="en-US" sz="1600" i="1" u="sng" dirty="0"/>
+              <a:t>privacy policy </a:t>
+            </a:r>
+            <a:endParaRPr lang="en-US" sz="1600" i="1" u="sng" dirty="0" smtClean="0"/>
+          </a:p>
+          <a:p>
+            <a:pPr marL="649288" lvl="8" indent="-285750">
+              <a:buFontTx/>
+              <a:buChar char="-"/>
+            </a:pPr>
+            <a:r>
+              <a:rPr lang="en-US" sz="1600" b="1" dirty="0"/>
+              <a:t>Hardware </a:t>
+            </a:r>
+            <a:r>
+              <a:rPr lang="en-US" sz="1600" b="1" dirty="0" smtClean="0"/>
+              <a:t>limitation</a:t>
+            </a:r>
+            <a:r>
+              <a:rPr lang="en-US" sz="1600" dirty="0" smtClean="0"/>
+              <a:t> - </a:t>
+            </a:r>
+            <a:r>
+              <a:rPr lang="en-US" sz="1600" dirty="0"/>
+              <a:t>access to </a:t>
+            </a:r>
+            <a:r>
+              <a:rPr lang="en-US" sz="1600" i="1" u="sng" dirty="0"/>
+              <a:t>Internet</a:t>
+            </a:r>
+            <a:r>
+              <a:rPr lang="en-US" sz="1600" i="1" dirty="0"/>
+              <a:t> </a:t>
+            </a:r>
+            <a:r>
+              <a:rPr lang="en-US" sz="1600" dirty="0"/>
+              <a:t>and own a device with a web browser and </a:t>
+            </a:r>
+            <a:r>
+              <a:rPr lang="en-US" sz="1600" i="1" u="sng" dirty="0"/>
+              <a:t>GPS </a:t>
+            </a:r>
+            <a:r>
+              <a:rPr lang="en-US" sz="1600" i="1" u="sng" dirty="0" smtClean="0"/>
+              <a:t>service</a:t>
+            </a:r>
+            <a:endParaRPr lang="en-US" sz="1600" i="1" u="sng" dirty="0"/>
+          </a:p>
+          <a:p>
+            <a:pPr marL="649288" lvl="8" indent="-285750">
+              <a:buFontTx/>
+              <a:buChar char="-"/>
+            </a:pPr>
+            <a:r>
+              <a:rPr lang="en-US" sz="1600" b="1" dirty="0"/>
+              <a:t>Interfaces to other applications </a:t>
+            </a:r>
+            <a:r>
+              <a:rPr lang="en-US" sz="1600" dirty="0" smtClean="0"/>
+              <a:t>- </a:t>
+            </a:r>
+            <a:r>
+              <a:rPr lang="en-US" sz="1600" dirty="0"/>
+              <a:t>Google Maps </a:t>
+            </a:r>
+            <a:r>
+              <a:rPr lang="en-US" sz="1600" dirty="0" smtClean="0"/>
+              <a:t>API, </a:t>
+            </a:r>
+            <a:r>
+              <a:rPr lang="en-US" sz="1600" dirty="0"/>
+              <a:t>Google Places API </a:t>
+            </a:r>
+            <a:r>
+              <a:rPr lang="en-US" sz="1600" dirty="0" smtClean="0"/>
+              <a:t>and </a:t>
+            </a:r>
+            <a:r>
+              <a:rPr lang="en-US" sz="1600" dirty="0"/>
+              <a:t>email service in order to make authentication </a:t>
+            </a:r>
+            <a:endParaRPr lang="en-US" sz="1600" dirty="0" smtClean="0"/>
+          </a:p>
+          <a:p>
+            <a:pPr marL="649288" lvl="8" indent="-285750">
+              <a:buFontTx/>
+              <a:buChar char="-"/>
+            </a:pPr>
+            <a:r>
+              <a:rPr lang="en-US" sz="1600" b="1" dirty="0"/>
+              <a:t>Parallel </a:t>
+            </a:r>
+            <a:r>
+              <a:rPr lang="en-US" sz="1600" b="1" dirty="0" smtClean="0"/>
+              <a:t>operation</a:t>
+            </a:r>
+            <a:r>
+              <a:rPr lang="en-US" sz="1600" dirty="0" smtClean="0"/>
+              <a:t> - </a:t>
+            </a:r>
+            <a:r>
+              <a:rPr lang="en-US" sz="1600" dirty="0"/>
+              <a:t>support parallel access to the applications database in a </a:t>
+            </a:r>
+            <a:r>
+              <a:rPr lang="en-US" sz="1600" i="1" u="sng" dirty="0" smtClean="0"/>
+              <a:t>transparent </a:t>
+            </a:r>
+            <a:r>
+              <a:rPr lang="en-US" sz="1600" i="1" u="sng" dirty="0"/>
+              <a:t>way </a:t>
+            </a:r>
+            <a:endParaRPr lang="en-US" sz="1600" i="1" u="sng" dirty="0" smtClean="0"/>
+          </a:p>
+          <a:p>
+            <a:pPr marL="22225" lvl="8" indent="341313">
+              <a:buFont typeface="Arial" panose="020B0604020202020204" pitchFamily="34" charset="0"/>
+              <a:buChar char="•"/>
+            </a:pPr>
+            <a:r>
+              <a:rPr lang="en-US" sz="2400" dirty="0" smtClean="0"/>
+              <a:t>Assumptions</a:t>
+            </a:r>
+          </a:p>
+          <a:p>
+            <a:pPr marL="646113" lvl="8" indent="-285750">
+              <a:buFont typeface="Arial" panose="020B0604020202020204" pitchFamily="34" charset="0"/>
+              <a:buChar char="-"/>
+              <a:tabLst>
+                <a:tab pos="363538" algn="l"/>
+              </a:tabLst>
+            </a:pPr>
+            <a:r>
+              <a:rPr lang="en-US" sz="1600" dirty="0" smtClean="0"/>
+              <a:t>user </a:t>
+            </a:r>
+            <a:r>
+              <a:rPr lang="en-US" sz="1600" dirty="0"/>
+              <a:t>have only </a:t>
+            </a:r>
+            <a:r>
+              <a:rPr lang="en-US" sz="1600" i="1" u="sng" dirty="0"/>
+              <a:t>one account</a:t>
+            </a:r>
+          </a:p>
+          <a:p>
+            <a:pPr marL="363538" lvl="8">
+              <a:buNone/>
+            </a:pPr>
+            <a:r>
+              <a:rPr lang="en-US" sz="1600" dirty="0" smtClean="0"/>
+              <a:t>-    </a:t>
+            </a:r>
+            <a:r>
+              <a:rPr lang="en-US" sz="1600" dirty="0"/>
+              <a:t>user provides </a:t>
+            </a:r>
+            <a:r>
+              <a:rPr lang="en-US" sz="1600" i="1" u="sng" dirty="0"/>
+              <a:t>accurate information</a:t>
+            </a:r>
+          </a:p>
+          <a:p>
+            <a:pPr marL="363538" lvl="8">
+              <a:buNone/>
+            </a:pPr>
+            <a:r>
+              <a:rPr lang="en-US" sz="1600" dirty="0" smtClean="0"/>
+              <a:t>-    if </a:t>
+            </a:r>
+            <a:r>
+              <a:rPr lang="en-US" sz="1600" dirty="0"/>
+              <a:t>users location is not available, the application will show a screen with an option of </a:t>
+            </a:r>
+            <a:r>
+              <a:rPr lang="en-US" sz="1600" i="1" u="sng" dirty="0"/>
+              <a:t>typing your current address</a:t>
+            </a:r>
+          </a:p>
+          <a:p>
+            <a:pPr marL="363538" lvl="8">
+              <a:buNone/>
+            </a:pPr>
+            <a:r>
+              <a:rPr lang="en-US" sz="1600" dirty="0" smtClean="0"/>
+              <a:t>-    we </a:t>
+            </a:r>
+            <a:r>
+              <a:rPr lang="en-US" sz="1600" dirty="0"/>
+              <a:t>assume that Google Maps service will </a:t>
+            </a:r>
+            <a:r>
+              <a:rPr lang="en-US" sz="1600" i="1" u="sng" dirty="0"/>
+              <a:t>calculate location </a:t>
+            </a:r>
+            <a:r>
+              <a:rPr lang="en-US" sz="1600" i="1" u="sng" dirty="0" smtClean="0"/>
+              <a:t>accurately</a:t>
+            </a:r>
+            <a:endParaRPr lang="en-US" sz="1600" i="1" u="sng" dirty="0"/>
+          </a:p>
+          <a:p>
+            <a:pPr marL="363538" lvl="8">
+              <a:buNone/>
+            </a:pPr>
+            <a:r>
+              <a:rPr lang="en-US" sz="1600" dirty="0" smtClean="0"/>
+              <a:t>-    taxi </a:t>
+            </a:r>
+            <a:r>
+              <a:rPr lang="en-US" sz="1600" dirty="0"/>
+              <a:t>driver will </a:t>
+            </a:r>
+            <a:r>
+              <a:rPr lang="en-US" sz="1600" i="1" u="sng" dirty="0"/>
+              <a:t>respect the ETA</a:t>
+            </a:r>
+            <a:r>
+              <a:rPr lang="en-US" sz="1600" dirty="0"/>
+              <a:t>, otherwise they could be banned from the system</a:t>
+            </a:r>
+          </a:p>
+          <a:p>
+            <a:pPr marL="363538" lvl="8">
+              <a:buNone/>
+            </a:pPr>
+            <a:r>
+              <a:rPr lang="en-US" sz="1600" dirty="0" smtClean="0"/>
+              <a:t>-    </a:t>
+            </a:r>
+            <a:r>
+              <a:rPr lang="en-US" sz="1600" dirty="0"/>
+              <a:t>if a taxi driver has an unexpected issue, the user will be automatically notified by the system and a new vehicle will be assigned to him with new ETA</a:t>
+            </a:r>
           </a:p>
         </p:txBody>
       </p:sp>
     </p:spTree>
     <p:extLst>
       <p:ext uri="{BB962C8B-B14F-4D97-AF65-F5344CB8AC3E}">
-        <p14:creationId xmlns:p14="http://schemas.microsoft.com/office/powerpoint/2010/main" val="4001518454"/>
+        <p14:creationId xmlns:p14="http://schemas.microsoft.com/office/powerpoint/2010/main" val="1098739898"/>
       </p:ext>
     </p:extLst>
   </p:cSld>
@@ -13748,7 +19293,7 @@
                   <a:srgbClr val="003366"/>
                 </a:solidFill>
               </a:rPr>
-              <a:t>Specific requirements</a:t>
+              <a:t>Specific Requirements</a:t>
             </a:r>
             <a:endParaRPr sz="3000" dirty="0">
               <a:solidFill>
@@ -13952,39 +19497,9 @@
           </a:p>
         </p:txBody>
       </p:sp>
-      <p:sp>
-        <p:nvSpPr>
-          <p:cNvPr id="10" name="TextBox 9"/>
-          <p:cNvSpPr txBox="1"/>
-          <p:nvPr/>
-        </p:nvSpPr>
-        <p:spPr>
-          <a:xfrm>
-            <a:off x="547350" y="980728"/>
-            <a:ext cx="7913082" cy="307777"/>
-          </a:xfrm>
-          <a:prstGeom prst="rect">
-            <a:avLst/>
-          </a:prstGeom>
-          <a:noFill/>
-        </p:spPr>
-        <p:txBody>
-          <a:bodyPr wrap="square" rtlCol="0">
-            <a:spAutoFit/>
-          </a:bodyPr>
-          <a:lstStyle/>
-          <a:p>
-            <a:r>
-              <a:rPr lang="en-US" dirty="0" smtClean="0"/>
-              <a:t>Mockups</a:t>
-            </a:r>
-            <a:endParaRPr lang="en-US" dirty="0"/>
-          </a:p>
-        </p:txBody>
-      </p:sp>
       <p:pic>
         <p:nvPicPr>
-          <p:cNvPr id="2051" name="Picture 3" descr="D:\FAX\SW2\SW2015\Mockups\1 Guest screen.png"/>
+          <p:cNvPr id="1026" name="Picture 2" descr="D:\FAX\SW2\SW2015\world machine.jpg"/>
           <p:cNvPicPr>
             <a:picLocks noChangeAspect="1" noChangeArrowheads="1"/>
           </p:cNvPicPr>
@@ -14005,8 +19520,8 @@
         </p:blipFill>
         <p:spPr bwMode="auto">
           <a:xfrm>
-            <a:off x="971600" y="1628800"/>
-            <a:ext cx="2266931" cy="4320000"/>
+            <a:off x="827584" y="1997968"/>
+            <a:ext cx="6629400" cy="3209925"/>
           </a:xfrm>
           <a:prstGeom prst="rect">
             <a:avLst/>
@@ -14023,92 +19538,120 @@
           </a:extLst>
         </p:spPr>
       </p:pic>
-      <p:pic>
-        <p:nvPicPr>
-          <p:cNvPr id="2052" name="Picture 4" descr="D:\FAX\SW2\SW2015\Mockups\2 SignUp.png"/>
-          <p:cNvPicPr>
-            <a:picLocks noChangeAspect="1" noChangeArrowheads="1"/>
-          </p:cNvPicPr>
+      <p:sp>
+        <p:nvSpPr>
+          <p:cNvPr id="2" name="TextBox 1"/>
+          <p:cNvSpPr txBox="1"/>
           <p:nvPr/>
-        </p:nvPicPr>
-        <p:blipFill>
-          <a:blip r:embed="rId7">
-            <a:extLst>
-              <a:ext uri="{28A0092B-C50C-407E-A947-70E740481C1C}">
-                <a14:useLocalDpi xmlns:a14="http://schemas.microsoft.com/office/drawing/2010/main" val="0"/>
-              </a:ext>
-            </a:extLst>
-          </a:blip>
-          <a:srcRect/>
-          <a:stretch>
-            <a:fillRect/>
-          </a:stretch>
-        </p:blipFill>
-        <p:spPr bwMode="auto">
-          <a:xfrm>
-            <a:off x="3563888" y="1628950"/>
-            <a:ext cx="2266931" cy="4320000"/>
-          </a:xfrm>
-          <a:prstGeom prst="rect">
-            <a:avLst/>
-          </a:prstGeom>
-          <a:noFill/>
-          <a:extLst>
-            <a:ext uri="{909E8E84-426E-40DD-AFC4-6F175D3DCCD1}">
-              <a14:hiddenFill xmlns:a14="http://schemas.microsoft.com/office/drawing/2010/main">
-                <a:solidFill>
-                  <a:srgbClr val="FFFFFF"/>
-                </a:solidFill>
-              </a14:hiddenFill>
-            </a:ext>
-          </a:extLst>
-        </p:spPr>
-      </p:pic>
-      <p:pic>
-        <p:nvPicPr>
-          <p:cNvPr id="2053" name="Picture 5" descr="D:\FAX\SW2\SW2015\Mockups\3 Sign In.png"/>
-          <p:cNvPicPr>
-            <a:picLocks noChangeAspect="1" noChangeArrowheads="1"/>
-          </p:cNvPicPr>
+        </p:nvSpPr>
+        <p:spPr>
+          <a:xfrm>
+            <a:off x="1763688" y="1052736"/>
+            <a:ext cx="2024913" cy="307777"/>
+          </a:xfrm>
+          <a:prstGeom prst="rect">
+            <a:avLst/>
+          </a:prstGeom>
+          <a:noFill/>
+        </p:spPr>
+        <p:txBody>
+          <a:bodyPr wrap="none" rtlCol="0">
+            <a:spAutoFit/>
+          </a:bodyPr>
+          <a:lstStyle/>
+          <a:p>
+            <a:r>
+              <a:rPr lang="en-US" dirty="0" smtClean="0"/>
+              <a:t>World and the machine</a:t>
+            </a:r>
+            <a:endParaRPr lang="en-US" dirty="0"/>
+          </a:p>
+        </p:txBody>
+      </p:sp>
+      <p:sp>
+        <p:nvSpPr>
+          <p:cNvPr id="3" name="Action Button: Help 2">
+            <a:hlinkClick r:id="" action="ppaction://noaction" highlightClick="1"/>
+          </p:cNvPr>
+          <p:cNvSpPr/>
           <p:nvPr/>
-        </p:nvPicPr>
-        <p:blipFill>
-          <a:blip r:embed="rId8">
-            <a:extLst>
-              <a:ext uri="{28A0092B-C50C-407E-A947-70E740481C1C}">
-                <a14:useLocalDpi xmlns:a14="http://schemas.microsoft.com/office/drawing/2010/main" val="0"/>
-              </a:ext>
-            </a:extLst>
-          </a:blip>
-          <a:srcRect/>
-          <a:stretch>
-            <a:fillRect/>
-          </a:stretch>
-        </p:blipFill>
-        <p:spPr bwMode="auto">
-          <a:xfrm>
-            <a:off x="6193501" y="1654285"/>
-            <a:ext cx="2266931" cy="4320000"/>
-          </a:xfrm>
-          <a:prstGeom prst="rect">
-            <a:avLst/>
-          </a:prstGeom>
-          <a:noFill/>
-          <a:extLst>
-            <a:ext uri="{909E8E84-426E-40DD-AFC4-6F175D3DCCD1}">
-              <a14:hiddenFill xmlns:a14="http://schemas.microsoft.com/office/drawing/2010/main">
-                <a:solidFill>
-                  <a:srgbClr val="FFFFFF"/>
-                </a:solidFill>
-              </a14:hiddenFill>
-            </a:ext>
-          </a:extLst>
-        </p:spPr>
-      </p:pic>
+        </p:nvSpPr>
+        <p:spPr>
+          <a:xfrm>
+            <a:off x="7437495" y="1378472"/>
+            <a:ext cx="1042416" cy="1042416"/>
+          </a:xfrm>
+          <a:prstGeom prst="actionButtonHelp">
+            <a:avLst/>
+          </a:prstGeom>
+        </p:spPr>
+        <p:style>
+          <a:lnRef idx="2">
+            <a:schemeClr val="accent1">
+              <a:shade val="50000"/>
+            </a:schemeClr>
+          </a:lnRef>
+          <a:fillRef idx="1">
+            <a:schemeClr val="accent1"/>
+          </a:fillRef>
+          <a:effectRef idx="0">
+            <a:schemeClr val="accent1"/>
+          </a:effectRef>
+          <a:fontRef idx="minor">
+            <a:schemeClr val="lt1"/>
+          </a:fontRef>
+        </p:style>
+        <p:txBody>
+          <a:bodyPr rtlCol="0" anchor="ctr"/>
+          <a:lstStyle/>
+          <a:p>
+            <a:pPr algn="ctr"/>
+            <a:endParaRPr lang="en-US"/>
+          </a:p>
+        </p:txBody>
+      </p:sp>
+      <p:sp>
+        <p:nvSpPr>
+          <p:cNvPr id="4" name="TextBox 3"/>
+          <p:cNvSpPr txBox="1"/>
+          <p:nvPr/>
+        </p:nvSpPr>
+        <p:spPr>
+          <a:xfrm>
+            <a:off x="3635896" y="1591903"/>
+            <a:ext cx="3257446" cy="400110"/>
+          </a:xfrm>
+          <a:prstGeom prst="rect">
+            <a:avLst/>
+          </a:prstGeom>
+          <a:noFill/>
+        </p:spPr>
+        <p:txBody>
+          <a:bodyPr wrap="square" rtlCol="0">
+            <a:spAutoFit/>
+          </a:bodyPr>
+          <a:lstStyle/>
+          <a:p>
+            <a:r>
+              <a:rPr lang="en-US" sz="2000" dirty="0" smtClean="0">
+                <a:solidFill>
+                  <a:srgbClr val="C00000"/>
+                </a:solidFill>
+              </a:rPr>
+              <a:t>DA STAVIM OVO ILI NE?</a:t>
+            </a:r>
+            <a:endParaRPr lang="en-US" sz="2000" dirty="0">
+              <a:solidFill>
+                <a:srgbClr val="C00000"/>
+              </a:solidFill>
+            </a:endParaRPr>
+          </a:p>
+        </p:txBody>
+      </p:sp>
     </p:spTree>
     <p:extLst>
       <p:ext uri="{BB962C8B-B14F-4D97-AF65-F5344CB8AC3E}">
-        <p14:creationId xmlns:p14="http://schemas.microsoft.com/office/powerpoint/2010/main" val="3304435044"/>
+        <p14:creationId xmlns:p14="http://schemas.microsoft.com/office/powerpoint/2010/main" val="4001518454"/>
       </p:ext>
     </p:extLst>
   </p:cSld>
@@ -14147,92 +19690,6 @@
       </p:grpSpPr>
       <p:sp>
         <p:nvSpPr>
-          <p:cNvPr id="3" name="Rounded Rectangle 2"/>
-          <p:cNvSpPr/>
-          <p:nvPr/>
-        </p:nvSpPr>
-        <p:spPr>
-          <a:xfrm>
-            <a:off x="3347864" y="1556792"/>
-            <a:ext cx="5688632" cy="4536504"/>
-          </a:xfrm>
-          <a:prstGeom prst="roundRect">
-            <a:avLst/>
-          </a:prstGeom>
-          <a:solidFill>
-            <a:schemeClr val="accent3">
-              <a:lumMod val="60000"/>
-              <a:lumOff val="40000"/>
-            </a:schemeClr>
-          </a:solidFill>
-        </p:spPr>
-        <p:style>
-          <a:lnRef idx="2">
-            <a:schemeClr val="accent1">
-              <a:shade val="50000"/>
-            </a:schemeClr>
-          </a:lnRef>
-          <a:fillRef idx="1">
-            <a:schemeClr val="accent1"/>
-          </a:fillRef>
-          <a:effectRef idx="0">
-            <a:schemeClr val="accent1"/>
-          </a:effectRef>
-          <a:fontRef idx="minor">
-            <a:schemeClr val="lt1"/>
-          </a:fontRef>
-        </p:style>
-        <p:txBody>
-          <a:bodyPr rtlCol="0" anchor="ctr"/>
-          <a:lstStyle/>
-          <a:p>
-            <a:pPr algn="ctr"/>
-            <a:endParaRPr lang="en-US"/>
-          </a:p>
-        </p:txBody>
-      </p:sp>
-      <p:sp>
-        <p:nvSpPr>
-          <p:cNvPr id="2" name="Oval 1"/>
-          <p:cNvSpPr/>
-          <p:nvPr/>
-        </p:nvSpPr>
-        <p:spPr>
-          <a:xfrm>
-            <a:off x="170884" y="1288505"/>
-            <a:ext cx="3537020" cy="5092823"/>
-          </a:xfrm>
-          <a:prstGeom prst="ellipse">
-            <a:avLst/>
-          </a:prstGeom>
-        </p:spPr>
-        <p:style>
-          <a:lnRef idx="2">
-            <a:schemeClr val="accent1">
-              <a:shade val="50000"/>
-            </a:schemeClr>
-          </a:lnRef>
-          <a:fillRef idx="1">
-            <a:schemeClr val="accent1"/>
-          </a:fillRef>
-          <a:effectRef idx="0">
-            <a:schemeClr val="accent1"/>
-          </a:effectRef>
-          <a:fontRef idx="minor">
-            <a:schemeClr val="lt1"/>
-          </a:fontRef>
-        </p:style>
-        <p:txBody>
-          <a:bodyPr rtlCol="0" anchor="ctr"/>
-          <a:lstStyle/>
-          <a:p>
-            <a:pPr algn="ctr"/>
-            <a:endParaRPr lang="en-US"/>
-          </a:p>
-        </p:txBody>
-      </p:sp>
-      <p:sp>
-        <p:nvSpPr>
           <p:cNvPr id="33" name="Shape 33"/>
           <p:cNvSpPr txBox="1">
             <a:spLocks noGrp="1"/>
@@ -14263,11 +19720,31 @@
                   <a:srgbClr val="003366"/>
                 </a:solidFill>
               </a:rPr>
-              <a:t>Specific requirements</a:t>
+              <a:t>Specific </a:t>
+            </a:r>
+            <a:r>
+              <a:rPr lang="en-US" sz="3000" dirty="0" smtClean="0">
+                <a:solidFill>
+                  <a:srgbClr val="003366"/>
+                </a:solidFill>
+              </a:rPr>
+              <a:t>requirements - </a:t>
+            </a:r>
+            <a:r>
+              <a:rPr lang="en-US" sz="3200" dirty="0" smtClean="0">
+                <a:solidFill>
+                  <a:schemeClr val="accent1">
+                    <a:lumMod val="50000"/>
+                  </a:schemeClr>
+                </a:solidFill>
+              </a:rPr>
+              <a:t>Mockups</a:t>
             </a:r>
             <a:endParaRPr sz="3000" dirty="0">
               <a:solidFill>
-                <a:srgbClr val="003366"/>
+                <a:schemeClr val="accent1">
+                  <a:lumMod val="50000"/>
+                </a:schemeClr>
               </a:solidFill>
             </a:endParaRPr>
           </a:p>
@@ -14467,39 +19944,9 @@
           </a:p>
         </p:txBody>
       </p:sp>
-      <p:sp>
-        <p:nvSpPr>
-          <p:cNvPr id="10" name="TextBox 9"/>
-          <p:cNvSpPr txBox="1"/>
-          <p:nvPr/>
-        </p:nvSpPr>
-        <p:spPr>
-          <a:xfrm>
-            <a:off x="547350" y="980728"/>
-            <a:ext cx="7913082" cy="307777"/>
-          </a:xfrm>
-          <a:prstGeom prst="rect">
-            <a:avLst/>
-          </a:prstGeom>
-          <a:noFill/>
-        </p:spPr>
-        <p:txBody>
-          <a:bodyPr wrap="square" rtlCol="0">
-            <a:spAutoFit/>
-          </a:bodyPr>
-          <a:lstStyle/>
-          <a:p>
-            <a:r>
-              <a:rPr lang="en-US" dirty="0" smtClean="0"/>
-              <a:t>Mockups</a:t>
-            </a:r>
-            <a:endParaRPr lang="en-US" dirty="0"/>
-          </a:p>
-        </p:txBody>
-      </p:sp>
       <p:pic>
         <p:nvPicPr>
-          <p:cNvPr id="3074" name="Picture 2" descr="D:\FAX\SW2\SW2015\Mockups\4 Home screen.png"/>
+          <p:cNvPr id="2051" name="Picture 3" descr="D:\FAX\SW2\SW2015\Mockups\1 Guest screen.png"/>
           <p:cNvPicPr>
             <a:picLocks noChangeAspect="1" noChangeArrowheads="1"/>
           </p:cNvPicPr>
@@ -14520,8 +19967,8 @@
         </p:blipFill>
         <p:spPr bwMode="auto">
           <a:xfrm>
-            <a:off x="828276" y="1628800"/>
-            <a:ext cx="2266930" cy="4320000"/>
+            <a:off x="971600" y="980578"/>
+            <a:ext cx="2266931" cy="4320000"/>
           </a:xfrm>
           <a:prstGeom prst="rect">
             <a:avLst/>
@@ -14540,7 +19987,7 @@
       </p:pic>
       <p:pic>
         <p:nvPicPr>
-          <p:cNvPr id="3075" name="Picture 3" descr="D:\FAX\SW2\SW2015\Mockups\7 HomeDriver.png"/>
+          <p:cNvPr id="2052" name="Picture 4" descr="D:\FAX\SW2\SW2015\Mockups\2 SignUp.png"/>
           <p:cNvPicPr>
             <a:picLocks noChangeAspect="1" noChangeArrowheads="1"/>
           </p:cNvPicPr>
@@ -14561,8 +20008,8 @@
         </p:blipFill>
         <p:spPr bwMode="auto">
           <a:xfrm>
-            <a:off x="3947021" y="1628800"/>
-            <a:ext cx="2266930" cy="4320000"/>
+            <a:off x="3563888" y="980728"/>
+            <a:ext cx="2266931" cy="4320000"/>
           </a:xfrm>
           <a:prstGeom prst="rect">
             <a:avLst/>
@@ -14581,7 +20028,7 @@
       </p:pic>
       <p:pic>
         <p:nvPicPr>
-          <p:cNvPr id="15" name="Picture 2" descr="D:\FAX\SW2\SW2015\Mockups\8 Popup.png"/>
+          <p:cNvPr id="2053" name="Picture 5" descr="D:\FAX\SW2\SW2015\Mockups\3 Sign In.png"/>
           <p:cNvPicPr>
             <a:picLocks noChangeAspect="1" noChangeArrowheads="1"/>
           </p:cNvPicPr>
@@ -14602,8 +20049,8 @@
         </p:blipFill>
         <p:spPr bwMode="auto">
           <a:xfrm>
-            <a:off x="6372200" y="1628800"/>
-            <a:ext cx="2266930" cy="4320000"/>
+            <a:off x="6193501" y="1006063"/>
+            <a:ext cx="2266931" cy="4320000"/>
           </a:xfrm>
           <a:prstGeom prst="rect">
             <a:avLst/>
@@ -14620,10 +20067,118 @@
           </a:extLst>
         </p:spPr>
       </p:pic>
+      <p:sp>
+        <p:nvSpPr>
+          <p:cNvPr id="2" name="TextBox 1"/>
+          <p:cNvSpPr txBox="1"/>
+          <p:nvPr/>
+        </p:nvSpPr>
+        <p:spPr>
+          <a:xfrm>
+            <a:off x="1551067" y="5499668"/>
+            <a:ext cx="1107996" cy="523220"/>
+          </a:xfrm>
+          <a:prstGeom prst="rect">
+            <a:avLst/>
+          </a:prstGeom>
+          <a:noFill/>
+        </p:spPr>
+        <p:txBody>
+          <a:bodyPr wrap="none" rtlCol="0">
+            <a:spAutoFit/>
+          </a:bodyPr>
+          <a:lstStyle/>
+          <a:p>
+            <a:pPr algn="ctr"/>
+            <a:r>
+              <a:rPr lang="en-US" dirty="0"/>
+              <a:t>Initial page 	</a:t>
+            </a:r>
+          </a:p>
+          <a:p>
+            <a:endParaRPr lang="en-US" dirty="0"/>
+          </a:p>
+        </p:txBody>
+      </p:sp>
+      <p:sp>
+        <p:nvSpPr>
+          <p:cNvPr id="14" name="TextBox 13"/>
+          <p:cNvSpPr txBox="1"/>
+          <p:nvPr/>
+        </p:nvSpPr>
+        <p:spPr>
+          <a:xfrm>
+            <a:off x="4229301" y="5526902"/>
+            <a:ext cx="936104" cy="738664"/>
+          </a:xfrm>
+          <a:prstGeom prst="rect">
+            <a:avLst/>
+          </a:prstGeom>
+          <a:noFill/>
+        </p:spPr>
+        <p:txBody>
+          <a:bodyPr wrap="square" rtlCol="0">
+            <a:spAutoFit/>
+          </a:bodyPr>
+          <a:lstStyle/>
+          <a:p>
+            <a:pPr algn="ctr"/>
+            <a:r>
+              <a:rPr lang="en-US" dirty="0" smtClean="0"/>
+              <a:t>Sign Up</a:t>
+            </a:r>
+            <a:r>
+              <a:rPr lang="en-US" dirty="0"/>
+              <a:t>	</a:t>
+            </a:r>
+          </a:p>
+          <a:p>
+            <a:endParaRPr lang="en-US" dirty="0"/>
+          </a:p>
+        </p:txBody>
+      </p:sp>
+      <p:sp>
+        <p:nvSpPr>
+          <p:cNvPr id="15" name="TextBox 14"/>
+          <p:cNvSpPr txBox="1"/>
+          <p:nvPr/>
+        </p:nvSpPr>
+        <p:spPr>
+          <a:xfrm>
+            <a:off x="6944442" y="5499668"/>
+            <a:ext cx="765048" cy="738664"/>
+          </a:xfrm>
+          <a:prstGeom prst="rect">
+            <a:avLst/>
+          </a:prstGeom>
+          <a:noFill/>
+        </p:spPr>
+        <p:txBody>
+          <a:bodyPr wrap="square" rtlCol="0">
+            <a:spAutoFit/>
+          </a:bodyPr>
+          <a:lstStyle/>
+          <a:p>
+            <a:pPr algn="ctr"/>
+            <a:r>
+              <a:rPr lang="en-US" dirty="0" smtClean="0"/>
+              <a:t>Sign In</a:t>
+            </a:r>
+            <a:r>
+              <a:rPr lang="en-US" dirty="0"/>
+              <a:t>	</a:t>
+            </a:r>
+          </a:p>
+          <a:p>
+            <a:pPr algn="ctr"/>
+            <a:endParaRPr lang="en-US" dirty="0"/>
+          </a:p>
+        </p:txBody>
+      </p:sp>
     </p:spTree>
     <p:extLst>
       <p:ext uri="{BB962C8B-B14F-4D97-AF65-F5344CB8AC3E}">
-        <p14:creationId xmlns:p14="http://schemas.microsoft.com/office/powerpoint/2010/main" val="762104067"/>
+        <p14:creationId xmlns:p14="http://schemas.microsoft.com/office/powerpoint/2010/main" val="3304435044"/>
       </p:ext>
     </p:extLst>
   </p:cSld>

--- a/RASD.pptx
+++ b/RASD.pptx
@@ -6,7 +6,7 @@
     <p:sldMasterId id="2147483661" r:id="rId2"/>
   </p:sldMasterIdLst>
   <p:notesMasterIdLst>
-    <p:notesMasterId r:id="rId30"/>
+    <p:notesMasterId r:id="rId32"/>
   </p:notesMasterIdLst>
   <p:sldIdLst>
     <p:sldId id="256" r:id="rId3"/>
@@ -28,14 +28,16 @@
     <p:sldId id="277" r:id="rId19"/>
     <p:sldId id="276" r:id="rId20"/>
     <p:sldId id="275" r:id="rId21"/>
-    <p:sldId id="274" r:id="rId22"/>
-    <p:sldId id="271" r:id="rId23"/>
-    <p:sldId id="278" r:id="rId24"/>
-    <p:sldId id="279" r:id="rId25"/>
-    <p:sldId id="280" r:id="rId26"/>
-    <p:sldId id="281" r:id="rId27"/>
-    <p:sldId id="282" r:id="rId28"/>
-    <p:sldId id="283" r:id="rId29"/>
+    <p:sldId id="271" r:id="rId22"/>
+    <p:sldId id="278" r:id="rId23"/>
+    <p:sldId id="279" r:id="rId24"/>
+    <p:sldId id="274" r:id="rId25"/>
+    <p:sldId id="285" r:id="rId26"/>
+    <p:sldId id="286" r:id="rId27"/>
+    <p:sldId id="280" r:id="rId28"/>
+    <p:sldId id="281" r:id="rId29"/>
+    <p:sldId id="283" r:id="rId30"/>
+    <p:sldId id="287" r:id="rId31"/>
   </p:sldIdLst>
   <p:sldSz cx="9144000" cy="6858000" type="screen4x3"/>
   <p:notesSz cx="6858000" cy="9144000"/>
@@ -250,6 +252,22 @@
       </a:defRPr>
     </a:lvl9pPr>
   </p:defaultTextStyle>
+  <p:extLst>
+    <p:ext uri="{EFAFB233-063F-42B5-8137-9DF3F51BA10A}">
+      <p15:sldGuideLst xmlns:p15="http://schemas.microsoft.com/office/powerpoint/2012/main">
+        <p15:guide id="1" orient="horz" pos="2160">
+          <p15:clr>
+            <a:srgbClr val="A4A3A4"/>
+          </p15:clr>
+        </p15:guide>
+        <p15:guide id="2" pos="2880">
+          <p15:clr>
+            <a:srgbClr val="A4A3A4"/>
+          </p15:clr>
+        </p15:guide>
+      </p15:sldGuideLst>
+    </p:ext>
+  </p:extLst>
 </p:presentation>
 </file>
 
@@ -619,6 +637,11 @@
         </p:txBody>
       </p:sp>
     </p:spTree>
+    <p:extLst>
+      <p:ext uri="{BB962C8B-B14F-4D97-AF65-F5344CB8AC3E}">
+        <p14:creationId xmlns:p14="http://schemas.microsoft.com/office/powerpoint/2010/main" val="2408973334"/>
+      </p:ext>
+    </p:extLst>
   </p:cSld>
   <p:clrMapOvr>
     <a:masterClrMapping/>
@@ -730,6 +753,11 @@
         </p:txBody>
       </p:sp>
     </p:spTree>
+    <p:extLst>
+      <p:ext uri="{BB962C8B-B14F-4D97-AF65-F5344CB8AC3E}">
+        <p14:creationId xmlns:p14="http://schemas.microsoft.com/office/powerpoint/2010/main" val="3942384135"/>
+      </p:ext>
+    </p:extLst>
   </p:cSld>
   <p:clrMapOvr>
     <a:masterClrMapping/>
@@ -841,6 +869,11 @@
         </p:txBody>
       </p:sp>
     </p:spTree>
+    <p:extLst>
+      <p:ext uri="{BB962C8B-B14F-4D97-AF65-F5344CB8AC3E}">
+        <p14:creationId xmlns:p14="http://schemas.microsoft.com/office/powerpoint/2010/main" val="2236716186"/>
+      </p:ext>
+    </p:extLst>
   </p:cSld>
   <p:clrMapOvr>
     <a:masterClrMapping/>
@@ -952,6 +985,11 @@
         </p:txBody>
       </p:sp>
     </p:spTree>
+    <p:extLst>
+      <p:ext uri="{BB962C8B-B14F-4D97-AF65-F5344CB8AC3E}">
+        <p14:creationId xmlns:p14="http://schemas.microsoft.com/office/powerpoint/2010/main" val="777657349"/>
+      </p:ext>
+    </p:extLst>
   </p:cSld>
   <p:clrMapOvr>
     <a:masterClrMapping/>
@@ -1063,6 +1101,11 @@
         </p:txBody>
       </p:sp>
     </p:spTree>
+    <p:extLst>
+      <p:ext uri="{BB962C8B-B14F-4D97-AF65-F5344CB8AC3E}">
+        <p14:creationId xmlns:p14="http://schemas.microsoft.com/office/powerpoint/2010/main" val="3288035258"/>
+      </p:ext>
+    </p:extLst>
   </p:cSld>
   <p:clrMapOvr>
     <a:masterClrMapping/>
@@ -1174,6 +1217,11 @@
         </p:txBody>
       </p:sp>
     </p:spTree>
+    <p:extLst>
+      <p:ext uri="{BB962C8B-B14F-4D97-AF65-F5344CB8AC3E}">
+        <p14:creationId xmlns:p14="http://schemas.microsoft.com/office/powerpoint/2010/main" val="867084778"/>
+      </p:ext>
+    </p:extLst>
   </p:cSld>
   <p:clrMapOvr>
     <a:masterClrMapping/>
@@ -1285,6 +1333,11 @@
         </p:txBody>
       </p:sp>
     </p:spTree>
+    <p:extLst>
+      <p:ext uri="{BB962C8B-B14F-4D97-AF65-F5344CB8AC3E}">
+        <p14:creationId xmlns:p14="http://schemas.microsoft.com/office/powerpoint/2010/main" val="2740486318"/>
+      </p:ext>
+    </p:extLst>
   </p:cSld>
   <p:clrMapOvr>
     <a:masterClrMapping/>
@@ -1396,6 +1449,11 @@
         </p:txBody>
       </p:sp>
     </p:spTree>
+    <p:extLst>
+      <p:ext uri="{BB962C8B-B14F-4D97-AF65-F5344CB8AC3E}">
+        <p14:creationId xmlns:p14="http://schemas.microsoft.com/office/powerpoint/2010/main" val="3064039726"/>
+      </p:ext>
+    </p:extLst>
   </p:cSld>
   <p:clrMapOvr>
     <a:masterClrMapping/>
@@ -1507,6 +1565,11 @@
         </p:txBody>
       </p:sp>
     </p:spTree>
+    <p:extLst>
+      <p:ext uri="{BB962C8B-B14F-4D97-AF65-F5344CB8AC3E}">
+        <p14:creationId xmlns:p14="http://schemas.microsoft.com/office/powerpoint/2010/main" val="876317214"/>
+      </p:ext>
+    </p:extLst>
   </p:cSld>
   <p:clrMapOvr>
     <a:masterClrMapping/>
@@ -1618,6 +1681,11 @@
         </p:txBody>
       </p:sp>
     </p:spTree>
+    <p:extLst>
+      <p:ext uri="{BB962C8B-B14F-4D97-AF65-F5344CB8AC3E}">
+        <p14:creationId xmlns:p14="http://schemas.microsoft.com/office/powerpoint/2010/main" val="2054041971"/>
+      </p:ext>
+    </p:extLst>
   </p:cSld>
   <p:clrMapOvr>
     <a:masterClrMapping/>
@@ -1729,6 +1797,11 @@
         </p:txBody>
       </p:sp>
     </p:spTree>
+    <p:extLst>
+      <p:ext uri="{BB962C8B-B14F-4D97-AF65-F5344CB8AC3E}">
+        <p14:creationId xmlns:p14="http://schemas.microsoft.com/office/powerpoint/2010/main" val="2109188323"/>
+      </p:ext>
+    </p:extLst>
   </p:cSld>
   <p:clrMapOvr>
     <a:masterClrMapping/>
@@ -1840,6 +1913,11 @@
         </p:txBody>
       </p:sp>
     </p:spTree>
+    <p:extLst>
+      <p:ext uri="{BB962C8B-B14F-4D97-AF65-F5344CB8AC3E}">
+        <p14:creationId xmlns:p14="http://schemas.microsoft.com/office/powerpoint/2010/main" val="1786714149"/>
+      </p:ext>
+    </p:extLst>
   </p:cSld>
   <p:clrMapOvr>
     <a:masterClrMapping/>
@@ -1951,6 +2029,11 @@
         </p:txBody>
       </p:sp>
     </p:spTree>
+    <p:extLst>
+      <p:ext uri="{BB962C8B-B14F-4D97-AF65-F5344CB8AC3E}">
+        <p14:creationId xmlns:p14="http://schemas.microsoft.com/office/powerpoint/2010/main" val="333172963"/>
+      </p:ext>
+    </p:extLst>
   </p:cSld>
   <p:clrMapOvr>
     <a:masterClrMapping/>
@@ -2062,6 +2145,11 @@
         </p:txBody>
       </p:sp>
     </p:spTree>
+    <p:extLst>
+      <p:ext uri="{BB962C8B-B14F-4D97-AF65-F5344CB8AC3E}">
+        <p14:creationId xmlns:p14="http://schemas.microsoft.com/office/powerpoint/2010/main" val="2601495808"/>
+      </p:ext>
+    </p:extLst>
   </p:cSld>
   <p:clrMapOvr>
     <a:masterClrMapping/>
@@ -2173,6 +2261,11 @@
         </p:txBody>
       </p:sp>
     </p:spTree>
+    <p:extLst>
+      <p:ext uri="{BB962C8B-B14F-4D97-AF65-F5344CB8AC3E}">
+        <p14:creationId xmlns:p14="http://schemas.microsoft.com/office/powerpoint/2010/main" val="424248539"/>
+      </p:ext>
+    </p:extLst>
   </p:cSld>
   <p:clrMapOvr>
     <a:masterClrMapping/>
@@ -2284,6 +2377,11 @@
         </p:txBody>
       </p:sp>
     </p:spTree>
+    <p:extLst>
+      <p:ext uri="{BB962C8B-B14F-4D97-AF65-F5344CB8AC3E}">
+        <p14:creationId xmlns:p14="http://schemas.microsoft.com/office/powerpoint/2010/main" val="4175381586"/>
+      </p:ext>
+    </p:extLst>
   </p:cSld>
   <p:clrMapOvr>
     <a:masterClrMapping/>
@@ -2395,6 +2493,11 @@
         </p:txBody>
       </p:sp>
     </p:spTree>
+    <p:extLst>
+      <p:ext uri="{BB962C8B-B14F-4D97-AF65-F5344CB8AC3E}">
+        <p14:creationId xmlns:p14="http://schemas.microsoft.com/office/powerpoint/2010/main" val="1305218528"/>
+      </p:ext>
+    </p:extLst>
   </p:cSld>
   <p:clrMapOvr>
     <a:masterClrMapping/>
@@ -2506,6 +2609,11 @@
         </p:txBody>
       </p:sp>
     </p:spTree>
+    <p:extLst>
+      <p:ext uri="{BB962C8B-B14F-4D97-AF65-F5344CB8AC3E}">
+        <p14:creationId xmlns:p14="http://schemas.microsoft.com/office/powerpoint/2010/main" val="1647600953"/>
+      </p:ext>
+    </p:extLst>
   </p:cSld>
   <p:clrMapOvr>
     <a:masterClrMapping/>
@@ -2617,6 +2725,11 @@
         </p:txBody>
       </p:sp>
     </p:spTree>
+    <p:extLst>
+      <p:ext uri="{BB962C8B-B14F-4D97-AF65-F5344CB8AC3E}">
+        <p14:creationId xmlns:p14="http://schemas.microsoft.com/office/powerpoint/2010/main" val="104472480"/>
+      </p:ext>
+    </p:extLst>
   </p:cSld>
   <p:clrMapOvr>
     <a:masterClrMapping/>
@@ -2728,6 +2841,243 @@
         </p:txBody>
       </p:sp>
     </p:spTree>
+    <p:extLst>
+      <p:ext uri="{BB962C8B-B14F-4D97-AF65-F5344CB8AC3E}">
+        <p14:creationId xmlns:p14="http://schemas.microsoft.com/office/powerpoint/2010/main" val="681755601"/>
+      </p:ext>
+    </p:extLst>
+  </p:cSld>
+  <p:clrMapOvr>
+    <a:masterClrMapping/>
+  </p:clrMapOvr>
+</p:notes>
+</file>
+
+<file path=ppt/notesSlides/notesSlide28.xml><?xml version="1.0" encoding="utf-8"?>
+<p:notes xmlns:a="http://schemas.openxmlformats.org/drawingml/2006/main" xmlns:r="http://schemas.openxmlformats.org/officeDocument/2006/relationships" xmlns:p="http://schemas.openxmlformats.org/presentationml/2006/main" showMasterSp="0" showMasterPhAnim="0">
+  <p:cSld>
+    <p:spTree>
+      <p:nvGrpSpPr>
+        <p:cNvPr id="1" name="Shape 41"/>
+        <p:cNvGrpSpPr/>
+        <p:nvPr/>
+      </p:nvGrpSpPr>
+      <p:grpSpPr>
+        <a:xfrm>
+          <a:off x="0" y="0"/>
+          <a:ext cx="0" cy="0"/>
+          <a:chOff x="0" y="0"/>
+          <a:chExt cx="0" cy="0"/>
+        </a:xfrm>
+      </p:grpSpPr>
+      <p:sp>
+        <p:nvSpPr>
+          <p:cNvPr id="42" name="Shape 42"/>
+          <p:cNvSpPr>
+            <a:spLocks noGrp="1" noRot="1" noChangeAspect="1"/>
+          </p:cNvSpPr>
+          <p:nvPr>
+            <p:ph type="sldImg" idx="2"/>
+          </p:nvPr>
+        </p:nvSpPr>
+        <p:spPr>
+          <a:xfrm>
+            <a:off x="1143000" y="685800"/>
+            <a:ext cx="4572000" cy="3429000"/>
+          </a:xfrm>
+          <a:custGeom>
+            <a:avLst/>
+            <a:gdLst/>
+            <a:ahLst/>
+            <a:cxnLst/>
+            <a:rect l="0" t="0" r="0" b="0"/>
+            <a:pathLst>
+              <a:path w="120000" h="120000" extrusionOk="0">
+                <a:moveTo>
+                  <a:pt x="0" y="0"/>
+                </a:moveTo>
+                <a:lnTo>
+                  <a:pt x="120000" y="0"/>
+                </a:lnTo>
+                <a:lnTo>
+                  <a:pt x="120000" y="120000"/>
+                </a:lnTo>
+                <a:lnTo>
+                  <a:pt x="0" y="120000"/>
+                </a:lnTo>
+                <a:close/>
+              </a:path>
+            </a:pathLst>
+          </a:custGeom>
+          <a:noFill/>
+          <a:ln w="9525" cap="flat" cmpd="sng">
+            <a:solidFill>
+              <a:srgbClr val="000000"/>
+            </a:solidFill>
+            <a:prstDash val="solid"/>
+            <a:round/>
+            <a:headEnd type="none" w="med" len="med"/>
+            <a:tailEnd type="none" w="med" len="med"/>
+          </a:ln>
+        </p:spPr>
+      </p:sp>
+      <p:sp>
+        <p:nvSpPr>
+          <p:cNvPr id="43" name="Shape 43"/>
+          <p:cNvSpPr txBox="1">
+            <a:spLocks noGrp="1"/>
+          </p:cNvSpPr>
+          <p:nvPr>
+            <p:ph type="body" idx="1"/>
+          </p:nvPr>
+        </p:nvSpPr>
+        <p:spPr>
+          <a:xfrm>
+            <a:off x="685800" y="4343400"/>
+            <a:ext cx="5486399" cy="4114800"/>
+          </a:xfrm>
+          <a:prstGeom prst="rect">
+            <a:avLst/>
+          </a:prstGeom>
+        </p:spPr>
+        <p:txBody>
+          <a:bodyPr lIns="91425" tIns="91425" rIns="91425" bIns="91425" anchor="t" anchorCtr="0">
+            <a:noAutofit/>
+          </a:bodyPr>
+          <a:lstStyle/>
+          <a:p>
+            <a:pPr lvl="0" rtl="0">
+              <a:spcBef>
+                <a:spcPts val="0"/>
+              </a:spcBef>
+              <a:buNone/>
+            </a:pPr>
+            <a:endParaRPr/>
+          </a:p>
+        </p:txBody>
+      </p:sp>
+    </p:spTree>
+    <p:extLst>
+      <p:ext uri="{BB962C8B-B14F-4D97-AF65-F5344CB8AC3E}">
+        <p14:creationId xmlns:p14="http://schemas.microsoft.com/office/powerpoint/2010/main" val="937805384"/>
+      </p:ext>
+    </p:extLst>
+  </p:cSld>
+  <p:clrMapOvr>
+    <a:masterClrMapping/>
+  </p:clrMapOvr>
+</p:notes>
+</file>
+
+<file path=ppt/notesSlides/notesSlide29.xml><?xml version="1.0" encoding="utf-8"?>
+<p:notes xmlns:a="http://schemas.openxmlformats.org/drawingml/2006/main" xmlns:r="http://schemas.openxmlformats.org/officeDocument/2006/relationships" xmlns:p="http://schemas.openxmlformats.org/presentationml/2006/main" showMasterSp="0" showMasterPhAnim="0">
+  <p:cSld>
+    <p:spTree>
+      <p:nvGrpSpPr>
+        <p:cNvPr id="1" name="Shape 41"/>
+        <p:cNvGrpSpPr/>
+        <p:nvPr/>
+      </p:nvGrpSpPr>
+      <p:grpSpPr>
+        <a:xfrm>
+          <a:off x="0" y="0"/>
+          <a:ext cx="0" cy="0"/>
+          <a:chOff x="0" y="0"/>
+          <a:chExt cx="0" cy="0"/>
+        </a:xfrm>
+      </p:grpSpPr>
+      <p:sp>
+        <p:nvSpPr>
+          <p:cNvPr id="42" name="Shape 42"/>
+          <p:cNvSpPr>
+            <a:spLocks noGrp="1" noRot="1" noChangeAspect="1"/>
+          </p:cNvSpPr>
+          <p:nvPr>
+            <p:ph type="sldImg" idx="2"/>
+          </p:nvPr>
+        </p:nvSpPr>
+        <p:spPr>
+          <a:xfrm>
+            <a:off x="1143000" y="685800"/>
+            <a:ext cx="4572000" cy="3429000"/>
+          </a:xfrm>
+          <a:custGeom>
+            <a:avLst/>
+            <a:gdLst/>
+            <a:ahLst/>
+            <a:cxnLst/>
+            <a:rect l="0" t="0" r="0" b="0"/>
+            <a:pathLst>
+              <a:path w="120000" h="120000" extrusionOk="0">
+                <a:moveTo>
+                  <a:pt x="0" y="0"/>
+                </a:moveTo>
+                <a:lnTo>
+                  <a:pt x="120000" y="0"/>
+                </a:lnTo>
+                <a:lnTo>
+                  <a:pt x="120000" y="120000"/>
+                </a:lnTo>
+                <a:lnTo>
+                  <a:pt x="0" y="120000"/>
+                </a:lnTo>
+                <a:close/>
+              </a:path>
+            </a:pathLst>
+          </a:custGeom>
+          <a:noFill/>
+          <a:ln w="9525" cap="flat" cmpd="sng">
+            <a:solidFill>
+              <a:srgbClr val="000000"/>
+            </a:solidFill>
+            <a:prstDash val="solid"/>
+            <a:round/>
+            <a:headEnd type="none" w="med" len="med"/>
+            <a:tailEnd type="none" w="med" len="med"/>
+          </a:ln>
+        </p:spPr>
+      </p:sp>
+      <p:sp>
+        <p:nvSpPr>
+          <p:cNvPr id="43" name="Shape 43"/>
+          <p:cNvSpPr txBox="1">
+            <a:spLocks noGrp="1"/>
+          </p:cNvSpPr>
+          <p:nvPr>
+            <p:ph type="body" idx="1"/>
+          </p:nvPr>
+        </p:nvSpPr>
+        <p:spPr>
+          <a:xfrm>
+            <a:off x="685800" y="4343400"/>
+            <a:ext cx="5486399" cy="4114800"/>
+          </a:xfrm>
+          <a:prstGeom prst="rect">
+            <a:avLst/>
+          </a:prstGeom>
+        </p:spPr>
+        <p:txBody>
+          <a:bodyPr lIns="91425" tIns="91425" rIns="91425" bIns="91425" anchor="t" anchorCtr="0">
+            <a:noAutofit/>
+          </a:bodyPr>
+          <a:lstStyle/>
+          <a:p>
+            <a:pPr lvl="0" rtl="0">
+              <a:spcBef>
+                <a:spcPts val="0"/>
+              </a:spcBef>
+              <a:buNone/>
+            </a:pPr>
+            <a:endParaRPr/>
+          </a:p>
+        </p:txBody>
+      </p:sp>
+    </p:spTree>
+    <p:extLst>
+      <p:ext uri="{BB962C8B-B14F-4D97-AF65-F5344CB8AC3E}">
+        <p14:creationId xmlns:p14="http://schemas.microsoft.com/office/powerpoint/2010/main" val="2031068004"/>
+      </p:ext>
+    </p:extLst>
   </p:cSld>
   <p:clrMapOvr>
     <a:masterClrMapping/>
@@ -2839,6 +3189,11 @@
         </p:txBody>
       </p:sp>
     </p:spTree>
+    <p:extLst>
+      <p:ext uri="{BB962C8B-B14F-4D97-AF65-F5344CB8AC3E}">
+        <p14:creationId xmlns:p14="http://schemas.microsoft.com/office/powerpoint/2010/main" val="3983175256"/>
+      </p:ext>
+    </p:extLst>
   </p:cSld>
   <p:clrMapOvr>
     <a:masterClrMapping/>
@@ -2950,6 +3305,11 @@
         </p:txBody>
       </p:sp>
     </p:spTree>
+    <p:extLst>
+      <p:ext uri="{BB962C8B-B14F-4D97-AF65-F5344CB8AC3E}">
+        <p14:creationId xmlns:p14="http://schemas.microsoft.com/office/powerpoint/2010/main" val="1690175110"/>
+      </p:ext>
+    </p:extLst>
   </p:cSld>
   <p:clrMapOvr>
     <a:masterClrMapping/>
@@ -3061,6 +3421,11 @@
         </p:txBody>
       </p:sp>
     </p:spTree>
+    <p:extLst>
+      <p:ext uri="{BB962C8B-B14F-4D97-AF65-F5344CB8AC3E}">
+        <p14:creationId xmlns:p14="http://schemas.microsoft.com/office/powerpoint/2010/main" val="2397109928"/>
+      </p:ext>
+    </p:extLst>
   </p:cSld>
   <p:clrMapOvr>
     <a:masterClrMapping/>
@@ -3172,6 +3537,11 @@
         </p:txBody>
       </p:sp>
     </p:spTree>
+    <p:extLst>
+      <p:ext uri="{BB962C8B-B14F-4D97-AF65-F5344CB8AC3E}">
+        <p14:creationId xmlns:p14="http://schemas.microsoft.com/office/powerpoint/2010/main" val="171078692"/>
+      </p:ext>
+    </p:extLst>
   </p:cSld>
   <p:clrMapOvr>
     <a:masterClrMapping/>
@@ -3283,6 +3653,11 @@
         </p:txBody>
       </p:sp>
     </p:spTree>
+    <p:extLst>
+      <p:ext uri="{BB962C8B-B14F-4D97-AF65-F5344CB8AC3E}">
+        <p14:creationId xmlns:p14="http://schemas.microsoft.com/office/powerpoint/2010/main" val="3850494000"/>
+      </p:ext>
+    </p:extLst>
   </p:cSld>
   <p:clrMapOvr>
     <a:masterClrMapping/>
@@ -3394,6 +3769,11 @@
         </p:txBody>
       </p:sp>
     </p:spTree>
+    <p:extLst>
+      <p:ext uri="{BB962C8B-B14F-4D97-AF65-F5344CB8AC3E}">
+        <p14:creationId xmlns:p14="http://schemas.microsoft.com/office/powerpoint/2010/main" val="4087373253"/>
+      </p:ext>
+    </p:extLst>
   </p:cSld>
   <p:clrMapOvr>
     <a:masterClrMapping/>
@@ -3505,6 +3885,11 @@
         </p:txBody>
       </p:sp>
     </p:spTree>
+    <p:extLst>
+      <p:ext uri="{BB962C8B-B14F-4D97-AF65-F5344CB8AC3E}">
+        <p14:creationId xmlns:p14="http://schemas.microsoft.com/office/powerpoint/2010/main" val="3424035044"/>
+      </p:ext>
+    </p:extLst>
   </p:cSld>
   <p:clrMapOvr>
     <a:masterClrMapping/>
@@ -9043,7 +9428,15 @@
                   <a:schemeClr val="accent1"/>
                 </a:solidFill>
               </a:rPr>
-              <a:t>Software Engineering 2 – A.Y. 2014/2015 </a:t>
+              <a:t>Software Engineering 2 – A.Y. </a:t>
+            </a:r>
+            <a:r>
+              <a:rPr lang="en-US" dirty="0" smtClean="0">
+                <a:solidFill>
+                  <a:schemeClr val="accent1"/>
+                </a:solidFill>
+              </a:rPr>
+              <a:t>2015/2016 </a:t>
             </a:r>
             <a:endParaRPr lang="en-US" dirty="0">
               <a:solidFill>
@@ -9061,6 +9454,13 @@
   <p:transition spd="slow">
     <p:cut/>
   </p:transition>
+  <p:timing>
+    <p:tnLst>
+      <p:par>
+        <p:cTn id="1" dur="indefinite" restart="never" nodeType="tmRoot"/>
+      </p:par>
+    </p:tnLst>
+  </p:timing>
 </p:sld>
 </file>
 
@@ -9215,15 +9615,7 @@
                   <a:srgbClr val="003366"/>
                 </a:solidFill>
               </a:rPr>
-              <a:t>Specific </a:t>
-            </a:r>
-            <a:r>
-              <a:rPr lang="en-US" sz="3000" dirty="0" smtClean="0">
-                <a:solidFill>
-                  <a:srgbClr val="003366"/>
-                </a:solidFill>
-              </a:rPr>
-              <a:t>requirements</a:t>
+              <a:t>Specific requirements</a:t>
             </a:r>
             <a:r>
               <a:rPr lang="en-US" sz="2800" dirty="0">
@@ -10077,12 +10469,194 @@
           <a:p>
             <a:r>
               <a:rPr lang="en-US" dirty="0"/>
-              <a:t>Passenger </a:t>
-            </a:r>
-            <a:r>
-              <a:rPr lang="en-US" dirty="0"/>
-              <a:t>Reservation page </a:t>
-            </a:r>
+              <a:t>Passenger Reservation page </a:t>
+            </a:r>
+          </a:p>
+        </p:txBody>
+      </p:sp>
+      <p:sp>
+        <p:nvSpPr>
+          <p:cNvPr id="14" name="Down Arrow 13"/>
+          <p:cNvSpPr/>
+          <p:nvPr/>
+        </p:nvSpPr>
+        <p:spPr>
+          <a:xfrm rot="5400000">
+            <a:off x="6919381" y="2191615"/>
+            <a:ext cx="531075" cy="495714"/>
+          </a:xfrm>
+          <a:prstGeom prst="downArrow">
+            <a:avLst/>
+          </a:prstGeom>
+        </p:spPr>
+        <p:style>
+          <a:lnRef idx="2">
+            <a:schemeClr val="accent1">
+              <a:shade val="50000"/>
+            </a:schemeClr>
+          </a:lnRef>
+          <a:fillRef idx="1">
+            <a:schemeClr val="accent1"/>
+          </a:fillRef>
+          <a:effectRef idx="0">
+            <a:schemeClr val="accent1"/>
+          </a:effectRef>
+          <a:fontRef idx="minor">
+            <a:schemeClr val="lt1"/>
+          </a:fontRef>
+        </p:style>
+        <p:txBody>
+          <a:bodyPr rtlCol="0" anchor="ctr"/>
+          <a:lstStyle/>
+          <a:p>
+            <a:pPr algn="ctr"/>
+            <a:endParaRPr lang="en-US"/>
+          </a:p>
+        </p:txBody>
+      </p:sp>
+      <p:sp>
+        <p:nvSpPr>
+          <p:cNvPr id="15" name="TextBox 14"/>
+          <p:cNvSpPr txBox="1"/>
+          <p:nvPr/>
+        </p:nvSpPr>
+        <p:spPr>
+          <a:xfrm>
+            <a:off x="7596336" y="1700808"/>
+            <a:ext cx="1378014" cy="1477328"/>
+          </a:xfrm>
+          <a:prstGeom prst="rect">
+            <a:avLst/>
+          </a:prstGeom>
+          <a:noFill/>
+          <a:ln w="25400">
+            <a:solidFill>
+              <a:schemeClr val="accent1">
+                <a:shade val="50000"/>
+              </a:schemeClr>
+            </a:solidFill>
+          </a:ln>
+        </p:spPr>
+        <p:txBody>
+          <a:bodyPr wrap="square" rtlCol="0">
+            <a:spAutoFit/>
+          </a:bodyPr>
+          <a:lstStyle/>
+          <a:p>
+            <a:r>
+              <a:rPr lang="en-US" sz="1500" dirty="0" smtClean="0">
+                <a:solidFill>
+                  <a:srgbClr val="002060"/>
+                </a:solidFill>
+              </a:rPr>
+              <a:t>User specify location either by typing address or by specifying it on th</a:t>
+            </a:r>
+            <a:r>
+              <a:rPr lang="en-US" sz="1500" dirty="0" smtClean="0">
+                <a:solidFill>
+                  <a:srgbClr val="002060"/>
+                </a:solidFill>
+              </a:rPr>
+              <a:t>e map</a:t>
+            </a:r>
+            <a:endParaRPr lang="en-US" sz="1500" dirty="0">
+              <a:solidFill>
+                <a:srgbClr val="002060"/>
+              </a:solidFill>
+            </a:endParaRPr>
+          </a:p>
+        </p:txBody>
+      </p:sp>
+      <p:sp>
+        <p:nvSpPr>
+          <p:cNvPr id="16" name="TextBox 15"/>
+          <p:cNvSpPr txBox="1"/>
+          <p:nvPr/>
+        </p:nvSpPr>
+        <p:spPr>
+          <a:xfrm>
+            <a:off x="82450" y="3178136"/>
+            <a:ext cx="1466608" cy="1015663"/>
+          </a:xfrm>
+          <a:prstGeom prst="rect">
+            <a:avLst/>
+          </a:prstGeom>
+          <a:noFill/>
+          <a:ln w="25400">
+            <a:solidFill>
+              <a:schemeClr val="accent1">
+                <a:shade val="50000"/>
+              </a:schemeClr>
+            </a:solidFill>
+          </a:ln>
+        </p:spPr>
+        <p:txBody>
+          <a:bodyPr wrap="square" rtlCol="0">
+            <a:spAutoFit/>
+          </a:bodyPr>
+          <a:lstStyle/>
+          <a:p>
+            <a:r>
+              <a:rPr lang="en-US" sz="1500" dirty="0" smtClean="0">
+                <a:solidFill>
+                  <a:srgbClr val="002060"/>
+                </a:solidFill>
+              </a:rPr>
+              <a:t>User specifies address by clicking on th</a:t>
+            </a:r>
+            <a:r>
+              <a:rPr lang="en-US" sz="1500" dirty="0" smtClean="0">
+                <a:solidFill>
+                  <a:srgbClr val="002060"/>
+                </a:solidFill>
+              </a:rPr>
+              <a:t>e map</a:t>
+            </a:r>
+            <a:endParaRPr lang="en-US" sz="1500" dirty="0">
+              <a:solidFill>
+                <a:srgbClr val="002060"/>
+              </a:solidFill>
+            </a:endParaRPr>
+          </a:p>
+        </p:txBody>
+      </p:sp>
+      <p:sp>
+        <p:nvSpPr>
+          <p:cNvPr id="17" name="Down Arrow 16"/>
+          <p:cNvSpPr/>
+          <p:nvPr/>
+        </p:nvSpPr>
+        <p:spPr>
+          <a:xfrm rot="16200000">
+            <a:off x="1621447" y="3421436"/>
+            <a:ext cx="531075" cy="495714"/>
+          </a:xfrm>
+          <a:prstGeom prst="downArrow">
+            <a:avLst/>
+          </a:prstGeom>
+        </p:spPr>
+        <p:style>
+          <a:lnRef idx="2">
+            <a:schemeClr val="accent1">
+              <a:shade val="50000"/>
+            </a:schemeClr>
+          </a:lnRef>
+          <a:fillRef idx="1">
+            <a:schemeClr val="accent1"/>
+          </a:fillRef>
+          <a:effectRef idx="0">
+            <a:schemeClr val="accent1"/>
+          </a:effectRef>
+          <a:fontRef idx="minor">
+            <a:schemeClr val="lt1"/>
+          </a:fontRef>
+        </p:style>
+        <p:txBody>
+          <a:bodyPr rtlCol="0" anchor="ctr"/>
+          <a:lstStyle/>
+          <a:p>
+            <a:pPr algn="ctr"/>
+            <a:endParaRPr lang="en-US"/>
           </a:p>
         </p:txBody>
       </p:sp>
@@ -10512,6 +11086,176 @@
           </a:p>
         </p:txBody>
       </p:sp>
+      <p:sp>
+        <p:nvSpPr>
+          <p:cNvPr id="14" name="Down Arrow 13"/>
+          <p:cNvSpPr/>
+          <p:nvPr/>
+        </p:nvSpPr>
+        <p:spPr>
+          <a:xfrm rot="5400000">
+            <a:off x="7107938" y="2523852"/>
+            <a:ext cx="504056" cy="471239"/>
+          </a:xfrm>
+          <a:prstGeom prst="downArrow">
+            <a:avLst/>
+          </a:prstGeom>
+        </p:spPr>
+        <p:style>
+          <a:lnRef idx="2">
+            <a:schemeClr val="accent1">
+              <a:shade val="50000"/>
+            </a:schemeClr>
+          </a:lnRef>
+          <a:fillRef idx="1">
+            <a:schemeClr val="accent1"/>
+          </a:fillRef>
+          <a:effectRef idx="0">
+            <a:schemeClr val="accent1"/>
+          </a:effectRef>
+          <a:fontRef idx="minor">
+            <a:schemeClr val="lt1"/>
+          </a:fontRef>
+        </p:style>
+        <p:txBody>
+          <a:bodyPr rtlCol="0" anchor="ctr"/>
+          <a:lstStyle/>
+          <a:p>
+            <a:pPr algn="ctr"/>
+            <a:endParaRPr lang="en-US"/>
+          </a:p>
+        </p:txBody>
+      </p:sp>
+      <p:sp>
+        <p:nvSpPr>
+          <p:cNvPr id="15" name="TextBox 14"/>
+          <p:cNvSpPr txBox="1"/>
+          <p:nvPr/>
+        </p:nvSpPr>
+        <p:spPr>
+          <a:xfrm>
+            <a:off x="7712372" y="2367056"/>
+            <a:ext cx="1261977" cy="784830"/>
+          </a:xfrm>
+          <a:prstGeom prst="rect">
+            <a:avLst/>
+          </a:prstGeom>
+          <a:noFill/>
+          <a:ln w="25400">
+            <a:solidFill>
+              <a:schemeClr val="accent1">
+                <a:shade val="50000"/>
+              </a:schemeClr>
+            </a:solidFill>
+          </a:ln>
+        </p:spPr>
+        <p:txBody>
+          <a:bodyPr wrap="square" rtlCol="0">
+            <a:spAutoFit/>
+          </a:bodyPr>
+          <a:lstStyle/>
+          <a:p>
+            <a:r>
+              <a:rPr lang="en-US" sz="1500" dirty="0" smtClean="0">
+                <a:solidFill>
+                  <a:srgbClr val="002060"/>
+                </a:solidFill>
+              </a:rPr>
+              <a:t>Reservation Details page with data</a:t>
+            </a:r>
+            <a:endParaRPr lang="en-US" sz="1500" dirty="0">
+              <a:solidFill>
+                <a:srgbClr val="002060"/>
+              </a:solidFill>
+            </a:endParaRPr>
+          </a:p>
+        </p:txBody>
+      </p:sp>
+      <p:sp>
+        <p:nvSpPr>
+          <p:cNvPr id="16" name="TextBox 15"/>
+          <p:cNvSpPr txBox="1"/>
+          <p:nvPr/>
+        </p:nvSpPr>
+        <p:spPr>
+          <a:xfrm>
+            <a:off x="209156" y="2367057"/>
+            <a:ext cx="1456044" cy="1015663"/>
+          </a:xfrm>
+          <a:prstGeom prst="rect">
+            <a:avLst/>
+          </a:prstGeom>
+          <a:noFill/>
+          <a:ln w="25400">
+            <a:solidFill>
+              <a:schemeClr val="accent1">
+                <a:shade val="50000"/>
+              </a:schemeClr>
+            </a:solidFill>
+          </a:ln>
+        </p:spPr>
+        <p:txBody>
+          <a:bodyPr wrap="square" rtlCol="0">
+            <a:spAutoFit/>
+          </a:bodyPr>
+          <a:lstStyle/>
+          <a:p>
+            <a:r>
+              <a:rPr lang="en-US" sz="1500" dirty="0" smtClean="0">
+                <a:solidFill>
+                  <a:srgbClr val="002060"/>
+                </a:solidFill>
+              </a:rPr>
+              <a:t>All user rides with an option of canceling active ones</a:t>
+            </a:r>
+            <a:endParaRPr lang="en-US" sz="1500" dirty="0">
+              <a:solidFill>
+                <a:srgbClr val="002060"/>
+              </a:solidFill>
+            </a:endParaRPr>
+          </a:p>
+        </p:txBody>
+      </p:sp>
+      <p:sp>
+        <p:nvSpPr>
+          <p:cNvPr id="17" name="Down Arrow 16"/>
+          <p:cNvSpPr/>
+          <p:nvPr/>
+        </p:nvSpPr>
+        <p:spPr>
+          <a:xfrm rot="16200000">
+            <a:off x="1728407" y="2674287"/>
+            <a:ext cx="504056" cy="451141"/>
+          </a:xfrm>
+          <a:prstGeom prst="downArrow">
+            <a:avLst/>
+          </a:prstGeom>
+        </p:spPr>
+        <p:style>
+          <a:lnRef idx="2">
+            <a:schemeClr val="accent1">
+              <a:shade val="50000"/>
+            </a:schemeClr>
+          </a:lnRef>
+          <a:fillRef idx="1">
+            <a:schemeClr val="accent1"/>
+          </a:fillRef>
+          <a:effectRef idx="0">
+            <a:schemeClr val="accent1"/>
+          </a:effectRef>
+          <a:fontRef idx="minor">
+            <a:schemeClr val="lt1"/>
+          </a:fontRef>
+        </p:style>
+        <p:txBody>
+          <a:bodyPr rtlCol="0" anchor="ctr"/>
+          <a:lstStyle/>
+          <a:p>
+            <a:pPr algn="ctr"/>
+            <a:endParaRPr lang="en-US"/>
+          </a:p>
+        </p:txBody>
+      </p:sp>
     </p:spTree>
     <p:extLst>
       <p:ext uri="{BB962C8B-B14F-4D97-AF65-F5344CB8AC3E}">
@@ -10768,7 +11512,7 @@
         </p:nvSpPr>
         <p:spPr>
           <a:xfrm>
-            <a:off x="2196425" y="6531000"/>
+            <a:off x="2195736" y="6531000"/>
             <a:ext cx="3238799" cy="424199"/>
           </a:xfrm>
           <a:prstGeom prst="rect">
@@ -10781,16 +11525,16 @@
           </a:bodyPr>
           <a:lstStyle/>
           <a:p>
-            <a:pPr lvl="0" indent="457200" rtl="0">
+            <a:pPr indent="457200">
               <a:lnSpc>
                 <a:spcPct val="115000"/>
               </a:lnSpc>
-              <a:spcBef>
-                <a:spcPts val="0"/>
-              </a:spcBef>
-              <a:buNone/>
             </a:pPr>
-            <a:endParaRPr sz="1300">
+            <a:r>
+              <a:rPr lang="en-US" sz="1400" dirty="0"/>
+              <a:t>Admin home page </a:t>
+            </a:r>
+            <a:endParaRPr sz="1300" dirty="0">
               <a:solidFill>
                 <a:srgbClr val="003366"/>
               </a:solidFill>
@@ -10839,35 +11583,6 @@
           </a:extLst>
         </p:spPr>
       </p:pic>
-      <p:sp>
-        <p:nvSpPr>
-          <p:cNvPr id="11" name="TextBox 10"/>
-          <p:cNvSpPr txBox="1"/>
-          <p:nvPr/>
-        </p:nvSpPr>
-        <p:spPr>
-          <a:xfrm>
-            <a:off x="6876256" y="5728652"/>
-            <a:ext cx="2064989" cy="307777"/>
-          </a:xfrm>
-          <a:prstGeom prst="rect">
-            <a:avLst/>
-          </a:prstGeom>
-          <a:noFill/>
-        </p:spPr>
-        <p:txBody>
-          <a:bodyPr wrap="none" rtlCol="0">
-            <a:spAutoFit/>
-          </a:bodyPr>
-          <a:lstStyle/>
-          <a:p>
-            <a:r>
-              <a:rPr lang="en-US" dirty="0"/>
-              <a:t>Admin list reports page </a:t>
-            </a:r>
-          </a:p>
-        </p:txBody>
-      </p:sp>
       <p:sp>
         <p:nvSpPr>
           <p:cNvPr id="12" name="Down Arrow 11"/>
@@ -11209,7 +11924,7 @@
         </p:nvSpPr>
         <p:spPr>
           <a:xfrm>
-            <a:off x="2196425" y="6531000"/>
+            <a:off x="1772451" y="6500849"/>
             <a:ext cx="3238799" cy="424199"/>
           </a:xfrm>
           <a:prstGeom prst="rect">
@@ -11222,50 +11937,20 @@
           </a:bodyPr>
           <a:lstStyle/>
           <a:p>
-            <a:pPr lvl="0" indent="457200" rtl="0">
+            <a:pPr indent="457200">
               <a:lnSpc>
                 <a:spcPct val="115000"/>
               </a:lnSpc>
-              <a:spcBef>
-                <a:spcPts val="0"/>
-              </a:spcBef>
-              <a:buNone/>
             </a:pPr>
-            <a:endParaRPr sz="1300">
+            <a:r>
+              <a:rPr lang="en-US" sz="1400" dirty="0"/>
+              <a:t>Admin report details page </a:t>
+            </a:r>
+            <a:endParaRPr sz="1300" dirty="0">
               <a:solidFill>
                 <a:srgbClr val="003366"/>
               </a:solidFill>
             </a:endParaRPr>
-          </a:p>
-        </p:txBody>
-      </p:sp>
-      <p:sp>
-        <p:nvSpPr>
-          <p:cNvPr id="10" name="TextBox 9"/>
-          <p:cNvSpPr txBox="1"/>
-          <p:nvPr/>
-        </p:nvSpPr>
-        <p:spPr>
-          <a:xfrm>
-            <a:off x="179512" y="5927257"/>
-            <a:ext cx="2224450" cy="307777"/>
-          </a:xfrm>
-          <a:prstGeom prst="rect">
-            <a:avLst/>
-          </a:prstGeom>
-          <a:noFill/>
-        </p:spPr>
-        <p:txBody>
-          <a:bodyPr wrap="square" rtlCol="0">
-            <a:spAutoFit/>
-          </a:bodyPr>
-          <a:lstStyle/>
-          <a:p>
-            <a:r>
-              <a:rPr lang="en-US" dirty="0"/>
-              <a:t>Admin report details page </a:t>
-            </a:r>
-            <a:endParaRPr lang="en-US" dirty="0"/>
           </a:p>
         </p:txBody>
       </p:sp>
@@ -11552,15 +12237,7 @@
                   <a:srgbClr val="003366"/>
                 </a:solidFill>
               </a:rPr>
-              <a:t>Specific </a:t>
-            </a:r>
-            <a:r>
-              <a:rPr lang="en-US" sz="3000" dirty="0" smtClean="0">
-                <a:solidFill>
-                  <a:srgbClr val="003366"/>
-                </a:solidFill>
-              </a:rPr>
-              <a:t>requirements - </a:t>
+              <a:t>Specific requirements - </a:t>
             </a:r>
             <a:r>
               <a:rPr lang="en-US" sz="3000" dirty="0">
@@ -11750,7 +12427,7 @@
         </p:nvSpPr>
         <p:spPr>
           <a:xfrm>
-            <a:off x="2196425" y="6531000"/>
+            <a:off x="2339752" y="6531000"/>
             <a:ext cx="3238799" cy="424199"/>
           </a:xfrm>
           <a:prstGeom prst="rect">
@@ -11763,16 +12440,20 @@
           </a:bodyPr>
           <a:lstStyle/>
           <a:p>
-            <a:pPr lvl="0" indent="457200" rtl="0">
+            <a:pPr indent="457200">
               <a:lnSpc>
                 <a:spcPct val="115000"/>
               </a:lnSpc>
-              <a:spcBef>
-                <a:spcPts val="0"/>
-              </a:spcBef>
-              <a:buNone/>
             </a:pPr>
-            <a:endParaRPr sz="1300">
+            <a:r>
+              <a:rPr lang="en-US" sz="1400" dirty="0"/>
+              <a:t>Sign Up use </a:t>
+            </a:r>
+            <a:r>
+              <a:rPr lang="en-US" sz="1400" dirty="0" smtClean="0"/>
+              <a:t>case</a:t>
+            </a:r>
+            <a:endParaRPr sz="1300" dirty="0">
               <a:solidFill>
                 <a:srgbClr val="003366"/>
               </a:solidFill>
@@ -11834,36 +12515,6 @@
           </a:extLst>
         </p:spPr>
       </p:pic>
-      <p:sp>
-        <p:nvSpPr>
-          <p:cNvPr id="11" name="TextBox 10"/>
-          <p:cNvSpPr txBox="1"/>
-          <p:nvPr/>
-        </p:nvSpPr>
-        <p:spPr>
-          <a:xfrm>
-            <a:off x="3716835" y="5589240"/>
-            <a:ext cx="1710330" cy="307777"/>
-          </a:xfrm>
-          <a:prstGeom prst="rect">
-            <a:avLst/>
-          </a:prstGeom>
-          <a:noFill/>
-        </p:spPr>
-        <p:txBody>
-          <a:bodyPr wrap="square" rtlCol="0">
-            <a:spAutoFit/>
-          </a:bodyPr>
-          <a:lstStyle/>
-          <a:p>
-            <a:r>
-              <a:rPr lang="en-US" dirty="0" smtClean="0"/>
-              <a:t>Sign Up use case</a:t>
-            </a:r>
-            <a:endParaRPr lang="en-US" dirty="0"/>
-          </a:p>
-        </p:txBody>
-      </p:sp>
     </p:spTree>
     <p:extLst>
       <p:ext uri="{BB962C8B-B14F-4D97-AF65-F5344CB8AC3E}">
@@ -12110,7 +12761,7 @@
         </p:nvSpPr>
         <p:spPr>
           <a:xfrm>
-            <a:off x="2196425" y="6531000"/>
+            <a:off x="2016496" y="6531000"/>
             <a:ext cx="3238799" cy="424199"/>
           </a:xfrm>
           <a:prstGeom prst="rect">
@@ -12123,16 +12774,20 @@
           </a:bodyPr>
           <a:lstStyle/>
           <a:p>
-            <a:pPr lvl="0" indent="457200" rtl="0">
+            <a:pPr indent="457200">
               <a:lnSpc>
                 <a:spcPct val="115000"/>
               </a:lnSpc>
-              <a:spcBef>
-                <a:spcPts val="0"/>
-              </a:spcBef>
-              <a:buNone/>
             </a:pPr>
-            <a:endParaRPr sz="1300">
+            <a:r>
+              <a:rPr lang="en-US" sz="1400" dirty="0"/>
+              <a:t>Manage profile use </a:t>
+            </a:r>
+            <a:r>
+              <a:rPr lang="en-US" sz="1400" dirty="0" smtClean="0"/>
+              <a:t>case</a:t>
+            </a:r>
+            <a:endParaRPr sz="1300" dirty="0">
               <a:solidFill>
                 <a:srgbClr val="003366"/>
               </a:solidFill>
@@ -12440,8 +13095,8 @@
         </p:nvSpPr>
         <p:spPr>
           <a:xfrm>
-            <a:off x="2196425" y="6531000"/>
-            <a:ext cx="3238799" cy="424199"/>
+            <a:off x="1204439" y="6531000"/>
+            <a:ext cx="3753122" cy="424199"/>
           </a:xfrm>
           <a:prstGeom prst="rect">
             <a:avLst/>
@@ -12453,50 +13108,28 @@
           </a:bodyPr>
           <a:lstStyle/>
           <a:p>
-            <a:pPr lvl="0" indent="457200" rtl="0">
+            <a:pPr indent="457200">
               <a:lnSpc>
                 <a:spcPct val="115000"/>
               </a:lnSpc>
-              <a:spcBef>
-                <a:spcPts val="0"/>
-              </a:spcBef>
-              <a:buNone/>
             </a:pPr>
-            <a:endParaRPr sz="1300">
+            <a:r>
+              <a:rPr lang="en-US" sz="1400" dirty="0" smtClean="0"/>
+              <a:t>Request / Reserve a taxi </a:t>
+            </a:r>
+            <a:r>
+              <a:rPr lang="en-US" sz="1400" dirty="0"/>
+              <a:t>use </a:t>
+            </a:r>
+            <a:r>
+              <a:rPr lang="en-US" sz="1400" dirty="0" smtClean="0"/>
+              <a:t>case</a:t>
+            </a:r>
+            <a:endParaRPr sz="1300" dirty="0">
               <a:solidFill>
                 <a:srgbClr val="003366"/>
               </a:solidFill>
             </a:endParaRPr>
-          </a:p>
-        </p:txBody>
-      </p:sp>
-      <p:sp>
-        <p:nvSpPr>
-          <p:cNvPr id="10" name="TextBox 9"/>
-          <p:cNvSpPr txBox="1"/>
-          <p:nvPr/>
-        </p:nvSpPr>
-        <p:spPr>
-          <a:xfrm>
-            <a:off x="547350" y="980728"/>
-            <a:ext cx="7913082" cy="307777"/>
-          </a:xfrm>
-          <a:prstGeom prst="rect">
-            <a:avLst/>
-          </a:prstGeom>
-          <a:noFill/>
-        </p:spPr>
-        <p:txBody>
-          <a:bodyPr wrap="square" rtlCol="0">
-            <a:spAutoFit/>
-          </a:bodyPr>
-          <a:lstStyle/>
-          <a:p>
-            <a:r>
-              <a:rPr lang="en-US" dirty="0" smtClean="0"/>
-              <a:t>Use cases</a:t>
-            </a:r>
-            <a:endParaRPr lang="en-US" dirty="0"/>
           </a:p>
         </p:txBody>
       </p:sp>
@@ -12523,8 +13156,8 @@
         </p:blipFill>
         <p:spPr bwMode="auto">
           <a:xfrm>
-            <a:off x="547350" y="980728"/>
-            <a:ext cx="5067300" cy="1790700"/>
+            <a:off x="1168507" y="741694"/>
+            <a:ext cx="6319889" cy="2233344"/>
           </a:xfrm>
           <a:prstGeom prst="rect">
             <a:avLst/>
@@ -12577,8 +13210,8 @@
         </p:blipFill>
         <p:spPr bwMode="auto">
           <a:xfrm>
-            <a:off x="2314237" y="2771428"/>
-            <a:ext cx="6600825" cy="3086100"/>
+            <a:off x="1168507" y="3027293"/>
+            <a:ext cx="6806983" cy="3182486"/>
           </a:xfrm>
           <a:prstGeom prst="rect">
             <a:avLst/>
@@ -12844,48 +13477,6 @@
       </p:pic>
       <p:sp>
         <p:nvSpPr>
-          <p:cNvPr id="40" name="Shape 40"/>
-          <p:cNvSpPr txBox="1">
-            <a:spLocks noGrp="1"/>
-          </p:cNvSpPr>
-          <p:nvPr>
-            <p:ph type="ctrTitle" idx="4294967295"/>
-          </p:nvPr>
-        </p:nvSpPr>
-        <p:spPr>
-          <a:xfrm>
-            <a:off x="2196425" y="6531000"/>
-            <a:ext cx="3238799" cy="424199"/>
-          </a:xfrm>
-          <a:prstGeom prst="rect">
-            <a:avLst/>
-          </a:prstGeom>
-        </p:spPr>
-        <p:txBody>
-          <a:bodyPr lIns="91425" tIns="91425" rIns="91425" bIns="91425" anchor="ctr" anchorCtr="0">
-            <a:noAutofit/>
-          </a:bodyPr>
-          <a:lstStyle/>
-          <a:p>
-            <a:pPr lvl="0" indent="457200" rtl="0">
-              <a:lnSpc>
-                <a:spcPct val="115000"/>
-              </a:lnSpc>
-              <a:spcBef>
-                <a:spcPts val="0"/>
-              </a:spcBef>
-              <a:buNone/>
-            </a:pPr>
-            <a:endParaRPr sz="1300">
-              <a:solidFill>
-                <a:srgbClr val="003366"/>
-              </a:solidFill>
-            </a:endParaRPr>
-          </a:p>
-        </p:txBody>
-      </p:sp>
-      <p:sp>
-        <p:nvSpPr>
           <p:cNvPr id="10" name="TextBox 9"/>
           <p:cNvSpPr txBox="1"/>
           <p:nvPr/>
@@ -13022,6 +13613,312 @@
           </a:extLst>
         </p:spPr>
       </p:pic>
+      <p:sp>
+        <p:nvSpPr>
+          <p:cNvPr id="12" name="TextBox 11"/>
+          <p:cNvSpPr txBox="1"/>
+          <p:nvPr/>
+        </p:nvSpPr>
+        <p:spPr>
+          <a:xfrm>
+            <a:off x="5928534" y="1599671"/>
+            <a:ext cx="2099849" cy="307777"/>
+          </a:xfrm>
+          <a:prstGeom prst="rect">
+            <a:avLst/>
+          </a:prstGeom>
+          <a:noFill/>
+        </p:spPr>
+        <p:txBody>
+          <a:bodyPr wrap="square" rtlCol="0">
+            <a:spAutoFit/>
+          </a:bodyPr>
+          <a:lstStyle/>
+          <a:p>
+            <a:r>
+              <a:rPr lang="en-US" dirty="0" smtClean="0"/>
+              <a:t>Cancel ride </a:t>
+            </a:r>
+            <a:r>
+              <a:rPr lang="en-US" dirty="0" smtClean="0"/>
+              <a:t>use </a:t>
+            </a:r>
+            <a:r>
+              <a:rPr lang="en-US" dirty="0" smtClean="0"/>
+              <a:t>case</a:t>
+            </a:r>
+            <a:endParaRPr lang="en-US" dirty="0"/>
+          </a:p>
+        </p:txBody>
+      </p:sp>
+      <p:sp>
+        <p:nvSpPr>
+          <p:cNvPr id="14" name="Shape 40"/>
+          <p:cNvSpPr txBox="1">
+            <a:spLocks/>
+          </p:cNvSpPr>
+          <p:nvPr/>
+        </p:nvSpPr>
+        <p:spPr>
+          <a:xfrm>
+            <a:off x="1772451" y="6490690"/>
+            <a:ext cx="3238799" cy="424199"/>
+          </a:xfrm>
+          <a:prstGeom prst="rect">
+            <a:avLst/>
+          </a:prstGeom>
+          <a:noFill/>
+          <a:ln>
+            <a:noFill/>
+          </a:ln>
+        </p:spPr>
+        <p:txBody>
+          <a:bodyPr lIns="91425" tIns="91425" rIns="91425" bIns="91425" anchor="ctr" anchorCtr="0">
+            <a:noAutofit/>
+          </a:bodyPr>
+          <a:lstStyle>
+            <a:defPPr marR="0" algn="l" rtl="0">
+              <a:lnSpc>
+                <a:spcPct val="100000"/>
+              </a:lnSpc>
+              <a:spcBef>
+                <a:spcPts val="0"/>
+              </a:spcBef>
+              <a:spcAft>
+                <a:spcPts val="0"/>
+              </a:spcAft>
+            </a:defPPr>
+            <a:lvl1pPr marR="0" algn="l" rtl="0">
+              <a:lnSpc>
+                <a:spcPct val="100000"/>
+              </a:lnSpc>
+              <a:spcBef>
+                <a:spcPts val="0"/>
+              </a:spcBef>
+              <a:spcAft>
+                <a:spcPts val="0"/>
+              </a:spcAft>
+              <a:buClr>
+                <a:schemeClr val="dk1"/>
+              </a:buClr>
+              <a:buSzPct val="100000"/>
+              <a:buFont typeface="Arial"/>
+              <a:buNone/>
+              <a:defRPr sz="3600" b="1" i="0" u="none" strike="noStrike" cap="none" baseline="0">
+                <a:solidFill>
+                  <a:schemeClr val="dk1"/>
+                </a:solidFill>
+                <a:latin typeface="Arial"/>
+                <a:ea typeface="Arial"/>
+                <a:cs typeface="Arial"/>
+                <a:sym typeface="Arial"/>
+                <a:rtl val="0"/>
+              </a:defRPr>
+            </a:lvl1pPr>
+            <a:lvl2pPr algn="l" rtl="0">
+              <a:spcBef>
+                <a:spcPts val="0"/>
+              </a:spcBef>
+              <a:buClr>
+                <a:schemeClr val="dk1"/>
+              </a:buClr>
+              <a:buSzPct val="100000"/>
+              <a:buFont typeface="Arial"/>
+              <a:buNone/>
+              <a:defRPr sz="3600" b="1" i="0" u="none" strike="noStrike" cap="none" baseline="0">
+                <a:solidFill>
+                  <a:schemeClr val="dk1"/>
+                </a:solidFill>
+                <a:latin typeface="Arial"/>
+                <a:ea typeface="Arial"/>
+                <a:cs typeface="Arial"/>
+                <a:sym typeface="Arial"/>
+              </a:defRPr>
+            </a:lvl2pPr>
+            <a:lvl3pPr algn="l" rtl="0">
+              <a:spcBef>
+                <a:spcPts val="0"/>
+              </a:spcBef>
+              <a:buClr>
+                <a:schemeClr val="dk1"/>
+              </a:buClr>
+              <a:buSzPct val="100000"/>
+              <a:buFont typeface="Arial"/>
+              <a:buNone/>
+              <a:defRPr sz="3600" b="1" i="0" u="none" strike="noStrike" cap="none" baseline="0">
+                <a:solidFill>
+                  <a:schemeClr val="dk1"/>
+                </a:solidFill>
+                <a:latin typeface="Arial"/>
+                <a:ea typeface="Arial"/>
+                <a:cs typeface="Arial"/>
+                <a:sym typeface="Arial"/>
+              </a:defRPr>
+            </a:lvl3pPr>
+            <a:lvl4pPr algn="l" rtl="0">
+              <a:spcBef>
+                <a:spcPts val="0"/>
+              </a:spcBef>
+              <a:buClr>
+                <a:schemeClr val="dk1"/>
+              </a:buClr>
+              <a:buSzPct val="100000"/>
+              <a:buFont typeface="Arial"/>
+              <a:buNone/>
+              <a:defRPr sz="3600" b="1" i="0" u="none" strike="noStrike" cap="none" baseline="0">
+                <a:solidFill>
+                  <a:schemeClr val="dk1"/>
+                </a:solidFill>
+                <a:latin typeface="Arial"/>
+                <a:ea typeface="Arial"/>
+                <a:cs typeface="Arial"/>
+                <a:sym typeface="Arial"/>
+              </a:defRPr>
+            </a:lvl4pPr>
+            <a:lvl5pPr algn="l" rtl="0">
+              <a:spcBef>
+                <a:spcPts val="0"/>
+              </a:spcBef>
+              <a:buClr>
+                <a:schemeClr val="dk1"/>
+              </a:buClr>
+              <a:buSzPct val="100000"/>
+              <a:buFont typeface="Arial"/>
+              <a:buNone/>
+              <a:defRPr sz="3600" b="1" i="0" u="none" strike="noStrike" cap="none" baseline="0">
+                <a:solidFill>
+                  <a:schemeClr val="dk1"/>
+                </a:solidFill>
+                <a:latin typeface="Arial"/>
+                <a:ea typeface="Arial"/>
+                <a:cs typeface="Arial"/>
+                <a:sym typeface="Arial"/>
+              </a:defRPr>
+            </a:lvl5pPr>
+            <a:lvl6pPr algn="l" rtl="0">
+              <a:spcBef>
+                <a:spcPts val="0"/>
+              </a:spcBef>
+              <a:buClr>
+                <a:schemeClr val="dk1"/>
+              </a:buClr>
+              <a:buSzPct val="100000"/>
+              <a:buFont typeface="Arial"/>
+              <a:buNone/>
+              <a:defRPr sz="3600" b="1" i="0" u="none" strike="noStrike" cap="none" baseline="0">
+                <a:solidFill>
+                  <a:schemeClr val="dk1"/>
+                </a:solidFill>
+                <a:latin typeface="Arial"/>
+                <a:ea typeface="Arial"/>
+                <a:cs typeface="Arial"/>
+                <a:sym typeface="Arial"/>
+              </a:defRPr>
+            </a:lvl6pPr>
+            <a:lvl7pPr algn="l" rtl="0">
+              <a:spcBef>
+                <a:spcPts val="0"/>
+              </a:spcBef>
+              <a:buClr>
+                <a:schemeClr val="dk1"/>
+              </a:buClr>
+              <a:buSzPct val="100000"/>
+              <a:buFont typeface="Arial"/>
+              <a:buNone/>
+              <a:defRPr sz="3600" b="1" i="0" u="none" strike="noStrike" cap="none" baseline="0">
+                <a:solidFill>
+                  <a:schemeClr val="dk1"/>
+                </a:solidFill>
+                <a:latin typeface="Arial"/>
+                <a:ea typeface="Arial"/>
+                <a:cs typeface="Arial"/>
+                <a:sym typeface="Arial"/>
+              </a:defRPr>
+            </a:lvl7pPr>
+            <a:lvl8pPr algn="l" rtl="0">
+              <a:spcBef>
+                <a:spcPts val="0"/>
+              </a:spcBef>
+              <a:buClr>
+                <a:schemeClr val="dk1"/>
+              </a:buClr>
+              <a:buSzPct val="100000"/>
+              <a:buFont typeface="Arial"/>
+              <a:buNone/>
+              <a:defRPr sz="3600" b="1" i="0" u="none" strike="noStrike" cap="none" baseline="0">
+                <a:solidFill>
+                  <a:schemeClr val="dk1"/>
+                </a:solidFill>
+                <a:latin typeface="Arial"/>
+                <a:ea typeface="Arial"/>
+                <a:cs typeface="Arial"/>
+                <a:sym typeface="Arial"/>
+              </a:defRPr>
+            </a:lvl8pPr>
+            <a:lvl9pPr algn="l" rtl="0">
+              <a:spcBef>
+                <a:spcPts val="0"/>
+              </a:spcBef>
+              <a:buClr>
+                <a:schemeClr val="dk1"/>
+              </a:buClr>
+              <a:buSzPct val="100000"/>
+              <a:buFont typeface="Arial"/>
+              <a:buNone/>
+              <a:defRPr sz="3600" b="1" i="0" u="none" strike="noStrike" cap="none" baseline="0">
+                <a:solidFill>
+                  <a:schemeClr val="dk1"/>
+                </a:solidFill>
+                <a:latin typeface="Arial"/>
+                <a:ea typeface="Arial"/>
+                <a:cs typeface="Arial"/>
+                <a:sym typeface="Arial"/>
+              </a:defRPr>
+            </a:lvl9pPr>
+          </a:lstStyle>
+          <a:p>
+            <a:endParaRPr lang="en-US" sz="1300" dirty="0">
+              <a:solidFill>
+                <a:srgbClr val="003366"/>
+              </a:solidFill>
+            </a:endParaRPr>
+          </a:p>
+        </p:txBody>
+      </p:sp>
+      <p:sp>
+        <p:nvSpPr>
+          <p:cNvPr id="15" name="TextBox 14"/>
+          <p:cNvSpPr txBox="1"/>
+          <p:nvPr/>
+        </p:nvSpPr>
+        <p:spPr>
+          <a:xfrm>
+            <a:off x="314900" y="4058169"/>
+            <a:ext cx="2099849" cy="523220"/>
+          </a:xfrm>
+          <a:prstGeom prst="rect">
+            <a:avLst/>
+          </a:prstGeom>
+          <a:noFill/>
+        </p:spPr>
+        <p:txBody>
+          <a:bodyPr wrap="square" rtlCol="0">
+            <a:spAutoFit/>
+          </a:bodyPr>
+          <a:lstStyle/>
+          <a:p>
+            <a:r>
+              <a:rPr lang="en-US" dirty="0"/>
+              <a:t>Confirm/Decline a ride use case</a:t>
+            </a:r>
+            <a:endParaRPr lang="en-US" sz="1300" dirty="0">
+              <a:solidFill>
+                <a:srgbClr val="003366"/>
+              </a:solidFill>
+            </a:endParaRPr>
+          </a:p>
+        </p:txBody>
+      </p:sp>
     </p:spTree>
     <p:extLst>
       <p:ext uri="{BB962C8B-B14F-4D97-AF65-F5344CB8AC3E}">
@@ -13268,7 +14165,7 @@
         </p:nvSpPr>
         <p:spPr>
           <a:xfrm>
-            <a:off x="2196425" y="6531000"/>
+            <a:off x="2339752" y="6645900"/>
             <a:ext cx="3238799" cy="424199"/>
           </a:xfrm>
           <a:prstGeom prst="rect">
@@ -13281,50 +14178,23 @@
           </a:bodyPr>
           <a:lstStyle/>
           <a:p>
-            <a:pPr lvl="0" indent="457200" rtl="0">
+            <a:pPr indent="457200">
               <a:lnSpc>
                 <a:spcPct val="115000"/>
               </a:lnSpc>
-              <a:spcBef>
-                <a:spcPts val="0"/>
-              </a:spcBef>
-              <a:buNone/>
             </a:pPr>
-            <a:endParaRPr sz="1300">
+            <a:r>
+              <a:rPr lang="en-US" sz="1400" dirty="0"/>
+              <a:t>Report use case</a:t>
+            </a:r>
+            <a:br>
+              <a:rPr lang="en-US" sz="1400" dirty="0"/>
+            </a:br>
+            <a:endParaRPr sz="1300" dirty="0">
               <a:solidFill>
                 <a:srgbClr val="003366"/>
               </a:solidFill>
             </a:endParaRPr>
-          </a:p>
-        </p:txBody>
-      </p:sp>
-      <p:sp>
-        <p:nvSpPr>
-          <p:cNvPr id="10" name="TextBox 9"/>
-          <p:cNvSpPr txBox="1"/>
-          <p:nvPr/>
-        </p:nvSpPr>
-        <p:spPr>
-          <a:xfrm>
-            <a:off x="547350" y="980728"/>
-            <a:ext cx="7913082" cy="307777"/>
-          </a:xfrm>
-          <a:prstGeom prst="rect">
-            <a:avLst/>
-          </a:prstGeom>
-          <a:noFill/>
-        </p:spPr>
-        <p:txBody>
-          <a:bodyPr wrap="square" rtlCol="0">
-            <a:spAutoFit/>
-          </a:bodyPr>
-          <a:lstStyle/>
-          <a:p>
-            <a:r>
-              <a:rPr lang="en-US" dirty="0" smtClean="0"/>
-              <a:t>Use cases</a:t>
-            </a:r>
-            <a:endParaRPr lang="en-US" dirty="0"/>
           </a:p>
         </p:txBody>
       </p:sp>
@@ -13351,8 +14221,8 @@
         </p:blipFill>
         <p:spPr bwMode="auto">
           <a:xfrm>
-            <a:off x="653971" y="990189"/>
-            <a:ext cx="6892050" cy="3383370"/>
+            <a:off x="427836" y="1465123"/>
+            <a:ext cx="8152109" cy="4001944"/>
           </a:xfrm>
           <a:prstGeom prst="rect">
             <a:avLst/>
@@ -13505,7 +14375,15 @@
             <a:pPr marL="342900" indent="-342900"/>
             <a:r>
               <a:rPr lang="en-US" sz="2400" dirty="0"/>
-              <a:t>an application similar to Uber, which makes the process of assigning an available taxi vehicle to possible passengers </a:t>
+              <a:t>A</a:t>
+            </a:r>
+            <a:r>
+              <a:rPr lang="en-US" sz="2400" dirty="0" smtClean="0"/>
+              <a:t>pplication </a:t>
+            </a:r>
+            <a:r>
+              <a:rPr lang="en-US" sz="2400" dirty="0"/>
+              <a:t>similar to Uber, which makes the process of assigning an available taxi vehicle to possible passengers </a:t>
             </a:r>
             <a:endParaRPr lang="en-US" sz="2400" dirty="0" smtClean="0"/>
           </a:p>
@@ -14239,6 +15117,13 @@
   <p:transition spd="slow">
     <p:cut/>
   </p:transition>
+  <p:timing>
+    <p:tnLst>
+      <p:par>
+        <p:cTn id="1" dur="indefinite" restart="never" nodeType="tmRoot"/>
+      </p:par>
+    </p:tnLst>
+  </p:timing>
 </p:sld>
 </file>
 
@@ -14286,22 +15171,14 @@
           <a:p>
             <a:pPr lvl="0"/>
             <a:r>
-              <a:rPr lang="en-US" sz="3000" dirty="0" smtClean="0">
+              <a:rPr lang="en-US" sz="2800" dirty="0" smtClean="0">
                 <a:solidFill>
                   <a:srgbClr val="003366"/>
                 </a:solidFill>
               </a:rPr>
-              <a:t>Specific </a:t>
-            </a:r>
-            <a:r>
-              <a:rPr lang="en-US" sz="3000" dirty="0" smtClean="0">
-                <a:solidFill>
-                  <a:srgbClr val="003366"/>
-                </a:solidFill>
-              </a:rPr>
-              <a:t>requirements – Class diagram</a:t>
-            </a:r>
-            <a:endParaRPr sz="3000" dirty="0">
+              <a:t>Specific requirements – Sequence diagrams</a:t>
+            </a:r>
+            <a:endParaRPr sz="2800" dirty="0">
               <a:solidFill>
                 <a:srgbClr val="003366"/>
               </a:solidFill>
@@ -14473,7 +15350,7 @@
         </p:nvSpPr>
         <p:spPr>
           <a:xfrm>
-            <a:off x="2196425" y="6531000"/>
+            <a:off x="1772451" y="6500849"/>
             <a:ext cx="3238799" cy="424199"/>
           </a:xfrm>
           <a:prstGeom prst="rect">
@@ -14486,16 +15363,20 @@
           </a:bodyPr>
           <a:lstStyle/>
           <a:p>
-            <a:pPr lvl="0" indent="457200" rtl="0">
+            <a:pPr indent="457200">
               <a:lnSpc>
                 <a:spcPct val="115000"/>
               </a:lnSpc>
-              <a:spcBef>
-                <a:spcPts val="0"/>
-              </a:spcBef>
-              <a:buNone/>
             </a:pPr>
-            <a:endParaRPr sz="1300">
+            <a:r>
+              <a:rPr lang="en-US" sz="1400" dirty="0"/>
+              <a:t>Sign Up sequence </a:t>
+            </a:r>
+            <a:r>
+              <a:rPr lang="en-US" sz="1400" dirty="0" smtClean="0"/>
+              <a:t>diagram</a:t>
+            </a:r>
+            <a:endParaRPr sz="1300" dirty="0">
               <a:solidFill>
                 <a:srgbClr val="003366"/>
               </a:solidFill>
@@ -14505,9 +15386,9 @@
       </p:sp>
       <p:pic>
         <p:nvPicPr>
-          <p:cNvPr id="6146" name="Picture 2"/>
+          <p:cNvPr id="3" name="Picture 2"/>
           <p:cNvPicPr>
-            <a:picLocks noChangeAspect="1" noChangeArrowheads="1"/>
+            <a:picLocks noChangeAspect="1"/>
           </p:cNvPicPr>
           <p:nvPr/>
         </p:nvPicPr>
@@ -14519,48 +15400,24 @@
               </a:ext>
             </a:extLst>
           </a:blip>
-          <a:srcRect/>
           <a:stretch>
             <a:fillRect/>
           </a:stretch>
         </p:blipFill>
-        <p:spPr bwMode="auto">
-          <a:xfrm>
-            <a:off x="938767" y="811225"/>
-            <a:ext cx="7540088" cy="5760000"/>
-          </a:xfrm>
-          <a:prstGeom prst="rect">
-            <a:avLst/>
-          </a:prstGeom>
-          <a:noFill/>
-          <a:ln>
-            <a:noFill/>
-          </a:ln>
-          <a:extLst>
-            <a:ext uri="{909E8E84-426E-40DD-AFC4-6F175D3DCCD1}">
-              <a14:hiddenFill xmlns:a14="http://schemas.microsoft.com/office/drawing/2010/main">
-                <a:solidFill>
-                  <a:schemeClr val="accent1"/>
-                </a:solidFill>
-              </a14:hiddenFill>
-            </a:ext>
-            <a:ext uri="{91240B29-F687-4F45-9708-019B960494DF}">
-              <a14:hiddenLine xmlns:a14="http://schemas.microsoft.com/office/drawing/2010/main" w="9525">
-                <a:solidFill>
-                  <a:schemeClr val="tx1"/>
-                </a:solidFill>
-                <a:miter lim="800000"/>
-                <a:headEnd/>
-                <a:tailEnd/>
-              </a14:hiddenLine>
-            </a:ext>
-          </a:extLst>
+        <p:spPr>
+          <a:xfrm>
+            <a:off x="2267744" y="879388"/>
+            <a:ext cx="5307739" cy="5650946"/>
+          </a:xfrm>
+          <a:prstGeom prst="rect">
+            <a:avLst/>
+          </a:prstGeom>
         </p:spPr>
       </p:pic>
     </p:spTree>
     <p:extLst>
       <p:ext uri="{BB962C8B-B14F-4D97-AF65-F5344CB8AC3E}">
-        <p14:creationId xmlns:p14="http://schemas.microsoft.com/office/powerpoint/2010/main" val="299045841"/>
+        <p14:creationId xmlns:p14="http://schemas.microsoft.com/office/powerpoint/2010/main" val="762104067"/>
       </p:ext>
     </p:extLst>
   </p:cSld>
@@ -14629,15 +15486,7 @@
                   <a:srgbClr val="003366"/>
                 </a:solidFill>
               </a:rPr>
-              <a:t>Specific </a:t>
-            </a:r>
-            <a:r>
-              <a:rPr lang="en-US" sz="2800" dirty="0" smtClean="0">
-                <a:solidFill>
-                  <a:srgbClr val="003366"/>
-                </a:solidFill>
-              </a:rPr>
-              <a:t>requirements – Sequence diagrams</a:t>
+              <a:t>Specific requirements – Sequence diagrams</a:t>
             </a:r>
             <a:endParaRPr sz="2800" dirty="0">
               <a:solidFill>
@@ -14811,8 +15660,8 @@
         </p:nvSpPr>
         <p:spPr>
           <a:xfrm>
-            <a:off x="2196425" y="6531000"/>
-            <a:ext cx="3238799" cy="424199"/>
+            <a:off x="1443381" y="6531000"/>
+            <a:ext cx="3896938" cy="424199"/>
           </a:xfrm>
           <a:prstGeom prst="rect">
             <a:avLst/>
@@ -14833,7 +15682,15 @@
               </a:spcBef>
               <a:buNone/>
             </a:pPr>
-            <a:endParaRPr sz="1300">
+            <a:r>
+              <a:rPr lang="en-US" sz="1300" dirty="0" smtClean="0">
+                <a:solidFill>
+                  <a:srgbClr val="003366"/>
+                </a:solidFill>
+              </a:rPr>
+              <a:t>Request a taxi sequence diagram</a:t>
+            </a:r>
+            <a:endParaRPr sz="1300" dirty="0">
               <a:solidFill>
                 <a:srgbClr val="003366"/>
               </a:solidFill>
@@ -14841,10 +15698,40 @@
           </a:p>
         </p:txBody>
       </p:sp>
+      <p:pic>
+        <p:nvPicPr>
+          <p:cNvPr id="2" name="Picture 1"/>
+          <p:cNvPicPr>
+            <a:picLocks noChangeAspect="1"/>
+          </p:cNvPicPr>
+          <p:nvPr/>
+        </p:nvPicPr>
+        <p:blipFill>
+          <a:blip r:embed="rId6">
+            <a:extLst>
+              <a:ext uri="{28A0092B-C50C-407E-A947-70E740481C1C}">
+                <a14:useLocalDpi xmlns:a14="http://schemas.microsoft.com/office/drawing/2010/main" val="0"/>
+              </a:ext>
+            </a:extLst>
+          </a:blip>
+          <a:stretch>
+            <a:fillRect/>
+          </a:stretch>
+        </p:blipFill>
+        <p:spPr>
+          <a:xfrm>
+            <a:off x="1538286" y="751806"/>
+            <a:ext cx="6274074" cy="5600700"/>
+          </a:xfrm>
+          <a:prstGeom prst="rect">
+            <a:avLst/>
+          </a:prstGeom>
+        </p:spPr>
+      </p:pic>
     </p:spTree>
     <p:extLst>
       <p:ext uri="{BB962C8B-B14F-4D97-AF65-F5344CB8AC3E}">
-        <p14:creationId xmlns:p14="http://schemas.microsoft.com/office/powerpoint/2010/main" val="762104067"/>
+        <p14:creationId xmlns:p14="http://schemas.microsoft.com/office/powerpoint/2010/main" val="620337880"/>
       </p:ext>
     </p:extLst>
   </p:cSld>
@@ -14913,15 +15800,7 @@
                   <a:srgbClr val="003366"/>
                 </a:solidFill>
               </a:rPr>
-              <a:t>Specific </a:t>
-            </a:r>
-            <a:r>
-              <a:rPr lang="en-US" sz="2800" dirty="0" smtClean="0">
-                <a:solidFill>
-                  <a:srgbClr val="003366"/>
-                </a:solidFill>
-              </a:rPr>
-              <a:t>requirements – Sequence diagrams</a:t>
+              <a:t>Specific requirements – Sequence diagrams</a:t>
             </a:r>
             <a:endParaRPr sz="2800" dirty="0">
               <a:solidFill>
@@ -15095,8 +15974,8 @@
         </p:nvSpPr>
         <p:spPr>
           <a:xfrm>
-            <a:off x="2196425" y="6531000"/>
-            <a:ext cx="3238799" cy="424199"/>
+            <a:off x="1331640" y="6500849"/>
+            <a:ext cx="3383687" cy="424199"/>
           </a:xfrm>
           <a:prstGeom prst="rect">
             <a:avLst/>
@@ -15117,7 +15996,15 @@
               </a:spcBef>
               <a:buNone/>
             </a:pPr>
-            <a:endParaRPr sz="1300">
+            <a:r>
+              <a:rPr lang="en-US" sz="1300" dirty="0" smtClean="0">
+                <a:solidFill>
+                  <a:srgbClr val="003366"/>
+                </a:solidFill>
+              </a:rPr>
+              <a:t>Reserve a taxi sequence diagram</a:t>
+            </a:r>
+            <a:endParaRPr sz="1300" dirty="0">
               <a:solidFill>
                 <a:srgbClr val="003366"/>
               </a:solidFill>
@@ -15125,10 +16012,40 @@
           </a:p>
         </p:txBody>
       </p:sp>
+      <p:pic>
+        <p:nvPicPr>
+          <p:cNvPr id="2" name="Picture 1"/>
+          <p:cNvPicPr>
+            <a:picLocks noChangeAspect="1"/>
+          </p:cNvPicPr>
+          <p:nvPr/>
+        </p:nvPicPr>
+        <p:blipFill>
+          <a:blip r:embed="rId6">
+            <a:extLst>
+              <a:ext uri="{28A0092B-C50C-407E-A947-70E740481C1C}">
+                <a14:useLocalDpi xmlns:a14="http://schemas.microsoft.com/office/drawing/2010/main" val="0"/>
+              </a:ext>
+            </a:extLst>
+          </a:blip>
+          <a:stretch>
+            <a:fillRect/>
+          </a:stretch>
+        </p:blipFill>
+        <p:spPr>
+          <a:xfrm>
+            <a:off x="1547664" y="864008"/>
+            <a:ext cx="5709675" cy="5530994"/>
+          </a:xfrm>
+          <a:prstGeom prst="rect">
+            <a:avLst/>
+          </a:prstGeom>
+        </p:spPr>
+      </p:pic>
     </p:spTree>
     <p:extLst>
       <p:ext uri="{BB962C8B-B14F-4D97-AF65-F5344CB8AC3E}">
-        <p14:creationId xmlns:p14="http://schemas.microsoft.com/office/powerpoint/2010/main" val="620337880"/>
+        <p14:creationId xmlns:p14="http://schemas.microsoft.com/office/powerpoint/2010/main" val="1989899338"/>
       </p:ext>
     </p:extLst>
   </p:cSld>
@@ -15192,22 +16109,14 @@
           <a:p>
             <a:pPr lvl="0"/>
             <a:r>
-              <a:rPr lang="en-US" sz="2800" dirty="0" smtClean="0">
+              <a:rPr lang="en-US" sz="3000" dirty="0" smtClean="0">
                 <a:solidFill>
                   <a:srgbClr val="003366"/>
                 </a:solidFill>
               </a:rPr>
-              <a:t>Specific </a:t>
-            </a:r>
-            <a:r>
-              <a:rPr lang="en-US" sz="2800" dirty="0" smtClean="0">
-                <a:solidFill>
-                  <a:srgbClr val="003366"/>
-                </a:solidFill>
-              </a:rPr>
-              <a:t>requirements – Sequence diagrams</a:t>
-            </a:r>
-            <a:endParaRPr sz="2800" dirty="0">
+              <a:t>Specific requirements – Class diagram</a:t>
+            </a:r>
+            <a:endParaRPr sz="3000" dirty="0">
               <a:solidFill>
                 <a:srgbClr val="003366"/>
               </a:solidFill>
@@ -15401,7 +16310,7 @@
               </a:spcBef>
               <a:buNone/>
             </a:pPr>
-            <a:endParaRPr sz="1300">
+            <a:endParaRPr sz="1300" dirty="0">
               <a:solidFill>
                 <a:srgbClr val="003366"/>
               </a:solidFill>
@@ -15409,10 +16318,64 @@
           </a:p>
         </p:txBody>
       </p:sp>
+      <p:pic>
+        <p:nvPicPr>
+          <p:cNvPr id="6146" name="Picture 2"/>
+          <p:cNvPicPr>
+            <a:picLocks noChangeAspect="1" noChangeArrowheads="1"/>
+          </p:cNvPicPr>
+          <p:nvPr/>
+        </p:nvPicPr>
+        <p:blipFill>
+          <a:blip r:embed="rId6">
+            <a:extLst>
+              <a:ext uri="{28A0092B-C50C-407E-A947-70E740481C1C}">
+                <a14:useLocalDpi xmlns:a14="http://schemas.microsoft.com/office/drawing/2010/main" val="0"/>
+              </a:ext>
+            </a:extLst>
+          </a:blip>
+          <a:srcRect/>
+          <a:stretch>
+            <a:fillRect/>
+          </a:stretch>
+        </p:blipFill>
+        <p:spPr bwMode="auto">
+          <a:xfrm>
+            <a:off x="938767" y="811225"/>
+            <a:ext cx="7540088" cy="5760000"/>
+          </a:xfrm>
+          <a:prstGeom prst="rect">
+            <a:avLst/>
+          </a:prstGeom>
+          <a:noFill/>
+          <a:ln>
+            <a:noFill/>
+          </a:ln>
+          <a:extLst>
+            <a:ext uri="{909E8E84-426E-40DD-AFC4-6F175D3DCCD1}">
+              <a14:hiddenFill xmlns:a14="http://schemas.microsoft.com/office/drawing/2010/main">
+                <a:solidFill>
+                  <a:schemeClr val="accent1"/>
+                </a:solidFill>
+              </a14:hiddenFill>
+            </a:ext>
+            <a:ext uri="{91240B29-F687-4F45-9708-019B960494DF}">
+              <a14:hiddenLine xmlns:a14="http://schemas.microsoft.com/office/drawing/2010/main" w="9525">
+                <a:solidFill>
+                  <a:schemeClr val="tx1"/>
+                </a:solidFill>
+                <a:miter lim="800000"/>
+                <a:headEnd/>
+                <a:tailEnd/>
+              </a14:hiddenLine>
+            </a:ext>
+          </a:extLst>
+        </p:spPr>
+      </p:pic>
     </p:spTree>
     <p:extLst>
       <p:ext uri="{BB962C8B-B14F-4D97-AF65-F5344CB8AC3E}">
-        <p14:creationId xmlns:p14="http://schemas.microsoft.com/office/powerpoint/2010/main" val="1989899338"/>
+        <p14:creationId xmlns:p14="http://schemas.microsoft.com/office/powerpoint/2010/main" val="299045841"/>
       </p:ext>
     </p:extLst>
   </p:cSld>
@@ -15461,8 +16424,8 @@
         </p:nvSpPr>
         <p:spPr>
           <a:xfrm>
-            <a:off x="691549" y="131950"/>
-            <a:ext cx="8452451" cy="498599"/>
+            <a:off x="837450" y="131950"/>
+            <a:ext cx="8136900" cy="498599"/>
           </a:xfrm>
           <a:prstGeom prst="rect">
             <a:avLst/>
@@ -15476,22 +16439,30 @@
           <a:p>
             <a:pPr lvl="0"/>
             <a:r>
-              <a:rPr lang="en-US" sz="2500" dirty="0" smtClean="0">
+              <a:rPr lang="en-US" sz="2800" dirty="0" smtClean="0">
                 <a:solidFill>
                   <a:srgbClr val="003366"/>
                 </a:solidFill>
               </a:rPr>
-              <a:t>Specific </a:t>
-            </a:r>
-            <a:r>
-              <a:rPr lang="en-US" sz="2500" dirty="0" smtClean="0">
+              <a:t>Specific requirements – </a:t>
+            </a:r>
+            <a:r>
+              <a:rPr lang="en-US" sz="2800" dirty="0" smtClean="0">
                 <a:solidFill>
                   <a:srgbClr val="003366"/>
                 </a:solidFill>
               </a:rPr>
-              <a:t>requirements – Non functional requirements</a:t>
-            </a:r>
-            <a:endParaRPr sz="2500" dirty="0">
+              <a:t>State Chart </a:t>
+            </a:r>
+            <a:r>
+              <a:rPr lang="en-US" sz="2800" dirty="0" smtClean="0">
+                <a:solidFill>
+                  <a:srgbClr val="003366"/>
+                </a:solidFill>
+              </a:rPr>
+              <a:t>diagrams</a:t>
+            </a:r>
+            <a:endParaRPr sz="2800" dirty="0">
               <a:solidFill>
                 <a:srgbClr val="003366"/>
               </a:solidFill>
@@ -15663,8 +16634,8 @@
         </p:nvSpPr>
         <p:spPr>
           <a:xfrm>
-            <a:off x="2196425" y="6531000"/>
-            <a:ext cx="3238799" cy="424199"/>
+            <a:off x="2555776" y="6500849"/>
+            <a:ext cx="3383687" cy="424199"/>
           </a:xfrm>
           <a:prstGeom prst="rect">
             <a:avLst/>
@@ -15685,7 +16656,15 @@
               </a:spcBef>
               <a:buNone/>
             </a:pPr>
-            <a:endParaRPr sz="1300">
+            <a:r>
+              <a:rPr lang="en-US" sz="1300" dirty="0" smtClean="0">
+                <a:solidFill>
+                  <a:srgbClr val="003366"/>
+                </a:solidFill>
+              </a:rPr>
+              <a:t>Request lifecycle</a:t>
+            </a:r>
+            <a:endParaRPr sz="1300" dirty="0">
               <a:solidFill>
                 <a:srgbClr val="003366"/>
               </a:solidFill>
@@ -15693,10 +16672,40 @@
           </a:p>
         </p:txBody>
       </p:sp>
+      <p:pic>
+        <p:nvPicPr>
+          <p:cNvPr id="3" name="Picture 2"/>
+          <p:cNvPicPr>
+            <a:picLocks noChangeAspect="1"/>
+          </p:cNvPicPr>
+          <p:nvPr/>
+        </p:nvPicPr>
+        <p:blipFill>
+          <a:blip r:embed="rId6">
+            <a:extLst>
+              <a:ext uri="{28A0092B-C50C-407E-A947-70E740481C1C}">
+                <a14:useLocalDpi xmlns:a14="http://schemas.microsoft.com/office/drawing/2010/main" val="0"/>
+              </a:ext>
+            </a:extLst>
+          </a:blip>
+          <a:stretch>
+            <a:fillRect/>
+          </a:stretch>
+        </p:blipFill>
+        <p:spPr>
+          <a:xfrm>
+            <a:off x="3407433" y="782041"/>
+            <a:ext cx="2996933" cy="5691723"/>
+          </a:xfrm>
+          <a:prstGeom prst="rect">
+            <a:avLst/>
+          </a:prstGeom>
+        </p:spPr>
+      </p:pic>
     </p:spTree>
     <p:extLst>
       <p:ext uri="{BB962C8B-B14F-4D97-AF65-F5344CB8AC3E}">
-        <p14:creationId xmlns:p14="http://schemas.microsoft.com/office/powerpoint/2010/main" val="4224975323"/>
+        <p14:creationId xmlns:p14="http://schemas.microsoft.com/office/powerpoint/2010/main" val="3643704145"/>
       </p:ext>
     </p:extLst>
   </p:cSld>
@@ -15765,7 +16774,23 @@
                   <a:srgbClr val="003366"/>
                 </a:solidFill>
               </a:rPr>
-              <a:t>Alloy</a:t>
+              <a:t>Specific requirements – </a:t>
+            </a:r>
+            <a:r>
+              <a:rPr lang="en-US" sz="2800" dirty="0" smtClean="0">
+                <a:solidFill>
+                  <a:srgbClr val="003366"/>
+                </a:solidFill>
+              </a:rPr>
+              <a:t>State Chart </a:t>
+            </a:r>
+            <a:r>
+              <a:rPr lang="en-US" sz="2800" dirty="0" smtClean="0">
+                <a:solidFill>
+                  <a:srgbClr val="003366"/>
+                </a:solidFill>
+              </a:rPr>
+              <a:t>diagrams</a:t>
             </a:r>
             <a:endParaRPr sz="2800" dirty="0">
               <a:solidFill>
@@ -15939,8 +16964,8 @@
         </p:nvSpPr>
         <p:spPr>
           <a:xfrm>
-            <a:off x="2196425" y="6531000"/>
-            <a:ext cx="3238799" cy="424199"/>
+            <a:off x="2555776" y="6500849"/>
+            <a:ext cx="3383687" cy="424199"/>
           </a:xfrm>
           <a:prstGeom prst="rect">
             <a:avLst/>
@@ -15961,9 +16986,151 @@
               </a:spcBef>
               <a:buNone/>
             </a:pPr>
-            <a:endParaRPr sz="1300">
+            <a:r>
+              <a:rPr lang="en-US" sz="1300" dirty="0" smtClean="0">
+                <a:solidFill>
+                  <a:srgbClr val="003366"/>
+                </a:solidFill>
+              </a:rPr>
+              <a:t>Guest lifecycle</a:t>
+            </a:r>
+            <a:endParaRPr sz="1300" dirty="0">
               <a:solidFill>
                 <a:srgbClr val="003366"/>
+              </a:solidFill>
+            </a:endParaRPr>
+          </a:p>
+        </p:txBody>
+      </p:sp>
+      <p:pic>
+        <p:nvPicPr>
+          <p:cNvPr id="2" name="Picture 1"/>
+          <p:cNvPicPr>
+            <a:picLocks noChangeAspect="1"/>
+          </p:cNvPicPr>
+          <p:nvPr/>
+        </p:nvPicPr>
+        <p:blipFill>
+          <a:blip r:embed="rId6">
+            <a:extLst>
+              <a:ext uri="{28A0092B-C50C-407E-A947-70E740481C1C}">
+                <a14:useLocalDpi xmlns:a14="http://schemas.microsoft.com/office/drawing/2010/main" val="0"/>
+              </a:ext>
+            </a:extLst>
+          </a:blip>
+          <a:stretch>
+            <a:fillRect/>
+          </a:stretch>
+        </p:blipFill>
+        <p:spPr>
+          <a:xfrm>
+            <a:off x="3059832" y="795337"/>
+            <a:ext cx="2859955" cy="5588534"/>
+          </a:xfrm>
+          <a:prstGeom prst="rect">
+            <a:avLst/>
+          </a:prstGeom>
+        </p:spPr>
+      </p:pic>
+      <p:sp>
+        <p:nvSpPr>
+          <p:cNvPr id="11" name="Action Button: Help 10">
+            <a:hlinkClick r:id="" action="ppaction://noaction" highlightClick="1"/>
+          </p:cNvPr>
+          <p:cNvSpPr/>
+          <p:nvPr/>
+        </p:nvSpPr>
+        <p:spPr>
+          <a:xfrm>
+            <a:off x="7437495" y="1378472"/>
+            <a:ext cx="1042416" cy="1042416"/>
+          </a:xfrm>
+          <a:prstGeom prst="actionButtonHelp">
+            <a:avLst/>
+          </a:prstGeom>
+        </p:spPr>
+        <p:style>
+          <a:lnRef idx="2">
+            <a:schemeClr val="accent1">
+              <a:shade val="50000"/>
+            </a:schemeClr>
+          </a:lnRef>
+          <a:fillRef idx="1">
+            <a:schemeClr val="accent1"/>
+          </a:fillRef>
+          <a:effectRef idx="0">
+            <a:schemeClr val="accent1"/>
+          </a:effectRef>
+          <a:fontRef idx="minor">
+            <a:schemeClr val="lt1"/>
+          </a:fontRef>
+        </p:style>
+        <p:txBody>
+          <a:bodyPr rtlCol="0" anchor="ctr"/>
+          <a:lstStyle/>
+          <a:p>
+            <a:pPr algn="ctr"/>
+            <a:endParaRPr lang="en-US"/>
+          </a:p>
+        </p:txBody>
+      </p:sp>
+      <p:sp>
+        <p:nvSpPr>
+          <p:cNvPr id="12" name="TextBox 11"/>
+          <p:cNvSpPr txBox="1"/>
+          <p:nvPr/>
+        </p:nvSpPr>
+        <p:spPr>
+          <a:xfrm>
+            <a:off x="5586962" y="2898904"/>
+            <a:ext cx="3387388" cy="400110"/>
+          </a:xfrm>
+          <a:prstGeom prst="rect">
+            <a:avLst/>
+          </a:prstGeom>
+          <a:noFill/>
+        </p:spPr>
+        <p:txBody>
+          <a:bodyPr wrap="square" rtlCol="0">
+            <a:spAutoFit/>
+          </a:bodyPr>
+          <a:lstStyle/>
+          <a:p>
+            <a:r>
+              <a:rPr lang="en-US" sz="2000" dirty="0" smtClean="0">
+                <a:solidFill>
+                  <a:srgbClr val="C00000"/>
+                </a:solidFill>
+              </a:rPr>
+              <a:t>Ovo </a:t>
+            </a:r>
+            <a:r>
+              <a:rPr lang="en-US" sz="2000" dirty="0" err="1" smtClean="0">
+                <a:solidFill>
+                  <a:srgbClr val="C00000"/>
+                </a:solidFill>
+              </a:rPr>
+              <a:t>nzm</a:t>
+            </a:r>
+            <a:r>
+              <a:rPr lang="en-US" sz="2000" dirty="0" smtClean="0">
+                <a:solidFill>
+                  <a:srgbClr val="C00000"/>
+                </a:solidFill>
+              </a:rPr>
+              <a:t> dal da </a:t>
+            </a:r>
+            <a:r>
+              <a:rPr lang="en-US" sz="2000" dirty="0" err="1" smtClean="0">
+                <a:solidFill>
+                  <a:srgbClr val="C00000"/>
+                </a:solidFill>
+              </a:rPr>
+              <a:t>ubacujemo</a:t>
+            </a:r>
+            <a:endParaRPr lang="en-US" sz="2000" dirty="0">
+              <a:solidFill>
+                <a:srgbClr val="C00000"/>
               </a:solidFill>
             </a:endParaRPr>
           </a:p>
@@ -15972,7 +17139,7 @@
     </p:spTree>
     <p:extLst>
       <p:ext uri="{BB962C8B-B14F-4D97-AF65-F5344CB8AC3E}">
-        <p14:creationId xmlns:p14="http://schemas.microsoft.com/office/powerpoint/2010/main" val="1683931613"/>
+        <p14:creationId xmlns:p14="http://schemas.microsoft.com/office/powerpoint/2010/main" val="1520699562"/>
       </p:ext>
     </p:extLst>
   </p:cSld>
@@ -16021,8 +17188,8 @@
         </p:nvSpPr>
         <p:spPr>
           <a:xfrm>
-            <a:off x="837450" y="131950"/>
-            <a:ext cx="8136900" cy="498599"/>
+            <a:off x="691549" y="131950"/>
+            <a:ext cx="8452451" cy="498599"/>
           </a:xfrm>
           <a:prstGeom prst="rect">
             <a:avLst/>
@@ -16036,22 +17203,14 @@
           <a:p>
             <a:pPr lvl="0"/>
             <a:r>
-              <a:rPr lang="en-US" sz="2800" dirty="0" smtClean="0">
+              <a:rPr lang="en-US" sz="2500" dirty="0" smtClean="0">
                 <a:solidFill>
                   <a:srgbClr val="003366"/>
                 </a:solidFill>
               </a:rPr>
-              <a:t>Specific </a:t>
-            </a:r>
-            <a:r>
-              <a:rPr lang="en-US" sz="2800" dirty="0" smtClean="0">
-                <a:solidFill>
-                  <a:srgbClr val="003366"/>
-                </a:solidFill>
-              </a:rPr>
-              <a:t>requirements – Sequence diagrams</a:t>
-            </a:r>
-            <a:endParaRPr sz="2800" dirty="0">
+              <a:t>Specific requirements – Non functional requirements</a:t>
+            </a:r>
+            <a:endParaRPr sz="2500" dirty="0">
               <a:solidFill>
                 <a:srgbClr val="003366"/>
               </a:solidFill>
@@ -16253,10 +17412,168 @@
           </a:p>
         </p:txBody>
       </p:sp>
+      <p:sp>
+        <p:nvSpPr>
+          <p:cNvPr id="10" name="Shape 34"/>
+          <p:cNvSpPr txBox="1">
+            <a:spLocks noGrp="1"/>
+          </p:cNvSpPr>
+          <p:nvPr>
+            <p:ph type="body" idx="1"/>
+          </p:nvPr>
+        </p:nvSpPr>
+        <p:spPr>
+          <a:xfrm>
+            <a:off x="536890" y="1239728"/>
+            <a:ext cx="8579297" cy="4824536"/>
+          </a:xfrm>
+          <a:prstGeom prst="rect">
+            <a:avLst/>
+          </a:prstGeom>
+        </p:spPr>
+        <p:txBody>
+          <a:bodyPr lIns="91425" tIns="91425" rIns="91425" bIns="91425" anchor="t" anchorCtr="0">
+            <a:noAutofit/>
+          </a:bodyPr>
+          <a:lstStyle/>
+          <a:p>
+            <a:r>
+              <a:rPr lang="en-US" sz="2400" dirty="0" smtClean="0"/>
+              <a:t>Availability</a:t>
+            </a:r>
+          </a:p>
+          <a:p>
+            <a:pPr marL="625475" lvl="1" indent="-285750">
+              <a:buFont typeface="Arial" panose="020B0604020202020204" pitchFamily="34" charset="0"/>
+              <a:buChar char="•"/>
+            </a:pPr>
+            <a:r>
+              <a:rPr lang="en-US" sz="1800" dirty="0"/>
+              <a:t>A</a:t>
+            </a:r>
+            <a:r>
+              <a:rPr lang="en-US" sz="1800" dirty="0" smtClean="0"/>
+              <a:t>pplication </a:t>
+            </a:r>
+            <a:r>
+              <a:rPr lang="en-US" sz="1800" dirty="0"/>
+              <a:t>should be available to handle user's request at all times using </a:t>
+            </a:r>
+            <a:r>
+              <a:rPr lang="en-US" sz="1800" dirty="0" smtClean="0"/>
+              <a:t>any </a:t>
+            </a:r>
+            <a:r>
+              <a:rPr lang="en-US" sz="1800" dirty="0"/>
+              <a:t>device with an installed web </a:t>
+            </a:r>
+            <a:r>
+              <a:rPr lang="en-US" sz="1800" dirty="0" smtClean="0"/>
+              <a:t>browser</a:t>
+            </a:r>
+            <a:endParaRPr lang="en-US" sz="1800" dirty="0"/>
+          </a:p>
+          <a:p>
+            <a:r>
+              <a:rPr lang="en-US" sz="2400" dirty="0" smtClean="0"/>
+              <a:t> Maintainability</a:t>
+            </a:r>
+            <a:r>
+              <a:rPr lang="en-US" sz="2400" i="1" dirty="0" smtClean="0"/>
+              <a:t> </a:t>
+            </a:r>
+            <a:endParaRPr lang="en-US" sz="2400" dirty="0" smtClean="0"/>
+          </a:p>
+          <a:p>
+            <a:pPr marL="625475" lvl="1" indent="-285750">
+              <a:buFont typeface="Arial" panose="020B0604020202020204" pitchFamily="34" charset="0"/>
+              <a:buChar char="•"/>
+            </a:pPr>
+            <a:r>
+              <a:rPr lang="en-US" sz="1800" dirty="0" smtClean="0"/>
+              <a:t>The software system provide specific API for enabling future developers with option to add more services or fix bugs in the system</a:t>
+            </a:r>
+          </a:p>
+          <a:p>
+            <a:r>
+              <a:rPr lang="en-US" sz="2400" dirty="0" smtClean="0"/>
+              <a:t>Portability</a:t>
+            </a:r>
+            <a:endParaRPr lang="en-US" sz="2400" dirty="0"/>
+          </a:p>
+          <a:p>
+            <a:pPr marL="625475" lvl="1" indent="-285750">
+              <a:buFont typeface="Arial" panose="020B0604020202020204" pitchFamily="34" charset="0"/>
+              <a:buChar char="•"/>
+            </a:pPr>
+            <a:r>
+              <a:rPr lang="en-US" sz="1800" dirty="0"/>
+              <a:t>A</a:t>
+            </a:r>
+            <a:r>
+              <a:rPr lang="en-US" sz="1800" dirty="0" smtClean="0"/>
+              <a:t>pplication </a:t>
+            </a:r>
+            <a:r>
+              <a:rPr lang="en-US" sz="1800" dirty="0"/>
+              <a:t>could be run on device with any OS that has access to Internet and has a web </a:t>
+            </a:r>
+            <a:r>
+              <a:rPr lang="en-US" sz="1800" dirty="0" smtClean="0"/>
+              <a:t>browser</a:t>
+            </a:r>
+            <a:endParaRPr lang="en-US" sz="1800" dirty="0"/>
+          </a:p>
+          <a:p>
+            <a:r>
+              <a:rPr lang="en-US" sz="2400" dirty="0" smtClean="0"/>
+              <a:t> </a:t>
+            </a:r>
+            <a:r>
+              <a:rPr lang="en-US" sz="2400" dirty="0"/>
+              <a:t>User </a:t>
+            </a:r>
+            <a:r>
+              <a:rPr lang="en-US" sz="2400" dirty="0" smtClean="0"/>
+              <a:t>Interface</a:t>
+            </a:r>
+            <a:endParaRPr lang="en-US" sz="2400" dirty="0"/>
+          </a:p>
+          <a:p>
+            <a:pPr marL="625475" lvl="1" indent="-285750">
+              <a:buFont typeface="Arial" panose="020B0604020202020204" pitchFamily="34" charset="0"/>
+              <a:buChar char="•"/>
+            </a:pPr>
+            <a:r>
+              <a:rPr lang="en-US" sz="1800" dirty="0"/>
+              <a:t>W</a:t>
+            </a:r>
+            <a:r>
+              <a:rPr lang="en-US" sz="1800" dirty="0" smtClean="0"/>
+              <a:t>eb </a:t>
+            </a:r>
+            <a:r>
+              <a:rPr lang="en-US" sz="1800" dirty="0"/>
+              <a:t>application should be intuitive so even the nontechnical users can use the system as simply and efficiently as </a:t>
+            </a:r>
+            <a:r>
+              <a:rPr lang="en-US" sz="1800" dirty="0" smtClean="0"/>
+              <a:t>possible</a:t>
+            </a:r>
+            <a:endParaRPr lang="en-US" sz="1800" dirty="0"/>
+          </a:p>
+          <a:p>
+            <a:pPr>
+              <a:buNone/>
+            </a:pPr>
+            <a:endParaRPr lang="en-US" sz="2400" dirty="0"/>
+          </a:p>
+        </p:txBody>
+      </p:sp>
     </p:spTree>
     <p:extLst>
       <p:ext uri="{BB962C8B-B14F-4D97-AF65-F5344CB8AC3E}">
-        <p14:creationId xmlns:p14="http://schemas.microsoft.com/office/powerpoint/2010/main" val="3744527726"/>
+        <p14:creationId xmlns:p14="http://schemas.microsoft.com/office/powerpoint/2010/main" val="4224975323"/>
       </p:ext>
     </p:extLst>
   </p:cSld>
@@ -16318,14 +17635,17 @@
           </a:bodyPr>
           <a:lstStyle/>
           <a:p>
-            <a:pPr lvl="0"/>
-            <a:r>
-              <a:rPr lang="en-US" sz="2800" dirty="0">
+            <a:r>
+              <a:rPr lang="en-US" sz="2800" dirty="0" smtClean="0">
                 <a:solidFill>
                   <a:srgbClr val="003366"/>
                 </a:solidFill>
               </a:rPr>
-              <a:t>Alloy</a:t>
+              <a:t>Alloy- World generated by Alloy analyzer</a:t>
+            </a:r>
+            <a:r>
+              <a:rPr lang="en-US" sz="2800" dirty="0" smtClean="0"/>
+              <a:t> </a:t>
             </a:r>
             <a:endParaRPr sz="2800" dirty="0">
               <a:solidFill>
@@ -16529,10 +17849,942 @@
           </a:p>
         </p:txBody>
       </p:sp>
+      <p:pic>
+        <p:nvPicPr>
+          <p:cNvPr id="2" name="Picture 1"/>
+          <p:cNvPicPr>
+            <a:picLocks noChangeAspect="1"/>
+          </p:cNvPicPr>
+          <p:nvPr/>
+        </p:nvPicPr>
+        <p:blipFill>
+          <a:blip r:embed="rId6">
+            <a:extLst>
+              <a:ext uri="{28A0092B-C50C-407E-A947-70E740481C1C}">
+                <a14:useLocalDpi xmlns:a14="http://schemas.microsoft.com/office/drawing/2010/main" val="0"/>
+              </a:ext>
+            </a:extLst>
+          </a:blip>
+          <a:stretch>
+            <a:fillRect/>
+          </a:stretch>
+        </p:blipFill>
+        <p:spPr>
+          <a:xfrm>
+            <a:off x="-2" y="825752"/>
+            <a:ext cx="9144000" cy="5647924"/>
+          </a:xfrm>
+          <a:prstGeom prst="rect">
+            <a:avLst/>
+          </a:prstGeom>
+        </p:spPr>
+      </p:pic>
+    </p:spTree>
+    <p:extLst>
+      <p:ext uri="{BB962C8B-B14F-4D97-AF65-F5344CB8AC3E}">
+        <p14:creationId xmlns:p14="http://schemas.microsoft.com/office/powerpoint/2010/main" val="1683931613"/>
+      </p:ext>
+    </p:extLst>
+  </p:cSld>
+  <p:clrMapOvr>
+    <a:masterClrMapping/>
+  </p:clrMapOvr>
+  <p:transition spd="slow">
+    <p:cut/>
+  </p:transition>
+  <p:timing>
+    <p:tnLst>
+      <p:par>
+        <p:cTn id="1" dur="indefinite" restart="never" nodeType="tmRoot"/>
+      </p:par>
+    </p:tnLst>
+  </p:timing>
+</p:sld>
+</file>
+
+<file path=ppt/slides/slide28.xml><?xml version="1.0" encoding="utf-8"?>
+<p:sld xmlns:a="http://schemas.openxmlformats.org/drawingml/2006/main" xmlns:r="http://schemas.openxmlformats.org/officeDocument/2006/relationships" xmlns:p="http://schemas.openxmlformats.org/presentationml/2006/main">
+  <p:cSld>
+    <p:spTree>
+      <p:nvGrpSpPr>
+        <p:cNvPr id="1" name="Shape 32"/>
+        <p:cNvGrpSpPr/>
+        <p:nvPr/>
+      </p:nvGrpSpPr>
+      <p:grpSpPr>
+        <a:xfrm>
+          <a:off x="0" y="0"/>
+          <a:ext cx="0" cy="0"/>
+          <a:chOff x="0" y="0"/>
+          <a:chExt cx="0" cy="0"/>
+        </a:xfrm>
+      </p:grpSpPr>
+      <p:sp>
+        <p:nvSpPr>
+          <p:cNvPr id="33" name="Shape 33"/>
+          <p:cNvSpPr txBox="1">
+            <a:spLocks noGrp="1"/>
+          </p:cNvSpPr>
+          <p:nvPr>
+            <p:ph type="title"/>
+          </p:nvPr>
+        </p:nvSpPr>
+        <p:spPr>
+          <a:xfrm>
+            <a:off x="837450" y="131950"/>
+            <a:ext cx="8136900" cy="498599"/>
+          </a:xfrm>
+          <a:prstGeom prst="rect">
+            <a:avLst/>
+          </a:prstGeom>
+        </p:spPr>
+        <p:txBody>
+          <a:bodyPr lIns="91425" tIns="91425" rIns="91425" bIns="91425" anchor="b" anchorCtr="0">
+            <a:noAutofit/>
+          </a:bodyPr>
+          <a:lstStyle/>
+          <a:p>
+            <a:pPr lvl="0"/>
+            <a:r>
+              <a:rPr lang="en-US" sz="2800" dirty="0" smtClean="0">
+                <a:solidFill>
+                  <a:srgbClr val="003366"/>
+                </a:solidFill>
+              </a:rPr>
+              <a:t>Alloy- Prove the model’s consistency </a:t>
+            </a:r>
+            <a:endParaRPr sz="2800" dirty="0">
+              <a:solidFill>
+                <a:srgbClr val="003366"/>
+              </a:solidFill>
+            </a:endParaRPr>
+          </a:p>
+        </p:txBody>
+      </p:sp>
+      <p:pic>
+        <p:nvPicPr>
+          <p:cNvPr id="35" name="Shape 35"/>
+          <p:cNvPicPr preferRelativeResize="0"/>
+          <p:nvPr/>
+        </p:nvPicPr>
+        <p:blipFill>
+          <a:blip r:embed="rId3">
+            <a:alphaModFix/>
+          </a:blip>
+          <a:stretch>
+            <a:fillRect/>
+          </a:stretch>
+        </p:blipFill>
+        <p:spPr>
+          <a:xfrm>
+            <a:off x="82450" y="65950"/>
+            <a:ext cx="464900" cy="498650"/>
+          </a:xfrm>
+          <a:prstGeom prst="rect">
+            <a:avLst/>
+          </a:prstGeom>
+          <a:noFill/>
+          <a:ln>
+            <a:noFill/>
+          </a:ln>
+        </p:spPr>
+      </p:pic>
+      <p:pic>
+        <p:nvPicPr>
+          <p:cNvPr id="36" name="Shape 36"/>
+          <p:cNvPicPr preferRelativeResize="0"/>
+          <p:nvPr/>
+        </p:nvPicPr>
+        <p:blipFill>
+          <a:blip r:embed="rId4">
+            <a:alphaModFix/>
+          </a:blip>
+          <a:stretch>
+            <a:fillRect/>
+          </a:stretch>
+        </p:blipFill>
+        <p:spPr>
+          <a:xfrm>
+            <a:off x="0" y="630539"/>
+            <a:ext cx="9143998" cy="97471"/>
+          </a:xfrm>
+          <a:prstGeom prst="rect">
+            <a:avLst/>
+          </a:prstGeom>
+          <a:noFill/>
+          <a:ln>
+            <a:noFill/>
+          </a:ln>
+        </p:spPr>
+      </p:pic>
+      <p:cxnSp>
+        <p:nvCxnSpPr>
+          <p:cNvPr id="37" name="Shape 37"/>
+          <p:cNvCxnSpPr/>
+          <p:nvPr/>
+        </p:nvCxnSpPr>
+        <p:spPr>
+          <a:xfrm rot="10800000">
+            <a:off x="691550" y="125"/>
+            <a:ext cx="0" cy="630299"/>
+          </a:xfrm>
+          <a:prstGeom prst="straightConnector1">
+            <a:avLst/>
+          </a:prstGeom>
+          <a:noFill/>
+          <a:ln w="9525" cap="flat" cmpd="sng">
+            <a:solidFill>
+              <a:srgbClr val="003366"/>
+            </a:solidFill>
+            <a:prstDash val="solid"/>
+            <a:round/>
+            <a:headEnd type="none" w="lg" len="lg"/>
+            <a:tailEnd type="none" w="lg" len="lg"/>
+          </a:ln>
+        </p:spPr>
+      </p:cxnSp>
+      <p:sp>
+        <p:nvSpPr>
+          <p:cNvPr id="38" name="Shape 38"/>
+          <p:cNvSpPr txBox="1"/>
+          <p:nvPr/>
+        </p:nvSpPr>
+        <p:spPr>
+          <a:xfrm>
+            <a:off x="6783700" y="6531000"/>
+            <a:ext cx="2599200" cy="363899"/>
+          </a:xfrm>
+          <a:prstGeom prst="rect">
+            <a:avLst/>
+          </a:prstGeom>
+          <a:noFill/>
+          <a:ln>
+            <a:noFill/>
+          </a:ln>
+        </p:spPr>
+        <p:txBody>
+          <a:bodyPr lIns="91425" tIns="91425" rIns="91425" bIns="91425" anchor="t" anchorCtr="0">
+            <a:noAutofit/>
+          </a:bodyPr>
+          <a:lstStyle/>
+          <a:p>
+            <a:pPr lvl="0" rtl="0">
+              <a:spcBef>
+                <a:spcPts val="0"/>
+              </a:spcBef>
+              <a:buNone/>
+            </a:pPr>
+            <a:r>
+              <a:rPr lang="it" sz="1200" b="1">
+                <a:solidFill>
+                  <a:srgbClr val="FFFFFF"/>
+                </a:solidFill>
+              </a:rPr>
+              <a:t>POLITECNICO DI MILANO</a:t>
+            </a:r>
+          </a:p>
+        </p:txBody>
+      </p:sp>
+      <p:pic>
+        <p:nvPicPr>
+          <p:cNvPr id="39" name="Shape 39"/>
+          <p:cNvPicPr preferRelativeResize="0"/>
+          <p:nvPr/>
+        </p:nvPicPr>
+        <p:blipFill>
+          <a:blip r:embed="rId5">
+            <a:alphaModFix/>
+          </a:blip>
+          <a:stretch>
+            <a:fillRect/>
+          </a:stretch>
+        </p:blipFill>
+        <p:spPr>
+          <a:xfrm>
+            <a:off x="0" y="6571225"/>
+            <a:ext cx="9144000" cy="286775"/>
+          </a:xfrm>
+          <a:prstGeom prst="rect">
+            <a:avLst/>
+          </a:prstGeom>
+          <a:noFill/>
+          <a:ln>
+            <a:noFill/>
+          </a:ln>
+        </p:spPr>
+      </p:pic>
+      <p:sp>
+        <p:nvSpPr>
+          <p:cNvPr id="40" name="Shape 40"/>
+          <p:cNvSpPr txBox="1">
+            <a:spLocks noGrp="1"/>
+          </p:cNvSpPr>
+          <p:nvPr>
+            <p:ph type="ctrTitle" idx="4294967295"/>
+          </p:nvPr>
+        </p:nvSpPr>
+        <p:spPr>
+          <a:xfrm>
+            <a:off x="2196425" y="6531000"/>
+            <a:ext cx="3238799" cy="424199"/>
+          </a:xfrm>
+          <a:prstGeom prst="rect">
+            <a:avLst/>
+          </a:prstGeom>
+        </p:spPr>
+        <p:txBody>
+          <a:bodyPr lIns="91425" tIns="91425" rIns="91425" bIns="91425" anchor="ctr" anchorCtr="0">
+            <a:noAutofit/>
+          </a:bodyPr>
+          <a:lstStyle/>
+          <a:p>
+            <a:pPr lvl="0" indent="457200" rtl="0">
+              <a:lnSpc>
+                <a:spcPct val="115000"/>
+              </a:lnSpc>
+              <a:spcBef>
+                <a:spcPts val="0"/>
+              </a:spcBef>
+              <a:buNone/>
+            </a:pPr>
+            <a:endParaRPr sz="1300">
+              <a:solidFill>
+                <a:srgbClr val="003366"/>
+              </a:solidFill>
+            </a:endParaRPr>
+          </a:p>
+        </p:txBody>
+      </p:sp>
+      <p:pic>
+        <p:nvPicPr>
+          <p:cNvPr id="3" name="Picture 2"/>
+          <p:cNvPicPr>
+            <a:picLocks noChangeAspect="1"/>
+          </p:cNvPicPr>
+          <p:nvPr/>
+        </p:nvPicPr>
+        <p:blipFill>
+          <a:blip r:embed="rId6">
+            <a:extLst>
+              <a:ext uri="{28A0092B-C50C-407E-A947-70E740481C1C}">
+                <a14:useLocalDpi xmlns:a14="http://schemas.microsoft.com/office/drawing/2010/main" val="0"/>
+              </a:ext>
+            </a:extLst>
+          </a:blip>
+          <a:stretch>
+            <a:fillRect/>
+          </a:stretch>
+        </p:blipFill>
+        <p:spPr>
+          <a:xfrm>
+            <a:off x="314900" y="826499"/>
+            <a:ext cx="3452238" cy="5704501"/>
+          </a:xfrm>
+          <a:prstGeom prst="rect">
+            <a:avLst/>
+          </a:prstGeom>
+        </p:spPr>
+      </p:pic>
+      <p:pic>
+        <p:nvPicPr>
+          <p:cNvPr id="4" name="Picture 3"/>
+          <p:cNvPicPr>
+            <a:picLocks noChangeAspect="1"/>
+          </p:cNvPicPr>
+          <p:nvPr/>
+        </p:nvPicPr>
+        <p:blipFill>
+          <a:blip r:embed="rId7">
+            <a:extLst>
+              <a:ext uri="{28A0092B-C50C-407E-A947-70E740481C1C}">
+                <a14:useLocalDpi xmlns:a14="http://schemas.microsoft.com/office/drawing/2010/main" val="0"/>
+              </a:ext>
+            </a:extLst>
+          </a:blip>
+          <a:stretch>
+            <a:fillRect/>
+          </a:stretch>
+        </p:blipFill>
+        <p:spPr>
+          <a:xfrm>
+            <a:off x="3278400" y="786274"/>
+            <a:ext cx="5695950" cy="4333875"/>
+          </a:xfrm>
+          <a:prstGeom prst="rect">
+            <a:avLst/>
+          </a:prstGeom>
+        </p:spPr>
+      </p:pic>
     </p:spTree>
     <p:extLst>
       <p:ext uri="{BB962C8B-B14F-4D97-AF65-F5344CB8AC3E}">
         <p14:creationId xmlns:p14="http://schemas.microsoft.com/office/powerpoint/2010/main" val="1846807659"/>
+      </p:ext>
+    </p:extLst>
+  </p:cSld>
+  <p:clrMapOvr>
+    <a:masterClrMapping/>
+  </p:clrMapOvr>
+  <p:transition spd="slow">
+    <p:cut/>
+  </p:transition>
+  <p:timing>
+    <p:tnLst>
+      <p:par>
+        <p:cTn id="1" dur="indefinite" restart="never" nodeType="tmRoot"/>
+      </p:par>
+    </p:tnLst>
+  </p:timing>
+</p:sld>
+</file>
+
+<file path=ppt/slides/slide29.xml><?xml version="1.0" encoding="utf-8"?>
+<p:sld xmlns:a="http://schemas.openxmlformats.org/drawingml/2006/main" xmlns:r="http://schemas.openxmlformats.org/officeDocument/2006/relationships" xmlns:p="http://schemas.openxmlformats.org/presentationml/2006/main">
+  <p:cSld>
+    <p:spTree>
+      <p:nvGrpSpPr>
+        <p:cNvPr id="1" name="Shape 32"/>
+        <p:cNvGrpSpPr/>
+        <p:nvPr/>
+      </p:nvGrpSpPr>
+      <p:grpSpPr>
+        <a:xfrm>
+          <a:off x="0" y="0"/>
+          <a:ext cx="0" cy="0"/>
+          <a:chOff x="0" y="0"/>
+          <a:chExt cx="0" cy="0"/>
+        </a:xfrm>
+      </p:grpSpPr>
+      <p:sp>
+        <p:nvSpPr>
+          <p:cNvPr id="33" name="Shape 33"/>
+          <p:cNvSpPr txBox="1">
+            <a:spLocks noGrp="1"/>
+          </p:cNvSpPr>
+          <p:nvPr>
+            <p:ph type="title"/>
+          </p:nvPr>
+        </p:nvSpPr>
+        <p:spPr>
+          <a:xfrm>
+            <a:off x="837450" y="131950"/>
+            <a:ext cx="8136900" cy="498599"/>
+          </a:xfrm>
+          <a:prstGeom prst="rect">
+            <a:avLst/>
+          </a:prstGeom>
+        </p:spPr>
+        <p:txBody>
+          <a:bodyPr lIns="91425" tIns="91425" rIns="91425" bIns="91425" anchor="b" anchorCtr="0">
+            <a:noAutofit/>
+          </a:bodyPr>
+          <a:lstStyle/>
+          <a:p>
+            <a:pPr lvl="0"/>
+            <a:r>
+              <a:rPr lang="en-US" sz="2800" dirty="0" smtClean="0">
+                <a:solidFill>
+                  <a:srgbClr val="003366"/>
+                </a:solidFill>
+              </a:rPr>
+              <a:t>Future possible implementation</a:t>
+            </a:r>
+            <a:endParaRPr sz="2800" dirty="0">
+              <a:solidFill>
+                <a:srgbClr val="003366"/>
+              </a:solidFill>
+            </a:endParaRPr>
+          </a:p>
+        </p:txBody>
+      </p:sp>
+      <p:pic>
+        <p:nvPicPr>
+          <p:cNvPr id="35" name="Shape 35"/>
+          <p:cNvPicPr preferRelativeResize="0"/>
+          <p:nvPr/>
+        </p:nvPicPr>
+        <p:blipFill>
+          <a:blip r:embed="rId3">
+            <a:alphaModFix/>
+          </a:blip>
+          <a:stretch>
+            <a:fillRect/>
+          </a:stretch>
+        </p:blipFill>
+        <p:spPr>
+          <a:xfrm>
+            <a:off x="82450" y="65950"/>
+            <a:ext cx="464900" cy="498650"/>
+          </a:xfrm>
+          <a:prstGeom prst="rect">
+            <a:avLst/>
+          </a:prstGeom>
+          <a:noFill/>
+          <a:ln>
+            <a:noFill/>
+          </a:ln>
+        </p:spPr>
+      </p:pic>
+      <p:pic>
+        <p:nvPicPr>
+          <p:cNvPr id="36" name="Shape 36"/>
+          <p:cNvPicPr preferRelativeResize="0"/>
+          <p:nvPr/>
+        </p:nvPicPr>
+        <p:blipFill>
+          <a:blip r:embed="rId4">
+            <a:alphaModFix/>
+          </a:blip>
+          <a:stretch>
+            <a:fillRect/>
+          </a:stretch>
+        </p:blipFill>
+        <p:spPr>
+          <a:xfrm>
+            <a:off x="0" y="630539"/>
+            <a:ext cx="9143998" cy="97471"/>
+          </a:xfrm>
+          <a:prstGeom prst="rect">
+            <a:avLst/>
+          </a:prstGeom>
+          <a:noFill/>
+          <a:ln>
+            <a:noFill/>
+          </a:ln>
+        </p:spPr>
+      </p:pic>
+      <p:cxnSp>
+        <p:nvCxnSpPr>
+          <p:cNvPr id="37" name="Shape 37"/>
+          <p:cNvCxnSpPr/>
+          <p:nvPr/>
+        </p:nvCxnSpPr>
+        <p:spPr>
+          <a:xfrm rot="10800000">
+            <a:off x="691550" y="125"/>
+            <a:ext cx="0" cy="630299"/>
+          </a:xfrm>
+          <a:prstGeom prst="straightConnector1">
+            <a:avLst/>
+          </a:prstGeom>
+          <a:noFill/>
+          <a:ln w="9525" cap="flat" cmpd="sng">
+            <a:solidFill>
+              <a:srgbClr val="003366"/>
+            </a:solidFill>
+            <a:prstDash val="solid"/>
+            <a:round/>
+            <a:headEnd type="none" w="lg" len="lg"/>
+            <a:tailEnd type="none" w="lg" len="lg"/>
+          </a:ln>
+        </p:spPr>
+      </p:cxnSp>
+      <p:sp>
+        <p:nvSpPr>
+          <p:cNvPr id="38" name="Shape 38"/>
+          <p:cNvSpPr txBox="1"/>
+          <p:nvPr/>
+        </p:nvSpPr>
+        <p:spPr>
+          <a:xfrm>
+            <a:off x="6783700" y="6531000"/>
+            <a:ext cx="2599200" cy="363899"/>
+          </a:xfrm>
+          <a:prstGeom prst="rect">
+            <a:avLst/>
+          </a:prstGeom>
+          <a:noFill/>
+          <a:ln>
+            <a:noFill/>
+          </a:ln>
+        </p:spPr>
+        <p:txBody>
+          <a:bodyPr lIns="91425" tIns="91425" rIns="91425" bIns="91425" anchor="t" anchorCtr="0">
+            <a:noAutofit/>
+          </a:bodyPr>
+          <a:lstStyle/>
+          <a:p>
+            <a:pPr lvl="0" rtl="0">
+              <a:spcBef>
+                <a:spcPts val="0"/>
+              </a:spcBef>
+              <a:buNone/>
+            </a:pPr>
+            <a:r>
+              <a:rPr lang="it" sz="1200" b="1">
+                <a:solidFill>
+                  <a:srgbClr val="FFFFFF"/>
+                </a:solidFill>
+              </a:rPr>
+              <a:t>POLITECNICO DI MILANO</a:t>
+            </a:r>
+          </a:p>
+        </p:txBody>
+      </p:sp>
+      <p:pic>
+        <p:nvPicPr>
+          <p:cNvPr id="39" name="Shape 39"/>
+          <p:cNvPicPr preferRelativeResize="0"/>
+          <p:nvPr/>
+        </p:nvPicPr>
+        <p:blipFill>
+          <a:blip r:embed="rId5">
+            <a:alphaModFix/>
+          </a:blip>
+          <a:stretch>
+            <a:fillRect/>
+          </a:stretch>
+        </p:blipFill>
+        <p:spPr>
+          <a:xfrm>
+            <a:off x="0" y="6571225"/>
+            <a:ext cx="9144000" cy="286775"/>
+          </a:xfrm>
+          <a:prstGeom prst="rect">
+            <a:avLst/>
+          </a:prstGeom>
+          <a:noFill/>
+          <a:ln>
+            <a:noFill/>
+          </a:ln>
+        </p:spPr>
+      </p:pic>
+      <p:sp>
+        <p:nvSpPr>
+          <p:cNvPr id="40" name="Shape 40"/>
+          <p:cNvSpPr txBox="1">
+            <a:spLocks noGrp="1"/>
+          </p:cNvSpPr>
+          <p:nvPr>
+            <p:ph type="ctrTitle" idx="4294967295"/>
+          </p:nvPr>
+        </p:nvSpPr>
+        <p:spPr>
+          <a:xfrm>
+            <a:off x="2196425" y="6531000"/>
+            <a:ext cx="3238799" cy="424199"/>
+          </a:xfrm>
+          <a:prstGeom prst="rect">
+            <a:avLst/>
+          </a:prstGeom>
+        </p:spPr>
+        <p:txBody>
+          <a:bodyPr lIns="91425" tIns="91425" rIns="91425" bIns="91425" anchor="ctr" anchorCtr="0">
+            <a:noAutofit/>
+          </a:bodyPr>
+          <a:lstStyle/>
+          <a:p>
+            <a:pPr lvl="0" indent="457200" rtl="0">
+              <a:lnSpc>
+                <a:spcPct val="115000"/>
+              </a:lnSpc>
+              <a:spcBef>
+                <a:spcPts val="0"/>
+              </a:spcBef>
+              <a:buNone/>
+            </a:pPr>
+            <a:endParaRPr sz="1300">
+              <a:solidFill>
+                <a:srgbClr val="003366"/>
+              </a:solidFill>
+            </a:endParaRPr>
+          </a:p>
+        </p:txBody>
+      </p:sp>
+      <p:sp>
+        <p:nvSpPr>
+          <p:cNvPr id="12" name="Shape 34"/>
+          <p:cNvSpPr txBox="1">
+            <a:spLocks noGrp="1"/>
+          </p:cNvSpPr>
+          <p:nvPr>
+            <p:ph type="body" idx="1"/>
+          </p:nvPr>
+        </p:nvSpPr>
+        <p:spPr>
+          <a:xfrm>
+            <a:off x="536890" y="1239728"/>
+            <a:ext cx="8579297" cy="4824536"/>
+          </a:xfrm>
+          <a:prstGeom prst="rect">
+            <a:avLst/>
+          </a:prstGeom>
+        </p:spPr>
+        <p:txBody>
+          <a:bodyPr lIns="91425" tIns="91425" rIns="91425" bIns="91425" anchor="t" anchorCtr="0">
+            <a:noAutofit/>
+          </a:bodyPr>
+          <a:lstStyle/>
+          <a:p>
+            <a:r>
+              <a:rPr lang="en-US" sz="2400" dirty="0" smtClean="0"/>
+              <a:t>Online payment</a:t>
+            </a:r>
+          </a:p>
+          <a:p>
+            <a:endParaRPr lang="en-US" sz="1800" dirty="0"/>
+          </a:p>
+          <a:p>
+            <a:r>
+              <a:rPr lang="en-US" sz="2400" dirty="0" smtClean="0"/>
+              <a:t> Option of rating the drivers</a:t>
+            </a:r>
+            <a:endParaRPr lang="en-US" sz="1800" dirty="0" smtClean="0"/>
+          </a:p>
+          <a:p>
+            <a:endParaRPr lang="en-US" sz="2400" dirty="0" smtClean="0"/>
+          </a:p>
+          <a:p>
+            <a:r>
+              <a:rPr lang="en-US" sz="2400" dirty="0" smtClean="0"/>
+              <a:t>Facebook authentication</a:t>
+            </a:r>
+            <a:endParaRPr lang="en-US" sz="1800" dirty="0" smtClean="0"/>
+          </a:p>
+          <a:p>
+            <a:endParaRPr lang="en-US" sz="2400" dirty="0" smtClean="0"/>
+          </a:p>
+          <a:p>
+            <a:r>
+              <a:rPr lang="en-US" sz="2400" dirty="0" smtClean="0"/>
+              <a:t> Taxi sharing options</a:t>
+            </a:r>
+          </a:p>
+          <a:p>
+            <a:pPr>
+              <a:buNone/>
+            </a:pPr>
+            <a:endParaRPr lang="en-US" sz="2400" dirty="0"/>
+          </a:p>
+        </p:txBody>
+      </p:sp>
+      <p:sp>
+        <p:nvSpPr>
+          <p:cNvPr id="13" name="Action Button: Help 12">
+            <a:hlinkClick r:id="" action="ppaction://noaction" highlightClick="1"/>
+          </p:cNvPr>
+          <p:cNvSpPr/>
+          <p:nvPr/>
+        </p:nvSpPr>
+        <p:spPr>
+          <a:xfrm>
+            <a:off x="7437495" y="1378472"/>
+            <a:ext cx="1042416" cy="1042416"/>
+          </a:xfrm>
+          <a:prstGeom prst="actionButtonHelp">
+            <a:avLst/>
+          </a:prstGeom>
+        </p:spPr>
+        <p:style>
+          <a:lnRef idx="2">
+            <a:schemeClr val="accent1">
+              <a:shade val="50000"/>
+            </a:schemeClr>
+          </a:lnRef>
+          <a:fillRef idx="1">
+            <a:schemeClr val="accent1"/>
+          </a:fillRef>
+          <a:effectRef idx="0">
+            <a:schemeClr val="accent1"/>
+          </a:effectRef>
+          <a:fontRef idx="minor">
+            <a:schemeClr val="lt1"/>
+          </a:fontRef>
+        </p:style>
+        <p:txBody>
+          <a:bodyPr rtlCol="0" anchor="ctr"/>
+          <a:lstStyle/>
+          <a:p>
+            <a:pPr algn="ctr"/>
+            <a:endParaRPr lang="en-US"/>
+          </a:p>
+        </p:txBody>
+      </p:sp>
+      <p:sp>
+        <p:nvSpPr>
+          <p:cNvPr id="14" name="TextBox 13"/>
+          <p:cNvSpPr txBox="1"/>
+          <p:nvPr/>
+        </p:nvSpPr>
+        <p:spPr>
+          <a:xfrm>
+            <a:off x="5577333" y="2887624"/>
+            <a:ext cx="3387388" cy="1631216"/>
+          </a:xfrm>
+          <a:prstGeom prst="rect">
+            <a:avLst/>
+          </a:prstGeom>
+          <a:noFill/>
+        </p:spPr>
+        <p:txBody>
+          <a:bodyPr wrap="square" rtlCol="0">
+            <a:spAutoFit/>
+          </a:bodyPr>
+          <a:lstStyle/>
+          <a:p>
+            <a:r>
+              <a:rPr lang="en-US" sz="2000" dirty="0" err="1" smtClean="0">
+                <a:solidFill>
+                  <a:srgbClr val="C00000"/>
+                </a:solidFill>
+              </a:rPr>
+              <a:t>Isto</a:t>
+            </a:r>
+            <a:r>
+              <a:rPr lang="en-US" sz="2000" dirty="0" smtClean="0">
+                <a:solidFill>
+                  <a:srgbClr val="C00000"/>
+                </a:solidFill>
+              </a:rPr>
+              <a:t> I ovo mi </a:t>
+            </a:r>
+            <a:r>
+              <a:rPr lang="en-US" sz="2000" dirty="0" err="1" smtClean="0">
+                <a:solidFill>
+                  <a:srgbClr val="C00000"/>
+                </a:solidFill>
+              </a:rPr>
+              <a:t>palo</a:t>
+            </a:r>
+            <a:r>
+              <a:rPr lang="en-US" sz="2000" dirty="0" smtClean="0">
+                <a:solidFill>
+                  <a:srgbClr val="C00000"/>
+                </a:solidFill>
+              </a:rPr>
+              <a:t> na </a:t>
+            </a:r>
+            <a:r>
+              <a:rPr lang="en-US" sz="2000" dirty="0" err="1" smtClean="0">
+                <a:solidFill>
+                  <a:srgbClr val="C00000"/>
+                </a:solidFill>
+              </a:rPr>
+              <a:t>pamet</a:t>
+            </a:r>
+            <a:r>
+              <a:rPr lang="en-US" sz="2000" dirty="0" smtClean="0">
+                <a:solidFill>
+                  <a:srgbClr val="C00000"/>
+                </a:solidFill>
+              </a:rPr>
+              <a:t> al </a:t>
+            </a:r>
+            <a:r>
+              <a:rPr lang="en-US" sz="2000" dirty="0" err="1" smtClean="0">
+                <a:solidFill>
+                  <a:srgbClr val="C00000"/>
+                </a:solidFill>
+              </a:rPr>
+              <a:t>nzm</a:t>
+            </a:r>
+            <a:r>
+              <a:rPr lang="en-US" sz="2000" dirty="0" smtClean="0">
+                <a:solidFill>
+                  <a:srgbClr val="C00000"/>
+                </a:solidFill>
+              </a:rPr>
+              <a:t> dal da </a:t>
+            </a:r>
+            <a:r>
+              <a:rPr lang="en-US" sz="2000" dirty="0" err="1" smtClean="0">
+                <a:solidFill>
+                  <a:srgbClr val="C00000"/>
+                </a:solidFill>
+              </a:rPr>
+              <a:t>stavljamo</a:t>
+            </a:r>
+            <a:r>
+              <a:rPr lang="en-US" sz="2000" dirty="0" smtClean="0">
+                <a:solidFill>
+                  <a:srgbClr val="C00000"/>
+                </a:solidFill>
+              </a:rPr>
+              <a:t> </a:t>
+            </a:r>
+            <a:r>
+              <a:rPr lang="en-US" sz="2000" dirty="0" err="1" smtClean="0">
+                <a:solidFill>
+                  <a:srgbClr val="C00000"/>
+                </a:solidFill>
+              </a:rPr>
+              <a:t>il</a:t>
+            </a:r>
+            <a:r>
+              <a:rPr lang="en-US" sz="2000" dirty="0" smtClean="0">
+                <a:solidFill>
+                  <a:srgbClr val="C00000"/>
+                </a:solidFill>
+              </a:rPr>
+              <a:t> </a:t>
+            </a:r>
+            <a:r>
+              <a:rPr lang="en-US" sz="2000" dirty="0" err="1" smtClean="0">
+                <a:solidFill>
+                  <a:srgbClr val="C00000"/>
+                </a:solidFill>
+              </a:rPr>
+              <a:t>samo</a:t>
+            </a:r>
+            <a:r>
+              <a:rPr lang="en-US" sz="2000" dirty="0" smtClean="0">
+                <a:solidFill>
+                  <a:srgbClr val="C00000"/>
+                </a:solidFill>
+              </a:rPr>
+              <a:t> da </a:t>
+            </a:r>
+            <a:r>
+              <a:rPr lang="en-US" sz="2000" dirty="0" err="1" smtClean="0">
+                <a:solidFill>
+                  <a:srgbClr val="C00000"/>
+                </a:solidFill>
+              </a:rPr>
+              <a:t>stavimo</a:t>
+            </a:r>
+            <a:endParaRPr lang="en-US" sz="2000" dirty="0" smtClean="0">
+              <a:solidFill>
+                <a:srgbClr val="C00000"/>
+              </a:solidFill>
+            </a:endParaRPr>
+          </a:p>
+          <a:p>
+            <a:r>
+              <a:rPr lang="en-US" sz="2000" dirty="0" smtClean="0">
+                <a:solidFill>
+                  <a:srgbClr val="C00000"/>
+                </a:solidFill>
+              </a:rPr>
+              <a:t> “</a:t>
+            </a:r>
+            <a:r>
+              <a:rPr lang="en-US" sz="2000" dirty="0" smtClean="0">
+                <a:solidFill>
+                  <a:srgbClr val="C00000"/>
+                </a:solidFill>
+              </a:rPr>
+              <a:t>T</a:t>
+            </a:r>
+            <a:r>
+              <a:rPr lang="en-US" sz="2000" dirty="0" smtClean="0">
+                <a:solidFill>
+                  <a:srgbClr val="C00000"/>
+                </a:solidFill>
+              </a:rPr>
+              <a:t>hank you for your attention”</a:t>
+            </a:r>
+            <a:endParaRPr lang="en-US" sz="2000" dirty="0">
+              <a:solidFill>
+                <a:srgbClr val="C00000"/>
+              </a:solidFill>
+            </a:endParaRPr>
+          </a:p>
+        </p:txBody>
+      </p:sp>
+    </p:spTree>
+    <p:extLst>
+      <p:ext uri="{BB962C8B-B14F-4D97-AF65-F5344CB8AC3E}">
+        <p14:creationId xmlns:p14="http://schemas.microsoft.com/office/powerpoint/2010/main" val="3506936998"/>
       </p:ext>
     </p:extLst>
   </p:cSld>
@@ -16988,20 +19240,17 @@
             </a:r>
             <a:r>
               <a:rPr lang="en-US" sz="1800" dirty="0" smtClean="0"/>
-              <a:t>- Mockups of the software to be</a:t>
-            </a:r>
+              <a:t>- Mockups </a:t>
+            </a:r>
+            <a:endParaRPr lang="en-US" sz="1800" dirty="0" smtClean="0"/>
           </a:p>
           <a:p>
             <a:pPr lvl="1">
               <a:buNone/>
             </a:pPr>
             <a:r>
-              <a:rPr lang="en-US" sz="1800" dirty="0"/>
-              <a:t>	</a:t>
-            </a:r>
-            <a:r>
               <a:rPr lang="en-US" sz="1800" dirty="0" smtClean="0"/>
-              <a:t>- Scenarios</a:t>
+              <a:t>	- Scenarios</a:t>
             </a:r>
           </a:p>
           <a:p>
@@ -17027,8 +19276,13 @@
             </a:r>
             <a:r>
               <a:rPr lang="en-US" sz="1800" dirty="0" smtClean="0"/>
-              <a:t>- Class diagram and Activity flow diagram</a:t>
-            </a:r>
+              <a:t>- Class diagram and </a:t>
+            </a:r>
+            <a:r>
+              <a:rPr lang="en-US" sz="1800" dirty="0" smtClean="0"/>
+              <a:t>State Chart diagrams</a:t>
+            </a:r>
+            <a:endParaRPr lang="en-US" sz="1800" dirty="0" smtClean="0"/>
           </a:p>
           <a:p>
             <a:pPr lvl="1">
@@ -17089,17 +19343,50 @@
               <a:t>- </a:t>
             </a:r>
             <a:r>
-              <a:rPr lang="en-US" sz="1800" dirty="0"/>
+              <a:rPr lang="en-US" sz="1800" dirty="0">
+                <a:solidFill>
+                  <a:schemeClr val="tx1"/>
+                </a:solidFill>
+              </a:rPr>
               <a:t>P</a:t>
             </a:r>
             <a:r>
-              <a:rPr lang="en-US" sz="1800" dirty="0" smtClean="0"/>
+              <a:rPr lang="en-US" sz="1800" dirty="0" smtClean="0">
+                <a:solidFill>
+                  <a:schemeClr val="tx1"/>
+                </a:solidFill>
+              </a:rPr>
               <a:t>rove </a:t>
             </a:r>
             <a:r>
-              <a:rPr lang="en-US" sz="1800" dirty="0"/>
+              <a:rPr lang="en-US" sz="1800" dirty="0">
+                <a:solidFill>
+                  <a:schemeClr val="tx1"/>
+                </a:solidFill>
+              </a:rPr>
               <a:t>the model's consistency </a:t>
             </a:r>
+            <a:r>
+              <a:rPr lang="en-US" sz="1800" dirty="0" err="1" smtClean="0">
+                <a:solidFill>
+                  <a:srgbClr val="FF0000"/>
+                </a:solidFill>
+              </a:rPr>
+              <a:t>ili</a:t>
+            </a:r>
+            <a:r>
+              <a:rPr lang="en-US" sz="1800" dirty="0" smtClean="0">
+                <a:solidFill>
+                  <a:srgbClr val="FF0000"/>
+                </a:solidFill>
+              </a:rPr>
+              <a:t> Code of alloy model?</a:t>
+            </a:r>
+            <a:endParaRPr lang="en-US" sz="1800" dirty="0">
+              <a:solidFill>
+                <a:srgbClr val="FF0000"/>
+              </a:solidFill>
+            </a:endParaRPr>
           </a:p>
           <a:p>
             <a:pPr>
@@ -17126,6 +19413,13 @@
   <p:transition spd="slow">
     <p:cut/>
   </p:transition>
+  <p:timing>
+    <p:tnLst>
+      <p:par>
+        <p:cTn id="1" dur="indefinite" restart="never" nodeType="tmRoot"/>
+      </p:par>
+    </p:tnLst>
+  </p:timing>
 </p:sld>
 </file>
 
@@ -19467,7 +21761,7 @@
         </p:nvSpPr>
         <p:spPr>
           <a:xfrm>
-            <a:off x="2196425" y="6531000"/>
+            <a:off x="1981824" y="6645900"/>
             <a:ext cx="3238799" cy="424199"/>
           </a:xfrm>
           <a:prstGeom prst="rect">
@@ -19480,16 +21774,19 @@
           </a:bodyPr>
           <a:lstStyle/>
           <a:p>
-            <a:pPr lvl="0" indent="457200" rtl="0">
+            <a:pPr indent="457200">
               <a:lnSpc>
                 <a:spcPct val="115000"/>
               </a:lnSpc>
-              <a:spcBef>
-                <a:spcPts val="0"/>
-              </a:spcBef>
-              <a:buNone/>
             </a:pPr>
-            <a:endParaRPr sz="1300">
+            <a:r>
+              <a:rPr lang="en-US" sz="1400" dirty="0"/>
+              <a:t>World and the machine</a:t>
+            </a:r>
+            <a:br>
+              <a:rPr lang="en-US" sz="1400" dirty="0"/>
+            </a:br>
+            <a:endParaRPr sz="1300" dirty="0">
               <a:solidFill>
                 <a:srgbClr val="003366"/>
               </a:solidFill>
@@ -19540,36 +21837,6 @@
       </p:pic>
       <p:sp>
         <p:nvSpPr>
-          <p:cNvPr id="2" name="TextBox 1"/>
-          <p:cNvSpPr txBox="1"/>
-          <p:nvPr/>
-        </p:nvSpPr>
-        <p:spPr>
-          <a:xfrm>
-            <a:off x="1763688" y="1052736"/>
-            <a:ext cx="2024913" cy="307777"/>
-          </a:xfrm>
-          <a:prstGeom prst="rect">
-            <a:avLst/>
-          </a:prstGeom>
-          <a:noFill/>
-        </p:spPr>
-        <p:txBody>
-          <a:bodyPr wrap="none" rtlCol="0">
-            <a:spAutoFit/>
-          </a:bodyPr>
-          <a:lstStyle/>
-          <a:p>
-            <a:r>
-              <a:rPr lang="en-US" dirty="0" smtClean="0"/>
-              <a:t>World and the machine</a:t>
-            </a:r>
-            <a:endParaRPr lang="en-US" dirty="0"/>
-          </a:p>
-        </p:txBody>
-      </p:sp>
-      <p:sp>
-        <p:nvSpPr>
           <p:cNvPr id="3" name="Action Button: Help 2">
             <a:hlinkClick r:id="" action="ppaction://noaction" highlightClick="1"/>
           </p:cNvPr>
@@ -19618,8 +21885,8 @@
         </p:nvSpPr>
         <p:spPr>
           <a:xfrm>
-            <a:off x="3635896" y="1591903"/>
-            <a:ext cx="3257446" cy="400110"/>
+            <a:off x="3776900" y="1272123"/>
+            <a:ext cx="3257446" cy="707886"/>
           </a:xfrm>
           <a:prstGeom prst="rect">
             <a:avLst/>
@@ -19638,7 +21905,64 @@
                   <a:srgbClr val="C00000"/>
                 </a:solidFill>
               </a:rPr>
-              <a:t>DA STAVIM OVO ILI NE?</a:t>
+              <a:t>Ce </a:t>
+            </a:r>
+            <a:r>
+              <a:rPr lang="en-US" sz="2000" dirty="0" err="1" smtClean="0">
+                <a:solidFill>
+                  <a:srgbClr val="C00000"/>
+                </a:solidFill>
+              </a:rPr>
+              <a:t>Vidimo</a:t>
+            </a:r>
+            <a:r>
+              <a:rPr lang="en-US" sz="2000" dirty="0" smtClean="0">
+                <a:solidFill>
+                  <a:srgbClr val="C00000"/>
+                </a:solidFill>
+              </a:rPr>
+              <a:t> ! </a:t>
+            </a:r>
+            <a:r>
+              <a:rPr lang="en-US" sz="2000" dirty="0" err="1" smtClean="0">
+                <a:solidFill>
+                  <a:srgbClr val="C00000"/>
+                </a:solidFill>
+              </a:rPr>
+              <a:t>Moze</a:t>
+            </a:r>
+            <a:r>
+              <a:rPr lang="en-US" sz="2000" dirty="0" smtClean="0">
+                <a:solidFill>
+                  <a:srgbClr val="C00000"/>
+                </a:solidFill>
+              </a:rPr>
+              <a:t> a i ne </a:t>
+            </a:r>
+            <a:r>
+              <a:rPr lang="en-US" sz="2000" dirty="0" err="1" smtClean="0">
+                <a:solidFill>
+                  <a:srgbClr val="C00000"/>
+                </a:solidFill>
+              </a:rPr>
+              <a:t>mora</a:t>
+            </a:r>
+            <a:r>
+              <a:rPr lang="en-US" sz="2000" dirty="0" smtClean="0">
+                <a:solidFill>
+                  <a:srgbClr val="C00000"/>
+                </a:solidFill>
+              </a:rPr>
+              <a:t> bit! </a:t>
+            </a:r>
+            <a:r>
+              <a:rPr lang="en-US" sz="2000" dirty="0" smtClean="0">
+                <a:solidFill>
+                  <a:srgbClr val="C00000"/>
+                </a:solidFill>
+                <a:sym typeface="Wingdings" panose="05000000000000000000" pitchFamily="2" charset="2"/>
+              </a:rPr>
+              <a:t></a:t>
             </a:r>
             <a:endParaRPr lang="en-US" sz="2000" dirty="0">
               <a:solidFill>
@@ -19720,15 +22044,7 @@
                   <a:srgbClr val="003366"/>
                 </a:solidFill>
               </a:rPr>
-              <a:t>Specific </a:t>
-            </a:r>
-            <a:r>
-              <a:rPr lang="en-US" sz="3000" dirty="0" smtClean="0">
-                <a:solidFill>
-                  <a:srgbClr val="003366"/>
-                </a:solidFill>
-              </a:rPr>
-              <a:t>requirements - </a:t>
+              <a:t>Specific requirements - </a:t>
             </a:r>
             <a:r>
               <a:rPr lang="en-US" sz="3200" dirty="0" smtClean="0">

--- a/RASD.pptx
+++ b/RASD.pptx
@@ -6,7 +6,7 @@
     <p:sldMasterId id="2147483661" r:id="rId2"/>
   </p:sldMasterIdLst>
   <p:notesMasterIdLst>
-    <p:notesMasterId r:id="rId32"/>
+    <p:notesMasterId r:id="rId31"/>
   </p:notesMasterIdLst>
   <p:sldIdLst>
     <p:sldId id="256" r:id="rId3"/>
@@ -16,28 +16,27 @@
     <p:sldId id="261" r:id="rId7"/>
     <p:sldId id="272" r:id="rId8"/>
     <p:sldId id="273" r:id="rId9"/>
-    <p:sldId id="262" r:id="rId10"/>
-    <p:sldId id="263" r:id="rId11"/>
-    <p:sldId id="264" r:id="rId12"/>
-    <p:sldId id="265" r:id="rId13"/>
-    <p:sldId id="266" r:id="rId14"/>
-    <p:sldId id="267" r:id="rId15"/>
-    <p:sldId id="268" r:id="rId16"/>
-    <p:sldId id="269" r:id="rId17"/>
-    <p:sldId id="270" r:id="rId18"/>
-    <p:sldId id="277" r:id="rId19"/>
-    <p:sldId id="276" r:id="rId20"/>
-    <p:sldId id="275" r:id="rId21"/>
-    <p:sldId id="271" r:id="rId22"/>
-    <p:sldId id="278" r:id="rId23"/>
-    <p:sldId id="279" r:id="rId24"/>
-    <p:sldId id="274" r:id="rId25"/>
-    <p:sldId id="285" r:id="rId26"/>
-    <p:sldId id="286" r:id="rId27"/>
-    <p:sldId id="280" r:id="rId28"/>
-    <p:sldId id="281" r:id="rId29"/>
-    <p:sldId id="283" r:id="rId30"/>
-    <p:sldId id="287" r:id="rId31"/>
+    <p:sldId id="263" r:id="rId10"/>
+    <p:sldId id="264" r:id="rId11"/>
+    <p:sldId id="265" r:id="rId12"/>
+    <p:sldId id="266" r:id="rId13"/>
+    <p:sldId id="267" r:id="rId14"/>
+    <p:sldId id="268" r:id="rId15"/>
+    <p:sldId id="269" r:id="rId16"/>
+    <p:sldId id="270" r:id="rId17"/>
+    <p:sldId id="277" r:id="rId18"/>
+    <p:sldId id="276" r:id="rId19"/>
+    <p:sldId id="275" r:id="rId20"/>
+    <p:sldId id="271" r:id="rId21"/>
+    <p:sldId id="278" r:id="rId22"/>
+    <p:sldId id="279" r:id="rId23"/>
+    <p:sldId id="274" r:id="rId24"/>
+    <p:sldId id="285" r:id="rId25"/>
+    <p:sldId id="280" r:id="rId26"/>
+    <p:sldId id="281" r:id="rId27"/>
+    <p:sldId id="283" r:id="rId28"/>
+    <p:sldId id="287" r:id="rId29"/>
+    <p:sldId id="288" r:id="rId30"/>
   </p:sldIdLst>
   <p:sldSz cx="9144000" cy="6858000" type="screen4x3"/>
   <p:notesSz cx="6858000" cy="9144000"/>
@@ -254,7 +253,7 @@
   </p:defaultTextStyle>
   <p:extLst>
     <p:ext uri="{EFAFB233-063F-42B5-8137-9DF3F51BA10A}">
-      <p15:sldGuideLst xmlns:p15="http://schemas.microsoft.com/office/powerpoint/2012/main">
+      <p15:sldGuideLst xmlns="" xmlns:p15="http://schemas.microsoft.com/office/powerpoint/2012/main">
         <p15:guide id="1" orient="horz" pos="2160">
           <p15:clr>
             <a:srgbClr val="A4A3A4"/>
@@ -755,7 +754,7 @@
     </p:spTree>
     <p:extLst>
       <p:ext uri="{BB962C8B-B14F-4D97-AF65-F5344CB8AC3E}">
-        <p14:creationId xmlns:p14="http://schemas.microsoft.com/office/powerpoint/2010/main" val="3942384135"/>
+        <p14:creationId xmlns:p14="http://schemas.microsoft.com/office/powerpoint/2010/main" val="2236716186"/>
       </p:ext>
     </p:extLst>
   </p:cSld>
@@ -871,7 +870,7 @@
     </p:spTree>
     <p:extLst>
       <p:ext uri="{BB962C8B-B14F-4D97-AF65-F5344CB8AC3E}">
-        <p14:creationId xmlns:p14="http://schemas.microsoft.com/office/powerpoint/2010/main" val="2236716186"/>
+        <p14:creationId xmlns:p14="http://schemas.microsoft.com/office/powerpoint/2010/main" val="777657349"/>
       </p:ext>
     </p:extLst>
   </p:cSld>
@@ -987,7 +986,7 @@
     </p:spTree>
     <p:extLst>
       <p:ext uri="{BB962C8B-B14F-4D97-AF65-F5344CB8AC3E}">
-        <p14:creationId xmlns:p14="http://schemas.microsoft.com/office/powerpoint/2010/main" val="777657349"/>
+        <p14:creationId xmlns:p14="http://schemas.microsoft.com/office/powerpoint/2010/main" val="3288035258"/>
       </p:ext>
     </p:extLst>
   </p:cSld>
@@ -1103,7 +1102,7 @@
     </p:spTree>
     <p:extLst>
       <p:ext uri="{BB962C8B-B14F-4D97-AF65-F5344CB8AC3E}">
-        <p14:creationId xmlns:p14="http://schemas.microsoft.com/office/powerpoint/2010/main" val="3288035258"/>
+        <p14:creationId xmlns:p14="http://schemas.microsoft.com/office/powerpoint/2010/main" val="867084778"/>
       </p:ext>
     </p:extLst>
   </p:cSld>
@@ -1219,7 +1218,7 @@
     </p:spTree>
     <p:extLst>
       <p:ext uri="{BB962C8B-B14F-4D97-AF65-F5344CB8AC3E}">
-        <p14:creationId xmlns:p14="http://schemas.microsoft.com/office/powerpoint/2010/main" val="867084778"/>
+        <p14:creationId xmlns:p14="http://schemas.microsoft.com/office/powerpoint/2010/main" val="2740486318"/>
       </p:ext>
     </p:extLst>
   </p:cSld>
@@ -1328,14 +1327,14 @@
               </a:spcBef>
               <a:buNone/>
             </a:pPr>
-            <a:endParaRPr/>
+            <a:endParaRPr dirty="0"/>
           </a:p>
         </p:txBody>
       </p:sp>
     </p:spTree>
     <p:extLst>
       <p:ext uri="{BB962C8B-B14F-4D97-AF65-F5344CB8AC3E}">
-        <p14:creationId xmlns:p14="http://schemas.microsoft.com/office/powerpoint/2010/main" val="2740486318"/>
+        <p14:creationId xmlns:p14="http://schemas.microsoft.com/office/powerpoint/2010/main" val="3064039726"/>
       </p:ext>
     </p:extLst>
   </p:cSld>
@@ -1444,14 +1443,14 @@
               </a:spcBef>
               <a:buNone/>
             </a:pPr>
-            <a:endParaRPr dirty="0"/>
+            <a:endParaRPr/>
           </a:p>
         </p:txBody>
       </p:sp>
     </p:spTree>
     <p:extLst>
       <p:ext uri="{BB962C8B-B14F-4D97-AF65-F5344CB8AC3E}">
-        <p14:creationId xmlns:p14="http://schemas.microsoft.com/office/powerpoint/2010/main" val="3064039726"/>
+        <p14:creationId xmlns:p14="http://schemas.microsoft.com/office/powerpoint/2010/main" val="876317214"/>
       </p:ext>
     </p:extLst>
   </p:cSld>
@@ -1567,7 +1566,7 @@
     </p:spTree>
     <p:extLst>
       <p:ext uri="{BB962C8B-B14F-4D97-AF65-F5344CB8AC3E}">
-        <p14:creationId xmlns:p14="http://schemas.microsoft.com/office/powerpoint/2010/main" val="876317214"/>
+        <p14:creationId xmlns:p14="http://schemas.microsoft.com/office/powerpoint/2010/main" val="2054041971"/>
       </p:ext>
     </p:extLst>
   </p:cSld>
@@ -1683,7 +1682,7 @@
     </p:spTree>
     <p:extLst>
       <p:ext uri="{BB962C8B-B14F-4D97-AF65-F5344CB8AC3E}">
-        <p14:creationId xmlns:p14="http://schemas.microsoft.com/office/powerpoint/2010/main" val="2054041971"/>
+        <p14:creationId xmlns:p14="http://schemas.microsoft.com/office/powerpoint/2010/main" val="2109188323"/>
       </p:ext>
     </p:extLst>
   </p:cSld>
@@ -1799,7 +1798,7 @@
     </p:spTree>
     <p:extLst>
       <p:ext uri="{BB962C8B-B14F-4D97-AF65-F5344CB8AC3E}">
-        <p14:creationId xmlns:p14="http://schemas.microsoft.com/office/powerpoint/2010/main" val="2109188323"/>
+        <p14:creationId xmlns:p14="http://schemas.microsoft.com/office/powerpoint/2010/main" val="333172963"/>
       </p:ext>
     </p:extLst>
   </p:cSld>
@@ -2031,7 +2030,7 @@
     </p:spTree>
     <p:extLst>
       <p:ext uri="{BB962C8B-B14F-4D97-AF65-F5344CB8AC3E}">
-        <p14:creationId xmlns:p14="http://schemas.microsoft.com/office/powerpoint/2010/main" val="333172963"/>
+        <p14:creationId xmlns:p14="http://schemas.microsoft.com/office/powerpoint/2010/main" val="2601495808"/>
       </p:ext>
     </p:extLst>
   </p:cSld>
@@ -2147,7 +2146,7 @@
     </p:spTree>
     <p:extLst>
       <p:ext uri="{BB962C8B-B14F-4D97-AF65-F5344CB8AC3E}">
-        <p14:creationId xmlns:p14="http://schemas.microsoft.com/office/powerpoint/2010/main" val="2601495808"/>
+        <p14:creationId xmlns:p14="http://schemas.microsoft.com/office/powerpoint/2010/main" val="424248539"/>
       </p:ext>
     </p:extLst>
   </p:cSld>
@@ -2263,7 +2262,7 @@
     </p:spTree>
     <p:extLst>
       <p:ext uri="{BB962C8B-B14F-4D97-AF65-F5344CB8AC3E}">
-        <p14:creationId xmlns:p14="http://schemas.microsoft.com/office/powerpoint/2010/main" val="424248539"/>
+        <p14:creationId xmlns:p14="http://schemas.microsoft.com/office/powerpoint/2010/main" val="4175381586"/>
       </p:ext>
     </p:extLst>
   </p:cSld>
@@ -2379,7 +2378,7 @@
     </p:spTree>
     <p:extLst>
       <p:ext uri="{BB962C8B-B14F-4D97-AF65-F5344CB8AC3E}">
-        <p14:creationId xmlns:p14="http://schemas.microsoft.com/office/powerpoint/2010/main" val="4175381586"/>
+        <p14:creationId xmlns:p14="http://schemas.microsoft.com/office/powerpoint/2010/main" val="1305218528"/>
       </p:ext>
     </p:extLst>
   </p:cSld>
@@ -2495,7 +2494,7 @@
     </p:spTree>
     <p:extLst>
       <p:ext uri="{BB962C8B-B14F-4D97-AF65-F5344CB8AC3E}">
-        <p14:creationId xmlns:p14="http://schemas.microsoft.com/office/powerpoint/2010/main" val="1305218528"/>
+        <p14:creationId xmlns:p14="http://schemas.microsoft.com/office/powerpoint/2010/main" val="104472480"/>
       </p:ext>
     </p:extLst>
   </p:cSld>
@@ -2611,7 +2610,7 @@
     </p:spTree>
     <p:extLst>
       <p:ext uri="{BB962C8B-B14F-4D97-AF65-F5344CB8AC3E}">
-        <p14:creationId xmlns:p14="http://schemas.microsoft.com/office/powerpoint/2010/main" val="1647600953"/>
+        <p14:creationId xmlns:p14="http://schemas.microsoft.com/office/powerpoint/2010/main" val="681755601"/>
       </p:ext>
     </p:extLst>
   </p:cSld>
@@ -2727,7 +2726,7 @@
     </p:spTree>
     <p:extLst>
       <p:ext uri="{BB962C8B-B14F-4D97-AF65-F5344CB8AC3E}">
-        <p14:creationId xmlns:p14="http://schemas.microsoft.com/office/powerpoint/2010/main" val="104472480"/>
+        <p14:creationId xmlns:p14="http://schemas.microsoft.com/office/powerpoint/2010/main" val="937805384"/>
       </p:ext>
     </p:extLst>
   </p:cSld>
@@ -2843,7 +2842,7 @@
     </p:spTree>
     <p:extLst>
       <p:ext uri="{BB962C8B-B14F-4D97-AF65-F5344CB8AC3E}">
-        <p14:creationId xmlns:p14="http://schemas.microsoft.com/office/powerpoint/2010/main" val="681755601"/>
+        <p14:creationId xmlns:p14="http://schemas.microsoft.com/office/powerpoint/2010/main" val="2031068004"/>
       </p:ext>
     </p:extLst>
   </p:cSld>
@@ -2854,122 +2853,6 @@
 </file>
 
 <file path=ppt/notesSlides/notesSlide28.xml><?xml version="1.0" encoding="utf-8"?>
-<p:notes xmlns:a="http://schemas.openxmlformats.org/drawingml/2006/main" xmlns:r="http://schemas.openxmlformats.org/officeDocument/2006/relationships" xmlns:p="http://schemas.openxmlformats.org/presentationml/2006/main" showMasterSp="0" showMasterPhAnim="0">
-  <p:cSld>
-    <p:spTree>
-      <p:nvGrpSpPr>
-        <p:cNvPr id="1" name="Shape 41"/>
-        <p:cNvGrpSpPr/>
-        <p:nvPr/>
-      </p:nvGrpSpPr>
-      <p:grpSpPr>
-        <a:xfrm>
-          <a:off x="0" y="0"/>
-          <a:ext cx="0" cy="0"/>
-          <a:chOff x="0" y="0"/>
-          <a:chExt cx="0" cy="0"/>
-        </a:xfrm>
-      </p:grpSpPr>
-      <p:sp>
-        <p:nvSpPr>
-          <p:cNvPr id="42" name="Shape 42"/>
-          <p:cNvSpPr>
-            <a:spLocks noGrp="1" noRot="1" noChangeAspect="1"/>
-          </p:cNvSpPr>
-          <p:nvPr>
-            <p:ph type="sldImg" idx="2"/>
-          </p:nvPr>
-        </p:nvSpPr>
-        <p:spPr>
-          <a:xfrm>
-            <a:off x="1143000" y="685800"/>
-            <a:ext cx="4572000" cy="3429000"/>
-          </a:xfrm>
-          <a:custGeom>
-            <a:avLst/>
-            <a:gdLst/>
-            <a:ahLst/>
-            <a:cxnLst/>
-            <a:rect l="0" t="0" r="0" b="0"/>
-            <a:pathLst>
-              <a:path w="120000" h="120000" extrusionOk="0">
-                <a:moveTo>
-                  <a:pt x="0" y="0"/>
-                </a:moveTo>
-                <a:lnTo>
-                  <a:pt x="120000" y="0"/>
-                </a:lnTo>
-                <a:lnTo>
-                  <a:pt x="120000" y="120000"/>
-                </a:lnTo>
-                <a:lnTo>
-                  <a:pt x="0" y="120000"/>
-                </a:lnTo>
-                <a:close/>
-              </a:path>
-            </a:pathLst>
-          </a:custGeom>
-          <a:noFill/>
-          <a:ln w="9525" cap="flat" cmpd="sng">
-            <a:solidFill>
-              <a:srgbClr val="000000"/>
-            </a:solidFill>
-            <a:prstDash val="solid"/>
-            <a:round/>
-            <a:headEnd type="none" w="med" len="med"/>
-            <a:tailEnd type="none" w="med" len="med"/>
-          </a:ln>
-        </p:spPr>
-      </p:sp>
-      <p:sp>
-        <p:nvSpPr>
-          <p:cNvPr id="43" name="Shape 43"/>
-          <p:cNvSpPr txBox="1">
-            <a:spLocks noGrp="1"/>
-          </p:cNvSpPr>
-          <p:nvPr>
-            <p:ph type="body" idx="1"/>
-          </p:nvPr>
-        </p:nvSpPr>
-        <p:spPr>
-          <a:xfrm>
-            <a:off x="685800" y="4343400"/>
-            <a:ext cx="5486399" cy="4114800"/>
-          </a:xfrm>
-          <a:prstGeom prst="rect">
-            <a:avLst/>
-          </a:prstGeom>
-        </p:spPr>
-        <p:txBody>
-          <a:bodyPr lIns="91425" tIns="91425" rIns="91425" bIns="91425" anchor="t" anchorCtr="0">
-            <a:noAutofit/>
-          </a:bodyPr>
-          <a:lstStyle/>
-          <a:p>
-            <a:pPr lvl="0" rtl="0">
-              <a:spcBef>
-                <a:spcPts val="0"/>
-              </a:spcBef>
-              <a:buNone/>
-            </a:pPr>
-            <a:endParaRPr/>
-          </a:p>
-        </p:txBody>
-      </p:sp>
-    </p:spTree>
-    <p:extLst>
-      <p:ext uri="{BB962C8B-B14F-4D97-AF65-F5344CB8AC3E}">
-        <p14:creationId xmlns:p14="http://schemas.microsoft.com/office/powerpoint/2010/main" val="937805384"/>
-      </p:ext>
-    </p:extLst>
-  </p:cSld>
-  <p:clrMapOvr>
-    <a:masterClrMapping/>
-  </p:clrMapOvr>
-</p:notes>
-</file>
-
-<file path=ppt/notesSlides/notesSlide29.xml><?xml version="1.0" encoding="utf-8"?>
 <p:notes xmlns:a="http://schemas.openxmlformats.org/drawingml/2006/main" xmlns:r="http://schemas.openxmlformats.org/officeDocument/2006/relationships" xmlns:p="http://schemas.openxmlformats.org/presentationml/2006/main" showMasterSp="0" showMasterPhAnim="0">
   <p:cSld>
     <p:spTree>
@@ -3771,7 +3654,7 @@
     </p:spTree>
     <p:extLst>
       <p:ext uri="{BB962C8B-B14F-4D97-AF65-F5344CB8AC3E}">
-        <p14:creationId xmlns:p14="http://schemas.microsoft.com/office/powerpoint/2010/main" val="4087373253"/>
+        <p14:creationId xmlns:p14="http://schemas.microsoft.com/office/powerpoint/2010/main" val="3424035044"/>
       </p:ext>
     </p:extLst>
   </p:cSld>
@@ -3887,7 +3770,7 @@
     </p:spTree>
     <p:extLst>
       <p:ext uri="{BB962C8B-B14F-4D97-AF65-F5344CB8AC3E}">
-        <p14:creationId xmlns:p14="http://schemas.microsoft.com/office/powerpoint/2010/main" val="3424035044"/>
+        <p14:creationId xmlns:p14="http://schemas.microsoft.com/office/powerpoint/2010/main" val="3942384135"/>
       </p:ext>
     </p:extLst>
   </p:cSld>
@@ -9428,15 +9311,7 @@
                   <a:schemeClr val="accent1"/>
                 </a:solidFill>
               </a:rPr>
-              <a:t>Software Engineering 2 – A.Y. </a:t>
-            </a:r>
-            <a:r>
-              <a:rPr lang="en-US" dirty="0" smtClean="0">
-                <a:solidFill>
-                  <a:schemeClr val="accent1"/>
-                </a:solidFill>
-              </a:rPr>
-              <a:t>2015/2016 </a:t>
+              <a:t>Software Engineering 2 – A.Y. 2015/2016 </a:t>
             </a:r>
             <a:endParaRPr lang="en-US" dirty="0">
               <a:solidFill>
@@ -9483,78 +9358,402 @@
       </p:grpSpPr>
       <p:sp>
         <p:nvSpPr>
-          <p:cNvPr id="3" name="Rounded Rectangle 2"/>
-          <p:cNvSpPr/>
+          <p:cNvPr id="33" name="Shape 33"/>
+          <p:cNvSpPr txBox="1">
+            <a:spLocks noGrp="1"/>
+          </p:cNvSpPr>
+          <p:nvPr>
+            <p:ph type="title"/>
+          </p:nvPr>
+        </p:nvSpPr>
+        <p:spPr>
+          <a:xfrm>
+            <a:off x="837450" y="131950"/>
+            <a:ext cx="8136900" cy="498599"/>
+          </a:xfrm>
+          <a:prstGeom prst="rect">
+            <a:avLst/>
+          </a:prstGeom>
+        </p:spPr>
+        <p:txBody>
+          <a:bodyPr lIns="91425" tIns="91425" rIns="91425" bIns="91425" anchor="b" anchorCtr="0">
+            <a:noAutofit/>
+          </a:bodyPr>
+          <a:lstStyle/>
+          <a:p>
+            <a:pPr lvl="0"/>
+            <a:r>
+              <a:rPr lang="en-US" sz="3000" dirty="0">
+                <a:solidFill>
+                  <a:srgbClr val="003366"/>
+                </a:solidFill>
+              </a:rPr>
+              <a:t>Specific requirements - </a:t>
+            </a:r>
+            <a:r>
+              <a:rPr lang="en-US" sz="3200" dirty="0">
+                <a:solidFill>
+                  <a:schemeClr val="accent1">
+                    <a:lumMod val="50000"/>
+                  </a:schemeClr>
+                </a:solidFill>
+              </a:rPr>
+              <a:t>Mockups</a:t>
+            </a:r>
+            <a:endParaRPr sz="3000" dirty="0">
+              <a:solidFill>
+                <a:srgbClr val="003366"/>
+              </a:solidFill>
+            </a:endParaRPr>
+          </a:p>
+        </p:txBody>
+      </p:sp>
+      <p:pic>
+        <p:nvPicPr>
+          <p:cNvPr id="35" name="Shape 35"/>
+          <p:cNvPicPr preferRelativeResize="0"/>
+          <p:nvPr/>
+        </p:nvPicPr>
+        <p:blipFill>
+          <a:blip r:embed="rId3">
+            <a:alphaModFix/>
+          </a:blip>
+          <a:stretch>
+            <a:fillRect/>
+          </a:stretch>
+        </p:blipFill>
+        <p:spPr>
+          <a:xfrm>
+            <a:off x="82450" y="65950"/>
+            <a:ext cx="464900" cy="498650"/>
+          </a:xfrm>
+          <a:prstGeom prst="rect">
+            <a:avLst/>
+          </a:prstGeom>
+          <a:noFill/>
+          <a:ln>
+            <a:noFill/>
+          </a:ln>
+        </p:spPr>
+      </p:pic>
+      <p:pic>
+        <p:nvPicPr>
+          <p:cNvPr id="36" name="Shape 36"/>
+          <p:cNvPicPr preferRelativeResize="0"/>
+          <p:nvPr/>
+        </p:nvPicPr>
+        <p:blipFill>
+          <a:blip r:embed="rId4">
+            <a:alphaModFix/>
+          </a:blip>
+          <a:stretch>
+            <a:fillRect/>
+          </a:stretch>
+        </p:blipFill>
+        <p:spPr>
+          <a:xfrm>
+            <a:off x="0" y="630539"/>
+            <a:ext cx="9143998" cy="97471"/>
+          </a:xfrm>
+          <a:prstGeom prst="rect">
+            <a:avLst/>
+          </a:prstGeom>
+          <a:noFill/>
+          <a:ln>
+            <a:noFill/>
+          </a:ln>
+        </p:spPr>
+      </p:pic>
+      <p:cxnSp>
+        <p:nvCxnSpPr>
+          <p:cNvPr id="37" name="Shape 37"/>
+          <p:cNvCxnSpPr/>
+          <p:nvPr/>
+        </p:nvCxnSpPr>
+        <p:spPr>
+          <a:xfrm rot="10800000">
+            <a:off x="691550" y="125"/>
+            <a:ext cx="0" cy="630299"/>
+          </a:xfrm>
+          <a:prstGeom prst="straightConnector1">
+            <a:avLst/>
+          </a:prstGeom>
+          <a:noFill/>
+          <a:ln w="9525" cap="flat" cmpd="sng">
+            <a:solidFill>
+              <a:srgbClr val="003366"/>
+            </a:solidFill>
+            <a:prstDash val="solid"/>
+            <a:round/>
+            <a:headEnd type="none" w="lg" len="lg"/>
+            <a:tailEnd type="none" w="lg" len="lg"/>
+          </a:ln>
+        </p:spPr>
+      </p:cxnSp>
+      <p:sp>
+        <p:nvSpPr>
+          <p:cNvPr id="38" name="Shape 38"/>
+          <p:cNvSpPr txBox="1"/>
           <p:nvPr/>
         </p:nvSpPr>
         <p:spPr>
           <a:xfrm>
-            <a:off x="3362339" y="1008318"/>
-            <a:ext cx="5688632" cy="4913678"/>
-          </a:xfrm>
-          <a:prstGeom prst="roundRect">
-            <a:avLst/>
-          </a:prstGeom>
-          <a:solidFill>
-            <a:schemeClr val="accent3">
-              <a:lumMod val="60000"/>
-              <a:lumOff val="40000"/>
-            </a:schemeClr>
-          </a:solidFill>
-        </p:spPr>
-        <p:style>
-          <a:lnRef idx="2">
-            <a:schemeClr val="accent1">
-              <a:shade val="50000"/>
-            </a:schemeClr>
-          </a:lnRef>
-          <a:fillRef idx="1">
-            <a:schemeClr val="accent1"/>
-          </a:fillRef>
-          <a:effectRef idx="0">
-            <a:schemeClr val="accent1"/>
-          </a:effectRef>
-          <a:fontRef idx="minor">
-            <a:schemeClr val="lt1"/>
-          </a:fontRef>
-        </p:style>
+            <a:off x="6783700" y="6531000"/>
+            <a:ext cx="2599200" cy="363899"/>
+          </a:xfrm>
+          <a:prstGeom prst="rect">
+            <a:avLst/>
+          </a:prstGeom>
+          <a:noFill/>
+          <a:ln>
+            <a:noFill/>
+          </a:ln>
+        </p:spPr>
         <p:txBody>
-          <a:bodyPr bIns="0" rtlCol="0" anchor="b"/>
+          <a:bodyPr lIns="91425" tIns="91425" rIns="91425" bIns="91425" anchor="t" anchorCtr="0">
+            <a:noAutofit/>
+          </a:bodyPr>
           <a:lstStyle/>
           <a:p>
-            <a:pPr algn="ctr"/>
-            <a:r>
-              <a:rPr lang="en-US" sz="1800" dirty="0" smtClean="0">
-                <a:solidFill>
-                  <a:schemeClr val="accent5">
-                    <a:lumMod val="50000"/>
-                  </a:schemeClr>
+            <a:pPr lvl="0" rtl="0">
+              <a:spcBef>
+                <a:spcPts val="0"/>
+              </a:spcBef>
+              <a:buNone/>
+            </a:pPr>
+            <a:r>
+              <a:rPr lang="it" sz="1200" b="1">
+                <a:solidFill>
+                  <a:srgbClr val="FFFFFF"/>
                 </a:solidFill>
               </a:rPr>
-              <a:t>Driver application</a:t>
-            </a:r>
-            <a:endParaRPr lang="en-US" sz="1800" dirty="0">
+              <a:t>POLITECNICO DI MILANO</a:t>
+            </a:r>
+          </a:p>
+        </p:txBody>
+      </p:sp>
+      <p:pic>
+        <p:nvPicPr>
+          <p:cNvPr id="39" name="Shape 39"/>
+          <p:cNvPicPr preferRelativeResize="0"/>
+          <p:nvPr/>
+        </p:nvPicPr>
+        <p:blipFill>
+          <a:blip r:embed="rId5">
+            <a:alphaModFix/>
+          </a:blip>
+          <a:stretch>
+            <a:fillRect/>
+          </a:stretch>
+        </p:blipFill>
+        <p:spPr>
+          <a:xfrm>
+            <a:off x="0" y="6571225"/>
+            <a:ext cx="9144000" cy="286775"/>
+          </a:xfrm>
+          <a:prstGeom prst="rect">
+            <a:avLst/>
+          </a:prstGeom>
+          <a:noFill/>
+          <a:ln>
+            <a:noFill/>
+          </a:ln>
+        </p:spPr>
+      </p:pic>
+      <p:sp>
+        <p:nvSpPr>
+          <p:cNvPr id="40" name="Shape 40"/>
+          <p:cNvSpPr txBox="1">
+            <a:spLocks noGrp="1"/>
+          </p:cNvSpPr>
+          <p:nvPr>
+            <p:ph type="ctrTitle" idx="4294967295"/>
+          </p:nvPr>
+        </p:nvSpPr>
+        <p:spPr>
+          <a:xfrm>
+            <a:off x="2196425" y="6531000"/>
+            <a:ext cx="3238799" cy="424199"/>
+          </a:xfrm>
+          <a:prstGeom prst="rect">
+            <a:avLst/>
+          </a:prstGeom>
+        </p:spPr>
+        <p:txBody>
+          <a:bodyPr lIns="91425" tIns="91425" rIns="91425" bIns="91425" anchor="ctr" anchorCtr="0">
+            <a:noAutofit/>
+          </a:bodyPr>
+          <a:lstStyle/>
+          <a:p>
+            <a:pPr lvl="0" indent="457200" rtl="0">
+              <a:lnSpc>
+                <a:spcPct val="115000"/>
+              </a:lnSpc>
+              <a:spcBef>
+                <a:spcPts val="0"/>
+              </a:spcBef>
+              <a:buNone/>
+            </a:pPr>
+            <a:endParaRPr sz="1300">
               <a:solidFill>
-                <a:schemeClr val="accent5">
-                  <a:lumMod val="50000"/>
-                </a:schemeClr>
+                <a:srgbClr val="003366"/>
               </a:solidFill>
             </a:endParaRPr>
+          </a:p>
+        </p:txBody>
+      </p:sp>
+      <p:pic>
+        <p:nvPicPr>
+          <p:cNvPr id="4099" name="Picture 3" descr="D:\FAX\SW2\SW2015\Mockups\5 Request.png"/>
+          <p:cNvPicPr>
+            <a:picLocks noChangeAspect="1" noChangeArrowheads="1"/>
+          </p:cNvPicPr>
+          <p:nvPr/>
+        </p:nvPicPr>
+        <p:blipFill>
+          <a:blip r:embed="rId6">
+            <a:extLst>
+              <a:ext uri="{28A0092B-C50C-407E-A947-70E740481C1C}">
+                <a14:useLocalDpi xmlns:a14="http://schemas.microsoft.com/office/drawing/2010/main" val="0"/>
+              </a:ext>
+            </a:extLst>
+          </a:blip>
+          <a:srcRect/>
+          <a:stretch>
+            <a:fillRect/>
+          </a:stretch>
+        </p:blipFill>
+        <p:spPr bwMode="auto">
+          <a:xfrm>
+            <a:off x="1691680" y="836712"/>
+            <a:ext cx="2644752" cy="5040000"/>
+          </a:xfrm>
+          <a:prstGeom prst="rect">
+            <a:avLst/>
+          </a:prstGeom>
+          <a:noFill/>
+          <a:extLst>
+            <a:ext uri="{909E8E84-426E-40DD-AFC4-6F175D3DCCD1}">
+              <a14:hiddenFill xmlns:a14="http://schemas.microsoft.com/office/drawing/2010/main">
+                <a:solidFill>
+                  <a:srgbClr val="FFFFFF"/>
+                </a:solidFill>
+              </a14:hiddenFill>
+            </a:ext>
+          </a:extLst>
+        </p:spPr>
+      </p:pic>
+      <p:pic>
+        <p:nvPicPr>
+          <p:cNvPr id="4100" name="Picture 4" descr="D:\FAX\SW2\SW2015\Mockups\6 Reservation.png"/>
+          <p:cNvPicPr>
+            <a:picLocks noChangeAspect="1" noChangeArrowheads="1"/>
+          </p:cNvPicPr>
+          <p:nvPr/>
+        </p:nvPicPr>
+        <p:blipFill>
+          <a:blip r:embed="rId7">
+            <a:extLst>
+              <a:ext uri="{28A0092B-C50C-407E-A947-70E740481C1C}">
+                <a14:useLocalDpi xmlns:a14="http://schemas.microsoft.com/office/drawing/2010/main" val="0"/>
+              </a:ext>
+            </a:extLst>
+          </a:blip>
+          <a:srcRect/>
+          <a:stretch>
+            <a:fillRect/>
+          </a:stretch>
+        </p:blipFill>
+        <p:spPr bwMode="auto">
+          <a:xfrm>
+            <a:off x="4788024" y="836712"/>
+            <a:ext cx="2644752" cy="5040000"/>
+          </a:xfrm>
+          <a:prstGeom prst="rect">
+            <a:avLst/>
+          </a:prstGeom>
+          <a:noFill/>
+          <a:extLst>
+            <a:ext uri="{909E8E84-426E-40DD-AFC4-6F175D3DCCD1}">
+              <a14:hiddenFill xmlns:a14="http://schemas.microsoft.com/office/drawing/2010/main">
+                <a:solidFill>
+                  <a:srgbClr val="FFFFFF"/>
+                </a:solidFill>
+              </a14:hiddenFill>
+            </a:ext>
+          </a:extLst>
+        </p:spPr>
+      </p:pic>
+      <p:sp>
+        <p:nvSpPr>
+          <p:cNvPr id="12" name="TextBox 11"/>
+          <p:cNvSpPr txBox="1"/>
+          <p:nvPr/>
+        </p:nvSpPr>
+        <p:spPr>
+          <a:xfrm>
+            <a:off x="1886984" y="6074394"/>
+            <a:ext cx="2254143" cy="307777"/>
+          </a:xfrm>
+          <a:prstGeom prst="rect">
+            <a:avLst/>
+          </a:prstGeom>
+          <a:noFill/>
+        </p:spPr>
+        <p:txBody>
+          <a:bodyPr wrap="none" rtlCol="0">
+            <a:spAutoFit/>
+          </a:bodyPr>
+          <a:lstStyle/>
+          <a:p>
+            <a:r>
+              <a:rPr lang="en-US" dirty="0"/>
+              <a:t>Passenger Request page </a:t>
+            </a:r>
           </a:p>
         </p:txBody>
       </p:sp>
       <p:sp>
         <p:nvSpPr>
-          <p:cNvPr id="2" name="Oval 1"/>
+          <p:cNvPr id="13" name="TextBox 12"/>
+          <p:cNvSpPr txBox="1"/>
+          <p:nvPr/>
+        </p:nvSpPr>
+        <p:spPr>
+          <a:xfrm>
+            <a:off x="4839058" y="6074393"/>
+            <a:ext cx="2542684" cy="307777"/>
+          </a:xfrm>
+          <a:prstGeom prst="rect">
+            <a:avLst/>
+          </a:prstGeom>
+          <a:noFill/>
+        </p:spPr>
+        <p:txBody>
+          <a:bodyPr wrap="none" rtlCol="0">
+            <a:spAutoFit/>
+          </a:bodyPr>
+          <a:lstStyle/>
+          <a:p>
+            <a:r>
+              <a:rPr lang="en-US" dirty="0"/>
+              <a:t>Passenger Reservation page </a:t>
+            </a:r>
+          </a:p>
+        </p:txBody>
+      </p:sp>
+      <p:sp>
+        <p:nvSpPr>
+          <p:cNvPr id="14" name="Down Arrow 13"/>
           <p:cNvSpPr/>
           <p:nvPr/>
         </p:nvSpPr>
         <p:spPr>
-          <a:xfrm>
-            <a:off x="185359" y="740031"/>
-            <a:ext cx="3537020" cy="5092823"/>
-          </a:xfrm>
-          <a:prstGeom prst="ellipse">
+          <a:xfrm rot="5400000">
+            <a:off x="6919381" y="2191615"/>
+            <a:ext cx="531075" cy="495714"/>
+          </a:xfrm>
+          <a:prstGeom prst="downArrow">
             <a:avLst/>
           </a:prstGeom>
         </p:spPr>
@@ -9585,381 +9784,49 @@
       </p:sp>
       <p:sp>
         <p:nvSpPr>
-          <p:cNvPr id="33" name="Shape 33"/>
-          <p:cNvSpPr txBox="1">
-            <a:spLocks noGrp="1"/>
-          </p:cNvSpPr>
-          <p:nvPr>
-            <p:ph type="title"/>
-          </p:nvPr>
-        </p:nvSpPr>
-        <p:spPr>
-          <a:xfrm>
-            <a:off x="837450" y="131950"/>
-            <a:ext cx="8136900" cy="498599"/>
-          </a:xfrm>
-          <a:prstGeom prst="rect">
-            <a:avLst/>
-          </a:prstGeom>
-        </p:spPr>
-        <p:txBody>
-          <a:bodyPr lIns="91425" tIns="91425" rIns="91425" bIns="91425" anchor="b" anchorCtr="0">
-            <a:noAutofit/>
-          </a:bodyPr>
-          <a:lstStyle/>
-          <a:p>
-            <a:pPr lvl="0"/>
-            <a:r>
-              <a:rPr lang="en-US" sz="3000" dirty="0" smtClean="0">
-                <a:solidFill>
-                  <a:srgbClr val="003366"/>
-                </a:solidFill>
-              </a:rPr>
-              <a:t>Specific requirements</a:t>
-            </a:r>
-            <a:r>
-              <a:rPr lang="en-US" sz="2800" dirty="0">
-                <a:solidFill>
-                  <a:srgbClr val="003366"/>
-                </a:solidFill>
-              </a:rPr>
-              <a:t> - </a:t>
-            </a:r>
-            <a:r>
-              <a:rPr lang="en-US" sz="2800" dirty="0">
-                <a:solidFill>
-                  <a:schemeClr val="accent1">
-                    <a:lumMod val="50000"/>
-                  </a:schemeClr>
-                </a:solidFill>
-              </a:rPr>
-              <a:t>Mockups</a:t>
-            </a:r>
-            <a:endParaRPr sz="3000" dirty="0">
-              <a:solidFill>
-                <a:srgbClr val="003366"/>
-              </a:solidFill>
-            </a:endParaRPr>
-          </a:p>
-        </p:txBody>
-      </p:sp>
-      <p:pic>
-        <p:nvPicPr>
-          <p:cNvPr id="35" name="Shape 35"/>
-          <p:cNvPicPr preferRelativeResize="0"/>
-          <p:nvPr/>
-        </p:nvPicPr>
-        <p:blipFill>
-          <a:blip r:embed="rId3">
-            <a:alphaModFix/>
-          </a:blip>
-          <a:stretch>
-            <a:fillRect/>
-          </a:stretch>
-        </p:blipFill>
-        <p:spPr>
-          <a:xfrm>
-            <a:off x="82450" y="65950"/>
-            <a:ext cx="464900" cy="498650"/>
-          </a:xfrm>
-          <a:prstGeom prst="rect">
-            <a:avLst/>
-          </a:prstGeom>
-          <a:noFill/>
-          <a:ln>
-            <a:noFill/>
-          </a:ln>
-        </p:spPr>
-      </p:pic>
-      <p:pic>
-        <p:nvPicPr>
-          <p:cNvPr id="36" name="Shape 36"/>
-          <p:cNvPicPr preferRelativeResize="0"/>
-          <p:nvPr/>
-        </p:nvPicPr>
-        <p:blipFill>
-          <a:blip r:embed="rId4">
-            <a:alphaModFix/>
-          </a:blip>
-          <a:stretch>
-            <a:fillRect/>
-          </a:stretch>
-        </p:blipFill>
-        <p:spPr>
-          <a:xfrm>
-            <a:off x="0" y="630539"/>
-            <a:ext cx="9143998" cy="97471"/>
-          </a:xfrm>
-          <a:prstGeom prst="rect">
-            <a:avLst/>
-          </a:prstGeom>
-          <a:noFill/>
-          <a:ln>
-            <a:noFill/>
-          </a:ln>
-        </p:spPr>
-      </p:pic>
-      <p:cxnSp>
-        <p:nvCxnSpPr>
-          <p:cNvPr id="37" name="Shape 37"/>
-          <p:cNvCxnSpPr/>
-          <p:nvPr/>
-        </p:nvCxnSpPr>
-        <p:spPr>
-          <a:xfrm rot="10800000">
-            <a:off x="691550" y="125"/>
-            <a:ext cx="0" cy="630299"/>
-          </a:xfrm>
-          <a:prstGeom prst="straightConnector1">
-            <a:avLst/>
-          </a:prstGeom>
-          <a:noFill/>
-          <a:ln w="9525" cap="flat" cmpd="sng">
-            <a:solidFill>
-              <a:srgbClr val="003366"/>
-            </a:solidFill>
-            <a:prstDash val="solid"/>
-            <a:round/>
-            <a:headEnd type="none" w="lg" len="lg"/>
-            <a:tailEnd type="none" w="lg" len="lg"/>
-          </a:ln>
-        </p:spPr>
-      </p:cxnSp>
-      <p:sp>
-        <p:nvSpPr>
-          <p:cNvPr id="38" name="Shape 38"/>
+          <p:cNvPr id="15" name="TextBox 14"/>
           <p:cNvSpPr txBox="1"/>
           <p:nvPr/>
         </p:nvSpPr>
         <p:spPr>
           <a:xfrm>
-            <a:off x="6783700" y="6531000"/>
-            <a:ext cx="2599200" cy="363899"/>
-          </a:xfrm>
-          <a:prstGeom prst="rect">
-            <a:avLst/>
-          </a:prstGeom>
-          <a:noFill/>
-          <a:ln>
-            <a:noFill/>
+            <a:off x="7596336" y="1700808"/>
+            <a:ext cx="1378014" cy="1477328"/>
+          </a:xfrm>
+          <a:prstGeom prst="rect">
+            <a:avLst/>
+          </a:prstGeom>
+          <a:noFill/>
+          <a:ln w="25400">
+            <a:solidFill>
+              <a:schemeClr val="accent1">
+                <a:shade val="50000"/>
+              </a:schemeClr>
+            </a:solidFill>
           </a:ln>
         </p:spPr>
         <p:txBody>
-          <a:bodyPr lIns="91425" tIns="91425" rIns="91425" bIns="91425" anchor="t" anchorCtr="0">
-            <a:noAutofit/>
+          <a:bodyPr wrap="square" rtlCol="0">
+            <a:spAutoFit/>
           </a:bodyPr>
           <a:lstStyle/>
           <a:p>
-            <a:pPr lvl="0" rtl="0">
-              <a:spcBef>
-                <a:spcPts val="0"/>
-              </a:spcBef>
-              <a:buNone/>
-            </a:pPr>
-            <a:r>
-              <a:rPr lang="it" sz="1200" b="1">
-                <a:solidFill>
-                  <a:srgbClr val="FFFFFF"/>
+            <a:r>
+              <a:rPr lang="en-US" sz="1500" dirty="0" smtClean="0">
+                <a:solidFill>
+                  <a:srgbClr val="002060"/>
                 </a:solidFill>
               </a:rPr>
-              <a:t>POLITECNICO DI MILANO</a:t>
-            </a:r>
+              <a:t>User specify location either by typing address or by choosing it on the map</a:t>
+            </a:r>
+            <a:endParaRPr lang="en-US" sz="1500" dirty="0">
+              <a:solidFill>
+                <a:srgbClr val="002060"/>
+              </a:solidFill>
+            </a:endParaRPr>
           </a:p>
         </p:txBody>
       </p:sp>
-      <p:pic>
-        <p:nvPicPr>
-          <p:cNvPr id="39" name="Shape 39"/>
-          <p:cNvPicPr preferRelativeResize="0"/>
-          <p:nvPr/>
-        </p:nvPicPr>
-        <p:blipFill>
-          <a:blip r:embed="rId5">
-            <a:alphaModFix/>
-          </a:blip>
-          <a:stretch>
-            <a:fillRect/>
-          </a:stretch>
-        </p:blipFill>
-        <p:spPr>
-          <a:xfrm>
-            <a:off x="0" y="6571225"/>
-            <a:ext cx="9144000" cy="286775"/>
-          </a:xfrm>
-          <a:prstGeom prst="rect">
-            <a:avLst/>
-          </a:prstGeom>
-          <a:noFill/>
-          <a:ln>
-            <a:noFill/>
-          </a:ln>
-        </p:spPr>
-      </p:pic>
-      <p:sp>
-        <p:nvSpPr>
-          <p:cNvPr id="40" name="Shape 40"/>
-          <p:cNvSpPr txBox="1">
-            <a:spLocks noGrp="1"/>
-          </p:cNvSpPr>
-          <p:nvPr>
-            <p:ph type="ctrTitle" idx="4294967295"/>
-          </p:nvPr>
-        </p:nvSpPr>
-        <p:spPr>
-          <a:xfrm>
-            <a:off x="2196425" y="6531000"/>
-            <a:ext cx="3238799" cy="424199"/>
-          </a:xfrm>
-          <a:prstGeom prst="rect">
-            <a:avLst/>
-          </a:prstGeom>
-        </p:spPr>
-        <p:txBody>
-          <a:bodyPr lIns="91425" tIns="91425" rIns="91425" bIns="91425" anchor="ctr" anchorCtr="0">
-            <a:noAutofit/>
-          </a:bodyPr>
-          <a:lstStyle/>
-          <a:p>
-            <a:pPr lvl="0" indent="457200" rtl="0">
-              <a:lnSpc>
-                <a:spcPct val="115000"/>
-              </a:lnSpc>
-              <a:spcBef>
-                <a:spcPts val="0"/>
-              </a:spcBef>
-              <a:buNone/>
-            </a:pPr>
-            <a:endParaRPr sz="1300" dirty="0">
-              <a:solidFill>
-                <a:srgbClr val="003366"/>
-              </a:solidFill>
-            </a:endParaRPr>
-          </a:p>
-        </p:txBody>
-      </p:sp>
-      <p:pic>
-        <p:nvPicPr>
-          <p:cNvPr id="3074" name="Picture 2" descr="D:\FAX\SW2\SW2015\Mockups\4 Home screen.png"/>
-          <p:cNvPicPr>
-            <a:picLocks noChangeAspect="1" noChangeArrowheads="1"/>
-          </p:cNvPicPr>
-          <p:nvPr/>
-        </p:nvPicPr>
-        <p:blipFill>
-          <a:blip r:embed="rId6">
-            <a:extLst>
-              <a:ext uri="{28A0092B-C50C-407E-A947-70E740481C1C}">
-                <a14:useLocalDpi xmlns:a14="http://schemas.microsoft.com/office/drawing/2010/main" val="0"/>
-              </a:ext>
-            </a:extLst>
-          </a:blip>
-          <a:srcRect/>
-          <a:stretch>
-            <a:fillRect/>
-          </a:stretch>
-        </p:blipFill>
-        <p:spPr bwMode="auto">
-          <a:xfrm>
-            <a:off x="842751" y="1080326"/>
-            <a:ext cx="2266930" cy="4320000"/>
-          </a:xfrm>
-          <a:prstGeom prst="rect">
-            <a:avLst/>
-          </a:prstGeom>
-          <a:noFill/>
-          <a:extLst>
-            <a:ext uri="{909E8E84-426E-40DD-AFC4-6F175D3DCCD1}">
-              <a14:hiddenFill xmlns:a14="http://schemas.microsoft.com/office/drawing/2010/main">
-                <a:solidFill>
-                  <a:srgbClr val="FFFFFF"/>
-                </a:solidFill>
-              </a14:hiddenFill>
-            </a:ext>
-          </a:extLst>
-        </p:spPr>
-      </p:pic>
-      <p:pic>
-        <p:nvPicPr>
-          <p:cNvPr id="3075" name="Picture 3" descr="D:\FAX\SW2\SW2015\Mockups\7 HomeDriver.png"/>
-          <p:cNvPicPr>
-            <a:picLocks noChangeAspect="1" noChangeArrowheads="1"/>
-          </p:cNvPicPr>
-          <p:nvPr/>
-        </p:nvPicPr>
-        <p:blipFill>
-          <a:blip r:embed="rId7">
-            <a:extLst>
-              <a:ext uri="{28A0092B-C50C-407E-A947-70E740481C1C}">
-                <a14:useLocalDpi xmlns:a14="http://schemas.microsoft.com/office/drawing/2010/main" val="0"/>
-              </a:ext>
-            </a:extLst>
-          </a:blip>
-          <a:srcRect/>
-          <a:stretch>
-            <a:fillRect/>
-          </a:stretch>
-        </p:blipFill>
-        <p:spPr bwMode="auto">
-          <a:xfrm>
-            <a:off x="3961496" y="1080326"/>
-            <a:ext cx="2266930" cy="4320000"/>
-          </a:xfrm>
-          <a:prstGeom prst="rect">
-            <a:avLst/>
-          </a:prstGeom>
-          <a:noFill/>
-          <a:extLst>
-            <a:ext uri="{909E8E84-426E-40DD-AFC4-6F175D3DCCD1}">
-              <a14:hiddenFill xmlns:a14="http://schemas.microsoft.com/office/drawing/2010/main">
-                <a:solidFill>
-                  <a:srgbClr val="FFFFFF"/>
-                </a:solidFill>
-              </a14:hiddenFill>
-            </a:ext>
-          </a:extLst>
-        </p:spPr>
-      </p:pic>
-      <p:pic>
-        <p:nvPicPr>
-          <p:cNvPr id="15" name="Picture 2" descr="D:\FAX\SW2\SW2015\Mockups\8 Popup.png"/>
-          <p:cNvPicPr>
-            <a:picLocks noChangeAspect="1" noChangeArrowheads="1"/>
-          </p:cNvPicPr>
-          <p:nvPr/>
-        </p:nvPicPr>
-        <p:blipFill>
-          <a:blip r:embed="rId8">
-            <a:extLst>
-              <a:ext uri="{28A0092B-C50C-407E-A947-70E740481C1C}">
-                <a14:useLocalDpi xmlns:a14="http://schemas.microsoft.com/office/drawing/2010/main" val="0"/>
-              </a:ext>
-            </a:extLst>
-          </a:blip>
-          <a:srcRect/>
-          <a:stretch>
-            <a:fillRect/>
-          </a:stretch>
-        </p:blipFill>
-        <p:spPr bwMode="auto">
-          <a:xfrm>
-            <a:off x="6386675" y="1080326"/>
-            <a:ext cx="2266930" cy="4320000"/>
-          </a:xfrm>
-          <a:prstGeom prst="rect">
-            <a:avLst/>
-          </a:prstGeom>
-          <a:noFill/>
-          <a:extLst>
-            <a:ext uri="{909E8E84-426E-40DD-AFC4-6F175D3DCCD1}">
-              <a14:hiddenFill xmlns:a14="http://schemas.microsoft.com/office/drawing/2010/main">
-                <a:solidFill>
-                  <a:srgbClr val="FFFFFF"/>
-                </a:solidFill>
-              </a14:hiddenFill>
-            </a:ext>
-          </a:extLst>
-        </p:spPr>
-      </p:pic>
       <p:sp>
         <p:nvSpPr>
           <p:cNvPr id="16" name="TextBox 15"/>
@@ -9968,83 +9835,80 @@
         </p:nvSpPr>
         <p:spPr>
           <a:xfrm>
-            <a:off x="997813" y="5921996"/>
-            <a:ext cx="2064989" cy="307777"/>
-          </a:xfrm>
-          <a:prstGeom prst="rect">
-            <a:avLst/>
-          </a:prstGeom>
-          <a:noFill/>
+            <a:off x="82450" y="3178136"/>
+            <a:ext cx="1466608" cy="1015663"/>
+          </a:xfrm>
+          <a:prstGeom prst="rect">
+            <a:avLst/>
+          </a:prstGeom>
+          <a:noFill/>
+          <a:ln w="25400">
+            <a:solidFill>
+              <a:schemeClr val="accent1">
+                <a:shade val="50000"/>
+              </a:schemeClr>
+            </a:solidFill>
+          </a:ln>
         </p:spPr>
         <p:txBody>
-          <a:bodyPr wrap="none" rtlCol="0">
+          <a:bodyPr wrap="square" rtlCol="0">
             <a:spAutoFit/>
           </a:bodyPr>
           <a:lstStyle/>
           <a:p>
             <a:r>
-              <a:rPr lang="en-US" dirty="0"/>
-              <a:t>Passenger Home page </a:t>
-            </a:r>
+              <a:rPr lang="en-US" sz="1500" dirty="0" smtClean="0">
+                <a:solidFill>
+                  <a:srgbClr val="002060"/>
+                </a:solidFill>
+              </a:rPr>
+              <a:t>User specifies address by clicking on the map</a:t>
+            </a:r>
+            <a:endParaRPr lang="en-US" sz="1500" dirty="0">
+              <a:solidFill>
+                <a:srgbClr val="002060"/>
+              </a:solidFill>
+            </a:endParaRPr>
           </a:p>
         </p:txBody>
       </p:sp>
       <p:sp>
         <p:nvSpPr>
-          <p:cNvPr id="17" name="TextBox 16"/>
-          <p:cNvSpPr txBox="1"/>
+          <p:cNvPr id="17" name="Down Arrow 16"/>
+          <p:cNvSpPr/>
           <p:nvPr/>
         </p:nvSpPr>
         <p:spPr>
-          <a:xfrm>
-            <a:off x="4251621" y="5921996"/>
-            <a:ext cx="1686679" cy="307777"/>
-          </a:xfrm>
-          <a:prstGeom prst="rect">
-            <a:avLst/>
-          </a:prstGeom>
-          <a:noFill/>
-        </p:spPr>
+          <a:xfrm rot="16200000">
+            <a:off x="1621447" y="3421436"/>
+            <a:ext cx="531075" cy="495714"/>
+          </a:xfrm>
+          <a:prstGeom prst="downArrow">
+            <a:avLst/>
+          </a:prstGeom>
+        </p:spPr>
+        <p:style>
+          <a:lnRef idx="2">
+            <a:schemeClr val="accent1">
+              <a:shade val="50000"/>
+            </a:schemeClr>
+          </a:lnRef>
+          <a:fillRef idx="1">
+            <a:schemeClr val="accent1"/>
+          </a:fillRef>
+          <a:effectRef idx="0">
+            <a:schemeClr val="accent1"/>
+          </a:effectRef>
+          <a:fontRef idx="minor">
+            <a:schemeClr val="lt1"/>
+          </a:fontRef>
+        </p:style>
         <p:txBody>
-          <a:bodyPr wrap="none" rtlCol="0">
-            <a:spAutoFit/>
-          </a:bodyPr>
+          <a:bodyPr rtlCol="0" anchor="ctr"/>
           <a:lstStyle/>
           <a:p>
             <a:pPr algn="ctr"/>
-            <a:r>
-              <a:rPr lang="en-US" dirty="0"/>
-              <a:t>Driver Home page </a:t>
-            </a:r>
-          </a:p>
-        </p:txBody>
-      </p:sp>
-      <p:sp>
-        <p:nvSpPr>
-          <p:cNvPr id="18" name="TextBox 17"/>
-          <p:cNvSpPr txBox="1"/>
-          <p:nvPr/>
-        </p:nvSpPr>
-        <p:spPr>
-          <a:xfrm>
-            <a:off x="6731302" y="5921995"/>
-            <a:ext cx="1577676" cy="307777"/>
-          </a:xfrm>
-          <a:prstGeom prst="rect">
-            <a:avLst/>
-          </a:prstGeom>
-          <a:noFill/>
-        </p:spPr>
-        <p:txBody>
-          <a:bodyPr wrap="none" rtlCol="0">
-            <a:spAutoFit/>
-          </a:bodyPr>
-          <a:lstStyle/>
-          <a:p>
-            <a:r>
-              <a:rPr lang="en-US" dirty="0"/>
-              <a:t>Pop up message </a:t>
-            </a:r>
+            <a:endParaRPr lang="en-US"/>
           </a:p>
         </p:txBody>
       </p:sp>
@@ -10336,7 +10200,7 @@
       </p:sp>
       <p:pic>
         <p:nvPicPr>
-          <p:cNvPr id="4099" name="Picture 3" descr="D:\FAX\SW2\SW2015\Mockups\5 Request.png"/>
+          <p:cNvPr id="5123" name="Picture 3" descr="D:\FAX\SW2\SW2015\Mockups\11 Notification Screen.png"/>
           <p:cNvPicPr>
             <a:picLocks noChangeAspect="1" noChangeArrowheads="1"/>
           </p:cNvPicPr>
@@ -10357,7 +10221,7 @@
         </p:blipFill>
         <p:spPr bwMode="auto">
           <a:xfrm>
-            <a:off x="1691680" y="836712"/>
+            <a:off x="1927248" y="908720"/>
             <a:ext cx="2644752" cy="5040000"/>
           </a:xfrm>
           <a:prstGeom prst="rect">
@@ -10377,7 +10241,7 @@
       </p:pic>
       <p:pic>
         <p:nvPicPr>
-          <p:cNvPr id="4100" name="Picture 4" descr="D:\FAX\SW2\SW2015\Mockups\6 Reservation.png"/>
+          <p:cNvPr id="5124" name="Picture 4" descr="D:\FAX\SW2\SW2015\Mockups\12 Reservation details.png"/>
           <p:cNvPicPr>
             <a:picLocks noChangeAspect="1" noChangeArrowheads="1"/>
           </p:cNvPicPr>
@@ -10398,7 +10262,7 @@
         </p:blipFill>
         <p:spPr bwMode="auto">
           <a:xfrm>
-            <a:off x="4788024" y="836712"/>
+            <a:off x="4834048" y="908720"/>
             <a:ext cx="2644752" cy="5040000"/>
           </a:xfrm>
           <a:prstGeom prst="rect">
@@ -10424,8 +10288,8 @@
         </p:nvSpPr>
         <p:spPr>
           <a:xfrm>
-            <a:off x="1886984" y="6074394"/>
-            <a:ext cx="2254143" cy="307777"/>
+            <a:off x="2465595" y="6073665"/>
+            <a:ext cx="1568058" cy="307777"/>
           </a:xfrm>
           <a:prstGeom prst="rect">
             <a:avLst/>
@@ -10440,7 +10304,7 @@
           <a:p>
             <a:r>
               <a:rPr lang="en-US" dirty="0"/>
-              <a:t>Passenger Request page </a:t>
+              <a:t>Notification page </a:t>
             </a:r>
           </a:p>
         </p:txBody>
@@ -10453,8 +10317,8 @@
         </p:nvSpPr>
         <p:spPr>
           <a:xfrm>
-            <a:off x="4839058" y="6074393"/>
-            <a:ext cx="2542684" cy="307777"/>
+            <a:off x="5277818" y="6073665"/>
+            <a:ext cx="1757212" cy="307777"/>
           </a:xfrm>
           <a:prstGeom prst="rect">
             <a:avLst/>
@@ -10469,7 +10333,7 @@
           <a:p>
             <a:r>
               <a:rPr lang="en-US" dirty="0"/>
-              <a:t>Passenger Reservation page </a:t>
+              <a:t>Reservation details </a:t>
             </a:r>
           </a:p>
         </p:txBody>
@@ -10482,8 +10346,8 @@
         </p:nvSpPr>
         <p:spPr>
           <a:xfrm rot="5400000">
-            <a:off x="6919381" y="2191615"/>
-            <a:ext cx="531075" cy="495714"/>
+            <a:off x="7107938" y="2523852"/>
+            <a:ext cx="504056" cy="471239"/>
           </a:xfrm>
           <a:prstGeom prst="downArrow">
             <a:avLst/>
@@ -10522,8 +10386,8 @@
         </p:nvSpPr>
         <p:spPr>
           <a:xfrm>
-            <a:off x="7596336" y="1700808"/>
-            <a:ext cx="1378014" cy="1477328"/>
+            <a:off x="7712372" y="2367056"/>
+            <a:ext cx="1261977" cy="784830"/>
           </a:xfrm>
           <a:prstGeom prst="rect">
             <a:avLst/>
@@ -10549,15 +10413,7 @@
                   <a:srgbClr val="002060"/>
                 </a:solidFill>
               </a:rPr>
-              <a:t>User specify location either by typing address or by specifying it on th</a:t>
-            </a:r>
-            <a:r>
-              <a:rPr lang="en-US" sz="1500" dirty="0" smtClean="0">
-                <a:solidFill>
-                  <a:srgbClr val="002060"/>
-                </a:solidFill>
-              </a:rPr>
-              <a:t>e map</a:t>
+              <a:t>Reservation Details page with data</a:t>
             </a:r>
             <a:endParaRPr lang="en-US" sz="1500" dirty="0">
               <a:solidFill>
@@ -10575,8 +10431,8 @@
         </p:nvSpPr>
         <p:spPr>
           <a:xfrm>
-            <a:off x="82450" y="3178136"/>
-            <a:ext cx="1466608" cy="1015663"/>
+            <a:off x="209156" y="2367057"/>
+            <a:ext cx="1456044" cy="1015663"/>
           </a:xfrm>
           <a:prstGeom prst="rect">
             <a:avLst/>
@@ -10597,20 +10453,20 @@
           <a:lstStyle/>
           <a:p>
             <a:r>
+              <a:rPr lang="en-US" sz="1500" dirty="0">
+                <a:solidFill>
+                  <a:srgbClr val="002060"/>
+                </a:solidFill>
+              </a:rPr>
+              <a:t>U</a:t>
+            </a:r>
+            <a:r>
               <a:rPr lang="en-US" sz="1500" dirty="0" smtClean="0">
                 <a:solidFill>
                   <a:srgbClr val="002060"/>
                 </a:solidFill>
               </a:rPr>
-              <a:t>User specifies address by clicking on th</a:t>
-            </a:r>
-            <a:r>
-              <a:rPr lang="en-US" sz="1500" dirty="0" smtClean="0">
-                <a:solidFill>
-                  <a:srgbClr val="002060"/>
-                </a:solidFill>
-              </a:rPr>
-              <a:t>e map</a:t>
+              <a:t>ser rides with an option of canceling active ones</a:t>
             </a:r>
             <a:endParaRPr lang="en-US" sz="1500" dirty="0">
               <a:solidFill>
@@ -10628,8 +10484,8 @@
         </p:nvSpPr>
         <p:spPr>
           <a:xfrm rot="16200000">
-            <a:off x="1621447" y="3421436"/>
-            <a:ext cx="531075" cy="495714"/>
+            <a:off x="1728407" y="2674287"/>
+            <a:ext cx="504056" cy="451141"/>
           </a:xfrm>
           <a:prstGeom prst="downArrow">
             <a:avLst/>
@@ -10916,7 +10772,7 @@
         </p:nvSpPr>
         <p:spPr>
           <a:xfrm>
-            <a:off x="2196425" y="6531000"/>
+            <a:off x="2195736" y="6531000"/>
             <a:ext cx="3238799" cy="424199"/>
           </a:xfrm>
           <a:prstGeom prst="rect">
@@ -10929,16 +10785,16 @@
           </a:bodyPr>
           <a:lstStyle/>
           <a:p>
-            <a:pPr lvl="0" indent="457200" rtl="0">
+            <a:pPr indent="457200">
               <a:lnSpc>
                 <a:spcPct val="115000"/>
               </a:lnSpc>
-              <a:spcBef>
-                <a:spcPts val="0"/>
-              </a:spcBef>
-              <a:buNone/>
             </a:pPr>
-            <a:endParaRPr sz="1300">
+            <a:r>
+              <a:rPr lang="en-US" sz="1400" dirty="0"/>
+              <a:t>Admin home page </a:t>
+            </a:r>
+            <a:endParaRPr sz="1300" dirty="0">
               <a:solidFill>
                 <a:srgbClr val="003366"/>
               </a:solidFill>
@@ -10948,7 +10804,7 @@
       </p:sp>
       <p:pic>
         <p:nvPicPr>
-          <p:cNvPr id="5123" name="Picture 3" descr="D:\FAX\SW2\SW2015\Mockups\11 Notification Screen.png"/>
+          <p:cNvPr id="6146" name="Picture 2" descr="D:\FAX\SW2\SW2015\Mockups\Web Mockups\14 Admin list reports.png"/>
           <p:cNvPicPr>
             <a:picLocks noChangeAspect="1" noChangeArrowheads="1"/>
           </p:cNvPicPr>
@@ -10969,8 +10825,8 @@
         </p:blipFill>
         <p:spPr bwMode="auto">
           <a:xfrm>
-            <a:off x="1927248" y="908720"/>
-            <a:ext cx="2644752" cy="5040000"/>
+            <a:off x="547351" y="912764"/>
+            <a:ext cx="5968866" cy="5123665"/>
           </a:xfrm>
           <a:prstGeom prst="rect">
             <a:avLst/>
@@ -10987,115 +10843,16 @@
           </a:extLst>
         </p:spPr>
       </p:pic>
-      <p:pic>
-        <p:nvPicPr>
-          <p:cNvPr id="5124" name="Picture 4" descr="D:\FAX\SW2\SW2015\Mockups\12 Reservation details.png"/>
-          <p:cNvPicPr>
-            <a:picLocks noChangeAspect="1" noChangeArrowheads="1"/>
-          </p:cNvPicPr>
-          <p:nvPr/>
-        </p:nvPicPr>
-        <p:blipFill>
-          <a:blip r:embed="rId7">
-            <a:extLst>
-              <a:ext uri="{28A0092B-C50C-407E-A947-70E740481C1C}">
-                <a14:useLocalDpi xmlns:a14="http://schemas.microsoft.com/office/drawing/2010/main" val="0"/>
-              </a:ext>
-            </a:extLst>
-          </a:blip>
-          <a:srcRect/>
-          <a:stretch>
-            <a:fillRect/>
-          </a:stretch>
-        </p:blipFill>
-        <p:spPr bwMode="auto">
-          <a:xfrm>
-            <a:off x="4834048" y="908720"/>
-            <a:ext cx="2644752" cy="5040000"/>
-          </a:xfrm>
-          <a:prstGeom prst="rect">
-            <a:avLst/>
-          </a:prstGeom>
-          <a:noFill/>
-          <a:extLst>
-            <a:ext uri="{909E8E84-426E-40DD-AFC4-6F175D3DCCD1}">
-              <a14:hiddenFill xmlns:a14="http://schemas.microsoft.com/office/drawing/2010/main">
-                <a:solidFill>
-                  <a:srgbClr val="FFFFFF"/>
-                </a:solidFill>
-              </a14:hiddenFill>
-            </a:ext>
-          </a:extLst>
-        </p:spPr>
-      </p:pic>
       <p:sp>
         <p:nvSpPr>
-          <p:cNvPr id="12" name="TextBox 11"/>
-          <p:cNvSpPr txBox="1"/>
-          <p:nvPr/>
-        </p:nvSpPr>
-        <p:spPr>
-          <a:xfrm>
-            <a:off x="2465595" y="6073665"/>
-            <a:ext cx="1568058" cy="307777"/>
-          </a:xfrm>
-          <a:prstGeom prst="rect">
-            <a:avLst/>
-          </a:prstGeom>
-          <a:noFill/>
-        </p:spPr>
-        <p:txBody>
-          <a:bodyPr wrap="none" rtlCol="0">
-            <a:spAutoFit/>
-          </a:bodyPr>
-          <a:lstStyle/>
-          <a:p>
-            <a:r>
-              <a:rPr lang="en-US" dirty="0"/>
-              <a:t>Notification page </a:t>
-            </a:r>
-          </a:p>
-        </p:txBody>
-      </p:sp>
-      <p:sp>
-        <p:nvSpPr>
-          <p:cNvPr id="13" name="TextBox 12"/>
-          <p:cNvSpPr txBox="1"/>
-          <p:nvPr/>
-        </p:nvSpPr>
-        <p:spPr>
-          <a:xfrm>
-            <a:off x="5277818" y="6073665"/>
-            <a:ext cx="1757212" cy="307777"/>
-          </a:xfrm>
-          <a:prstGeom prst="rect">
-            <a:avLst/>
-          </a:prstGeom>
-          <a:noFill/>
-        </p:spPr>
-        <p:txBody>
-          <a:bodyPr wrap="none" rtlCol="0">
-            <a:spAutoFit/>
-          </a:bodyPr>
-          <a:lstStyle/>
-          <a:p>
-            <a:r>
-              <a:rPr lang="en-US" dirty="0"/>
-              <a:t>Reservation details </a:t>
-            </a:r>
-          </a:p>
-        </p:txBody>
-      </p:sp>
-      <p:sp>
-        <p:nvSpPr>
-          <p:cNvPr id="14" name="Down Arrow 13"/>
+          <p:cNvPr id="12" name="Down Arrow 11"/>
           <p:cNvSpPr/>
           <p:nvPr/>
         </p:nvSpPr>
         <p:spPr>
           <a:xfrm rot="5400000">
-            <a:off x="7107938" y="2523852"/>
-            <a:ext cx="504056" cy="471239"/>
+            <a:off x="6516216" y="2826524"/>
+            <a:ext cx="504056" cy="792088"/>
           </a:xfrm>
           <a:prstGeom prst="downArrow">
             <a:avLst/>
@@ -11128,14 +10885,14 @@
       </p:sp>
       <p:sp>
         <p:nvSpPr>
-          <p:cNvPr id="15" name="TextBox 14"/>
+          <p:cNvPr id="2" name="TextBox 1"/>
           <p:cNvSpPr txBox="1"/>
           <p:nvPr/>
         </p:nvSpPr>
         <p:spPr>
           <a:xfrm>
-            <a:off x="7712372" y="2367056"/>
-            <a:ext cx="1261977" cy="784830"/>
+            <a:off x="7274344" y="2695222"/>
+            <a:ext cx="1666901" cy="1077218"/>
           </a:xfrm>
           <a:prstGeom prst="rect">
             <a:avLst/>
@@ -11156,103 +10913,18 @@
           <a:lstStyle/>
           <a:p>
             <a:r>
-              <a:rPr lang="en-US" sz="1500" dirty="0" smtClean="0">
+              <a:rPr lang="en-US" sz="1600" dirty="0" smtClean="0">
                 <a:solidFill>
                   <a:srgbClr val="002060"/>
                 </a:solidFill>
               </a:rPr>
-              <a:t>Reservation Details page with data</a:t>
-            </a:r>
-            <a:endParaRPr lang="en-US" sz="1500" dirty="0">
+              <a:t>Show details action brings Admin to Report details page</a:t>
+            </a:r>
+            <a:endParaRPr lang="en-US" sz="1600" dirty="0">
               <a:solidFill>
                 <a:srgbClr val="002060"/>
               </a:solidFill>
             </a:endParaRPr>
-          </a:p>
-        </p:txBody>
-      </p:sp>
-      <p:sp>
-        <p:nvSpPr>
-          <p:cNvPr id="16" name="TextBox 15"/>
-          <p:cNvSpPr txBox="1"/>
-          <p:nvPr/>
-        </p:nvSpPr>
-        <p:spPr>
-          <a:xfrm>
-            <a:off x="209156" y="2367057"/>
-            <a:ext cx="1456044" cy="1015663"/>
-          </a:xfrm>
-          <a:prstGeom prst="rect">
-            <a:avLst/>
-          </a:prstGeom>
-          <a:noFill/>
-          <a:ln w="25400">
-            <a:solidFill>
-              <a:schemeClr val="accent1">
-                <a:shade val="50000"/>
-              </a:schemeClr>
-            </a:solidFill>
-          </a:ln>
-        </p:spPr>
-        <p:txBody>
-          <a:bodyPr wrap="square" rtlCol="0">
-            <a:spAutoFit/>
-          </a:bodyPr>
-          <a:lstStyle/>
-          <a:p>
-            <a:r>
-              <a:rPr lang="en-US" sz="1500" dirty="0" smtClean="0">
-                <a:solidFill>
-                  <a:srgbClr val="002060"/>
-                </a:solidFill>
-              </a:rPr>
-              <a:t>All user rides with an option of canceling active ones</a:t>
-            </a:r>
-            <a:endParaRPr lang="en-US" sz="1500" dirty="0">
-              <a:solidFill>
-                <a:srgbClr val="002060"/>
-              </a:solidFill>
-            </a:endParaRPr>
-          </a:p>
-        </p:txBody>
-      </p:sp>
-      <p:sp>
-        <p:nvSpPr>
-          <p:cNvPr id="17" name="Down Arrow 16"/>
-          <p:cNvSpPr/>
-          <p:nvPr/>
-        </p:nvSpPr>
-        <p:spPr>
-          <a:xfrm rot="16200000">
-            <a:off x="1728407" y="2674287"/>
-            <a:ext cx="504056" cy="451141"/>
-          </a:xfrm>
-          <a:prstGeom prst="downArrow">
-            <a:avLst/>
-          </a:prstGeom>
-        </p:spPr>
-        <p:style>
-          <a:lnRef idx="2">
-            <a:schemeClr val="accent1">
-              <a:shade val="50000"/>
-            </a:schemeClr>
-          </a:lnRef>
-          <a:fillRef idx="1">
-            <a:schemeClr val="accent1"/>
-          </a:fillRef>
-          <a:effectRef idx="0">
-            <a:schemeClr val="accent1"/>
-          </a:effectRef>
-          <a:fontRef idx="minor">
-            <a:schemeClr val="lt1"/>
-          </a:fontRef>
-        </p:style>
-        <p:txBody>
-          <a:bodyPr rtlCol="0" anchor="ctr"/>
-          <a:lstStyle/>
-          <a:p>
-            <a:pPr algn="ctr"/>
-            <a:endParaRPr lang="en-US"/>
           </a:p>
         </p:txBody>
       </p:sp>
@@ -11512,7 +11184,7 @@
         </p:nvSpPr>
         <p:spPr>
           <a:xfrm>
-            <a:off x="2195736" y="6531000"/>
+            <a:off x="1772451" y="6500849"/>
             <a:ext cx="3238799" cy="424199"/>
           </a:xfrm>
           <a:prstGeom prst="rect">
@@ -11532,7 +11204,7 @@
             </a:pPr>
             <a:r>
               <a:rPr lang="en-US" sz="1400" dirty="0"/>
-              <a:t>Admin home page </a:t>
+              <a:t>Admin report details page </a:t>
             </a:r>
             <a:endParaRPr sz="1300" dirty="0">
               <a:solidFill>
@@ -11544,7 +11216,7 @@
       </p:sp>
       <p:pic>
         <p:nvPicPr>
-          <p:cNvPr id="6146" name="Picture 2" descr="D:\FAX\SW2\SW2015\Mockups\Web Mockups\14 Admin list reports.png"/>
+          <p:cNvPr id="7170" name="Picture 2" descr="D:\FAX\SW2\SW2015\Mockups\Web Mockups\15 Admin report details page.png"/>
           <p:cNvPicPr>
             <a:picLocks noChangeAspect="1" noChangeArrowheads="1"/>
           </p:cNvPicPr>
@@ -11565,8 +11237,8 @@
         </p:blipFill>
         <p:spPr bwMode="auto">
           <a:xfrm>
-            <a:off x="547351" y="912764"/>
-            <a:ext cx="5968866" cy="5123665"/>
+            <a:off x="2627784" y="958657"/>
+            <a:ext cx="6146769" cy="5276377"/>
           </a:xfrm>
           <a:prstGeom prst="rect">
             <a:avLst/>
@@ -11585,13 +11257,13 @@
       </p:pic>
       <p:sp>
         <p:nvSpPr>
-          <p:cNvPr id="12" name="Down Arrow 11"/>
+          <p:cNvPr id="11" name="Down Arrow 10"/>
           <p:cNvSpPr/>
           <p:nvPr/>
         </p:nvSpPr>
         <p:spPr>
-          <a:xfrm rot="5400000">
-            <a:off x="6516216" y="2826524"/>
+          <a:xfrm rot="16200000">
+            <a:off x="2278693" y="2473910"/>
             <a:ext cx="504056" cy="792088"/>
           </a:xfrm>
           <a:prstGeom prst="downArrow">
@@ -11625,14 +11297,14 @@
       </p:sp>
       <p:sp>
         <p:nvSpPr>
-          <p:cNvPr id="2" name="TextBox 1"/>
+          <p:cNvPr id="12" name="TextBox 11"/>
           <p:cNvSpPr txBox="1"/>
           <p:nvPr/>
         </p:nvSpPr>
         <p:spPr>
           <a:xfrm>
-            <a:off x="7274344" y="2695222"/>
-            <a:ext cx="1666901" cy="1077218"/>
+            <a:off x="321996" y="2496037"/>
+            <a:ext cx="1664812" cy="1077218"/>
           </a:xfrm>
           <a:prstGeom prst="rect">
             <a:avLst/>
@@ -11658,7 +11330,92 @@
                   <a:srgbClr val="002060"/>
                 </a:solidFill>
               </a:rPr>
-              <a:t>Show details action brings Admin to Report details page</a:t>
+              <a:t>Information about the user that made the repot</a:t>
+            </a:r>
+            <a:endParaRPr lang="en-US" sz="1600" dirty="0">
+              <a:solidFill>
+                <a:srgbClr val="002060"/>
+              </a:solidFill>
+            </a:endParaRPr>
+          </a:p>
+        </p:txBody>
+      </p:sp>
+      <p:sp>
+        <p:nvSpPr>
+          <p:cNvPr id="13" name="Down Arrow 12"/>
+          <p:cNvSpPr/>
+          <p:nvPr/>
+        </p:nvSpPr>
+        <p:spPr>
+          <a:xfrm rot="8992821">
+            <a:off x="7350616" y="2921300"/>
+            <a:ext cx="504056" cy="1112758"/>
+          </a:xfrm>
+          <a:prstGeom prst="downArrow">
+            <a:avLst/>
+          </a:prstGeom>
+        </p:spPr>
+        <p:style>
+          <a:lnRef idx="2">
+            <a:schemeClr val="accent1">
+              <a:shade val="50000"/>
+            </a:schemeClr>
+          </a:lnRef>
+          <a:fillRef idx="1">
+            <a:schemeClr val="accent1"/>
+          </a:fillRef>
+          <a:effectRef idx="0">
+            <a:schemeClr val="accent1"/>
+          </a:effectRef>
+          <a:fontRef idx="minor">
+            <a:schemeClr val="lt1"/>
+          </a:fontRef>
+        </p:style>
+        <p:txBody>
+          <a:bodyPr rtlCol="0" anchor="ctr"/>
+          <a:lstStyle/>
+          <a:p>
+            <a:pPr algn="ctr"/>
+            <a:endParaRPr lang="en-US"/>
+          </a:p>
+        </p:txBody>
+      </p:sp>
+      <p:sp>
+        <p:nvSpPr>
+          <p:cNvPr id="14" name="TextBox 13"/>
+          <p:cNvSpPr txBox="1"/>
+          <p:nvPr/>
+        </p:nvSpPr>
+        <p:spPr>
+          <a:xfrm>
+            <a:off x="7250894" y="4221088"/>
+            <a:ext cx="1664812" cy="830997"/>
+          </a:xfrm>
+          <a:prstGeom prst="rect">
+            <a:avLst/>
+          </a:prstGeom>
+          <a:noFill/>
+          <a:ln w="25400">
+            <a:solidFill>
+              <a:schemeClr val="accent1">
+                <a:shade val="50000"/>
+              </a:schemeClr>
+            </a:solidFill>
+          </a:ln>
+        </p:spPr>
+        <p:txBody>
+          <a:bodyPr wrap="square" rtlCol="0">
+            <a:spAutoFit/>
+          </a:bodyPr>
+          <a:lstStyle/>
+          <a:p>
+            <a:r>
+              <a:rPr lang="en-US" sz="1600" dirty="0" smtClean="0">
+                <a:solidFill>
+                  <a:srgbClr val="002060"/>
+                </a:solidFill>
+              </a:rPr>
+              <a:t>Bans reported user from the system</a:t>
             </a:r>
             <a:endParaRPr lang="en-US" sz="1600" dirty="0">
               <a:solidFill>
@@ -11735,7 +11492,7 @@
           <a:p>
             <a:pPr lvl="0"/>
             <a:r>
-              <a:rPr lang="en-US" sz="3000" dirty="0">
+              <a:rPr lang="en-US" sz="3000" dirty="0" smtClean="0">
                 <a:solidFill>
                   <a:srgbClr val="003366"/>
                 </a:solidFill>
@@ -11743,14 +11500,20 @@
               <a:t>Specific requirements - </a:t>
             </a:r>
             <a:r>
-              <a:rPr lang="en-US" sz="3200" dirty="0">
-                <a:solidFill>
-                  <a:schemeClr val="accent1">
-                    <a:lumMod val="50000"/>
-                  </a:schemeClr>
+              <a:rPr lang="en-US" sz="3000" dirty="0">
+                <a:solidFill>
+                  <a:srgbClr val="003366"/>
                 </a:solidFill>
               </a:rPr>
-              <a:t>Mockups</a:t>
+              <a:t>Use </a:t>
+            </a:r>
+            <a:r>
+              <a:rPr lang="en-US" sz="3000" dirty="0" smtClean="0">
+                <a:solidFill>
+                  <a:srgbClr val="003366"/>
+                </a:solidFill>
+              </a:rPr>
+              <a:t>cases</a:t>
             </a:r>
             <a:endParaRPr sz="3000" dirty="0">
               <a:solidFill>
@@ -11924,7 +11687,7 @@
         </p:nvSpPr>
         <p:spPr>
           <a:xfrm>
-            <a:off x="1772451" y="6500849"/>
+            <a:off x="2339752" y="6531000"/>
             <a:ext cx="3238799" cy="424199"/>
           </a:xfrm>
           <a:prstGeom prst="rect">
@@ -11944,7 +11707,11 @@
             </a:pPr>
             <a:r>
               <a:rPr lang="en-US" sz="1400" dirty="0"/>
-              <a:t>Admin report details page </a:t>
+              <a:t>Sign Up use </a:t>
+            </a:r>
+            <a:r>
+              <a:rPr lang="en-US" sz="1400" dirty="0" smtClean="0"/>
+              <a:t>case</a:t>
             </a:r>
             <a:endParaRPr sz="1300" dirty="0">
               <a:solidFill>
@@ -11956,7 +11723,7 @@
       </p:sp>
       <p:pic>
         <p:nvPicPr>
-          <p:cNvPr id="7170" name="Picture 2" descr="D:\FAX\SW2\SW2015\Mockups\Web Mockups\15 Admin report details page.png"/>
+          <p:cNvPr id="8194" name="Picture 2"/>
           <p:cNvPicPr>
             <a:picLocks noChangeAspect="1" noChangeArrowheads="1"/>
           </p:cNvPicPr>
@@ -11977,194 +11744,37 @@
         </p:blipFill>
         <p:spPr bwMode="auto">
           <a:xfrm>
-            <a:off x="2627784" y="958657"/>
-            <a:ext cx="6146769" cy="5276377"/>
-          </a:xfrm>
-          <a:prstGeom prst="rect">
-            <a:avLst/>
-          </a:prstGeom>
-          <a:noFill/>
+            <a:off x="0" y="1052735"/>
+            <a:ext cx="9144000" cy="5069941"/>
+          </a:xfrm>
+          <a:prstGeom prst="rect">
+            <a:avLst/>
+          </a:prstGeom>
+          <a:noFill/>
+          <a:ln>
+            <a:noFill/>
+          </a:ln>
           <a:extLst>
             <a:ext uri="{909E8E84-426E-40DD-AFC4-6F175D3DCCD1}">
               <a14:hiddenFill xmlns:a14="http://schemas.microsoft.com/office/drawing/2010/main">
                 <a:solidFill>
-                  <a:srgbClr val="FFFFFF"/>
+                  <a:schemeClr val="accent1"/>
                 </a:solidFill>
               </a14:hiddenFill>
             </a:ext>
+            <a:ext uri="{91240B29-F687-4F45-9708-019B960494DF}">
+              <a14:hiddenLine xmlns:a14="http://schemas.microsoft.com/office/drawing/2010/main" w="9525">
+                <a:solidFill>
+                  <a:schemeClr val="tx1"/>
+                </a:solidFill>
+                <a:miter lim="800000"/>
+                <a:headEnd/>
+                <a:tailEnd/>
+              </a14:hiddenLine>
+            </a:ext>
           </a:extLst>
         </p:spPr>
       </p:pic>
-      <p:sp>
-        <p:nvSpPr>
-          <p:cNvPr id="11" name="Down Arrow 10"/>
-          <p:cNvSpPr/>
-          <p:nvPr/>
-        </p:nvSpPr>
-        <p:spPr>
-          <a:xfrm rot="16200000">
-            <a:off x="2278693" y="2473910"/>
-            <a:ext cx="504056" cy="792088"/>
-          </a:xfrm>
-          <a:prstGeom prst="downArrow">
-            <a:avLst/>
-          </a:prstGeom>
-        </p:spPr>
-        <p:style>
-          <a:lnRef idx="2">
-            <a:schemeClr val="accent1">
-              <a:shade val="50000"/>
-            </a:schemeClr>
-          </a:lnRef>
-          <a:fillRef idx="1">
-            <a:schemeClr val="accent1"/>
-          </a:fillRef>
-          <a:effectRef idx="0">
-            <a:schemeClr val="accent1"/>
-          </a:effectRef>
-          <a:fontRef idx="minor">
-            <a:schemeClr val="lt1"/>
-          </a:fontRef>
-        </p:style>
-        <p:txBody>
-          <a:bodyPr rtlCol="0" anchor="ctr"/>
-          <a:lstStyle/>
-          <a:p>
-            <a:pPr algn="ctr"/>
-            <a:endParaRPr lang="en-US"/>
-          </a:p>
-        </p:txBody>
-      </p:sp>
-      <p:sp>
-        <p:nvSpPr>
-          <p:cNvPr id="12" name="TextBox 11"/>
-          <p:cNvSpPr txBox="1"/>
-          <p:nvPr/>
-        </p:nvSpPr>
-        <p:spPr>
-          <a:xfrm>
-            <a:off x="321996" y="2496037"/>
-            <a:ext cx="1664812" cy="1077218"/>
-          </a:xfrm>
-          <a:prstGeom prst="rect">
-            <a:avLst/>
-          </a:prstGeom>
-          <a:noFill/>
-          <a:ln w="25400">
-            <a:solidFill>
-              <a:schemeClr val="accent1">
-                <a:shade val="50000"/>
-              </a:schemeClr>
-            </a:solidFill>
-          </a:ln>
-        </p:spPr>
-        <p:txBody>
-          <a:bodyPr wrap="square" rtlCol="0">
-            <a:spAutoFit/>
-          </a:bodyPr>
-          <a:lstStyle/>
-          <a:p>
-            <a:r>
-              <a:rPr lang="en-US" sz="1600" dirty="0" smtClean="0">
-                <a:solidFill>
-                  <a:srgbClr val="002060"/>
-                </a:solidFill>
-              </a:rPr>
-              <a:t>Information about the user that made the repot</a:t>
-            </a:r>
-            <a:endParaRPr lang="en-US" sz="1600" dirty="0">
-              <a:solidFill>
-                <a:srgbClr val="002060"/>
-              </a:solidFill>
-            </a:endParaRPr>
-          </a:p>
-        </p:txBody>
-      </p:sp>
-      <p:sp>
-        <p:nvSpPr>
-          <p:cNvPr id="13" name="Down Arrow 12"/>
-          <p:cNvSpPr/>
-          <p:nvPr/>
-        </p:nvSpPr>
-        <p:spPr>
-          <a:xfrm rot="8992821">
-            <a:off x="7350616" y="2921300"/>
-            <a:ext cx="504056" cy="1112758"/>
-          </a:xfrm>
-          <a:prstGeom prst="downArrow">
-            <a:avLst/>
-          </a:prstGeom>
-        </p:spPr>
-        <p:style>
-          <a:lnRef idx="2">
-            <a:schemeClr val="accent1">
-              <a:shade val="50000"/>
-            </a:schemeClr>
-          </a:lnRef>
-          <a:fillRef idx="1">
-            <a:schemeClr val="accent1"/>
-          </a:fillRef>
-          <a:effectRef idx="0">
-            <a:schemeClr val="accent1"/>
-          </a:effectRef>
-          <a:fontRef idx="minor">
-            <a:schemeClr val="lt1"/>
-          </a:fontRef>
-        </p:style>
-        <p:txBody>
-          <a:bodyPr rtlCol="0" anchor="ctr"/>
-          <a:lstStyle/>
-          <a:p>
-            <a:pPr algn="ctr"/>
-            <a:endParaRPr lang="en-US"/>
-          </a:p>
-        </p:txBody>
-      </p:sp>
-      <p:sp>
-        <p:nvSpPr>
-          <p:cNvPr id="14" name="TextBox 13"/>
-          <p:cNvSpPr txBox="1"/>
-          <p:nvPr/>
-        </p:nvSpPr>
-        <p:spPr>
-          <a:xfrm>
-            <a:off x="7250894" y="4221088"/>
-            <a:ext cx="1664812" cy="830997"/>
-          </a:xfrm>
-          <a:prstGeom prst="rect">
-            <a:avLst/>
-          </a:prstGeom>
-          <a:noFill/>
-          <a:ln w="25400">
-            <a:solidFill>
-              <a:schemeClr val="accent1">
-                <a:shade val="50000"/>
-              </a:schemeClr>
-            </a:solidFill>
-          </a:ln>
-        </p:spPr>
-        <p:txBody>
-          <a:bodyPr wrap="square" rtlCol="0">
-            <a:spAutoFit/>
-          </a:bodyPr>
-          <a:lstStyle/>
-          <a:p>
-            <a:r>
-              <a:rPr lang="en-US" sz="1600" dirty="0" smtClean="0">
-                <a:solidFill>
-                  <a:srgbClr val="002060"/>
-                </a:solidFill>
-              </a:rPr>
-              <a:t>Bans reported user from the system</a:t>
-            </a:r>
-            <a:endParaRPr lang="en-US" sz="1600" dirty="0">
-              <a:solidFill>
-                <a:srgbClr val="002060"/>
-              </a:solidFill>
-            </a:endParaRPr>
-          </a:p>
-        </p:txBody>
-      </p:sp>
     </p:spTree>
     <p:extLst>
       <p:ext uri="{BB962C8B-B14F-4D97-AF65-F5344CB8AC3E}">
@@ -12232,28 +11842,12 @@
           <a:p>
             <a:pPr lvl="0"/>
             <a:r>
-              <a:rPr lang="en-US" sz="3000" dirty="0" smtClean="0">
+              <a:rPr lang="en-US" sz="3000" dirty="0">
                 <a:solidFill>
                   <a:srgbClr val="003366"/>
                 </a:solidFill>
               </a:rPr>
-              <a:t>Specific requirements - </a:t>
-            </a:r>
-            <a:r>
-              <a:rPr lang="en-US" sz="3000" dirty="0">
-                <a:solidFill>
-                  <a:srgbClr val="003366"/>
-                </a:solidFill>
-              </a:rPr>
-              <a:t>Use </a:t>
-            </a:r>
-            <a:r>
-              <a:rPr lang="en-US" sz="3000" dirty="0" smtClean="0">
-                <a:solidFill>
-                  <a:srgbClr val="003366"/>
-                </a:solidFill>
-              </a:rPr>
-              <a:t>cases</a:t>
+              <a:t>Specific requirements - Use cases</a:t>
             </a:r>
             <a:endParaRPr sz="3000" dirty="0">
               <a:solidFill>
@@ -12427,7 +12021,7 @@
         </p:nvSpPr>
         <p:spPr>
           <a:xfrm>
-            <a:off x="2339752" y="6531000"/>
+            <a:off x="2016496" y="6531000"/>
             <a:ext cx="3238799" cy="424199"/>
           </a:xfrm>
           <a:prstGeom prst="rect">
@@ -12447,7 +12041,7 @@
             </a:pPr>
             <a:r>
               <a:rPr lang="en-US" sz="1400" dirty="0"/>
-              <a:t>Sign Up use </a:t>
+              <a:t>Manage profile use </a:t>
             </a:r>
             <a:r>
               <a:rPr lang="en-US" sz="1400" dirty="0" smtClean="0"/>
@@ -12463,7 +12057,7 @@
       </p:sp>
       <p:pic>
         <p:nvPicPr>
-          <p:cNvPr id="8194" name="Picture 2"/>
+          <p:cNvPr id="2050" name="Picture 2"/>
           <p:cNvPicPr>
             <a:picLocks noChangeAspect="1" noChangeArrowheads="1"/>
           </p:cNvPicPr>
@@ -12484,8 +12078,8 @@
         </p:blipFill>
         <p:spPr bwMode="auto">
           <a:xfrm>
-            <a:off x="528728" y="1052736"/>
-            <a:ext cx="8042464" cy="4459188"/>
+            <a:off x="-205237" y="980728"/>
+            <a:ext cx="9422977" cy="5056231"/>
           </a:xfrm>
           <a:prstGeom prst="rect">
             <a:avLst/>
@@ -12761,8 +12355,8 @@
         </p:nvSpPr>
         <p:spPr>
           <a:xfrm>
-            <a:off x="2016496" y="6531000"/>
-            <a:ext cx="3238799" cy="424199"/>
+            <a:off x="1204439" y="6531000"/>
+            <a:ext cx="3753122" cy="424199"/>
           </a:xfrm>
           <a:prstGeom prst="rect">
             <a:avLst/>
@@ -12780,8 +12374,12 @@
               </a:lnSpc>
             </a:pPr>
             <a:r>
+              <a:rPr lang="en-US" sz="1400" dirty="0" smtClean="0"/>
+              <a:t>Request / Reserve a taxi </a:t>
+            </a:r>
+            <a:r>
               <a:rPr lang="en-US" sz="1400" dirty="0"/>
-              <a:t>Manage profile use </a:t>
+              <a:t>use </a:t>
             </a:r>
             <a:r>
               <a:rPr lang="en-US" sz="1400" dirty="0" smtClean="0"/>
@@ -12797,7 +12395,7 @@
       </p:sp>
       <p:pic>
         <p:nvPicPr>
-          <p:cNvPr id="2050" name="Picture 2"/>
+          <p:cNvPr id="3074" name="Picture 2"/>
           <p:cNvPicPr>
             <a:picLocks noChangeAspect="1" noChangeArrowheads="1"/>
           </p:cNvPicPr>
@@ -12818,8 +12416,8 @@
         </p:blipFill>
         <p:spPr bwMode="auto">
           <a:xfrm>
-            <a:off x="1" y="965057"/>
-            <a:ext cx="9143998" cy="4906535"/>
+            <a:off x="827584" y="765280"/>
+            <a:ext cx="6805385" cy="2404910"/>
           </a:xfrm>
           <a:prstGeom prst="rect">
             <a:avLst/>
@@ -12849,10 +12447,64 @@
           </a:extLst>
         </p:spPr>
       </p:pic>
+      <p:pic>
+        <p:nvPicPr>
+          <p:cNvPr id="3075" name="Picture 3"/>
+          <p:cNvPicPr>
+            <a:picLocks noChangeAspect="1" noChangeArrowheads="1"/>
+          </p:cNvPicPr>
+          <p:nvPr/>
+        </p:nvPicPr>
+        <p:blipFill>
+          <a:blip r:embed="rId7">
+            <a:extLst>
+              <a:ext uri="{28A0092B-C50C-407E-A947-70E740481C1C}">
+                <a14:useLocalDpi xmlns:a14="http://schemas.microsoft.com/office/drawing/2010/main" val="0"/>
+              </a:ext>
+            </a:extLst>
+          </a:blip>
+          <a:srcRect/>
+          <a:stretch>
+            <a:fillRect/>
+          </a:stretch>
+        </p:blipFill>
+        <p:spPr bwMode="auto">
+          <a:xfrm>
+            <a:off x="827584" y="2966917"/>
+            <a:ext cx="7736156" cy="3616904"/>
+          </a:xfrm>
+          <a:prstGeom prst="rect">
+            <a:avLst/>
+          </a:prstGeom>
+          <a:noFill/>
+          <a:ln>
+            <a:noFill/>
+          </a:ln>
+          <a:extLst>
+            <a:ext uri="{909E8E84-426E-40DD-AFC4-6F175D3DCCD1}">
+              <a14:hiddenFill xmlns:a14="http://schemas.microsoft.com/office/drawing/2010/main">
+                <a:solidFill>
+                  <a:schemeClr val="accent1"/>
+                </a:solidFill>
+              </a14:hiddenFill>
+            </a:ext>
+            <a:ext uri="{91240B29-F687-4F45-9708-019B960494DF}">
+              <a14:hiddenLine xmlns:a14="http://schemas.microsoft.com/office/drawing/2010/main" w="9525">
+                <a:solidFill>
+                  <a:schemeClr val="tx1"/>
+                </a:solidFill>
+                <a:miter lim="800000"/>
+                <a:headEnd/>
+                <a:tailEnd/>
+              </a14:hiddenLine>
+            </a:ext>
+          </a:extLst>
+        </p:spPr>
+      </p:pic>
     </p:spTree>
     <p:extLst>
       <p:ext uri="{BB962C8B-B14F-4D97-AF65-F5344CB8AC3E}">
-        <p14:creationId xmlns:p14="http://schemas.microsoft.com/office/powerpoint/2010/main" val="762104067"/>
+        <p14:creationId xmlns:p14="http://schemas.microsoft.com/office/powerpoint/2010/main" val="3158333181"/>
       </p:ext>
     </p:extLst>
   </p:cSld>
@@ -13085,57 +12737,37 @@
       </p:pic>
       <p:sp>
         <p:nvSpPr>
-          <p:cNvPr id="40" name="Shape 40"/>
-          <p:cNvSpPr txBox="1">
-            <a:spLocks noGrp="1"/>
-          </p:cNvSpPr>
-          <p:nvPr>
-            <p:ph type="ctrTitle" idx="4294967295"/>
-          </p:nvPr>
+          <p:cNvPr id="10" name="TextBox 9"/>
+          <p:cNvSpPr txBox="1"/>
+          <p:nvPr/>
         </p:nvSpPr>
         <p:spPr>
           <a:xfrm>
-            <a:off x="1204439" y="6531000"/>
-            <a:ext cx="3753122" cy="424199"/>
-          </a:xfrm>
-          <a:prstGeom prst="rect">
-            <a:avLst/>
-          </a:prstGeom>
+            <a:off x="547350" y="980728"/>
+            <a:ext cx="7913082" cy="307777"/>
+          </a:xfrm>
+          <a:prstGeom prst="rect">
+            <a:avLst/>
+          </a:prstGeom>
+          <a:noFill/>
         </p:spPr>
         <p:txBody>
-          <a:bodyPr lIns="91425" tIns="91425" rIns="91425" bIns="91425" anchor="ctr" anchorCtr="0">
-            <a:noAutofit/>
+          <a:bodyPr wrap="square" rtlCol="0">
+            <a:spAutoFit/>
           </a:bodyPr>
           <a:lstStyle/>
           <a:p>
-            <a:pPr indent="457200">
-              <a:lnSpc>
-                <a:spcPct val="115000"/>
-              </a:lnSpc>
-            </a:pPr>
-            <a:r>
-              <a:rPr lang="en-US" sz="1400" dirty="0" smtClean="0"/>
-              <a:t>Request / Reserve a taxi </a:t>
-            </a:r>
-            <a:r>
-              <a:rPr lang="en-US" sz="1400" dirty="0"/>
-              <a:t>use </a:t>
-            </a:r>
-            <a:r>
-              <a:rPr lang="en-US" sz="1400" dirty="0" smtClean="0"/>
-              <a:t>case</a:t>
-            </a:r>
-            <a:endParaRPr sz="1300" dirty="0">
-              <a:solidFill>
-                <a:srgbClr val="003366"/>
-              </a:solidFill>
-            </a:endParaRPr>
+            <a:r>
+              <a:rPr lang="en-US" dirty="0" smtClean="0"/>
+              <a:t>Use cases</a:t>
+            </a:r>
+            <a:endParaRPr lang="en-US" dirty="0"/>
           </a:p>
         </p:txBody>
       </p:sp>
       <p:pic>
         <p:nvPicPr>
-          <p:cNvPr id="3074" name="Picture 2"/>
+          <p:cNvPr id="4098" name="Picture 2"/>
           <p:cNvPicPr>
             <a:picLocks noChangeAspect="1" noChangeArrowheads="1"/>
           </p:cNvPicPr>
@@ -13156,8 +12788,8 @@
         </p:blipFill>
         <p:spPr bwMode="auto">
           <a:xfrm>
-            <a:off x="1168507" y="741694"/>
-            <a:ext cx="6319889" cy="2233344"/>
+            <a:off x="-32068" y="771416"/>
+            <a:ext cx="7772420" cy="2541244"/>
           </a:xfrm>
           <a:prstGeom prst="rect">
             <a:avLst/>
@@ -13189,7 +12821,7 @@
       </p:pic>
       <p:pic>
         <p:nvPicPr>
-          <p:cNvPr id="3075" name="Picture 3"/>
+          <p:cNvPr id="4099" name="Picture 3"/>
           <p:cNvPicPr>
             <a:picLocks noChangeAspect="1" noChangeArrowheads="1"/>
           </p:cNvPicPr>
@@ -13210,8 +12842,8 @@
         </p:blipFill>
         <p:spPr bwMode="auto">
           <a:xfrm>
-            <a:off x="1168507" y="3027293"/>
-            <a:ext cx="6806983" cy="3182486"/>
+            <a:off x="-1674" y="3433834"/>
+            <a:ext cx="8855348" cy="2773658"/>
           </a:xfrm>
           <a:prstGeom prst="rect">
             <a:avLst/>
@@ -13241,10 +12873,358 @@
           </a:extLst>
         </p:spPr>
       </p:pic>
+      <p:sp>
+        <p:nvSpPr>
+          <p:cNvPr id="14" name="Shape 40"/>
+          <p:cNvSpPr txBox="1">
+            <a:spLocks/>
+          </p:cNvSpPr>
+          <p:nvPr/>
+        </p:nvSpPr>
+        <p:spPr>
+          <a:xfrm>
+            <a:off x="1772451" y="6490690"/>
+            <a:ext cx="3238799" cy="424199"/>
+          </a:xfrm>
+          <a:prstGeom prst="rect">
+            <a:avLst/>
+          </a:prstGeom>
+          <a:noFill/>
+          <a:ln>
+            <a:noFill/>
+          </a:ln>
+        </p:spPr>
+        <p:txBody>
+          <a:bodyPr lIns="91425" tIns="91425" rIns="91425" bIns="91425" anchor="ctr" anchorCtr="0">
+            <a:noAutofit/>
+          </a:bodyPr>
+          <a:lstStyle>
+            <a:defPPr marR="0" algn="l" rtl="0">
+              <a:lnSpc>
+                <a:spcPct val="100000"/>
+              </a:lnSpc>
+              <a:spcBef>
+                <a:spcPts val="0"/>
+              </a:spcBef>
+              <a:spcAft>
+                <a:spcPts val="0"/>
+              </a:spcAft>
+            </a:defPPr>
+            <a:lvl1pPr marR="0" algn="l" rtl="0">
+              <a:lnSpc>
+                <a:spcPct val="100000"/>
+              </a:lnSpc>
+              <a:spcBef>
+                <a:spcPts val="0"/>
+              </a:spcBef>
+              <a:spcAft>
+                <a:spcPts val="0"/>
+              </a:spcAft>
+              <a:buClr>
+                <a:schemeClr val="dk1"/>
+              </a:buClr>
+              <a:buSzPct val="100000"/>
+              <a:buFont typeface="Arial"/>
+              <a:buNone/>
+              <a:defRPr sz="3600" b="1" i="0" u="none" strike="noStrike" cap="none" baseline="0">
+                <a:solidFill>
+                  <a:schemeClr val="dk1"/>
+                </a:solidFill>
+                <a:latin typeface="Arial"/>
+                <a:ea typeface="Arial"/>
+                <a:cs typeface="Arial"/>
+                <a:sym typeface="Arial"/>
+                <a:rtl val="0"/>
+              </a:defRPr>
+            </a:lvl1pPr>
+            <a:lvl2pPr algn="l" rtl="0">
+              <a:spcBef>
+                <a:spcPts val="0"/>
+              </a:spcBef>
+              <a:buClr>
+                <a:schemeClr val="dk1"/>
+              </a:buClr>
+              <a:buSzPct val="100000"/>
+              <a:buFont typeface="Arial"/>
+              <a:buNone/>
+              <a:defRPr sz="3600" b="1" i="0" u="none" strike="noStrike" cap="none" baseline="0">
+                <a:solidFill>
+                  <a:schemeClr val="dk1"/>
+                </a:solidFill>
+                <a:latin typeface="Arial"/>
+                <a:ea typeface="Arial"/>
+                <a:cs typeface="Arial"/>
+                <a:sym typeface="Arial"/>
+              </a:defRPr>
+            </a:lvl2pPr>
+            <a:lvl3pPr algn="l" rtl="0">
+              <a:spcBef>
+                <a:spcPts val="0"/>
+              </a:spcBef>
+              <a:buClr>
+                <a:schemeClr val="dk1"/>
+              </a:buClr>
+              <a:buSzPct val="100000"/>
+              <a:buFont typeface="Arial"/>
+              <a:buNone/>
+              <a:defRPr sz="3600" b="1" i="0" u="none" strike="noStrike" cap="none" baseline="0">
+                <a:solidFill>
+                  <a:schemeClr val="dk1"/>
+                </a:solidFill>
+                <a:latin typeface="Arial"/>
+                <a:ea typeface="Arial"/>
+                <a:cs typeface="Arial"/>
+                <a:sym typeface="Arial"/>
+              </a:defRPr>
+            </a:lvl3pPr>
+            <a:lvl4pPr algn="l" rtl="0">
+              <a:spcBef>
+                <a:spcPts val="0"/>
+              </a:spcBef>
+              <a:buClr>
+                <a:schemeClr val="dk1"/>
+              </a:buClr>
+              <a:buSzPct val="100000"/>
+              <a:buFont typeface="Arial"/>
+              <a:buNone/>
+              <a:defRPr sz="3600" b="1" i="0" u="none" strike="noStrike" cap="none" baseline="0">
+                <a:solidFill>
+                  <a:schemeClr val="dk1"/>
+                </a:solidFill>
+                <a:latin typeface="Arial"/>
+                <a:ea typeface="Arial"/>
+                <a:cs typeface="Arial"/>
+                <a:sym typeface="Arial"/>
+              </a:defRPr>
+            </a:lvl4pPr>
+            <a:lvl5pPr algn="l" rtl="0">
+              <a:spcBef>
+                <a:spcPts val="0"/>
+              </a:spcBef>
+              <a:buClr>
+                <a:schemeClr val="dk1"/>
+              </a:buClr>
+              <a:buSzPct val="100000"/>
+              <a:buFont typeface="Arial"/>
+              <a:buNone/>
+              <a:defRPr sz="3600" b="1" i="0" u="none" strike="noStrike" cap="none" baseline="0">
+                <a:solidFill>
+                  <a:schemeClr val="dk1"/>
+                </a:solidFill>
+                <a:latin typeface="Arial"/>
+                <a:ea typeface="Arial"/>
+                <a:cs typeface="Arial"/>
+                <a:sym typeface="Arial"/>
+              </a:defRPr>
+            </a:lvl5pPr>
+            <a:lvl6pPr algn="l" rtl="0">
+              <a:spcBef>
+                <a:spcPts val="0"/>
+              </a:spcBef>
+              <a:buClr>
+                <a:schemeClr val="dk1"/>
+              </a:buClr>
+              <a:buSzPct val="100000"/>
+              <a:buFont typeface="Arial"/>
+              <a:buNone/>
+              <a:defRPr sz="3600" b="1" i="0" u="none" strike="noStrike" cap="none" baseline="0">
+                <a:solidFill>
+                  <a:schemeClr val="dk1"/>
+                </a:solidFill>
+                <a:latin typeface="Arial"/>
+                <a:ea typeface="Arial"/>
+                <a:cs typeface="Arial"/>
+                <a:sym typeface="Arial"/>
+              </a:defRPr>
+            </a:lvl6pPr>
+            <a:lvl7pPr algn="l" rtl="0">
+              <a:spcBef>
+                <a:spcPts val="0"/>
+              </a:spcBef>
+              <a:buClr>
+                <a:schemeClr val="dk1"/>
+              </a:buClr>
+              <a:buSzPct val="100000"/>
+              <a:buFont typeface="Arial"/>
+              <a:buNone/>
+              <a:defRPr sz="3600" b="1" i="0" u="none" strike="noStrike" cap="none" baseline="0">
+                <a:solidFill>
+                  <a:schemeClr val="dk1"/>
+                </a:solidFill>
+                <a:latin typeface="Arial"/>
+                <a:ea typeface="Arial"/>
+                <a:cs typeface="Arial"/>
+                <a:sym typeface="Arial"/>
+              </a:defRPr>
+            </a:lvl7pPr>
+            <a:lvl8pPr algn="l" rtl="0">
+              <a:spcBef>
+                <a:spcPts val="0"/>
+              </a:spcBef>
+              <a:buClr>
+                <a:schemeClr val="dk1"/>
+              </a:buClr>
+              <a:buSzPct val="100000"/>
+              <a:buFont typeface="Arial"/>
+              <a:buNone/>
+              <a:defRPr sz="3600" b="1" i="0" u="none" strike="noStrike" cap="none" baseline="0">
+                <a:solidFill>
+                  <a:schemeClr val="dk1"/>
+                </a:solidFill>
+                <a:latin typeface="Arial"/>
+                <a:ea typeface="Arial"/>
+                <a:cs typeface="Arial"/>
+                <a:sym typeface="Arial"/>
+              </a:defRPr>
+            </a:lvl8pPr>
+            <a:lvl9pPr algn="l" rtl="0">
+              <a:spcBef>
+                <a:spcPts val="0"/>
+              </a:spcBef>
+              <a:buClr>
+                <a:schemeClr val="dk1"/>
+              </a:buClr>
+              <a:buSzPct val="100000"/>
+              <a:buFont typeface="Arial"/>
+              <a:buNone/>
+              <a:defRPr sz="3600" b="1" i="0" u="none" strike="noStrike" cap="none" baseline="0">
+                <a:solidFill>
+                  <a:schemeClr val="dk1"/>
+                </a:solidFill>
+                <a:latin typeface="Arial"/>
+                <a:ea typeface="Arial"/>
+                <a:cs typeface="Arial"/>
+                <a:sym typeface="Arial"/>
+              </a:defRPr>
+            </a:lvl9pPr>
+          </a:lstStyle>
+          <a:p>
+            <a:endParaRPr lang="en-US" sz="1300" dirty="0">
+              <a:solidFill>
+                <a:srgbClr val="003366"/>
+              </a:solidFill>
+            </a:endParaRPr>
+          </a:p>
+        </p:txBody>
+      </p:sp>
+      <p:sp>
+        <p:nvSpPr>
+          <p:cNvPr id="16" name="TextBox 15"/>
+          <p:cNvSpPr txBox="1"/>
+          <p:nvPr/>
+        </p:nvSpPr>
+        <p:spPr>
+          <a:xfrm>
+            <a:off x="1622574" y="2727885"/>
+            <a:ext cx="1873740" cy="584775"/>
+          </a:xfrm>
+          <a:prstGeom prst="rect">
+            <a:avLst/>
+          </a:prstGeom>
+          <a:noFill/>
+          <a:ln w="25400">
+            <a:solidFill>
+              <a:schemeClr val="accent1">
+                <a:shade val="50000"/>
+              </a:schemeClr>
+            </a:solidFill>
+          </a:ln>
+        </p:spPr>
+        <p:txBody>
+          <a:bodyPr wrap="square" rtlCol="0">
+            <a:spAutoFit/>
+          </a:bodyPr>
+          <a:lstStyle/>
+          <a:p>
+            <a:r>
+              <a:rPr lang="en-US" sz="1600" dirty="0">
+                <a:solidFill>
+                  <a:srgbClr val="002060"/>
+                </a:solidFill>
+              </a:rPr>
+              <a:t>Cancel ride use </a:t>
+            </a:r>
+            <a:r>
+              <a:rPr lang="en-US" sz="1600" dirty="0" smtClean="0">
+                <a:solidFill>
+                  <a:srgbClr val="002060"/>
+                </a:solidFill>
+              </a:rPr>
+              <a:t>case (passenger)</a:t>
+            </a:r>
+            <a:endParaRPr lang="en-US" sz="1600" dirty="0">
+              <a:solidFill>
+                <a:srgbClr val="002060"/>
+              </a:solidFill>
+            </a:endParaRPr>
+          </a:p>
+        </p:txBody>
+      </p:sp>
+      <p:sp>
+        <p:nvSpPr>
+          <p:cNvPr id="17" name="TextBox 16"/>
+          <p:cNvSpPr txBox="1"/>
+          <p:nvPr/>
+        </p:nvSpPr>
+        <p:spPr>
+          <a:xfrm>
+            <a:off x="1727038" y="5906834"/>
+            <a:ext cx="1664812" cy="584775"/>
+          </a:xfrm>
+          <a:prstGeom prst="rect">
+            <a:avLst/>
+          </a:prstGeom>
+          <a:noFill/>
+          <a:ln w="25400">
+            <a:solidFill>
+              <a:schemeClr val="accent1">
+                <a:shade val="50000"/>
+              </a:schemeClr>
+            </a:solidFill>
+          </a:ln>
+        </p:spPr>
+        <p:txBody>
+          <a:bodyPr wrap="square" rtlCol="0">
+            <a:spAutoFit/>
+          </a:bodyPr>
+          <a:lstStyle/>
+          <a:p>
+            <a:r>
+              <a:rPr lang="en-US" sz="1600" dirty="0" smtClean="0">
+                <a:solidFill>
+                  <a:srgbClr val="002060"/>
+                </a:solidFill>
+              </a:rPr>
+              <a:t>Confirm/Decline </a:t>
+            </a:r>
+            <a:r>
+              <a:rPr lang="en-US" sz="1600" dirty="0">
+                <a:solidFill>
+                  <a:srgbClr val="002060"/>
+                </a:solidFill>
+              </a:rPr>
+              <a:t>a ride use </a:t>
+            </a:r>
+            <a:r>
+              <a:rPr lang="en-US" sz="1600" dirty="0" smtClean="0">
+                <a:solidFill>
+                  <a:srgbClr val="002060"/>
+                </a:solidFill>
+              </a:rPr>
+              <a:t>case</a:t>
+            </a:r>
+            <a:endParaRPr lang="en-US" sz="1600" dirty="0">
+              <a:solidFill>
+                <a:srgbClr val="002060"/>
+              </a:solidFill>
+            </a:endParaRPr>
+          </a:p>
+        </p:txBody>
+      </p:sp>
     </p:spTree>
     <p:extLst>
       <p:ext uri="{BB962C8B-B14F-4D97-AF65-F5344CB8AC3E}">
-        <p14:creationId xmlns:p14="http://schemas.microsoft.com/office/powerpoint/2010/main" val="3158333181"/>
+        <p14:creationId xmlns:p14="http://schemas.microsoft.com/office/powerpoint/2010/main" val="2735163735"/>
       </p:ext>
     </p:extLst>
   </p:cSld>
@@ -13477,37 +13457,52 @@
       </p:pic>
       <p:sp>
         <p:nvSpPr>
-          <p:cNvPr id="10" name="TextBox 9"/>
-          <p:cNvSpPr txBox="1"/>
-          <p:nvPr/>
+          <p:cNvPr id="40" name="Shape 40"/>
+          <p:cNvSpPr txBox="1">
+            <a:spLocks noGrp="1"/>
+          </p:cNvSpPr>
+          <p:nvPr>
+            <p:ph type="ctrTitle" idx="4294967295"/>
+          </p:nvPr>
         </p:nvSpPr>
         <p:spPr>
           <a:xfrm>
-            <a:off x="547350" y="980728"/>
-            <a:ext cx="7913082" cy="307777"/>
-          </a:xfrm>
-          <a:prstGeom prst="rect">
-            <a:avLst/>
-          </a:prstGeom>
-          <a:noFill/>
+            <a:off x="2339752" y="6645900"/>
+            <a:ext cx="3238799" cy="424199"/>
+          </a:xfrm>
+          <a:prstGeom prst="rect">
+            <a:avLst/>
+          </a:prstGeom>
         </p:spPr>
         <p:txBody>
-          <a:bodyPr wrap="square" rtlCol="0">
-            <a:spAutoFit/>
+          <a:bodyPr lIns="91425" tIns="91425" rIns="91425" bIns="91425" anchor="ctr" anchorCtr="0">
+            <a:noAutofit/>
           </a:bodyPr>
           <a:lstStyle/>
           <a:p>
-            <a:r>
-              <a:rPr lang="en-US" dirty="0" smtClean="0"/>
-              <a:t>Use cases</a:t>
-            </a:r>
-            <a:endParaRPr lang="en-US" dirty="0"/>
+            <a:pPr indent="457200">
+              <a:lnSpc>
+                <a:spcPct val="115000"/>
+              </a:lnSpc>
+            </a:pPr>
+            <a:r>
+              <a:rPr lang="en-US" sz="1400" dirty="0"/>
+              <a:t>Report use case</a:t>
+            </a:r>
+            <a:br>
+              <a:rPr lang="en-US" sz="1400" dirty="0"/>
+            </a:br>
+            <a:endParaRPr sz="1300" dirty="0">
+              <a:solidFill>
+                <a:srgbClr val="003366"/>
+              </a:solidFill>
+            </a:endParaRPr>
           </a:p>
         </p:txBody>
       </p:sp>
       <p:pic>
         <p:nvPicPr>
-          <p:cNvPr id="4098" name="Picture 2"/>
+          <p:cNvPr id="5123" name="Picture 3"/>
           <p:cNvPicPr>
             <a:picLocks noChangeAspect="1" noChangeArrowheads="1"/>
           </p:cNvPicPr>
@@ -13528,8 +13523,8 @@
         </p:blipFill>
         <p:spPr bwMode="auto">
           <a:xfrm>
-            <a:off x="327493" y="961922"/>
-            <a:ext cx="5476875" cy="1790700"/>
+            <a:off x="-97028" y="920459"/>
+            <a:ext cx="9241028" cy="4536504"/>
           </a:xfrm>
           <a:prstGeom prst="rect">
             <a:avLst/>
@@ -13559,370 +13554,10 @@
           </a:extLst>
         </p:spPr>
       </p:pic>
-      <p:pic>
-        <p:nvPicPr>
-          <p:cNvPr id="4099" name="Picture 3"/>
-          <p:cNvPicPr>
-            <a:picLocks noChangeAspect="1" noChangeArrowheads="1"/>
-          </p:cNvPicPr>
-          <p:nvPr/>
-        </p:nvPicPr>
-        <p:blipFill>
-          <a:blip r:embed="rId7">
-            <a:extLst>
-              <a:ext uri="{28A0092B-C50C-407E-A947-70E740481C1C}">
-                <a14:useLocalDpi xmlns:a14="http://schemas.microsoft.com/office/drawing/2010/main" val="0"/>
-              </a:ext>
-            </a:extLst>
-          </a:blip>
-          <a:srcRect/>
-          <a:stretch>
-            <a:fillRect/>
-          </a:stretch>
-        </p:blipFill>
-        <p:spPr bwMode="auto">
-          <a:xfrm>
-            <a:off x="2051720" y="3429000"/>
-            <a:ext cx="6629400" cy="2076450"/>
-          </a:xfrm>
-          <a:prstGeom prst="rect">
-            <a:avLst/>
-          </a:prstGeom>
-          <a:noFill/>
-          <a:ln>
-            <a:noFill/>
-          </a:ln>
-          <a:extLst>
-            <a:ext uri="{909E8E84-426E-40DD-AFC4-6F175D3DCCD1}">
-              <a14:hiddenFill xmlns:a14="http://schemas.microsoft.com/office/drawing/2010/main">
-                <a:solidFill>
-                  <a:schemeClr val="accent1"/>
-                </a:solidFill>
-              </a14:hiddenFill>
-            </a:ext>
-            <a:ext uri="{91240B29-F687-4F45-9708-019B960494DF}">
-              <a14:hiddenLine xmlns:a14="http://schemas.microsoft.com/office/drawing/2010/main" w="9525">
-                <a:solidFill>
-                  <a:schemeClr val="tx1"/>
-                </a:solidFill>
-                <a:miter lim="800000"/>
-                <a:headEnd/>
-                <a:tailEnd/>
-              </a14:hiddenLine>
-            </a:ext>
-          </a:extLst>
-        </p:spPr>
-      </p:pic>
-      <p:sp>
-        <p:nvSpPr>
-          <p:cNvPr id="12" name="TextBox 11"/>
-          <p:cNvSpPr txBox="1"/>
-          <p:nvPr/>
-        </p:nvSpPr>
-        <p:spPr>
-          <a:xfrm>
-            <a:off x="5928534" y="1599671"/>
-            <a:ext cx="2099849" cy="307777"/>
-          </a:xfrm>
-          <a:prstGeom prst="rect">
-            <a:avLst/>
-          </a:prstGeom>
-          <a:noFill/>
-        </p:spPr>
-        <p:txBody>
-          <a:bodyPr wrap="square" rtlCol="0">
-            <a:spAutoFit/>
-          </a:bodyPr>
-          <a:lstStyle/>
-          <a:p>
-            <a:r>
-              <a:rPr lang="en-US" dirty="0" smtClean="0"/>
-              <a:t>Cancel ride </a:t>
-            </a:r>
-            <a:r>
-              <a:rPr lang="en-US" dirty="0" smtClean="0"/>
-              <a:t>use </a:t>
-            </a:r>
-            <a:r>
-              <a:rPr lang="en-US" dirty="0" smtClean="0"/>
-              <a:t>case</a:t>
-            </a:r>
-            <a:endParaRPr lang="en-US" dirty="0"/>
-          </a:p>
-        </p:txBody>
-      </p:sp>
-      <p:sp>
-        <p:nvSpPr>
-          <p:cNvPr id="14" name="Shape 40"/>
-          <p:cNvSpPr txBox="1">
-            <a:spLocks/>
-          </p:cNvSpPr>
-          <p:nvPr/>
-        </p:nvSpPr>
-        <p:spPr>
-          <a:xfrm>
-            <a:off x="1772451" y="6490690"/>
-            <a:ext cx="3238799" cy="424199"/>
-          </a:xfrm>
-          <a:prstGeom prst="rect">
-            <a:avLst/>
-          </a:prstGeom>
-          <a:noFill/>
-          <a:ln>
-            <a:noFill/>
-          </a:ln>
-        </p:spPr>
-        <p:txBody>
-          <a:bodyPr lIns="91425" tIns="91425" rIns="91425" bIns="91425" anchor="ctr" anchorCtr="0">
-            <a:noAutofit/>
-          </a:bodyPr>
-          <a:lstStyle>
-            <a:defPPr marR="0" algn="l" rtl="0">
-              <a:lnSpc>
-                <a:spcPct val="100000"/>
-              </a:lnSpc>
-              <a:spcBef>
-                <a:spcPts val="0"/>
-              </a:spcBef>
-              <a:spcAft>
-                <a:spcPts val="0"/>
-              </a:spcAft>
-            </a:defPPr>
-            <a:lvl1pPr marR="0" algn="l" rtl="0">
-              <a:lnSpc>
-                <a:spcPct val="100000"/>
-              </a:lnSpc>
-              <a:spcBef>
-                <a:spcPts val="0"/>
-              </a:spcBef>
-              <a:spcAft>
-                <a:spcPts val="0"/>
-              </a:spcAft>
-              <a:buClr>
-                <a:schemeClr val="dk1"/>
-              </a:buClr>
-              <a:buSzPct val="100000"/>
-              <a:buFont typeface="Arial"/>
-              <a:buNone/>
-              <a:defRPr sz="3600" b="1" i="0" u="none" strike="noStrike" cap="none" baseline="0">
-                <a:solidFill>
-                  <a:schemeClr val="dk1"/>
-                </a:solidFill>
-                <a:latin typeface="Arial"/>
-                <a:ea typeface="Arial"/>
-                <a:cs typeface="Arial"/>
-                <a:sym typeface="Arial"/>
-                <a:rtl val="0"/>
-              </a:defRPr>
-            </a:lvl1pPr>
-            <a:lvl2pPr algn="l" rtl="0">
-              <a:spcBef>
-                <a:spcPts val="0"/>
-              </a:spcBef>
-              <a:buClr>
-                <a:schemeClr val="dk1"/>
-              </a:buClr>
-              <a:buSzPct val="100000"/>
-              <a:buFont typeface="Arial"/>
-              <a:buNone/>
-              <a:defRPr sz="3600" b="1" i="0" u="none" strike="noStrike" cap="none" baseline="0">
-                <a:solidFill>
-                  <a:schemeClr val="dk1"/>
-                </a:solidFill>
-                <a:latin typeface="Arial"/>
-                <a:ea typeface="Arial"/>
-                <a:cs typeface="Arial"/>
-                <a:sym typeface="Arial"/>
-              </a:defRPr>
-            </a:lvl2pPr>
-            <a:lvl3pPr algn="l" rtl="0">
-              <a:spcBef>
-                <a:spcPts val="0"/>
-              </a:spcBef>
-              <a:buClr>
-                <a:schemeClr val="dk1"/>
-              </a:buClr>
-              <a:buSzPct val="100000"/>
-              <a:buFont typeface="Arial"/>
-              <a:buNone/>
-              <a:defRPr sz="3600" b="1" i="0" u="none" strike="noStrike" cap="none" baseline="0">
-                <a:solidFill>
-                  <a:schemeClr val="dk1"/>
-                </a:solidFill>
-                <a:latin typeface="Arial"/>
-                <a:ea typeface="Arial"/>
-                <a:cs typeface="Arial"/>
-                <a:sym typeface="Arial"/>
-              </a:defRPr>
-            </a:lvl3pPr>
-            <a:lvl4pPr algn="l" rtl="0">
-              <a:spcBef>
-                <a:spcPts val="0"/>
-              </a:spcBef>
-              <a:buClr>
-                <a:schemeClr val="dk1"/>
-              </a:buClr>
-              <a:buSzPct val="100000"/>
-              <a:buFont typeface="Arial"/>
-              <a:buNone/>
-              <a:defRPr sz="3600" b="1" i="0" u="none" strike="noStrike" cap="none" baseline="0">
-                <a:solidFill>
-                  <a:schemeClr val="dk1"/>
-                </a:solidFill>
-                <a:latin typeface="Arial"/>
-                <a:ea typeface="Arial"/>
-                <a:cs typeface="Arial"/>
-                <a:sym typeface="Arial"/>
-              </a:defRPr>
-            </a:lvl4pPr>
-            <a:lvl5pPr algn="l" rtl="0">
-              <a:spcBef>
-                <a:spcPts val="0"/>
-              </a:spcBef>
-              <a:buClr>
-                <a:schemeClr val="dk1"/>
-              </a:buClr>
-              <a:buSzPct val="100000"/>
-              <a:buFont typeface="Arial"/>
-              <a:buNone/>
-              <a:defRPr sz="3600" b="1" i="0" u="none" strike="noStrike" cap="none" baseline="0">
-                <a:solidFill>
-                  <a:schemeClr val="dk1"/>
-                </a:solidFill>
-                <a:latin typeface="Arial"/>
-                <a:ea typeface="Arial"/>
-                <a:cs typeface="Arial"/>
-                <a:sym typeface="Arial"/>
-              </a:defRPr>
-            </a:lvl5pPr>
-            <a:lvl6pPr algn="l" rtl="0">
-              <a:spcBef>
-                <a:spcPts val="0"/>
-              </a:spcBef>
-              <a:buClr>
-                <a:schemeClr val="dk1"/>
-              </a:buClr>
-              <a:buSzPct val="100000"/>
-              <a:buFont typeface="Arial"/>
-              <a:buNone/>
-              <a:defRPr sz="3600" b="1" i="0" u="none" strike="noStrike" cap="none" baseline="0">
-                <a:solidFill>
-                  <a:schemeClr val="dk1"/>
-                </a:solidFill>
-                <a:latin typeface="Arial"/>
-                <a:ea typeface="Arial"/>
-                <a:cs typeface="Arial"/>
-                <a:sym typeface="Arial"/>
-              </a:defRPr>
-            </a:lvl6pPr>
-            <a:lvl7pPr algn="l" rtl="0">
-              <a:spcBef>
-                <a:spcPts val="0"/>
-              </a:spcBef>
-              <a:buClr>
-                <a:schemeClr val="dk1"/>
-              </a:buClr>
-              <a:buSzPct val="100000"/>
-              <a:buFont typeface="Arial"/>
-              <a:buNone/>
-              <a:defRPr sz="3600" b="1" i="0" u="none" strike="noStrike" cap="none" baseline="0">
-                <a:solidFill>
-                  <a:schemeClr val="dk1"/>
-                </a:solidFill>
-                <a:latin typeface="Arial"/>
-                <a:ea typeface="Arial"/>
-                <a:cs typeface="Arial"/>
-                <a:sym typeface="Arial"/>
-              </a:defRPr>
-            </a:lvl7pPr>
-            <a:lvl8pPr algn="l" rtl="0">
-              <a:spcBef>
-                <a:spcPts val="0"/>
-              </a:spcBef>
-              <a:buClr>
-                <a:schemeClr val="dk1"/>
-              </a:buClr>
-              <a:buSzPct val="100000"/>
-              <a:buFont typeface="Arial"/>
-              <a:buNone/>
-              <a:defRPr sz="3600" b="1" i="0" u="none" strike="noStrike" cap="none" baseline="0">
-                <a:solidFill>
-                  <a:schemeClr val="dk1"/>
-                </a:solidFill>
-                <a:latin typeface="Arial"/>
-                <a:ea typeface="Arial"/>
-                <a:cs typeface="Arial"/>
-                <a:sym typeface="Arial"/>
-              </a:defRPr>
-            </a:lvl8pPr>
-            <a:lvl9pPr algn="l" rtl="0">
-              <a:spcBef>
-                <a:spcPts val="0"/>
-              </a:spcBef>
-              <a:buClr>
-                <a:schemeClr val="dk1"/>
-              </a:buClr>
-              <a:buSzPct val="100000"/>
-              <a:buFont typeface="Arial"/>
-              <a:buNone/>
-              <a:defRPr sz="3600" b="1" i="0" u="none" strike="noStrike" cap="none" baseline="0">
-                <a:solidFill>
-                  <a:schemeClr val="dk1"/>
-                </a:solidFill>
-                <a:latin typeface="Arial"/>
-                <a:ea typeface="Arial"/>
-                <a:cs typeface="Arial"/>
-                <a:sym typeface="Arial"/>
-              </a:defRPr>
-            </a:lvl9pPr>
-          </a:lstStyle>
-          <a:p>
-            <a:endParaRPr lang="en-US" sz="1300" dirty="0">
-              <a:solidFill>
-                <a:srgbClr val="003366"/>
-              </a:solidFill>
-            </a:endParaRPr>
-          </a:p>
-        </p:txBody>
-      </p:sp>
-      <p:sp>
-        <p:nvSpPr>
-          <p:cNvPr id="15" name="TextBox 14"/>
-          <p:cNvSpPr txBox="1"/>
-          <p:nvPr/>
-        </p:nvSpPr>
-        <p:spPr>
-          <a:xfrm>
-            <a:off x="314900" y="4058169"/>
-            <a:ext cx="2099849" cy="523220"/>
-          </a:xfrm>
-          <a:prstGeom prst="rect">
-            <a:avLst/>
-          </a:prstGeom>
-          <a:noFill/>
-        </p:spPr>
-        <p:txBody>
-          <a:bodyPr wrap="square" rtlCol="0">
-            <a:spAutoFit/>
-          </a:bodyPr>
-          <a:lstStyle/>
-          <a:p>
-            <a:r>
-              <a:rPr lang="en-US" dirty="0"/>
-              <a:t>Confirm/Decline a ride use case</a:t>
-            </a:r>
-            <a:endParaRPr lang="en-US" sz="1300" dirty="0">
-              <a:solidFill>
-                <a:srgbClr val="003366"/>
-              </a:solidFill>
-            </a:endParaRPr>
-          </a:p>
-        </p:txBody>
-      </p:sp>
     </p:spTree>
     <p:extLst>
       <p:ext uri="{BB962C8B-B14F-4D97-AF65-F5344CB8AC3E}">
-        <p14:creationId xmlns:p14="http://schemas.microsoft.com/office/powerpoint/2010/main" val="2735163735"/>
+        <p14:creationId xmlns:p14="http://schemas.microsoft.com/office/powerpoint/2010/main" val="3793545275"/>
       </p:ext>
     </p:extLst>
   </p:cSld>
@@ -13959,48 +13594,6 @@
           <a:chExt cx="0" cy="0"/>
         </a:xfrm>
       </p:grpSpPr>
-      <p:sp>
-        <p:nvSpPr>
-          <p:cNvPr id="33" name="Shape 33"/>
-          <p:cNvSpPr txBox="1">
-            <a:spLocks noGrp="1"/>
-          </p:cNvSpPr>
-          <p:nvPr>
-            <p:ph type="title"/>
-          </p:nvPr>
-        </p:nvSpPr>
-        <p:spPr>
-          <a:xfrm>
-            <a:off x="837450" y="131950"/>
-            <a:ext cx="8136900" cy="498599"/>
-          </a:xfrm>
-          <a:prstGeom prst="rect">
-            <a:avLst/>
-          </a:prstGeom>
-        </p:spPr>
-        <p:txBody>
-          <a:bodyPr lIns="91425" tIns="91425" rIns="91425" bIns="91425" anchor="b" anchorCtr="0">
-            <a:noAutofit/>
-          </a:bodyPr>
-          <a:lstStyle/>
-          <a:p>
-            <a:pPr lvl="0"/>
-            <a:r>
-              <a:rPr lang="en-US" sz="3000" dirty="0">
-                <a:solidFill>
-                  <a:srgbClr val="003366"/>
-                </a:solidFill>
-              </a:rPr>
-              <a:t>Specific requirements - Use cases</a:t>
-            </a:r>
-            <a:endParaRPr sz="3000" dirty="0">
-              <a:solidFill>
-                <a:srgbClr val="003366"/>
-              </a:solidFill>
-            </a:endParaRPr>
-          </a:p>
-        </p:txBody>
-      </p:sp>
       <p:pic>
         <p:nvPicPr>
           <p:cNvPr id="35" name="Shape 35"/>
@@ -14029,34 +13622,6 @@
           </a:ln>
         </p:spPr>
       </p:pic>
-      <p:pic>
-        <p:nvPicPr>
-          <p:cNvPr id="36" name="Shape 36"/>
-          <p:cNvPicPr preferRelativeResize="0"/>
-          <p:nvPr/>
-        </p:nvPicPr>
-        <p:blipFill>
-          <a:blip r:embed="rId4">
-            <a:alphaModFix/>
-          </a:blip>
-          <a:stretch>
-            <a:fillRect/>
-          </a:stretch>
-        </p:blipFill>
-        <p:spPr>
-          <a:xfrm>
-            <a:off x="0" y="630539"/>
-            <a:ext cx="9143998" cy="97471"/>
-          </a:xfrm>
-          <a:prstGeom prst="rect">
-            <a:avLst/>
-          </a:prstGeom>
-          <a:noFill/>
-          <a:ln>
-            <a:noFill/>
-          </a:ln>
-        </p:spPr>
-      </p:pic>
       <p:cxnSp>
         <p:nvCxnSpPr>
           <p:cNvPr id="37" name="Shape 37"/>
@@ -14125,34 +13690,6 @@
           </a:p>
         </p:txBody>
       </p:sp>
-      <p:pic>
-        <p:nvPicPr>
-          <p:cNvPr id="39" name="Shape 39"/>
-          <p:cNvPicPr preferRelativeResize="0"/>
-          <p:nvPr/>
-        </p:nvPicPr>
-        <p:blipFill>
-          <a:blip r:embed="rId5">
-            <a:alphaModFix/>
-          </a:blip>
-          <a:stretch>
-            <a:fillRect/>
-          </a:stretch>
-        </p:blipFill>
-        <p:spPr>
-          <a:xfrm>
-            <a:off x="0" y="6571225"/>
-            <a:ext cx="9144000" cy="286775"/>
-          </a:xfrm>
-          <a:prstGeom prst="rect">
-            <a:avLst/>
-          </a:prstGeom>
-          <a:noFill/>
-          <a:ln>
-            <a:noFill/>
-          </a:ln>
-        </p:spPr>
-      </p:pic>
       <p:sp>
         <p:nvSpPr>
           <p:cNvPr id="40" name="Shape 40"/>
@@ -14165,7 +13702,7 @@
         </p:nvSpPr>
         <p:spPr>
           <a:xfrm>
-            <a:off x="2339752" y="6645900"/>
+            <a:off x="1772451" y="6500849"/>
             <a:ext cx="3238799" cy="424199"/>
           </a:xfrm>
           <a:prstGeom prst="rect">
@@ -14185,11 +13722,12 @@
             </a:pPr>
             <a:r>
               <a:rPr lang="en-US" sz="1400" dirty="0"/>
-              <a:t>Report use case</a:t>
-            </a:r>
-            <a:br>
-              <a:rPr lang="en-US" sz="1400" dirty="0"/>
-            </a:br>
+              <a:t>Sign Up sequence </a:t>
+            </a:r>
+            <a:r>
+              <a:rPr lang="en-US" sz="1400" dirty="0" smtClean="0"/>
+              <a:t>diagram</a:t>
+            </a:r>
             <a:endParaRPr sz="1300" dirty="0">
               <a:solidFill>
                 <a:srgbClr val="003366"/>
@@ -14200,62 +13738,83 @@
       </p:sp>
       <p:pic>
         <p:nvPicPr>
-          <p:cNvPr id="5123" name="Picture 3"/>
+          <p:cNvPr id="3" name="Picture 2"/>
           <p:cNvPicPr>
-            <a:picLocks noChangeAspect="1" noChangeArrowheads="1"/>
+            <a:picLocks noChangeAspect="1"/>
           </p:cNvPicPr>
           <p:nvPr/>
         </p:nvPicPr>
         <p:blipFill>
-          <a:blip r:embed="rId6">
+          <a:blip r:embed="rId4">
             <a:extLst>
               <a:ext uri="{28A0092B-C50C-407E-A947-70E740481C1C}">
                 <a14:useLocalDpi xmlns:a14="http://schemas.microsoft.com/office/drawing/2010/main" val="0"/>
               </a:ext>
             </a:extLst>
           </a:blip>
-          <a:srcRect/>
           <a:stretch>
             <a:fillRect/>
           </a:stretch>
         </p:blipFill>
-        <p:spPr bwMode="auto">
-          <a:xfrm>
-            <a:off x="427836" y="1465123"/>
-            <a:ext cx="8152109" cy="4001944"/>
-          </a:xfrm>
-          <a:prstGeom prst="rect">
-            <a:avLst/>
-          </a:prstGeom>
-          <a:noFill/>
-          <a:ln>
-            <a:noFill/>
+        <p:spPr>
+          <a:xfrm>
+            <a:off x="14808" y="125"/>
+            <a:ext cx="6818399" cy="7259288"/>
+          </a:xfrm>
+          <a:prstGeom prst="rect">
+            <a:avLst/>
+          </a:prstGeom>
+        </p:spPr>
+      </p:pic>
+      <p:sp>
+        <p:nvSpPr>
+          <p:cNvPr id="10" name="TextBox 9"/>
+          <p:cNvSpPr txBox="1"/>
+          <p:nvPr/>
+        </p:nvSpPr>
+        <p:spPr>
+          <a:xfrm>
+            <a:off x="5991612" y="1124744"/>
+            <a:ext cx="1584176" cy="1246495"/>
+          </a:xfrm>
+          <a:prstGeom prst="rect">
+            <a:avLst/>
+          </a:prstGeom>
+          <a:noFill/>
+          <a:ln w="25400">
+            <a:solidFill>
+              <a:schemeClr val="accent1">
+                <a:shade val="50000"/>
+              </a:schemeClr>
+            </a:solidFill>
           </a:ln>
-          <a:extLst>
-            <a:ext uri="{909E8E84-426E-40DD-AFC4-6F175D3DCCD1}">
-              <a14:hiddenFill xmlns:a14="http://schemas.microsoft.com/office/drawing/2010/main">
-                <a:solidFill>
-                  <a:schemeClr val="accent1"/>
-                </a:solidFill>
-              </a14:hiddenFill>
-            </a:ext>
-            <a:ext uri="{91240B29-F687-4F45-9708-019B960494DF}">
-              <a14:hiddenLine xmlns:a14="http://schemas.microsoft.com/office/drawing/2010/main" w="9525">
-                <a:solidFill>
-                  <a:schemeClr val="tx1"/>
-                </a:solidFill>
-                <a:miter lim="800000"/>
-                <a:headEnd/>
-                <a:tailEnd/>
-              </a14:hiddenLine>
-            </a:ext>
-          </a:extLst>
-        </p:spPr>
-      </p:pic>
+        </p:spPr>
+        <p:txBody>
+          <a:bodyPr wrap="square" rtlCol="0">
+            <a:spAutoFit/>
+          </a:bodyPr>
+          <a:lstStyle/>
+          <a:p>
+            <a:r>
+              <a:rPr lang="en-US" sz="2500" dirty="0" smtClean="0">
+                <a:solidFill>
+                  <a:srgbClr val="002060"/>
+                </a:solidFill>
+              </a:rPr>
+              <a:t>Sign Up sequence diagram</a:t>
+            </a:r>
+            <a:endParaRPr lang="en-US" sz="2500" dirty="0">
+              <a:solidFill>
+                <a:srgbClr val="002060"/>
+              </a:solidFill>
+            </a:endParaRPr>
+          </a:p>
+        </p:txBody>
+      </p:sp>
     </p:spTree>
     <p:extLst>
       <p:ext uri="{BB962C8B-B14F-4D97-AF65-F5344CB8AC3E}">
-        <p14:creationId xmlns:p14="http://schemas.microsoft.com/office/powerpoint/2010/main" val="3793545275"/>
+        <p14:creationId xmlns:p14="http://schemas.microsoft.com/office/powerpoint/2010/main" val="762104067"/>
       </p:ext>
     </p:extLst>
   </p:cSld>
@@ -15144,48 +14703,6 @@
           <a:chExt cx="0" cy="0"/>
         </a:xfrm>
       </p:grpSpPr>
-      <p:sp>
-        <p:nvSpPr>
-          <p:cNvPr id="33" name="Shape 33"/>
-          <p:cNvSpPr txBox="1">
-            <a:spLocks noGrp="1"/>
-          </p:cNvSpPr>
-          <p:nvPr>
-            <p:ph type="title"/>
-          </p:nvPr>
-        </p:nvSpPr>
-        <p:spPr>
-          <a:xfrm>
-            <a:off x="837450" y="131950"/>
-            <a:ext cx="8136900" cy="498599"/>
-          </a:xfrm>
-          <a:prstGeom prst="rect">
-            <a:avLst/>
-          </a:prstGeom>
-        </p:spPr>
-        <p:txBody>
-          <a:bodyPr lIns="91425" tIns="91425" rIns="91425" bIns="91425" anchor="b" anchorCtr="0">
-            <a:noAutofit/>
-          </a:bodyPr>
-          <a:lstStyle/>
-          <a:p>
-            <a:pPr lvl="0"/>
-            <a:r>
-              <a:rPr lang="en-US" sz="2800" dirty="0" smtClean="0">
-                <a:solidFill>
-                  <a:srgbClr val="003366"/>
-                </a:solidFill>
-              </a:rPr>
-              <a:t>Specific requirements – Sequence diagrams</a:t>
-            </a:r>
-            <a:endParaRPr sz="2800" dirty="0">
-              <a:solidFill>
-                <a:srgbClr val="003366"/>
-              </a:solidFill>
-            </a:endParaRPr>
-          </a:p>
-        </p:txBody>
-      </p:sp>
       <p:pic>
         <p:nvPicPr>
           <p:cNvPr id="35" name="Shape 35"/>
@@ -15214,34 +14731,6 @@
           </a:ln>
         </p:spPr>
       </p:pic>
-      <p:pic>
-        <p:nvPicPr>
-          <p:cNvPr id="36" name="Shape 36"/>
-          <p:cNvPicPr preferRelativeResize="0"/>
-          <p:nvPr/>
-        </p:nvPicPr>
-        <p:blipFill>
-          <a:blip r:embed="rId4">
-            <a:alphaModFix/>
-          </a:blip>
-          <a:stretch>
-            <a:fillRect/>
-          </a:stretch>
-        </p:blipFill>
-        <p:spPr>
-          <a:xfrm>
-            <a:off x="0" y="630539"/>
-            <a:ext cx="9143998" cy="97471"/>
-          </a:xfrm>
-          <a:prstGeom prst="rect">
-            <a:avLst/>
-          </a:prstGeom>
-          <a:noFill/>
-          <a:ln>
-            <a:noFill/>
-          </a:ln>
-        </p:spPr>
-      </p:pic>
       <p:cxnSp>
         <p:nvCxnSpPr>
           <p:cNvPr id="37" name="Shape 37"/>
@@ -15310,34 +14799,6 @@
           </a:p>
         </p:txBody>
       </p:sp>
-      <p:pic>
-        <p:nvPicPr>
-          <p:cNvPr id="39" name="Shape 39"/>
-          <p:cNvPicPr preferRelativeResize="0"/>
-          <p:nvPr/>
-        </p:nvPicPr>
-        <p:blipFill>
-          <a:blip r:embed="rId5">
-            <a:alphaModFix/>
-          </a:blip>
-          <a:stretch>
-            <a:fillRect/>
-          </a:stretch>
-        </p:blipFill>
-        <p:spPr>
-          <a:xfrm>
-            <a:off x="0" y="6571225"/>
-            <a:ext cx="9144000" cy="286775"/>
-          </a:xfrm>
-          <a:prstGeom prst="rect">
-            <a:avLst/>
-          </a:prstGeom>
-          <a:noFill/>
-          <a:ln>
-            <a:noFill/>
-          </a:ln>
-        </p:spPr>
-      </p:pic>
       <p:sp>
         <p:nvSpPr>
           <p:cNvPr id="40" name="Shape 40"/>
@@ -15350,8 +14811,8 @@
         </p:nvSpPr>
         <p:spPr>
           <a:xfrm>
-            <a:off x="1772451" y="6500849"/>
-            <a:ext cx="3238799" cy="424199"/>
+            <a:off x="1443381" y="6531000"/>
+            <a:ext cx="3896938" cy="424199"/>
           </a:xfrm>
           <a:prstGeom prst="rect">
             <a:avLst/>
@@ -15363,19 +14824,15 @@
           </a:bodyPr>
           <a:lstStyle/>
           <a:p>
-            <a:pPr indent="457200">
+            <a:pPr lvl="0" indent="457200" rtl="0">
               <a:lnSpc>
                 <a:spcPct val="115000"/>
               </a:lnSpc>
+              <a:spcBef>
+                <a:spcPts val="0"/>
+              </a:spcBef>
+              <a:buNone/>
             </a:pPr>
-            <a:r>
-              <a:rPr lang="en-US" sz="1400" dirty="0"/>
-              <a:t>Sign Up sequence </a:t>
-            </a:r>
-            <a:r>
-              <a:rPr lang="en-US" sz="1400" dirty="0" smtClean="0"/>
-              <a:t>diagram</a:t>
-            </a:r>
             <a:endParaRPr sz="1300" dirty="0">
               <a:solidFill>
                 <a:srgbClr val="003366"/>
@@ -15386,14 +14843,14 @@
       </p:sp>
       <p:pic>
         <p:nvPicPr>
-          <p:cNvPr id="3" name="Picture 2"/>
+          <p:cNvPr id="2" name="Picture 1"/>
           <p:cNvPicPr>
             <a:picLocks noChangeAspect="1"/>
           </p:cNvPicPr>
           <p:nvPr/>
         </p:nvPicPr>
         <p:blipFill>
-          <a:blip r:embed="rId6">
+          <a:blip r:embed="rId4">
             <a:extLst>
               <a:ext uri="{28A0092B-C50C-407E-A947-70E740481C1C}">
                 <a14:useLocalDpi xmlns:a14="http://schemas.microsoft.com/office/drawing/2010/main" val="0"/>
@@ -15406,18 +14863,63 @@
         </p:blipFill>
         <p:spPr>
           <a:xfrm>
-            <a:off x="2267744" y="879388"/>
-            <a:ext cx="5307739" cy="5650946"/>
+            <a:off x="0" y="36892"/>
+            <a:ext cx="7641212" cy="6821108"/>
           </a:xfrm>
           <a:prstGeom prst="rect">
             <a:avLst/>
           </a:prstGeom>
         </p:spPr>
       </p:pic>
+      <p:sp>
+        <p:nvSpPr>
+          <p:cNvPr id="11" name="TextBox 10"/>
+          <p:cNvSpPr txBox="1"/>
+          <p:nvPr/>
+        </p:nvSpPr>
+        <p:spPr>
+          <a:xfrm>
+            <a:off x="7088754" y="1412776"/>
+            <a:ext cx="1989092" cy="1631216"/>
+          </a:xfrm>
+          <a:prstGeom prst="rect">
+            <a:avLst/>
+          </a:prstGeom>
+          <a:noFill/>
+          <a:ln w="25400">
+            <a:solidFill>
+              <a:schemeClr val="accent1">
+                <a:shade val="50000"/>
+              </a:schemeClr>
+            </a:solidFill>
+          </a:ln>
+        </p:spPr>
+        <p:txBody>
+          <a:bodyPr wrap="square" rtlCol="0">
+            <a:spAutoFit/>
+          </a:bodyPr>
+          <a:lstStyle/>
+          <a:p>
+            <a:r>
+              <a:rPr lang="en-US" sz="2500" dirty="0">
+                <a:solidFill>
+                  <a:srgbClr val="003366"/>
+                </a:solidFill>
+              </a:rPr>
+              <a:t>Request a taxi sequence diagram</a:t>
+            </a:r>
+            <a:endParaRPr lang="en-US" sz="2500" dirty="0">
+              <a:solidFill>
+                <a:srgbClr val="002060"/>
+              </a:solidFill>
+            </a:endParaRPr>
+          </a:p>
+        </p:txBody>
+      </p:sp>
     </p:spTree>
     <p:extLst>
       <p:ext uri="{BB962C8B-B14F-4D97-AF65-F5344CB8AC3E}">
-        <p14:creationId xmlns:p14="http://schemas.microsoft.com/office/powerpoint/2010/main" val="762104067"/>
+        <p14:creationId xmlns:p14="http://schemas.microsoft.com/office/powerpoint/2010/main" val="620337880"/>
       </p:ext>
     </p:extLst>
   </p:cSld>
@@ -15454,48 +14956,6 @@
           <a:chExt cx="0" cy="0"/>
         </a:xfrm>
       </p:grpSpPr>
-      <p:sp>
-        <p:nvSpPr>
-          <p:cNvPr id="33" name="Shape 33"/>
-          <p:cNvSpPr txBox="1">
-            <a:spLocks noGrp="1"/>
-          </p:cNvSpPr>
-          <p:nvPr>
-            <p:ph type="title"/>
-          </p:nvPr>
-        </p:nvSpPr>
-        <p:spPr>
-          <a:xfrm>
-            <a:off x="837450" y="131950"/>
-            <a:ext cx="8136900" cy="498599"/>
-          </a:xfrm>
-          <a:prstGeom prst="rect">
-            <a:avLst/>
-          </a:prstGeom>
-        </p:spPr>
-        <p:txBody>
-          <a:bodyPr lIns="91425" tIns="91425" rIns="91425" bIns="91425" anchor="b" anchorCtr="0">
-            <a:noAutofit/>
-          </a:bodyPr>
-          <a:lstStyle/>
-          <a:p>
-            <a:pPr lvl="0"/>
-            <a:r>
-              <a:rPr lang="en-US" sz="2800" dirty="0" smtClean="0">
-                <a:solidFill>
-                  <a:srgbClr val="003366"/>
-                </a:solidFill>
-              </a:rPr>
-              <a:t>Specific requirements – Sequence diagrams</a:t>
-            </a:r>
-            <a:endParaRPr sz="2800" dirty="0">
-              <a:solidFill>
-                <a:srgbClr val="003366"/>
-              </a:solidFill>
-            </a:endParaRPr>
-          </a:p>
-        </p:txBody>
-      </p:sp>
       <p:pic>
         <p:nvPicPr>
           <p:cNvPr id="35" name="Shape 35"/>
@@ -15524,34 +14984,6 @@
           </a:ln>
         </p:spPr>
       </p:pic>
-      <p:pic>
-        <p:nvPicPr>
-          <p:cNvPr id="36" name="Shape 36"/>
-          <p:cNvPicPr preferRelativeResize="0"/>
-          <p:nvPr/>
-        </p:nvPicPr>
-        <p:blipFill>
-          <a:blip r:embed="rId4">
-            <a:alphaModFix/>
-          </a:blip>
-          <a:stretch>
-            <a:fillRect/>
-          </a:stretch>
-        </p:blipFill>
-        <p:spPr>
-          <a:xfrm>
-            <a:off x="0" y="630539"/>
-            <a:ext cx="9143998" cy="97471"/>
-          </a:xfrm>
-          <a:prstGeom prst="rect">
-            <a:avLst/>
-          </a:prstGeom>
-          <a:noFill/>
-          <a:ln>
-            <a:noFill/>
-          </a:ln>
-        </p:spPr>
-      </p:pic>
       <p:cxnSp>
         <p:nvCxnSpPr>
           <p:cNvPr id="37" name="Shape 37"/>
@@ -15617,84 +15049,6 @@
               </a:rPr>
               <a:t>POLITECNICO DI MILANO</a:t>
             </a:r>
-          </a:p>
-        </p:txBody>
-      </p:sp>
-      <p:pic>
-        <p:nvPicPr>
-          <p:cNvPr id="39" name="Shape 39"/>
-          <p:cNvPicPr preferRelativeResize="0"/>
-          <p:nvPr/>
-        </p:nvPicPr>
-        <p:blipFill>
-          <a:blip r:embed="rId5">
-            <a:alphaModFix/>
-          </a:blip>
-          <a:stretch>
-            <a:fillRect/>
-          </a:stretch>
-        </p:blipFill>
-        <p:spPr>
-          <a:xfrm>
-            <a:off x="0" y="6571225"/>
-            <a:ext cx="9144000" cy="286775"/>
-          </a:xfrm>
-          <a:prstGeom prst="rect">
-            <a:avLst/>
-          </a:prstGeom>
-          <a:noFill/>
-          <a:ln>
-            <a:noFill/>
-          </a:ln>
-        </p:spPr>
-      </p:pic>
-      <p:sp>
-        <p:nvSpPr>
-          <p:cNvPr id="40" name="Shape 40"/>
-          <p:cNvSpPr txBox="1">
-            <a:spLocks noGrp="1"/>
-          </p:cNvSpPr>
-          <p:nvPr>
-            <p:ph type="ctrTitle" idx="4294967295"/>
-          </p:nvPr>
-        </p:nvSpPr>
-        <p:spPr>
-          <a:xfrm>
-            <a:off x="1443381" y="6531000"/>
-            <a:ext cx="3896938" cy="424199"/>
-          </a:xfrm>
-          <a:prstGeom prst="rect">
-            <a:avLst/>
-          </a:prstGeom>
-        </p:spPr>
-        <p:txBody>
-          <a:bodyPr lIns="91425" tIns="91425" rIns="91425" bIns="91425" anchor="ctr" anchorCtr="0">
-            <a:noAutofit/>
-          </a:bodyPr>
-          <a:lstStyle/>
-          <a:p>
-            <a:pPr lvl="0" indent="457200" rtl="0">
-              <a:lnSpc>
-                <a:spcPct val="115000"/>
-              </a:lnSpc>
-              <a:spcBef>
-                <a:spcPts val="0"/>
-              </a:spcBef>
-              <a:buNone/>
-            </a:pPr>
-            <a:r>
-              <a:rPr lang="en-US" sz="1300" dirty="0" smtClean="0">
-                <a:solidFill>
-                  <a:srgbClr val="003366"/>
-                </a:solidFill>
-              </a:rPr>
-              <a:t>Request a taxi sequence diagram</a:t>
-            </a:r>
-            <a:endParaRPr sz="1300" dirty="0">
-              <a:solidFill>
-                <a:srgbClr val="003366"/>
-              </a:solidFill>
-            </a:endParaRPr>
           </a:p>
         </p:txBody>
       </p:sp>
@@ -15707,7 +15061,7 @@
           <p:nvPr/>
         </p:nvPicPr>
         <p:blipFill>
-          <a:blip r:embed="rId6">
+          <a:blip r:embed="rId4">
             <a:extLst>
               <a:ext uri="{28A0092B-C50C-407E-A947-70E740481C1C}">
                 <a14:useLocalDpi xmlns:a14="http://schemas.microsoft.com/office/drawing/2010/main" val="0"/>
@@ -15720,18 +15074,63 @@
         </p:blipFill>
         <p:spPr>
           <a:xfrm>
-            <a:off x="1538286" y="751806"/>
-            <a:ext cx="6274074" cy="5600700"/>
+            <a:off x="-10443" y="125"/>
+            <a:ext cx="7256359" cy="7029275"/>
           </a:xfrm>
           <a:prstGeom prst="rect">
             <a:avLst/>
           </a:prstGeom>
         </p:spPr>
       </p:pic>
+      <p:sp>
+        <p:nvSpPr>
+          <p:cNvPr id="11" name="TextBox 10"/>
+          <p:cNvSpPr txBox="1"/>
+          <p:nvPr/>
+        </p:nvSpPr>
+        <p:spPr>
+          <a:xfrm>
+            <a:off x="7175795" y="1124744"/>
+            <a:ext cx="1989092" cy="1631216"/>
+          </a:xfrm>
+          <a:prstGeom prst="rect">
+            <a:avLst/>
+          </a:prstGeom>
+          <a:noFill/>
+          <a:ln w="25400">
+            <a:solidFill>
+              <a:schemeClr val="accent1">
+                <a:shade val="50000"/>
+              </a:schemeClr>
+            </a:solidFill>
+          </a:ln>
+        </p:spPr>
+        <p:txBody>
+          <a:bodyPr wrap="square" rtlCol="0">
+            <a:spAutoFit/>
+          </a:bodyPr>
+          <a:lstStyle/>
+          <a:p>
+            <a:r>
+              <a:rPr lang="en-US" sz="2500" dirty="0">
+                <a:solidFill>
+                  <a:srgbClr val="003366"/>
+                </a:solidFill>
+              </a:rPr>
+              <a:t>Reserve a taxi sequence diagram</a:t>
+            </a:r>
+            <a:endParaRPr lang="en-US" sz="2500" dirty="0">
+              <a:solidFill>
+                <a:srgbClr val="002060"/>
+              </a:solidFill>
+            </a:endParaRPr>
+          </a:p>
+        </p:txBody>
+      </p:sp>
     </p:spTree>
     <p:extLst>
       <p:ext uri="{BB962C8B-B14F-4D97-AF65-F5344CB8AC3E}">
-        <p14:creationId xmlns:p14="http://schemas.microsoft.com/office/powerpoint/2010/main" val="620337880"/>
+        <p14:creationId xmlns:p14="http://schemas.microsoft.com/office/powerpoint/2010/main" val="1989899338"/>
       </p:ext>
     </p:extLst>
   </p:cSld>
@@ -15768,6 +15167,60 @@
           <a:chExt cx="0" cy="0"/>
         </a:xfrm>
       </p:grpSpPr>
+      <p:pic>
+        <p:nvPicPr>
+          <p:cNvPr id="6146" name="Picture 2"/>
+          <p:cNvPicPr>
+            <a:picLocks noChangeAspect="1" noChangeArrowheads="1"/>
+          </p:cNvPicPr>
+          <p:nvPr/>
+        </p:nvPicPr>
+        <p:blipFill>
+          <a:blip r:embed="rId3">
+            <a:extLst>
+              <a:ext uri="{28A0092B-C50C-407E-A947-70E740481C1C}">
+                <a14:useLocalDpi xmlns:a14="http://schemas.microsoft.com/office/drawing/2010/main" val="0"/>
+              </a:ext>
+            </a:extLst>
+          </a:blip>
+          <a:srcRect/>
+          <a:stretch>
+            <a:fillRect/>
+          </a:stretch>
+        </p:blipFill>
+        <p:spPr bwMode="auto">
+          <a:xfrm>
+            <a:off x="344436" y="447497"/>
+            <a:ext cx="8481409" cy="6479091"/>
+          </a:xfrm>
+          <a:prstGeom prst="rect">
+            <a:avLst/>
+          </a:prstGeom>
+          <a:noFill/>
+          <a:ln>
+            <a:noFill/>
+          </a:ln>
+          <a:extLst>
+            <a:ext uri="{909E8E84-426E-40DD-AFC4-6F175D3DCCD1}">
+              <a14:hiddenFill xmlns:a14="http://schemas.microsoft.com/office/drawing/2010/main">
+                <a:solidFill>
+                  <a:schemeClr val="accent1"/>
+                </a:solidFill>
+              </a14:hiddenFill>
+            </a:ext>
+            <a:ext uri="{91240B29-F687-4F45-9708-019B960494DF}">
+              <a14:hiddenLine xmlns:a14="http://schemas.microsoft.com/office/drawing/2010/main" w="9525">
+                <a:solidFill>
+                  <a:schemeClr val="tx1"/>
+                </a:solidFill>
+                <a:miter lim="800000"/>
+                <a:headEnd/>
+                <a:tailEnd/>
+              </a14:hiddenLine>
+            </a:ext>
+          </a:extLst>
+        </p:spPr>
+      </p:pic>
       <p:sp>
         <p:nvSpPr>
           <p:cNvPr id="33" name="Shape 33"/>
@@ -15795,14 +15248,14 @@
           <a:p>
             <a:pPr lvl="0"/>
             <a:r>
-              <a:rPr lang="en-US" sz="2800" dirty="0" smtClean="0">
+              <a:rPr lang="en-US" sz="3000" dirty="0" smtClean="0">
                 <a:solidFill>
                   <a:srgbClr val="003366"/>
                 </a:solidFill>
               </a:rPr>
-              <a:t>Specific requirements – Sequence diagrams</a:t>
-            </a:r>
-            <a:endParaRPr sz="2800" dirty="0">
+              <a:t>Specific requirements – Class diagram</a:t>
+            </a:r>
+            <a:endParaRPr sz="3000" dirty="0">
               <a:solidFill>
                 <a:srgbClr val="003366"/>
               </a:solidFill>
@@ -15813,34 +15266,6 @@
       <p:pic>
         <p:nvPicPr>
           <p:cNvPr id="35" name="Shape 35"/>
-          <p:cNvPicPr preferRelativeResize="0"/>
-          <p:nvPr/>
-        </p:nvPicPr>
-        <p:blipFill>
-          <a:blip r:embed="rId3">
-            <a:alphaModFix/>
-          </a:blip>
-          <a:stretch>
-            <a:fillRect/>
-          </a:stretch>
-        </p:blipFill>
-        <p:spPr>
-          <a:xfrm>
-            <a:off x="82450" y="65950"/>
-            <a:ext cx="464900" cy="498650"/>
-          </a:xfrm>
-          <a:prstGeom prst="rect">
-            <a:avLst/>
-          </a:prstGeom>
-          <a:noFill/>
-          <a:ln>
-            <a:noFill/>
-          </a:ln>
-        </p:spPr>
-      </p:pic>
-      <p:pic>
-        <p:nvPicPr>
-          <p:cNvPr id="36" name="Shape 36"/>
           <p:cNvPicPr preferRelativeResize="0"/>
           <p:nvPr/>
         </p:nvPicPr>
@@ -15854,8 +15279,8 @@
         </p:blipFill>
         <p:spPr>
           <a:xfrm>
-            <a:off x="0" y="630539"/>
-            <a:ext cx="9143998" cy="97471"/>
+            <a:off x="82450" y="65950"/>
+            <a:ext cx="464900" cy="498650"/>
           </a:xfrm>
           <a:prstGeom prst="rect">
             <a:avLst/>
@@ -15866,77 +15291,9 @@
           </a:ln>
         </p:spPr>
       </p:pic>
-      <p:cxnSp>
-        <p:nvCxnSpPr>
-          <p:cNvPr id="37" name="Shape 37"/>
-          <p:cNvCxnSpPr/>
-          <p:nvPr/>
-        </p:nvCxnSpPr>
-        <p:spPr>
-          <a:xfrm rot="10800000">
-            <a:off x="691550" y="125"/>
-            <a:ext cx="0" cy="630299"/>
-          </a:xfrm>
-          <a:prstGeom prst="straightConnector1">
-            <a:avLst/>
-          </a:prstGeom>
-          <a:noFill/>
-          <a:ln w="9525" cap="flat" cmpd="sng">
-            <a:solidFill>
-              <a:srgbClr val="003366"/>
-            </a:solidFill>
-            <a:prstDash val="solid"/>
-            <a:round/>
-            <a:headEnd type="none" w="lg" len="lg"/>
-            <a:tailEnd type="none" w="lg" len="lg"/>
-          </a:ln>
-        </p:spPr>
-      </p:cxnSp>
-      <p:sp>
-        <p:nvSpPr>
-          <p:cNvPr id="38" name="Shape 38"/>
-          <p:cNvSpPr txBox="1"/>
-          <p:nvPr/>
-        </p:nvSpPr>
-        <p:spPr>
-          <a:xfrm>
-            <a:off x="6783700" y="6531000"/>
-            <a:ext cx="2599200" cy="363899"/>
-          </a:xfrm>
-          <a:prstGeom prst="rect">
-            <a:avLst/>
-          </a:prstGeom>
-          <a:noFill/>
-          <a:ln>
-            <a:noFill/>
-          </a:ln>
-        </p:spPr>
-        <p:txBody>
-          <a:bodyPr lIns="91425" tIns="91425" rIns="91425" bIns="91425" anchor="t" anchorCtr="0">
-            <a:noAutofit/>
-          </a:bodyPr>
-          <a:lstStyle/>
-          <a:p>
-            <a:pPr lvl="0" rtl="0">
-              <a:spcBef>
-                <a:spcPts val="0"/>
-              </a:spcBef>
-              <a:buNone/>
-            </a:pPr>
-            <a:r>
-              <a:rPr lang="it" sz="1200" b="1">
-                <a:solidFill>
-                  <a:srgbClr val="FFFFFF"/>
-                </a:solidFill>
-              </a:rPr>
-              <a:t>POLITECNICO DI MILANO</a:t>
-            </a:r>
-          </a:p>
-        </p:txBody>
-      </p:sp>
       <p:pic>
         <p:nvPicPr>
-          <p:cNvPr id="39" name="Shape 39"/>
+          <p:cNvPr id="36" name="Shape 36"/>
           <p:cNvPicPr preferRelativeResize="0"/>
           <p:nvPr/>
         </p:nvPicPr>
@@ -15950,6 +15307,102 @@
         </p:blipFill>
         <p:spPr>
           <a:xfrm>
+            <a:off x="0" y="630539"/>
+            <a:ext cx="9143998" cy="97471"/>
+          </a:xfrm>
+          <a:prstGeom prst="rect">
+            <a:avLst/>
+          </a:prstGeom>
+          <a:noFill/>
+          <a:ln>
+            <a:noFill/>
+          </a:ln>
+        </p:spPr>
+      </p:pic>
+      <p:cxnSp>
+        <p:nvCxnSpPr>
+          <p:cNvPr id="37" name="Shape 37"/>
+          <p:cNvCxnSpPr/>
+          <p:nvPr/>
+        </p:nvCxnSpPr>
+        <p:spPr>
+          <a:xfrm rot="10800000">
+            <a:off x="691550" y="125"/>
+            <a:ext cx="0" cy="630299"/>
+          </a:xfrm>
+          <a:prstGeom prst="straightConnector1">
+            <a:avLst/>
+          </a:prstGeom>
+          <a:noFill/>
+          <a:ln w="9525" cap="flat" cmpd="sng">
+            <a:solidFill>
+              <a:srgbClr val="003366"/>
+            </a:solidFill>
+            <a:prstDash val="solid"/>
+            <a:round/>
+            <a:headEnd type="none" w="lg" len="lg"/>
+            <a:tailEnd type="none" w="lg" len="lg"/>
+          </a:ln>
+        </p:spPr>
+      </p:cxnSp>
+      <p:sp>
+        <p:nvSpPr>
+          <p:cNvPr id="38" name="Shape 38"/>
+          <p:cNvSpPr txBox="1"/>
+          <p:nvPr/>
+        </p:nvSpPr>
+        <p:spPr>
+          <a:xfrm>
+            <a:off x="6783700" y="6531000"/>
+            <a:ext cx="2599200" cy="363899"/>
+          </a:xfrm>
+          <a:prstGeom prst="rect">
+            <a:avLst/>
+          </a:prstGeom>
+          <a:noFill/>
+          <a:ln>
+            <a:noFill/>
+          </a:ln>
+        </p:spPr>
+        <p:txBody>
+          <a:bodyPr lIns="91425" tIns="91425" rIns="91425" bIns="91425" anchor="t" anchorCtr="0">
+            <a:noAutofit/>
+          </a:bodyPr>
+          <a:lstStyle/>
+          <a:p>
+            <a:pPr lvl="0" rtl="0">
+              <a:spcBef>
+                <a:spcPts val="0"/>
+              </a:spcBef>
+              <a:buNone/>
+            </a:pPr>
+            <a:r>
+              <a:rPr lang="it" sz="1200" b="1">
+                <a:solidFill>
+                  <a:srgbClr val="FFFFFF"/>
+                </a:solidFill>
+              </a:rPr>
+              <a:t>POLITECNICO DI MILANO</a:t>
+            </a:r>
+          </a:p>
+        </p:txBody>
+      </p:sp>
+      <p:pic>
+        <p:nvPicPr>
+          <p:cNvPr id="39" name="Shape 39"/>
+          <p:cNvPicPr preferRelativeResize="0"/>
+          <p:nvPr/>
+        </p:nvPicPr>
+        <p:blipFill>
+          <a:blip r:embed="rId6">
+            <a:alphaModFix/>
+          </a:blip>
+          <a:stretch>
+            <a:fillRect/>
+          </a:stretch>
+        </p:blipFill>
+        <p:spPr>
+          <a:xfrm>
             <a:off x="0" y="6571225"/>
             <a:ext cx="9144000" cy="286775"/>
           </a:xfrm>
@@ -15974,8 +15427,8 @@
         </p:nvSpPr>
         <p:spPr>
           <a:xfrm>
-            <a:off x="1331640" y="6500849"/>
-            <a:ext cx="3383687" cy="424199"/>
+            <a:off x="2196425" y="6531000"/>
+            <a:ext cx="3238799" cy="424199"/>
           </a:xfrm>
           <a:prstGeom prst="rect">
             <a:avLst/>
@@ -15996,14 +15449,6 @@
               </a:spcBef>
               <a:buNone/>
             </a:pPr>
-            <a:r>
-              <a:rPr lang="en-US" sz="1300" dirty="0" smtClean="0">
-                <a:solidFill>
-                  <a:srgbClr val="003366"/>
-                </a:solidFill>
-              </a:rPr>
-              <a:t>Reserve a taxi sequence diagram</a:t>
-            </a:r>
             <a:endParaRPr sz="1300" dirty="0">
               <a:solidFill>
                 <a:srgbClr val="003366"/>
@@ -16012,40 +15457,10 @@
           </a:p>
         </p:txBody>
       </p:sp>
-      <p:pic>
-        <p:nvPicPr>
-          <p:cNvPr id="2" name="Picture 1"/>
-          <p:cNvPicPr>
-            <a:picLocks noChangeAspect="1"/>
-          </p:cNvPicPr>
-          <p:nvPr/>
-        </p:nvPicPr>
-        <p:blipFill>
-          <a:blip r:embed="rId6">
-            <a:extLst>
-              <a:ext uri="{28A0092B-C50C-407E-A947-70E740481C1C}">
-                <a14:useLocalDpi xmlns:a14="http://schemas.microsoft.com/office/drawing/2010/main" val="0"/>
-              </a:ext>
-            </a:extLst>
-          </a:blip>
-          <a:stretch>
-            <a:fillRect/>
-          </a:stretch>
-        </p:blipFill>
-        <p:spPr>
-          <a:xfrm>
-            <a:off x="1547664" y="864008"/>
-            <a:ext cx="5709675" cy="5530994"/>
-          </a:xfrm>
-          <a:prstGeom prst="rect">
-            <a:avLst/>
-          </a:prstGeom>
-        </p:spPr>
-      </p:pic>
     </p:spTree>
     <p:extLst>
       <p:ext uri="{BB962C8B-B14F-4D97-AF65-F5344CB8AC3E}">
-        <p14:creationId xmlns:p14="http://schemas.microsoft.com/office/powerpoint/2010/main" val="1989899338"/>
+        <p14:creationId xmlns:p14="http://schemas.microsoft.com/office/powerpoint/2010/main" val="299045841"/>
       </p:ext>
     </p:extLst>
   </p:cSld>
@@ -16109,14 +15524,14 @@
           <a:p>
             <a:pPr lvl="0"/>
             <a:r>
-              <a:rPr lang="en-US" sz="3000" dirty="0" smtClean="0">
+              <a:rPr lang="en-US" sz="2800" dirty="0" smtClean="0">
                 <a:solidFill>
                   <a:srgbClr val="003366"/>
                 </a:solidFill>
               </a:rPr>
-              <a:t>Specific requirements – Class diagram</a:t>
-            </a:r>
-            <a:endParaRPr sz="3000" dirty="0">
+              <a:t>Specific requirements – State Chart diagrams</a:t>
+            </a:r>
+            <a:endParaRPr sz="2800" dirty="0">
               <a:solidFill>
                 <a:srgbClr val="003366"/>
               </a:solidFill>
@@ -16288,8 +15703,8 @@
         </p:nvSpPr>
         <p:spPr>
           <a:xfrm>
-            <a:off x="2196425" y="6531000"/>
-            <a:ext cx="3238799" cy="424199"/>
+            <a:off x="2555776" y="6500849"/>
+            <a:ext cx="3383687" cy="424199"/>
           </a:xfrm>
           <a:prstGeom prst="rect">
             <a:avLst/>
@@ -16310,6 +15725,14 @@
               </a:spcBef>
               <a:buNone/>
             </a:pPr>
+            <a:r>
+              <a:rPr lang="en-US" sz="1300" dirty="0" smtClean="0">
+                <a:solidFill>
+                  <a:srgbClr val="003366"/>
+                </a:solidFill>
+              </a:rPr>
+              <a:t>Request lifecycle</a:t>
+            </a:r>
             <a:endParaRPr sz="1300" dirty="0">
               <a:solidFill>
                 <a:srgbClr val="003366"/>
@@ -16320,9 +15743,9 @@
       </p:sp>
       <p:pic>
         <p:nvPicPr>
-          <p:cNvPr id="6146" name="Picture 2"/>
+          <p:cNvPr id="3" name="Picture 2"/>
           <p:cNvPicPr>
-            <a:picLocks noChangeAspect="1" noChangeArrowheads="1"/>
+            <a:picLocks noChangeAspect="1"/>
           </p:cNvPicPr>
           <p:nvPr/>
         </p:nvPicPr>
@@ -16334,48 +15757,24 @@
               </a:ext>
             </a:extLst>
           </a:blip>
-          <a:srcRect/>
           <a:stretch>
             <a:fillRect/>
           </a:stretch>
         </p:blipFill>
-        <p:spPr bwMode="auto">
-          <a:xfrm>
-            <a:off x="938767" y="811225"/>
-            <a:ext cx="7540088" cy="5760000"/>
-          </a:xfrm>
-          <a:prstGeom prst="rect">
-            <a:avLst/>
-          </a:prstGeom>
-          <a:noFill/>
-          <a:ln>
-            <a:noFill/>
-          </a:ln>
-          <a:extLst>
-            <a:ext uri="{909E8E84-426E-40DD-AFC4-6F175D3DCCD1}">
-              <a14:hiddenFill xmlns:a14="http://schemas.microsoft.com/office/drawing/2010/main">
-                <a:solidFill>
-                  <a:schemeClr val="accent1"/>
-                </a:solidFill>
-              </a14:hiddenFill>
-            </a:ext>
-            <a:ext uri="{91240B29-F687-4F45-9708-019B960494DF}">
-              <a14:hiddenLine xmlns:a14="http://schemas.microsoft.com/office/drawing/2010/main" w="9525">
-                <a:solidFill>
-                  <a:schemeClr val="tx1"/>
-                </a:solidFill>
-                <a:miter lim="800000"/>
-                <a:headEnd/>
-                <a:tailEnd/>
-              </a14:hiddenLine>
-            </a:ext>
-          </a:extLst>
+        <p:spPr>
+          <a:xfrm>
+            <a:off x="3407433" y="782041"/>
+            <a:ext cx="2996933" cy="5691723"/>
+          </a:xfrm>
+          <a:prstGeom prst="rect">
+            <a:avLst/>
+          </a:prstGeom>
         </p:spPr>
       </p:pic>
     </p:spTree>
     <p:extLst>
       <p:ext uri="{BB962C8B-B14F-4D97-AF65-F5344CB8AC3E}">
-        <p14:creationId xmlns:p14="http://schemas.microsoft.com/office/powerpoint/2010/main" val="299045841"/>
+        <p14:creationId xmlns:p14="http://schemas.microsoft.com/office/powerpoint/2010/main" val="3643704145"/>
       </p:ext>
     </p:extLst>
   </p:cSld>
@@ -16424,8 +15823,8 @@
         </p:nvSpPr>
         <p:spPr>
           <a:xfrm>
-            <a:off x="837450" y="131950"/>
-            <a:ext cx="8136900" cy="498599"/>
+            <a:off x="691549" y="131950"/>
+            <a:ext cx="8452451" cy="498599"/>
           </a:xfrm>
           <a:prstGeom prst="rect">
             <a:avLst/>
@@ -16439,30 +15838,14 @@
           <a:p>
             <a:pPr lvl="0"/>
             <a:r>
-              <a:rPr lang="en-US" sz="2800" dirty="0" smtClean="0">
+              <a:rPr lang="en-US" sz="2500" dirty="0" smtClean="0">
                 <a:solidFill>
                   <a:srgbClr val="003366"/>
                 </a:solidFill>
               </a:rPr>
-              <a:t>Specific requirements – </a:t>
-            </a:r>
-            <a:r>
-              <a:rPr lang="en-US" sz="2800" dirty="0" smtClean="0">
-                <a:solidFill>
-                  <a:srgbClr val="003366"/>
-                </a:solidFill>
-              </a:rPr>
-              <a:t>State Chart </a:t>
-            </a:r>
-            <a:r>
-              <a:rPr lang="en-US" sz="2800" dirty="0" smtClean="0">
-                <a:solidFill>
-                  <a:srgbClr val="003366"/>
-                </a:solidFill>
-              </a:rPr>
-              <a:t>diagrams</a:t>
-            </a:r>
-            <a:endParaRPr sz="2800" dirty="0">
+              <a:t>Specific requirements – Non functional requirements</a:t>
+            </a:r>
+            <a:endParaRPr sz="2500" dirty="0">
               <a:solidFill>
                 <a:srgbClr val="003366"/>
               </a:solidFill>
@@ -16634,8 +16017,8 @@
         </p:nvSpPr>
         <p:spPr>
           <a:xfrm>
-            <a:off x="2555776" y="6500849"/>
-            <a:ext cx="3383687" cy="424199"/>
+            <a:off x="2196425" y="6531000"/>
+            <a:ext cx="3238799" cy="424199"/>
           </a:xfrm>
           <a:prstGeom prst="rect">
             <a:avLst/>
@@ -16656,15 +16039,7 @@
               </a:spcBef>
               <a:buNone/>
             </a:pPr>
-            <a:r>
-              <a:rPr lang="en-US" sz="1300" dirty="0" smtClean="0">
-                <a:solidFill>
-                  <a:srgbClr val="003366"/>
-                </a:solidFill>
-              </a:rPr>
-              <a:t>Request lifecycle</a:t>
-            </a:r>
-            <a:endParaRPr sz="1300" dirty="0">
+            <a:endParaRPr sz="1300">
               <a:solidFill>
                 <a:srgbClr val="003366"/>
               </a:solidFill>
@@ -16672,40 +16047,180 @@
           </a:p>
         </p:txBody>
       </p:sp>
-      <p:pic>
-        <p:nvPicPr>
-          <p:cNvPr id="3" name="Picture 2"/>
-          <p:cNvPicPr>
-            <a:picLocks noChangeAspect="1"/>
-          </p:cNvPicPr>
-          <p:nvPr/>
-        </p:nvPicPr>
-        <p:blipFill>
-          <a:blip r:embed="rId6">
-            <a:extLst>
-              <a:ext uri="{28A0092B-C50C-407E-A947-70E740481C1C}">
-                <a14:useLocalDpi xmlns:a14="http://schemas.microsoft.com/office/drawing/2010/main" val="0"/>
-              </a:ext>
-            </a:extLst>
-          </a:blip>
-          <a:stretch>
-            <a:fillRect/>
-          </a:stretch>
-        </p:blipFill>
-        <p:spPr>
-          <a:xfrm>
-            <a:off x="3407433" y="782041"/>
-            <a:ext cx="2996933" cy="5691723"/>
-          </a:xfrm>
-          <a:prstGeom prst="rect">
-            <a:avLst/>
-          </a:prstGeom>
-        </p:spPr>
-      </p:pic>
+      <p:sp>
+        <p:nvSpPr>
+          <p:cNvPr id="10" name="Shape 34"/>
+          <p:cNvSpPr txBox="1">
+            <a:spLocks noGrp="1"/>
+          </p:cNvSpPr>
+          <p:nvPr>
+            <p:ph type="body" idx="1"/>
+          </p:nvPr>
+        </p:nvSpPr>
+        <p:spPr>
+          <a:xfrm>
+            <a:off x="82450" y="908720"/>
+            <a:ext cx="9033737" cy="5155544"/>
+          </a:xfrm>
+          <a:prstGeom prst="rect">
+            <a:avLst/>
+          </a:prstGeom>
+        </p:spPr>
+        <p:txBody>
+          <a:bodyPr lIns="91425" tIns="91425" rIns="91425" bIns="91425" anchor="t" anchorCtr="0">
+            <a:noAutofit/>
+          </a:bodyPr>
+          <a:lstStyle/>
+          <a:p>
+            <a:pPr marL="342900" indent="-342900">
+              <a:lnSpc>
+                <a:spcPct val="150000"/>
+              </a:lnSpc>
+              <a:buFont typeface="Arial" panose="020B0604020202020204" pitchFamily="34" charset="0"/>
+              <a:buChar char="•"/>
+            </a:pPr>
+            <a:r>
+              <a:rPr lang="en-US" sz="2400" dirty="0" smtClean="0"/>
+              <a:t>Availability</a:t>
+            </a:r>
+          </a:p>
+          <a:p>
+            <a:pPr marL="722313" lvl="1">
+              <a:buNone/>
+            </a:pPr>
+            <a:r>
+              <a:rPr lang="en-US" sz="1800" dirty="0" smtClean="0"/>
+              <a:t>-Application </a:t>
+            </a:r>
+            <a:r>
+              <a:rPr lang="en-US" sz="1800" dirty="0"/>
+              <a:t>should be available to handle user's request at all times using </a:t>
+            </a:r>
+            <a:r>
+              <a:rPr lang="en-US" sz="1800" dirty="0" smtClean="0"/>
+              <a:t>any </a:t>
+            </a:r>
+            <a:r>
+              <a:rPr lang="en-US" sz="1800" dirty="0"/>
+              <a:t>device with an installed web </a:t>
+            </a:r>
+            <a:r>
+              <a:rPr lang="en-US" sz="1800" dirty="0" smtClean="0"/>
+              <a:t>browser</a:t>
+            </a:r>
+            <a:endParaRPr lang="en-US" sz="1800" dirty="0"/>
+          </a:p>
+          <a:p>
+            <a:pPr marL="342900" indent="-342900">
+              <a:lnSpc>
+                <a:spcPct val="150000"/>
+              </a:lnSpc>
+              <a:buFont typeface="Arial" panose="020B0604020202020204" pitchFamily="34" charset="0"/>
+              <a:buChar char="•"/>
+            </a:pPr>
+            <a:r>
+              <a:rPr lang="en-US" sz="2400" dirty="0" smtClean="0"/>
+              <a:t> Maintainability</a:t>
+            </a:r>
+            <a:r>
+              <a:rPr lang="en-US" sz="2400" i="1" dirty="0" smtClean="0"/>
+              <a:t> </a:t>
+            </a:r>
+            <a:endParaRPr lang="en-US" sz="2400" dirty="0" smtClean="0"/>
+          </a:p>
+          <a:p>
+            <a:pPr marL="722313" lvl="1" defTabSz="722313">
+              <a:buNone/>
+            </a:pPr>
+            <a:r>
+              <a:rPr lang="en-US" sz="1800" dirty="0" smtClean="0"/>
+              <a:t>- The software system provide specific API for enabling future developers with option to add more services or fix bugs in the system</a:t>
+            </a:r>
+          </a:p>
+          <a:p>
+            <a:pPr marL="342900" indent="-342900">
+              <a:lnSpc>
+                <a:spcPct val="150000"/>
+              </a:lnSpc>
+              <a:buFont typeface="Arial" panose="020B0604020202020204" pitchFamily="34" charset="0"/>
+              <a:buChar char="•"/>
+            </a:pPr>
+            <a:r>
+              <a:rPr lang="en-US" sz="2400" dirty="0" smtClean="0"/>
+              <a:t>Portability</a:t>
+            </a:r>
+            <a:endParaRPr lang="en-US" sz="2400" dirty="0"/>
+          </a:p>
+          <a:p>
+            <a:pPr marL="722313" indent="-279400">
+              <a:buNone/>
+            </a:pPr>
+            <a:r>
+              <a:rPr lang="en-US" sz="1800" dirty="0" smtClean="0"/>
+              <a:t>	- Application </a:t>
+            </a:r>
+            <a:r>
+              <a:rPr lang="en-US" sz="1800" dirty="0"/>
+              <a:t>could be run on device with any OS that has access to Internet and has a web </a:t>
+            </a:r>
+            <a:r>
+              <a:rPr lang="en-US" sz="1800" dirty="0" smtClean="0"/>
+              <a:t>browser</a:t>
+            </a:r>
+            <a:endParaRPr lang="en-US" sz="1800" dirty="0"/>
+          </a:p>
+          <a:p>
+            <a:pPr marL="342900" indent="-342900">
+              <a:lnSpc>
+                <a:spcPct val="150000"/>
+              </a:lnSpc>
+              <a:buFont typeface="Arial" panose="020B0604020202020204" pitchFamily="34" charset="0"/>
+              <a:buChar char="•"/>
+            </a:pPr>
+            <a:r>
+              <a:rPr lang="en-US" sz="2400" dirty="0" smtClean="0"/>
+              <a:t> </a:t>
+            </a:r>
+            <a:r>
+              <a:rPr lang="en-US" sz="2400" dirty="0"/>
+              <a:t>User </a:t>
+            </a:r>
+            <a:r>
+              <a:rPr lang="en-US" sz="2400" dirty="0" smtClean="0"/>
+              <a:t>Interface</a:t>
+            </a:r>
+            <a:endParaRPr lang="en-US" sz="2400" dirty="0"/>
+          </a:p>
+          <a:p>
+            <a:pPr marL="722313" indent="-354013">
+              <a:buNone/>
+            </a:pPr>
+            <a:r>
+              <a:rPr lang="en-US" sz="1800" dirty="0" smtClean="0"/>
+              <a:t>	- Web </a:t>
+            </a:r>
+            <a:r>
+              <a:rPr lang="en-US" sz="1800" dirty="0"/>
+              <a:t>application should be intuitive so even the nontechnical users can use the system as simply and efficiently as </a:t>
+            </a:r>
+            <a:r>
+              <a:rPr lang="en-US" sz="1800" dirty="0" smtClean="0"/>
+              <a:t>possible</a:t>
+            </a:r>
+            <a:endParaRPr lang="en-US" sz="1800" dirty="0"/>
+          </a:p>
+          <a:p>
+            <a:pPr>
+              <a:buNone/>
+            </a:pPr>
+            <a:endParaRPr lang="en-US" sz="2400" dirty="0"/>
+          </a:p>
+        </p:txBody>
+      </p:sp>
     </p:spTree>
     <p:extLst>
       <p:ext uri="{BB962C8B-B14F-4D97-AF65-F5344CB8AC3E}">
-        <p14:creationId xmlns:p14="http://schemas.microsoft.com/office/powerpoint/2010/main" val="3643704145"/>
+        <p14:creationId xmlns:p14="http://schemas.microsoft.com/office/powerpoint/2010/main" val="4224975323"/>
       </p:ext>
     </p:extLst>
   </p:cSld>
@@ -16742,6 +16257,36 @@
           <a:chExt cx="0" cy="0"/>
         </a:xfrm>
       </p:grpSpPr>
+      <p:pic>
+        <p:nvPicPr>
+          <p:cNvPr id="2" name="Picture 1"/>
+          <p:cNvPicPr>
+            <a:picLocks noChangeAspect="1"/>
+          </p:cNvPicPr>
+          <p:nvPr/>
+        </p:nvPicPr>
+        <p:blipFill>
+          <a:blip r:embed="rId3">
+            <a:extLst>
+              <a:ext uri="{28A0092B-C50C-407E-A947-70E740481C1C}">
+                <a14:useLocalDpi xmlns:a14="http://schemas.microsoft.com/office/drawing/2010/main" val="0"/>
+              </a:ext>
+            </a:extLst>
+          </a:blip>
+          <a:stretch>
+            <a:fillRect/>
+          </a:stretch>
+        </p:blipFill>
+        <p:spPr>
+          <a:xfrm>
+            <a:off x="-2" y="630539"/>
+            <a:ext cx="9144000" cy="6227462"/>
+          </a:xfrm>
+          <a:prstGeom prst="rect">
+            <a:avLst/>
+          </a:prstGeom>
+        </p:spPr>
+      </p:pic>
       <p:sp>
         <p:nvSpPr>
           <p:cNvPr id="33" name="Shape 33"/>
@@ -16767,30 +16312,17 @@
           </a:bodyPr>
           <a:lstStyle/>
           <a:p>
-            <a:pPr lvl="0"/>
             <a:r>
               <a:rPr lang="en-US" sz="2800" dirty="0" smtClean="0">
                 <a:solidFill>
                   <a:srgbClr val="003366"/>
                 </a:solidFill>
               </a:rPr>
-              <a:t>Specific requirements – </a:t>
-            </a:r>
-            <a:r>
-              <a:rPr lang="en-US" sz="2800" dirty="0" smtClean="0">
-                <a:solidFill>
-                  <a:srgbClr val="003366"/>
-                </a:solidFill>
-              </a:rPr>
-              <a:t>State Chart </a:t>
-            </a:r>
-            <a:r>
-              <a:rPr lang="en-US" sz="2800" dirty="0" smtClean="0">
-                <a:solidFill>
-                  <a:srgbClr val="003366"/>
-                </a:solidFill>
-              </a:rPr>
-              <a:t>diagrams</a:t>
+              <a:t>Alloy- World generated by Alloy analyzer</a:t>
+            </a:r>
+            <a:r>
+              <a:rPr lang="en-US" sz="2800" dirty="0" smtClean="0"/>
+              <a:t> </a:t>
             </a:r>
             <a:endParaRPr sz="2800" dirty="0">
               <a:solidFill>
@@ -16803,34 +16335,6 @@
       <p:pic>
         <p:nvPicPr>
           <p:cNvPr id="35" name="Shape 35"/>
-          <p:cNvPicPr preferRelativeResize="0"/>
-          <p:nvPr/>
-        </p:nvPicPr>
-        <p:blipFill>
-          <a:blip r:embed="rId3">
-            <a:alphaModFix/>
-          </a:blip>
-          <a:stretch>
-            <a:fillRect/>
-          </a:stretch>
-        </p:blipFill>
-        <p:spPr>
-          <a:xfrm>
-            <a:off x="82450" y="65950"/>
-            <a:ext cx="464900" cy="498650"/>
-          </a:xfrm>
-          <a:prstGeom prst="rect">
-            <a:avLst/>
-          </a:prstGeom>
-          <a:noFill/>
-          <a:ln>
-            <a:noFill/>
-          </a:ln>
-        </p:spPr>
-      </p:pic>
-      <p:pic>
-        <p:nvPicPr>
-          <p:cNvPr id="36" name="Shape 36"/>
           <p:cNvPicPr preferRelativeResize="0"/>
           <p:nvPr/>
         </p:nvPicPr>
@@ -16844,8 +16348,8 @@
         </p:blipFill>
         <p:spPr>
           <a:xfrm>
-            <a:off x="0" y="630539"/>
-            <a:ext cx="9143998" cy="97471"/>
+            <a:off x="82450" y="65950"/>
+            <a:ext cx="464900" cy="498650"/>
           </a:xfrm>
           <a:prstGeom prst="rect">
             <a:avLst/>
@@ -16856,77 +16360,9 @@
           </a:ln>
         </p:spPr>
       </p:pic>
-      <p:cxnSp>
-        <p:nvCxnSpPr>
-          <p:cNvPr id="37" name="Shape 37"/>
-          <p:cNvCxnSpPr/>
-          <p:nvPr/>
-        </p:nvCxnSpPr>
-        <p:spPr>
-          <a:xfrm rot="10800000">
-            <a:off x="691550" y="125"/>
-            <a:ext cx="0" cy="630299"/>
-          </a:xfrm>
-          <a:prstGeom prst="straightConnector1">
-            <a:avLst/>
-          </a:prstGeom>
-          <a:noFill/>
-          <a:ln w="9525" cap="flat" cmpd="sng">
-            <a:solidFill>
-              <a:srgbClr val="003366"/>
-            </a:solidFill>
-            <a:prstDash val="solid"/>
-            <a:round/>
-            <a:headEnd type="none" w="lg" len="lg"/>
-            <a:tailEnd type="none" w="lg" len="lg"/>
-          </a:ln>
-        </p:spPr>
-      </p:cxnSp>
-      <p:sp>
-        <p:nvSpPr>
-          <p:cNvPr id="38" name="Shape 38"/>
-          <p:cNvSpPr txBox="1"/>
-          <p:nvPr/>
-        </p:nvSpPr>
-        <p:spPr>
-          <a:xfrm>
-            <a:off x="6783700" y="6531000"/>
-            <a:ext cx="2599200" cy="363899"/>
-          </a:xfrm>
-          <a:prstGeom prst="rect">
-            <a:avLst/>
-          </a:prstGeom>
-          <a:noFill/>
-          <a:ln>
-            <a:noFill/>
-          </a:ln>
-        </p:spPr>
-        <p:txBody>
-          <a:bodyPr lIns="91425" tIns="91425" rIns="91425" bIns="91425" anchor="t" anchorCtr="0">
-            <a:noAutofit/>
-          </a:bodyPr>
-          <a:lstStyle/>
-          <a:p>
-            <a:pPr lvl="0" rtl="0">
-              <a:spcBef>
-                <a:spcPts val="0"/>
-              </a:spcBef>
-              <a:buNone/>
-            </a:pPr>
-            <a:r>
-              <a:rPr lang="it" sz="1200" b="1">
-                <a:solidFill>
-                  <a:srgbClr val="FFFFFF"/>
-                </a:solidFill>
-              </a:rPr>
-              <a:t>POLITECNICO DI MILANO</a:t>
-            </a:r>
-          </a:p>
-        </p:txBody>
-      </p:sp>
       <p:pic>
         <p:nvPicPr>
-          <p:cNvPr id="39" name="Shape 39"/>
+          <p:cNvPr id="36" name="Shape 36"/>
           <p:cNvPicPr preferRelativeResize="0"/>
           <p:nvPr/>
         </p:nvPicPr>
@@ -16940,8 +16376,8 @@
         </p:blipFill>
         <p:spPr>
           <a:xfrm>
-            <a:off x="0" y="6571225"/>
-            <a:ext cx="9144000" cy="286775"/>
+            <a:off x="0" y="630539"/>
+            <a:ext cx="9143998" cy="97471"/>
           </a:xfrm>
           <a:prstGeom prst="rect">
             <a:avLst/>
@@ -16952,194 +16388,78 @@
           </a:ln>
         </p:spPr>
       </p:pic>
+      <p:cxnSp>
+        <p:nvCxnSpPr>
+          <p:cNvPr id="37" name="Shape 37"/>
+          <p:cNvCxnSpPr/>
+          <p:nvPr/>
+        </p:nvCxnSpPr>
+        <p:spPr>
+          <a:xfrm rot="10800000">
+            <a:off x="691550" y="125"/>
+            <a:ext cx="0" cy="630299"/>
+          </a:xfrm>
+          <a:prstGeom prst="straightConnector1">
+            <a:avLst/>
+          </a:prstGeom>
+          <a:noFill/>
+          <a:ln w="9525" cap="flat" cmpd="sng">
+            <a:solidFill>
+              <a:srgbClr val="003366"/>
+            </a:solidFill>
+            <a:prstDash val="solid"/>
+            <a:round/>
+            <a:headEnd type="none" w="lg" len="lg"/>
+            <a:tailEnd type="none" w="lg" len="lg"/>
+          </a:ln>
+        </p:spPr>
+      </p:cxnSp>
       <p:sp>
         <p:nvSpPr>
-          <p:cNvPr id="40" name="Shape 40"/>
-          <p:cNvSpPr txBox="1">
-            <a:spLocks noGrp="1"/>
-          </p:cNvSpPr>
-          <p:nvPr>
-            <p:ph type="ctrTitle" idx="4294967295"/>
-          </p:nvPr>
+          <p:cNvPr id="38" name="Shape 38"/>
+          <p:cNvSpPr txBox="1"/>
+          <p:nvPr/>
         </p:nvSpPr>
         <p:spPr>
           <a:xfrm>
-            <a:off x="2555776" y="6500849"/>
-            <a:ext cx="3383687" cy="424199"/>
-          </a:xfrm>
-          <a:prstGeom prst="rect">
-            <a:avLst/>
-          </a:prstGeom>
+            <a:off x="6783700" y="6531000"/>
+            <a:ext cx="2599200" cy="363899"/>
+          </a:xfrm>
+          <a:prstGeom prst="rect">
+            <a:avLst/>
+          </a:prstGeom>
+          <a:noFill/>
+          <a:ln>
+            <a:noFill/>
+          </a:ln>
         </p:spPr>
         <p:txBody>
-          <a:bodyPr lIns="91425" tIns="91425" rIns="91425" bIns="91425" anchor="ctr" anchorCtr="0">
+          <a:bodyPr lIns="91425" tIns="91425" rIns="91425" bIns="91425" anchor="t" anchorCtr="0">
             <a:noAutofit/>
           </a:bodyPr>
           <a:lstStyle/>
           <a:p>
-            <a:pPr lvl="0" indent="457200" rtl="0">
-              <a:lnSpc>
-                <a:spcPct val="115000"/>
-              </a:lnSpc>
+            <a:pPr lvl="0" rtl="0">
               <a:spcBef>
                 <a:spcPts val="0"/>
               </a:spcBef>
               <a:buNone/>
             </a:pPr>
             <a:r>
-              <a:rPr lang="en-US" sz="1300" dirty="0" smtClean="0">
-                <a:solidFill>
-                  <a:srgbClr val="003366"/>
+              <a:rPr lang="it" sz="1200" b="1">
+                <a:solidFill>
+                  <a:srgbClr val="FFFFFF"/>
                 </a:solidFill>
               </a:rPr>
-              <a:t>Guest lifecycle</a:t>
-            </a:r>
-            <a:endParaRPr sz="1300" dirty="0">
-              <a:solidFill>
-                <a:srgbClr val="003366"/>
-              </a:solidFill>
-            </a:endParaRPr>
-          </a:p>
-        </p:txBody>
-      </p:sp>
-      <p:pic>
-        <p:nvPicPr>
-          <p:cNvPr id="2" name="Picture 1"/>
-          <p:cNvPicPr>
-            <a:picLocks noChangeAspect="1"/>
-          </p:cNvPicPr>
-          <p:nvPr/>
-        </p:nvPicPr>
-        <p:blipFill>
-          <a:blip r:embed="rId6">
-            <a:extLst>
-              <a:ext uri="{28A0092B-C50C-407E-A947-70E740481C1C}">
-                <a14:useLocalDpi xmlns:a14="http://schemas.microsoft.com/office/drawing/2010/main" val="0"/>
-              </a:ext>
-            </a:extLst>
-          </a:blip>
-          <a:stretch>
-            <a:fillRect/>
-          </a:stretch>
-        </p:blipFill>
-        <p:spPr>
-          <a:xfrm>
-            <a:off x="3059832" y="795337"/>
-            <a:ext cx="2859955" cy="5588534"/>
-          </a:xfrm>
-          <a:prstGeom prst="rect">
-            <a:avLst/>
-          </a:prstGeom>
-        </p:spPr>
-      </p:pic>
-      <p:sp>
-        <p:nvSpPr>
-          <p:cNvPr id="11" name="Action Button: Help 10">
-            <a:hlinkClick r:id="" action="ppaction://noaction" highlightClick="1"/>
-          </p:cNvPr>
-          <p:cNvSpPr/>
-          <p:nvPr/>
-        </p:nvSpPr>
-        <p:spPr>
-          <a:xfrm>
-            <a:off x="7437495" y="1378472"/>
-            <a:ext cx="1042416" cy="1042416"/>
-          </a:xfrm>
-          <a:prstGeom prst="actionButtonHelp">
-            <a:avLst/>
-          </a:prstGeom>
-        </p:spPr>
-        <p:style>
-          <a:lnRef idx="2">
-            <a:schemeClr val="accent1">
-              <a:shade val="50000"/>
-            </a:schemeClr>
-          </a:lnRef>
-          <a:fillRef idx="1">
-            <a:schemeClr val="accent1"/>
-          </a:fillRef>
-          <a:effectRef idx="0">
-            <a:schemeClr val="accent1"/>
-          </a:effectRef>
-          <a:fontRef idx="minor">
-            <a:schemeClr val="lt1"/>
-          </a:fontRef>
-        </p:style>
-        <p:txBody>
-          <a:bodyPr rtlCol="0" anchor="ctr"/>
-          <a:lstStyle/>
-          <a:p>
-            <a:pPr algn="ctr"/>
-            <a:endParaRPr lang="en-US"/>
-          </a:p>
-        </p:txBody>
-      </p:sp>
-      <p:sp>
-        <p:nvSpPr>
-          <p:cNvPr id="12" name="TextBox 11"/>
-          <p:cNvSpPr txBox="1"/>
-          <p:nvPr/>
-        </p:nvSpPr>
-        <p:spPr>
-          <a:xfrm>
-            <a:off x="5586962" y="2898904"/>
-            <a:ext cx="3387388" cy="400110"/>
-          </a:xfrm>
-          <a:prstGeom prst="rect">
-            <a:avLst/>
-          </a:prstGeom>
-          <a:noFill/>
-        </p:spPr>
-        <p:txBody>
-          <a:bodyPr wrap="square" rtlCol="0">
-            <a:spAutoFit/>
-          </a:bodyPr>
-          <a:lstStyle/>
-          <a:p>
-            <a:r>
-              <a:rPr lang="en-US" sz="2000" dirty="0" smtClean="0">
-                <a:solidFill>
-                  <a:srgbClr val="C00000"/>
-                </a:solidFill>
-              </a:rPr>
-              <a:t>Ovo </a:t>
-            </a:r>
-            <a:r>
-              <a:rPr lang="en-US" sz="2000" dirty="0" err="1" smtClean="0">
-                <a:solidFill>
-                  <a:srgbClr val="C00000"/>
-                </a:solidFill>
-              </a:rPr>
-              <a:t>nzm</a:t>
-            </a:r>
-            <a:r>
-              <a:rPr lang="en-US" sz="2000" dirty="0" smtClean="0">
-                <a:solidFill>
-                  <a:srgbClr val="C00000"/>
-                </a:solidFill>
-              </a:rPr>
-              <a:t> dal da </a:t>
-            </a:r>
-            <a:r>
-              <a:rPr lang="en-US" sz="2000" dirty="0" err="1" smtClean="0">
-                <a:solidFill>
-                  <a:srgbClr val="C00000"/>
-                </a:solidFill>
-              </a:rPr>
-              <a:t>ubacujemo</a:t>
-            </a:r>
-            <a:endParaRPr lang="en-US" sz="2000" dirty="0">
-              <a:solidFill>
-                <a:srgbClr val="C00000"/>
-              </a:solidFill>
-            </a:endParaRPr>
+              <a:t>POLITECNICO DI MILANO</a:t>
+            </a:r>
           </a:p>
         </p:txBody>
       </p:sp>
     </p:spTree>
     <p:extLst>
       <p:ext uri="{BB962C8B-B14F-4D97-AF65-F5344CB8AC3E}">
-        <p14:creationId xmlns:p14="http://schemas.microsoft.com/office/powerpoint/2010/main" val="1520699562"/>
+        <p14:creationId xmlns:p14="http://schemas.microsoft.com/office/powerpoint/2010/main" val="1683931613"/>
       </p:ext>
     </p:extLst>
   </p:cSld>
@@ -17188,8 +16508,8 @@
         </p:nvSpPr>
         <p:spPr>
           <a:xfrm>
-            <a:off x="691549" y="131950"/>
-            <a:ext cx="8452451" cy="498599"/>
+            <a:off x="837450" y="131950"/>
+            <a:ext cx="8136900" cy="498599"/>
           </a:xfrm>
           <a:prstGeom prst="rect">
             <a:avLst/>
@@ -17203,14 +16523,14 @@
           <a:p>
             <a:pPr lvl="0"/>
             <a:r>
-              <a:rPr lang="en-US" sz="2500" dirty="0" smtClean="0">
+              <a:rPr lang="en-US" sz="2800" dirty="0" smtClean="0">
                 <a:solidFill>
                   <a:srgbClr val="003366"/>
                 </a:solidFill>
               </a:rPr>
-              <a:t>Specific requirements – Non functional requirements</a:t>
-            </a:r>
-            <a:endParaRPr sz="2500" dirty="0">
+              <a:t>Alloy- Prove the model’s consistency </a:t>
+            </a:r>
+            <a:endParaRPr sz="2800" dirty="0">
               <a:solidFill>
                 <a:srgbClr val="003366"/>
               </a:solidFill>
@@ -17412,168 +16732,70 @@
           </a:p>
         </p:txBody>
       </p:sp>
-      <p:sp>
-        <p:nvSpPr>
-          <p:cNvPr id="10" name="Shape 34"/>
-          <p:cNvSpPr txBox="1">
-            <a:spLocks noGrp="1"/>
-          </p:cNvSpPr>
-          <p:nvPr>
-            <p:ph type="body" idx="1"/>
-          </p:nvPr>
-        </p:nvSpPr>
-        <p:spPr>
-          <a:xfrm>
-            <a:off x="536890" y="1239728"/>
-            <a:ext cx="8579297" cy="4824536"/>
-          </a:xfrm>
-          <a:prstGeom prst="rect">
-            <a:avLst/>
-          </a:prstGeom>
-        </p:spPr>
-        <p:txBody>
-          <a:bodyPr lIns="91425" tIns="91425" rIns="91425" bIns="91425" anchor="t" anchorCtr="0">
-            <a:noAutofit/>
-          </a:bodyPr>
-          <a:lstStyle/>
-          <a:p>
-            <a:r>
-              <a:rPr lang="en-US" sz="2400" dirty="0" smtClean="0"/>
-              <a:t>Availability</a:t>
-            </a:r>
-          </a:p>
-          <a:p>
-            <a:pPr marL="625475" lvl="1" indent="-285750">
-              <a:buFont typeface="Arial" panose="020B0604020202020204" pitchFamily="34" charset="0"/>
-              <a:buChar char="•"/>
-            </a:pPr>
-            <a:r>
-              <a:rPr lang="en-US" sz="1800" dirty="0"/>
-              <a:t>A</a:t>
-            </a:r>
-            <a:r>
-              <a:rPr lang="en-US" sz="1800" dirty="0" smtClean="0"/>
-              <a:t>pplication </a:t>
-            </a:r>
-            <a:r>
-              <a:rPr lang="en-US" sz="1800" dirty="0"/>
-              <a:t>should be available to handle user's request at all times using </a:t>
-            </a:r>
-            <a:r>
-              <a:rPr lang="en-US" sz="1800" dirty="0" smtClean="0"/>
-              <a:t>any </a:t>
-            </a:r>
-            <a:r>
-              <a:rPr lang="en-US" sz="1800" dirty="0"/>
-              <a:t>device with an installed web </a:t>
-            </a:r>
-            <a:r>
-              <a:rPr lang="en-US" sz="1800" dirty="0" smtClean="0"/>
-              <a:t>browser</a:t>
-            </a:r>
-            <a:endParaRPr lang="en-US" sz="1800" dirty="0"/>
-          </a:p>
-          <a:p>
-            <a:r>
-              <a:rPr lang="en-US" sz="2400" dirty="0" smtClean="0"/>
-              <a:t> Maintainability</a:t>
-            </a:r>
-            <a:r>
-              <a:rPr lang="en-US" sz="2400" i="1" dirty="0" smtClean="0"/>
-              <a:t> </a:t>
-            </a:r>
-            <a:endParaRPr lang="en-US" sz="2400" dirty="0" smtClean="0"/>
-          </a:p>
-          <a:p>
-            <a:pPr marL="625475" lvl="1" indent="-285750">
-              <a:buFont typeface="Arial" panose="020B0604020202020204" pitchFamily="34" charset="0"/>
-              <a:buChar char="•"/>
-            </a:pPr>
-            <a:r>
-              <a:rPr lang="en-US" sz="1800" dirty="0" smtClean="0"/>
-              <a:t>The software system provide specific API for enabling future developers with option to add more services or fix bugs in the system</a:t>
-            </a:r>
-          </a:p>
-          <a:p>
-            <a:r>
-              <a:rPr lang="en-US" sz="2400" dirty="0" smtClean="0"/>
-              <a:t>Portability</a:t>
-            </a:r>
-            <a:endParaRPr lang="en-US" sz="2400" dirty="0"/>
-          </a:p>
-          <a:p>
-            <a:pPr marL="625475" lvl="1" indent="-285750">
-              <a:buFont typeface="Arial" panose="020B0604020202020204" pitchFamily="34" charset="0"/>
-              <a:buChar char="•"/>
-            </a:pPr>
-            <a:r>
-              <a:rPr lang="en-US" sz="1800" dirty="0"/>
-              <a:t>A</a:t>
-            </a:r>
-            <a:r>
-              <a:rPr lang="en-US" sz="1800" dirty="0" smtClean="0"/>
-              <a:t>pplication </a:t>
-            </a:r>
-            <a:r>
-              <a:rPr lang="en-US" sz="1800" dirty="0"/>
-              <a:t>could be run on device with any OS that has access to Internet and has a web </a:t>
-            </a:r>
-            <a:r>
-              <a:rPr lang="en-US" sz="1800" dirty="0" smtClean="0"/>
-              <a:t>browser</a:t>
-            </a:r>
-            <a:endParaRPr lang="en-US" sz="1800" dirty="0"/>
-          </a:p>
-          <a:p>
-            <a:r>
-              <a:rPr lang="en-US" sz="2400" dirty="0" smtClean="0"/>
-              <a:t> </a:t>
-            </a:r>
-            <a:r>
-              <a:rPr lang="en-US" sz="2400" dirty="0"/>
-              <a:t>User </a:t>
-            </a:r>
-            <a:r>
-              <a:rPr lang="en-US" sz="2400" dirty="0" smtClean="0"/>
-              <a:t>Interface</a:t>
-            </a:r>
-            <a:endParaRPr lang="en-US" sz="2400" dirty="0"/>
-          </a:p>
-          <a:p>
-            <a:pPr marL="625475" lvl="1" indent="-285750">
-              <a:buFont typeface="Arial" panose="020B0604020202020204" pitchFamily="34" charset="0"/>
-              <a:buChar char="•"/>
-            </a:pPr>
-            <a:r>
-              <a:rPr lang="en-US" sz="1800" dirty="0"/>
-              <a:t>W</a:t>
-            </a:r>
-            <a:r>
-              <a:rPr lang="en-US" sz="1800" dirty="0" smtClean="0"/>
-              <a:t>eb </a:t>
-            </a:r>
-            <a:r>
-              <a:rPr lang="en-US" sz="1800" dirty="0"/>
-              <a:t>application should be intuitive so even the nontechnical users can use the system as simply and efficiently as </a:t>
-            </a:r>
-            <a:r>
-              <a:rPr lang="en-US" sz="1800" dirty="0" smtClean="0"/>
-              <a:t>possible</a:t>
-            </a:r>
-            <a:endParaRPr lang="en-US" sz="1800" dirty="0"/>
-          </a:p>
-          <a:p>
-            <a:pPr>
-              <a:buNone/>
-            </a:pPr>
-            <a:endParaRPr lang="en-US" sz="2400" dirty="0"/>
-          </a:p>
-        </p:txBody>
-      </p:sp>
+      <p:pic>
+        <p:nvPicPr>
+          <p:cNvPr id="3" name="Picture 2"/>
+          <p:cNvPicPr>
+            <a:picLocks noChangeAspect="1"/>
+          </p:cNvPicPr>
+          <p:nvPr/>
+        </p:nvPicPr>
+        <p:blipFill>
+          <a:blip r:embed="rId6">
+            <a:extLst>
+              <a:ext uri="{28A0092B-C50C-407E-A947-70E740481C1C}">
+                <a14:useLocalDpi xmlns:a14="http://schemas.microsoft.com/office/drawing/2010/main" val="0"/>
+              </a:ext>
+            </a:extLst>
+          </a:blip>
+          <a:stretch>
+            <a:fillRect/>
+          </a:stretch>
+        </p:blipFill>
+        <p:spPr>
+          <a:xfrm>
+            <a:off x="82450" y="786274"/>
+            <a:ext cx="3452238" cy="5704501"/>
+          </a:xfrm>
+          <a:prstGeom prst="rect">
+            <a:avLst/>
+          </a:prstGeom>
+        </p:spPr>
+      </p:pic>
+      <p:pic>
+        <p:nvPicPr>
+          <p:cNvPr id="4" name="Picture 3"/>
+          <p:cNvPicPr>
+            <a:picLocks noChangeAspect="1"/>
+          </p:cNvPicPr>
+          <p:nvPr/>
+        </p:nvPicPr>
+        <p:blipFill>
+          <a:blip r:embed="rId7">
+            <a:extLst>
+              <a:ext uri="{28A0092B-C50C-407E-A947-70E740481C1C}">
+                <a14:useLocalDpi xmlns:a14="http://schemas.microsoft.com/office/drawing/2010/main" val="0"/>
+              </a:ext>
+            </a:extLst>
+          </a:blip>
+          <a:stretch>
+            <a:fillRect/>
+          </a:stretch>
+        </p:blipFill>
+        <p:spPr>
+          <a:xfrm>
+            <a:off x="3278400" y="786274"/>
+            <a:ext cx="5695950" cy="4333875"/>
+          </a:xfrm>
+          <a:prstGeom prst="rect">
+            <a:avLst/>
+          </a:prstGeom>
+        </p:spPr>
+      </p:pic>
     </p:spTree>
     <p:extLst>
       <p:ext uri="{BB962C8B-B14F-4D97-AF65-F5344CB8AC3E}">
-        <p14:creationId xmlns:p14="http://schemas.microsoft.com/office/powerpoint/2010/main" val="4224975323"/>
+        <p14:creationId xmlns:p14="http://schemas.microsoft.com/office/powerpoint/2010/main" val="1846807659"/>
       </p:ext>
     </p:extLst>
   </p:cSld>
@@ -17635,17 +16857,14 @@
           </a:bodyPr>
           <a:lstStyle/>
           <a:p>
+            <a:pPr lvl="0"/>
             <a:r>
               <a:rPr lang="en-US" sz="2800" dirty="0" smtClean="0">
                 <a:solidFill>
                   <a:srgbClr val="003366"/>
                 </a:solidFill>
               </a:rPr>
-              <a:t>Alloy- World generated by Alloy analyzer</a:t>
-            </a:r>
-            <a:r>
-              <a:rPr lang="en-US" sz="2800" dirty="0" smtClean="0"/>
-              <a:t> </a:t>
+              <a:t>Future possible implementation</a:t>
             </a:r>
             <a:endParaRPr sz="2800" dirty="0">
               <a:solidFill>
@@ -17849,40 +17068,105 @@
           </a:p>
         </p:txBody>
       </p:sp>
-      <p:pic>
-        <p:nvPicPr>
-          <p:cNvPr id="2" name="Picture 1"/>
-          <p:cNvPicPr>
-            <a:picLocks noChangeAspect="1"/>
-          </p:cNvPicPr>
-          <p:nvPr/>
-        </p:nvPicPr>
-        <p:blipFill>
-          <a:blip r:embed="rId6">
-            <a:extLst>
-              <a:ext uri="{28A0092B-C50C-407E-A947-70E740481C1C}">
-                <a14:useLocalDpi xmlns:a14="http://schemas.microsoft.com/office/drawing/2010/main" val="0"/>
-              </a:ext>
-            </a:extLst>
-          </a:blip>
-          <a:stretch>
-            <a:fillRect/>
-          </a:stretch>
-        </p:blipFill>
-        <p:spPr>
-          <a:xfrm>
-            <a:off x="-2" y="825752"/>
-            <a:ext cx="9144000" cy="5647924"/>
-          </a:xfrm>
-          <a:prstGeom prst="rect">
-            <a:avLst/>
-          </a:prstGeom>
-        </p:spPr>
-      </p:pic>
+      <p:sp>
+        <p:nvSpPr>
+          <p:cNvPr id="12" name="Shape 34"/>
+          <p:cNvSpPr txBox="1">
+            <a:spLocks noGrp="1"/>
+          </p:cNvSpPr>
+          <p:nvPr>
+            <p:ph type="body" idx="1"/>
+          </p:nvPr>
+        </p:nvSpPr>
+        <p:spPr>
+          <a:xfrm>
+            <a:off x="536890" y="1239728"/>
+            <a:ext cx="8579297" cy="4824536"/>
+          </a:xfrm>
+          <a:prstGeom prst="rect">
+            <a:avLst/>
+          </a:prstGeom>
+        </p:spPr>
+        <p:txBody>
+          <a:bodyPr lIns="91425" tIns="91425" rIns="91425" bIns="91425" anchor="t" anchorCtr="0">
+            <a:noAutofit/>
+          </a:bodyPr>
+          <a:lstStyle/>
+          <a:p>
+            <a:pPr marL="342900" indent="-342900">
+              <a:buFont typeface="Arial" panose="020B0604020202020204" pitchFamily="34" charset="0"/>
+              <a:buChar char="•"/>
+            </a:pPr>
+            <a:r>
+              <a:rPr lang="en-US" sz="2400" dirty="0" smtClean="0"/>
+              <a:t>Online payment</a:t>
+            </a:r>
+          </a:p>
+          <a:p>
+            <a:pPr marL="285750" indent="-285750">
+              <a:buFont typeface="Arial" panose="020B0604020202020204" pitchFamily="34" charset="0"/>
+              <a:buChar char="•"/>
+            </a:pPr>
+            <a:endParaRPr lang="en-US" sz="1800" dirty="0"/>
+          </a:p>
+          <a:p>
+            <a:pPr marL="342900" indent="-342900">
+              <a:buFont typeface="Arial" panose="020B0604020202020204" pitchFamily="34" charset="0"/>
+              <a:buChar char="•"/>
+            </a:pPr>
+            <a:r>
+              <a:rPr lang="en-US" sz="2400" dirty="0" smtClean="0"/>
+              <a:t>Option of rating the drivers</a:t>
+            </a:r>
+            <a:endParaRPr lang="en-US" sz="1800" dirty="0" smtClean="0"/>
+          </a:p>
+          <a:p>
+            <a:pPr marL="342900" indent="-342900">
+              <a:buFont typeface="Arial" panose="020B0604020202020204" pitchFamily="34" charset="0"/>
+              <a:buChar char="•"/>
+            </a:pPr>
+            <a:endParaRPr lang="en-US" sz="2400" dirty="0" smtClean="0"/>
+          </a:p>
+          <a:p>
+            <a:pPr marL="342900" indent="-342900">
+              <a:buFont typeface="Arial" panose="020B0604020202020204" pitchFamily="34" charset="0"/>
+              <a:buChar char="•"/>
+            </a:pPr>
+            <a:r>
+              <a:rPr lang="en-US" sz="2400" dirty="0" smtClean="0"/>
+              <a:t>Facebook authentication</a:t>
+            </a:r>
+            <a:endParaRPr lang="en-US" sz="1800" dirty="0" smtClean="0"/>
+          </a:p>
+          <a:p>
+            <a:pPr marL="342900" indent="-342900">
+              <a:buFont typeface="Arial" panose="020B0604020202020204" pitchFamily="34" charset="0"/>
+              <a:buChar char="•"/>
+            </a:pPr>
+            <a:endParaRPr lang="en-US" sz="2400" dirty="0" smtClean="0"/>
+          </a:p>
+          <a:p>
+            <a:pPr marL="342900" indent="-342900">
+              <a:buFont typeface="Arial" panose="020B0604020202020204" pitchFamily="34" charset="0"/>
+              <a:buChar char="•"/>
+            </a:pPr>
+            <a:r>
+              <a:rPr lang="en-US" sz="2400" dirty="0" smtClean="0"/>
+              <a:t>Taxi sharing options</a:t>
+            </a:r>
+          </a:p>
+          <a:p>
+            <a:pPr>
+              <a:buNone/>
+            </a:pPr>
+            <a:endParaRPr lang="en-US" sz="2400" dirty="0"/>
+          </a:p>
+        </p:txBody>
+      </p:sp>
     </p:spTree>
     <p:extLst>
       <p:ext uri="{BB962C8B-B14F-4D97-AF65-F5344CB8AC3E}">
-        <p14:creationId xmlns:p14="http://schemas.microsoft.com/office/powerpoint/2010/main" val="1683931613"/>
+        <p14:creationId xmlns:p14="http://schemas.microsoft.com/office/powerpoint/2010/main" val="3506936998"/>
       </p:ext>
     </p:extLst>
   </p:cSld>
@@ -17944,18 +17228,18 @@
           </a:bodyPr>
           <a:lstStyle/>
           <a:p>
-            <a:pPr lvl="0"/>
-            <a:r>
-              <a:rPr lang="en-US" sz="2800" dirty="0" smtClean="0">
-                <a:solidFill>
-                  <a:srgbClr val="003366"/>
+            <a:pPr marL="0" indent="0"/>
+            <a:r>
+              <a:rPr lang="it-IT" sz="2800" dirty="0" smtClean="0">
+                <a:solidFill>
+                  <a:srgbClr val="002060"/>
                 </a:solidFill>
               </a:rPr>
-              <a:t>Alloy- Prove the model’s consistency </a:t>
-            </a:r>
-            <a:endParaRPr sz="2800" dirty="0">
+              <a:t>Questions?</a:t>
+            </a:r>
+            <a:endParaRPr lang="it-IT" sz="2800" dirty="0">
               <a:solidFill>
-                <a:srgbClr val="003366"/>
+                <a:srgbClr val="002060"/>
               </a:solidFill>
             </a:endParaRPr>
           </a:p>
@@ -18157,7 +17441,7 @@
       </p:sp>
       <p:pic>
         <p:nvPicPr>
-          <p:cNvPr id="3" name="Picture 2"/>
+          <p:cNvPr id="11" name="Immagine 5" descr="omino_interrogativo-300x300.jpg"/>
           <p:cNvPicPr>
             <a:picLocks noChangeAspect="1"/>
           </p:cNvPicPr>
@@ -18177,605 +17461,255 @@
         </p:blipFill>
         <p:spPr>
           <a:xfrm>
-            <a:off x="314900" y="826499"/>
-            <a:ext cx="3452238" cy="5704501"/>
+            <a:off x="2879812" y="2037992"/>
+            <a:ext cx="3384376" cy="3384376"/>
           </a:xfrm>
           <a:prstGeom prst="rect">
             <a:avLst/>
           </a:prstGeom>
         </p:spPr>
       </p:pic>
-      <p:pic>
-        <p:nvPicPr>
-          <p:cNvPr id="4" name="Picture 3"/>
-          <p:cNvPicPr>
-            <a:picLocks noChangeAspect="1"/>
-          </p:cNvPicPr>
-          <p:nvPr/>
-        </p:nvPicPr>
-        <p:blipFill>
-          <a:blip r:embed="rId7">
-            <a:extLst>
-              <a:ext uri="{28A0092B-C50C-407E-A947-70E740481C1C}">
-                <a14:useLocalDpi xmlns:a14="http://schemas.microsoft.com/office/drawing/2010/main" val="0"/>
-              </a:ext>
-            </a:extLst>
-          </a:blip>
-          <a:stretch>
-            <a:fillRect/>
-          </a:stretch>
-        </p:blipFill>
-        <p:spPr>
-          <a:xfrm>
-            <a:off x="3278400" y="786274"/>
-            <a:ext cx="5695950" cy="4333875"/>
-          </a:xfrm>
-          <a:prstGeom prst="rect">
-            <a:avLst/>
-          </a:prstGeom>
-        </p:spPr>
-      </p:pic>
-    </p:spTree>
-    <p:extLst>
-      <p:ext uri="{BB962C8B-B14F-4D97-AF65-F5344CB8AC3E}">
-        <p14:creationId xmlns:p14="http://schemas.microsoft.com/office/powerpoint/2010/main" val="1846807659"/>
-      </p:ext>
-    </p:extLst>
-  </p:cSld>
-  <p:clrMapOvr>
-    <a:masterClrMapping/>
-  </p:clrMapOvr>
-  <p:transition spd="slow">
-    <p:cut/>
-  </p:transition>
-  <p:timing>
-    <p:tnLst>
-      <p:par>
-        <p:cTn id="1" dur="indefinite" restart="never" nodeType="tmRoot"/>
-      </p:par>
-    </p:tnLst>
-  </p:timing>
-</p:sld>
-</file>
-
-<file path=ppt/slides/slide29.xml><?xml version="1.0" encoding="utf-8"?>
-<p:sld xmlns:a="http://schemas.openxmlformats.org/drawingml/2006/main" xmlns:r="http://schemas.openxmlformats.org/officeDocument/2006/relationships" xmlns:p="http://schemas.openxmlformats.org/presentationml/2006/main">
-  <p:cSld>
-    <p:spTree>
-      <p:nvGrpSpPr>
-        <p:cNvPr id="1" name="Shape 32"/>
-        <p:cNvGrpSpPr/>
-        <p:nvPr/>
-      </p:nvGrpSpPr>
-      <p:grpSpPr>
-        <a:xfrm>
-          <a:off x="0" y="0"/>
-          <a:ext cx="0" cy="0"/>
-          <a:chOff x="0" y="0"/>
-          <a:chExt cx="0" cy="0"/>
-        </a:xfrm>
-      </p:grpSpPr>
       <p:sp>
         <p:nvSpPr>
-          <p:cNvPr id="33" name="Shape 33"/>
+          <p:cNvPr id="13" name="Shape 33"/>
           <p:cNvSpPr txBox="1">
-            <a:spLocks noGrp="1"/>
+            <a:spLocks/>
           </p:cNvSpPr>
-          <p:nvPr>
-            <p:ph type="title"/>
-          </p:nvPr>
+          <p:nvPr/>
         </p:nvSpPr>
         <p:spPr>
           <a:xfrm>
-            <a:off x="837450" y="131950"/>
-            <a:ext cx="8136900" cy="498599"/>
-          </a:xfrm>
-          <a:prstGeom prst="rect">
-            <a:avLst/>
-          </a:prstGeom>
+            <a:off x="1369639" y="1539393"/>
+            <a:ext cx="6404721" cy="498599"/>
+          </a:xfrm>
+          <a:prstGeom prst="rect">
+            <a:avLst/>
+          </a:prstGeom>
+          <a:noFill/>
+          <a:ln>
+            <a:noFill/>
+          </a:ln>
         </p:spPr>
         <p:txBody>
           <a:bodyPr lIns="91425" tIns="91425" rIns="91425" bIns="91425" anchor="b" anchorCtr="0">
             <a:noAutofit/>
           </a:bodyPr>
-          <a:lstStyle/>
-          <a:p>
-            <a:pPr lvl="0"/>
-            <a:r>
-              <a:rPr lang="en-US" sz="2800" dirty="0" smtClean="0">
-                <a:solidFill>
-                  <a:srgbClr val="003366"/>
+          <a:lstStyle>
+            <a:defPPr marR="0" algn="l" rtl="0">
+              <a:lnSpc>
+                <a:spcPct val="100000"/>
+              </a:lnSpc>
+              <a:spcBef>
+                <a:spcPts val="0"/>
+              </a:spcBef>
+              <a:spcAft>
+                <a:spcPts val="0"/>
+              </a:spcAft>
+            </a:defPPr>
+            <a:lvl1pPr marR="0" algn="l" rtl="0">
+              <a:lnSpc>
+                <a:spcPct val="100000"/>
+              </a:lnSpc>
+              <a:spcBef>
+                <a:spcPts val="0"/>
+              </a:spcBef>
+              <a:spcAft>
+                <a:spcPts val="0"/>
+              </a:spcAft>
+              <a:buClr>
+                <a:schemeClr val="dk1"/>
+              </a:buClr>
+              <a:buSzPct val="100000"/>
+              <a:buFont typeface="Arial"/>
+              <a:buNone/>
+              <a:defRPr sz="3600" b="1" i="0" u="none" strike="noStrike" cap="none" baseline="0">
+                <a:solidFill>
+                  <a:schemeClr val="dk1"/>
+                </a:solidFill>
+                <a:latin typeface="Arial"/>
+                <a:ea typeface="Arial"/>
+                <a:cs typeface="Arial"/>
+                <a:sym typeface="Arial"/>
+                <a:rtl val="0"/>
+              </a:defRPr>
+            </a:lvl1pPr>
+            <a:lvl2pPr algn="l" rtl="0">
+              <a:spcBef>
+                <a:spcPts val="0"/>
+              </a:spcBef>
+              <a:buClr>
+                <a:schemeClr val="dk1"/>
+              </a:buClr>
+              <a:buSzPct val="100000"/>
+              <a:buFont typeface="Arial"/>
+              <a:buNone/>
+              <a:defRPr sz="3600" b="1" i="0" u="none" strike="noStrike" cap="none" baseline="0">
+                <a:solidFill>
+                  <a:schemeClr val="dk1"/>
+                </a:solidFill>
+                <a:latin typeface="Arial"/>
+                <a:ea typeface="Arial"/>
+                <a:cs typeface="Arial"/>
+                <a:sym typeface="Arial"/>
+              </a:defRPr>
+            </a:lvl2pPr>
+            <a:lvl3pPr algn="l" rtl="0">
+              <a:spcBef>
+                <a:spcPts val="0"/>
+              </a:spcBef>
+              <a:buClr>
+                <a:schemeClr val="dk1"/>
+              </a:buClr>
+              <a:buSzPct val="100000"/>
+              <a:buFont typeface="Arial"/>
+              <a:buNone/>
+              <a:defRPr sz="3600" b="1" i="0" u="none" strike="noStrike" cap="none" baseline="0">
+                <a:solidFill>
+                  <a:schemeClr val="dk1"/>
+                </a:solidFill>
+                <a:latin typeface="Arial"/>
+                <a:ea typeface="Arial"/>
+                <a:cs typeface="Arial"/>
+                <a:sym typeface="Arial"/>
+              </a:defRPr>
+            </a:lvl3pPr>
+            <a:lvl4pPr algn="l" rtl="0">
+              <a:spcBef>
+                <a:spcPts val="0"/>
+              </a:spcBef>
+              <a:buClr>
+                <a:schemeClr val="dk1"/>
+              </a:buClr>
+              <a:buSzPct val="100000"/>
+              <a:buFont typeface="Arial"/>
+              <a:buNone/>
+              <a:defRPr sz="3600" b="1" i="0" u="none" strike="noStrike" cap="none" baseline="0">
+                <a:solidFill>
+                  <a:schemeClr val="dk1"/>
+                </a:solidFill>
+                <a:latin typeface="Arial"/>
+                <a:ea typeface="Arial"/>
+                <a:cs typeface="Arial"/>
+                <a:sym typeface="Arial"/>
+              </a:defRPr>
+            </a:lvl4pPr>
+            <a:lvl5pPr algn="l" rtl="0">
+              <a:spcBef>
+                <a:spcPts val="0"/>
+              </a:spcBef>
+              <a:buClr>
+                <a:schemeClr val="dk1"/>
+              </a:buClr>
+              <a:buSzPct val="100000"/>
+              <a:buFont typeface="Arial"/>
+              <a:buNone/>
+              <a:defRPr sz="3600" b="1" i="0" u="none" strike="noStrike" cap="none" baseline="0">
+                <a:solidFill>
+                  <a:schemeClr val="dk1"/>
+                </a:solidFill>
+                <a:latin typeface="Arial"/>
+                <a:ea typeface="Arial"/>
+                <a:cs typeface="Arial"/>
+                <a:sym typeface="Arial"/>
+              </a:defRPr>
+            </a:lvl5pPr>
+            <a:lvl6pPr algn="l" rtl="0">
+              <a:spcBef>
+                <a:spcPts val="0"/>
+              </a:spcBef>
+              <a:buClr>
+                <a:schemeClr val="dk1"/>
+              </a:buClr>
+              <a:buSzPct val="100000"/>
+              <a:buFont typeface="Arial"/>
+              <a:buNone/>
+              <a:defRPr sz="3600" b="1" i="0" u="none" strike="noStrike" cap="none" baseline="0">
+                <a:solidFill>
+                  <a:schemeClr val="dk1"/>
+                </a:solidFill>
+                <a:latin typeface="Arial"/>
+                <a:ea typeface="Arial"/>
+                <a:cs typeface="Arial"/>
+                <a:sym typeface="Arial"/>
+              </a:defRPr>
+            </a:lvl6pPr>
+            <a:lvl7pPr algn="l" rtl="0">
+              <a:spcBef>
+                <a:spcPts val="0"/>
+              </a:spcBef>
+              <a:buClr>
+                <a:schemeClr val="dk1"/>
+              </a:buClr>
+              <a:buSzPct val="100000"/>
+              <a:buFont typeface="Arial"/>
+              <a:buNone/>
+              <a:defRPr sz="3600" b="1" i="0" u="none" strike="noStrike" cap="none" baseline="0">
+                <a:solidFill>
+                  <a:schemeClr val="dk1"/>
+                </a:solidFill>
+                <a:latin typeface="Arial"/>
+                <a:ea typeface="Arial"/>
+                <a:cs typeface="Arial"/>
+                <a:sym typeface="Arial"/>
+              </a:defRPr>
+            </a:lvl7pPr>
+            <a:lvl8pPr algn="l" rtl="0">
+              <a:spcBef>
+                <a:spcPts val="0"/>
+              </a:spcBef>
+              <a:buClr>
+                <a:schemeClr val="dk1"/>
+              </a:buClr>
+              <a:buSzPct val="100000"/>
+              <a:buFont typeface="Arial"/>
+              <a:buNone/>
+              <a:defRPr sz="3600" b="1" i="0" u="none" strike="noStrike" cap="none" baseline="0">
+                <a:solidFill>
+                  <a:schemeClr val="dk1"/>
+                </a:solidFill>
+                <a:latin typeface="Arial"/>
+                <a:ea typeface="Arial"/>
+                <a:cs typeface="Arial"/>
+                <a:sym typeface="Arial"/>
+              </a:defRPr>
+            </a:lvl8pPr>
+            <a:lvl9pPr algn="l" rtl="0">
+              <a:spcBef>
+                <a:spcPts val="0"/>
+              </a:spcBef>
+              <a:buClr>
+                <a:schemeClr val="dk1"/>
+              </a:buClr>
+              <a:buSzPct val="100000"/>
+              <a:buFont typeface="Arial"/>
+              <a:buNone/>
+              <a:defRPr sz="3600" b="1" i="0" u="none" strike="noStrike" cap="none" baseline="0">
+                <a:solidFill>
+                  <a:schemeClr val="dk1"/>
+                </a:solidFill>
+                <a:latin typeface="Arial"/>
+                <a:ea typeface="Arial"/>
+                <a:cs typeface="Arial"/>
+                <a:sym typeface="Arial"/>
+              </a:defRPr>
+            </a:lvl9pPr>
+          </a:lstStyle>
+          <a:p>
+            <a:r>
+              <a:rPr lang="it-IT" dirty="0" smtClean="0">
+                <a:solidFill>
+                  <a:schemeClr val="accent1">
+                    <a:lumMod val="75000"/>
+                  </a:schemeClr>
                 </a:solidFill>
               </a:rPr>
-              <a:t>Future possible implementation</a:t>
-            </a:r>
-            <a:endParaRPr sz="2800" dirty="0">
+              <a:t>Thank you for your attention</a:t>
+            </a:r>
+            <a:endParaRPr lang="it-IT" dirty="0">
               <a:solidFill>
-                <a:srgbClr val="003366"/>
-              </a:solidFill>
-            </a:endParaRPr>
-          </a:p>
-        </p:txBody>
-      </p:sp>
-      <p:pic>
-        <p:nvPicPr>
-          <p:cNvPr id="35" name="Shape 35"/>
-          <p:cNvPicPr preferRelativeResize="0"/>
-          <p:nvPr/>
-        </p:nvPicPr>
-        <p:blipFill>
-          <a:blip r:embed="rId3">
-            <a:alphaModFix/>
-          </a:blip>
-          <a:stretch>
-            <a:fillRect/>
-          </a:stretch>
-        </p:blipFill>
-        <p:spPr>
-          <a:xfrm>
-            <a:off x="82450" y="65950"/>
-            <a:ext cx="464900" cy="498650"/>
-          </a:xfrm>
-          <a:prstGeom prst="rect">
-            <a:avLst/>
-          </a:prstGeom>
-          <a:noFill/>
-          <a:ln>
-            <a:noFill/>
-          </a:ln>
-        </p:spPr>
-      </p:pic>
-      <p:pic>
-        <p:nvPicPr>
-          <p:cNvPr id="36" name="Shape 36"/>
-          <p:cNvPicPr preferRelativeResize="0"/>
-          <p:nvPr/>
-        </p:nvPicPr>
-        <p:blipFill>
-          <a:blip r:embed="rId4">
-            <a:alphaModFix/>
-          </a:blip>
-          <a:stretch>
-            <a:fillRect/>
-          </a:stretch>
-        </p:blipFill>
-        <p:spPr>
-          <a:xfrm>
-            <a:off x="0" y="630539"/>
-            <a:ext cx="9143998" cy="97471"/>
-          </a:xfrm>
-          <a:prstGeom prst="rect">
-            <a:avLst/>
-          </a:prstGeom>
-          <a:noFill/>
-          <a:ln>
-            <a:noFill/>
-          </a:ln>
-        </p:spPr>
-      </p:pic>
-      <p:cxnSp>
-        <p:nvCxnSpPr>
-          <p:cNvPr id="37" name="Shape 37"/>
-          <p:cNvCxnSpPr/>
-          <p:nvPr/>
-        </p:nvCxnSpPr>
-        <p:spPr>
-          <a:xfrm rot="10800000">
-            <a:off x="691550" y="125"/>
-            <a:ext cx="0" cy="630299"/>
-          </a:xfrm>
-          <a:prstGeom prst="straightConnector1">
-            <a:avLst/>
-          </a:prstGeom>
-          <a:noFill/>
-          <a:ln w="9525" cap="flat" cmpd="sng">
-            <a:solidFill>
-              <a:srgbClr val="003366"/>
-            </a:solidFill>
-            <a:prstDash val="solid"/>
-            <a:round/>
-            <a:headEnd type="none" w="lg" len="lg"/>
-            <a:tailEnd type="none" w="lg" len="lg"/>
-          </a:ln>
-        </p:spPr>
-      </p:cxnSp>
-      <p:sp>
-        <p:nvSpPr>
-          <p:cNvPr id="38" name="Shape 38"/>
-          <p:cNvSpPr txBox="1"/>
-          <p:nvPr/>
-        </p:nvSpPr>
-        <p:spPr>
-          <a:xfrm>
-            <a:off x="6783700" y="6531000"/>
-            <a:ext cx="2599200" cy="363899"/>
-          </a:xfrm>
-          <a:prstGeom prst="rect">
-            <a:avLst/>
-          </a:prstGeom>
-          <a:noFill/>
-          <a:ln>
-            <a:noFill/>
-          </a:ln>
-        </p:spPr>
-        <p:txBody>
-          <a:bodyPr lIns="91425" tIns="91425" rIns="91425" bIns="91425" anchor="t" anchorCtr="0">
-            <a:noAutofit/>
-          </a:bodyPr>
-          <a:lstStyle/>
-          <a:p>
-            <a:pPr lvl="0" rtl="0">
-              <a:spcBef>
-                <a:spcPts val="0"/>
-              </a:spcBef>
-              <a:buNone/>
-            </a:pPr>
-            <a:r>
-              <a:rPr lang="it" sz="1200" b="1">
-                <a:solidFill>
-                  <a:srgbClr val="FFFFFF"/>
-                </a:solidFill>
-              </a:rPr>
-              <a:t>POLITECNICO DI MILANO</a:t>
-            </a:r>
-          </a:p>
-        </p:txBody>
-      </p:sp>
-      <p:pic>
-        <p:nvPicPr>
-          <p:cNvPr id="39" name="Shape 39"/>
-          <p:cNvPicPr preferRelativeResize="0"/>
-          <p:nvPr/>
-        </p:nvPicPr>
-        <p:blipFill>
-          <a:blip r:embed="rId5">
-            <a:alphaModFix/>
-          </a:blip>
-          <a:stretch>
-            <a:fillRect/>
-          </a:stretch>
-        </p:blipFill>
-        <p:spPr>
-          <a:xfrm>
-            <a:off x="0" y="6571225"/>
-            <a:ext cx="9144000" cy="286775"/>
-          </a:xfrm>
-          <a:prstGeom prst="rect">
-            <a:avLst/>
-          </a:prstGeom>
-          <a:noFill/>
-          <a:ln>
-            <a:noFill/>
-          </a:ln>
-        </p:spPr>
-      </p:pic>
-      <p:sp>
-        <p:nvSpPr>
-          <p:cNvPr id="40" name="Shape 40"/>
-          <p:cNvSpPr txBox="1">
-            <a:spLocks noGrp="1"/>
-          </p:cNvSpPr>
-          <p:nvPr>
-            <p:ph type="ctrTitle" idx="4294967295"/>
-          </p:nvPr>
-        </p:nvSpPr>
-        <p:spPr>
-          <a:xfrm>
-            <a:off x="2196425" y="6531000"/>
-            <a:ext cx="3238799" cy="424199"/>
-          </a:xfrm>
-          <a:prstGeom prst="rect">
-            <a:avLst/>
-          </a:prstGeom>
-        </p:spPr>
-        <p:txBody>
-          <a:bodyPr lIns="91425" tIns="91425" rIns="91425" bIns="91425" anchor="ctr" anchorCtr="0">
-            <a:noAutofit/>
-          </a:bodyPr>
-          <a:lstStyle/>
-          <a:p>
-            <a:pPr lvl="0" indent="457200" rtl="0">
-              <a:lnSpc>
-                <a:spcPct val="115000"/>
-              </a:lnSpc>
-              <a:spcBef>
-                <a:spcPts val="0"/>
-              </a:spcBef>
-              <a:buNone/>
-            </a:pPr>
-            <a:endParaRPr sz="1300">
-              <a:solidFill>
-                <a:srgbClr val="003366"/>
-              </a:solidFill>
-            </a:endParaRPr>
-          </a:p>
-        </p:txBody>
-      </p:sp>
-      <p:sp>
-        <p:nvSpPr>
-          <p:cNvPr id="12" name="Shape 34"/>
-          <p:cNvSpPr txBox="1">
-            <a:spLocks noGrp="1"/>
-          </p:cNvSpPr>
-          <p:nvPr>
-            <p:ph type="body" idx="1"/>
-          </p:nvPr>
-        </p:nvSpPr>
-        <p:spPr>
-          <a:xfrm>
-            <a:off x="536890" y="1239728"/>
-            <a:ext cx="8579297" cy="4824536"/>
-          </a:xfrm>
-          <a:prstGeom prst="rect">
-            <a:avLst/>
-          </a:prstGeom>
-        </p:spPr>
-        <p:txBody>
-          <a:bodyPr lIns="91425" tIns="91425" rIns="91425" bIns="91425" anchor="t" anchorCtr="0">
-            <a:noAutofit/>
-          </a:bodyPr>
-          <a:lstStyle/>
-          <a:p>
-            <a:r>
-              <a:rPr lang="en-US" sz="2400" dirty="0" smtClean="0"/>
-              <a:t>Online payment</a:t>
-            </a:r>
-          </a:p>
-          <a:p>
-            <a:endParaRPr lang="en-US" sz="1800" dirty="0"/>
-          </a:p>
-          <a:p>
-            <a:r>
-              <a:rPr lang="en-US" sz="2400" dirty="0" smtClean="0"/>
-              <a:t> Option of rating the drivers</a:t>
-            </a:r>
-            <a:endParaRPr lang="en-US" sz="1800" dirty="0" smtClean="0"/>
-          </a:p>
-          <a:p>
-            <a:endParaRPr lang="en-US" sz="2400" dirty="0" smtClean="0"/>
-          </a:p>
-          <a:p>
-            <a:r>
-              <a:rPr lang="en-US" sz="2400" dirty="0" smtClean="0"/>
-              <a:t>Facebook authentication</a:t>
-            </a:r>
-            <a:endParaRPr lang="en-US" sz="1800" dirty="0" smtClean="0"/>
-          </a:p>
-          <a:p>
-            <a:endParaRPr lang="en-US" sz="2400" dirty="0" smtClean="0"/>
-          </a:p>
-          <a:p>
-            <a:r>
-              <a:rPr lang="en-US" sz="2400" dirty="0" smtClean="0"/>
-              <a:t> Taxi sharing options</a:t>
-            </a:r>
-          </a:p>
-          <a:p>
-            <a:pPr>
-              <a:buNone/>
-            </a:pPr>
-            <a:endParaRPr lang="en-US" sz="2400" dirty="0"/>
-          </a:p>
-        </p:txBody>
-      </p:sp>
-      <p:sp>
-        <p:nvSpPr>
-          <p:cNvPr id="13" name="Action Button: Help 12">
-            <a:hlinkClick r:id="" action="ppaction://noaction" highlightClick="1"/>
-          </p:cNvPr>
-          <p:cNvSpPr/>
-          <p:nvPr/>
-        </p:nvSpPr>
-        <p:spPr>
-          <a:xfrm>
-            <a:off x="7437495" y="1378472"/>
-            <a:ext cx="1042416" cy="1042416"/>
-          </a:xfrm>
-          <a:prstGeom prst="actionButtonHelp">
-            <a:avLst/>
-          </a:prstGeom>
-        </p:spPr>
-        <p:style>
-          <a:lnRef idx="2">
-            <a:schemeClr val="accent1">
-              <a:shade val="50000"/>
-            </a:schemeClr>
-          </a:lnRef>
-          <a:fillRef idx="1">
-            <a:schemeClr val="accent1"/>
-          </a:fillRef>
-          <a:effectRef idx="0">
-            <a:schemeClr val="accent1"/>
-          </a:effectRef>
-          <a:fontRef idx="minor">
-            <a:schemeClr val="lt1"/>
-          </a:fontRef>
-        </p:style>
-        <p:txBody>
-          <a:bodyPr rtlCol="0" anchor="ctr"/>
-          <a:lstStyle/>
-          <a:p>
-            <a:pPr algn="ctr"/>
-            <a:endParaRPr lang="en-US"/>
-          </a:p>
-        </p:txBody>
-      </p:sp>
-      <p:sp>
-        <p:nvSpPr>
-          <p:cNvPr id="14" name="TextBox 13"/>
-          <p:cNvSpPr txBox="1"/>
-          <p:nvPr/>
-        </p:nvSpPr>
-        <p:spPr>
-          <a:xfrm>
-            <a:off x="5577333" y="2887624"/>
-            <a:ext cx="3387388" cy="1631216"/>
-          </a:xfrm>
-          <a:prstGeom prst="rect">
-            <a:avLst/>
-          </a:prstGeom>
-          <a:noFill/>
-        </p:spPr>
-        <p:txBody>
-          <a:bodyPr wrap="square" rtlCol="0">
-            <a:spAutoFit/>
-          </a:bodyPr>
-          <a:lstStyle/>
-          <a:p>
-            <a:r>
-              <a:rPr lang="en-US" sz="2000" dirty="0" err="1" smtClean="0">
-                <a:solidFill>
-                  <a:srgbClr val="C00000"/>
-                </a:solidFill>
-              </a:rPr>
-              <a:t>Isto</a:t>
-            </a:r>
-            <a:r>
-              <a:rPr lang="en-US" sz="2000" dirty="0" smtClean="0">
-                <a:solidFill>
-                  <a:srgbClr val="C00000"/>
-                </a:solidFill>
-              </a:rPr>
-              <a:t> I ovo mi </a:t>
-            </a:r>
-            <a:r>
-              <a:rPr lang="en-US" sz="2000" dirty="0" err="1" smtClean="0">
-                <a:solidFill>
-                  <a:srgbClr val="C00000"/>
-                </a:solidFill>
-              </a:rPr>
-              <a:t>palo</a:t>
-            </a:r>
-            <a:r>
-              <a:rPr lang="en-US" sz="2000" dirty="0" smtClean="0">
-                <a:solidFill>
-                  <a:srgbClr val="C00000"/>
-                </a:solidFill>
-              </a:rPr>
-              <a:t> na </a:t>
-            </a:r>
-            <a:r>
-              <a:rPr lang="en-US" sz="2000" dirty="0" err="1" smtClean="0">
-                <a:solidFill>
-                  <a:srgbClr val="C00000"/>
-                </a:solidFill>
-              </a:rPr>
-              <a:t>pamet</a:t>
-            </a:r>
-            <a:r>
-              <a:rPr lang="en-US" sz="2000" dirty="0" smtClean="0">
-                <a:solidFill>
-                  <a:srgbClr val="C00000"/>
-                </a:solidFill>
-              </a:rPr>
-              <a:t> al </a:t>
-            </a:r>
-            <a:r>
-              <a:rPr lang="en-US" sz="2000" dirty="0" err="1" smtClean="0">
-                <a:solidFill>
-                  <a:srgbClr val="C00000"/>
-                </a:solidFill>
-              </a:rPr>
-              <a:t>nzm</a:t>
-            </a:r>
-            <a:r>
-              <a:rPr lang="en-US" sz="2000" dirty="0" smtClean="0">
-                <a:solidFill>
-                  <a:srgbClr val="C00000"/>
-                </a:solidFill>
-              </a:rPr>
-              <a:t> dal da </a:t>
-            </a:r>
-            <a:r>
-              <a:rPr lang="en-US" sz="2000" dirty="0" err="1" smtClean="0">
-                <a:solidFill>
-                  <a:srgbClr val="C00000"/>
-                </a:solidFill>
-              </a:rPr>
-              <a:t>stavljamo</a:t>
-            </a:r>
-            <a:r>
-              <a:rPr lang="en-US" sz="2000" dirty="0" smtClean="0">
-                <a:solidFill>
-                  <a:srgbClr val="C00000"/>
-                </a:solidFill>
-              </a:rPr>
-              <a:t> </a:t>
-            </a:r>
-            <a:r>
-              <a:rPr lang="en-US" sz="2000" dirty="0" err="1" smtClean="0">
-                <a:solidFill>
-                  <a:srgbClr val="C00000"/>
-                </a:solidFill>
-              </a:rPr>
-              <a:t>il</a:t>
-            </a:r>
-            <a:r>
-              <a:rPr lang="en-US" sz="2000" dirty="0" smtClean="0">
-                <a:solidFill>
-                  <a:srgbClr val="C00000"/>
-                </a:solidFill>
-              </a:rPr>
-              <a:t> </a:t>
-            </a:r>
-            <a:r>
-              <a:rPr lang="en-US" sz="2000" dirty="0" err="1" smtClean="0">
-                <a:solidFill>
-                  <a:srgbClr val="C00000"/>
-                </a:solidFill>
-              </a:rPr>
-              <a:t>samo</a:t>
-            </a:r>
-            <a:r>
-              <a:rPr lang="en-US" sz="2000" dirty="0" smtClean="0">
-                <a:solidFill>
-                  <a:srgbClr val="C00000"/>
-                </a:solidFill>
-              </a:rPr>
-              <a:t> da </a:t>
-            </a:r>
-            <a:r>
-              <a:rPr lang="en-US" sz="2000" dirty="0" err="1" smtClean="0">
-                <a:solidFill>
-                  <a:srgbClr val="C00000"/>
-                </a:solidFill>
-              </a:rPr>
-              <a:t>stavimo</a:t>
-            </a:r>
-            <a:endParaRPr lang="en-US" sz="2000" dirty="0" smtClean="0">
-              <a:solidFill>
-                <a:srgbClr val="C00000"/>
-              </a:solidFill>
-            </a:endParaRPr>
-          </a:p>
-          <a:p>
-            <a:r>
-              <a:rPr lang="en-US" sz="2000" dirty="0" smtClean="0">
-                <a:solidFill>
-                  <a:srgbClr val="C00000"/>
-                </a:solidFill>
-              </a:rPr>
-              <a:t> “</a:t>
-            </a:r>
-            <a:r>
-              <a:rPr lang="en-US" sz="2000" dirty="0" smtClean="0">
-                <a:solidFill>
-                  <a:srgbClr val="C00000"/>
-                </a:solidFill>
-              </a:rPr>
-              <a:t>T</a:t>
-            </a:r>
-            <a:r>
-              <a:rPr lang="en-US" sz="2000" dirty="0" smtClean="0">
-                <a:solidFill>
-                  <a:srgbClr val="C00000"/>
-                </a:solidFill>
-              </a:rPr>
-              <a:t>hank you for your attention”</a:t>
-            </a:r>
-            <a:endParaRPr lang="en-US" sz="2000" dirty="0">
-              <a:solidFill>
-                <a:srgbClr val="C00000"/>
+                <a:schemeClr val="accent1">
+                  <a:lumMod val="75000"/>
+                </a:schemeClr>
               </a:solidFill>
             </a:endParaRPr>
           </a:p>
@@ -18784,7 +17718,7 @@
     </p:spTree>
     <p:extLst>
       <p:ext uri="{BB962C8B-B14F-4D97-AF65-F5344CB8AC3E}">
-        <p14:creationId xmlns:p14="http://schemas.microsoft.com/office/powerpoint/2010/main" val="3506936998"/>
+        <p14:creationId xmlns:p14="http://schemas.microsoft.com/office/powerpoint/2010/main" val="2630524112"/>
       </p:ext>
     </p:extLst>
   </p:cSld>
@@ -19242,7 +18176,6 @@
               <a:rPr lang="en-US" sz="1800" dirty="0" smtClean="0"/>
               <a:t>- Mockups </a:t>
             </a:r>
-            <a:endParaRPr lang="en-US" sz="1800" dirty="0" smtClean="0"/>
           </a:p>
           <a:p>
             <a:pPr lvl="1">
@@ -19276,13 +18209,8 @@
             </a:r>
             <a:r>
               <a:rPr lang="en-US" sz="1800" dirty="0" smtClean="0"/>
-              <a:t>- Class diagram and </a:t>
-            </a:r>
-            <a:r>
-              <a:rPr lang="en-US" sz="1800" dirty="0" smtClean="0"/>
-              <a:t>State Chart diagrams</a:t>
-            </a:r>
-            <a:endParaRPr lang="en-US" sz="1800" dirty="0" smtClean="0"/>
+              <a:t>- Class diagram and State Chart diagrams</a:t>
+            </a:r>
           </a:p>
           <a:p>
             <a:pPr lvl="1">
@@ -19364,37 +18292,19 @@
                   <a:schemeClr val="tx1"/>
                 </a:solidFill>
               </a:rPr>
-              <a:t>the model's consistency </a:t>
-            </a:r>
-            <a:r>
-              <a:rPr lang="en-US" sz="1800" dirty="0" err="1" smtClean="0">
-                <a:solidFill>
-                  <a:srgbClr val="FF0000"/>
+              <a:t>the model's </a:t>
+            </a:r>
+            <a:r>
+              <a:rPr lang="en-US" sz="1800" dirty="0" smtClean="0">
+                <a:solidFill>
+                  <a:schemeClr val="tx1"/>
                 </a:solidFill>
               </a:rPr>
-              <a:t>ili</a:t>
-            </a:r>
-            <a:r>
-              <a:rPr lang="en-US" sz="1800" dirty="0" smtClean="0">
-                <a:solidFill>
-                  <a:srgbClr val="FF0000"/>
-                </a:solidFill>
-              </a:rPr>
-              <a:t> Code of alloy model?</a:t>
+              <a:t>consistency</a:t>
             </a:r>
             <a:endParaRPr lang="en-US" sz="1800" dirty="0">
               <a:solidFill>
                 <a:srgbClr val="FF0000"/>
-              </a:solidFill>
-            </a:endParaRPr>
-          </a:p>
-          <a:p>
-            <a:pPr>
-              <a:buNone/>
-            </a:pPr>
-            <a:endParaRPr sz="2200" dirty="0">
-              <a:solidFill>
-                <a:srgbClr val="003366"/>
               </a:solidFill>
             </a:endParaRPr>
           </a:p>
@@ -20044,6 +18954,13 @@
   <p:transition spd="slow">
     <p:cut/>
   </p:transition>
+  <p:timing>
+    <p:tnLst>
+      <p:par>
+        <p:cTn id="1" dur="indefinite" restart="never" nodeType="tmRoot"/>
+      </p:par>
+    </p:tnLst>
+  </p:timing>
 </p:sld>
 </file>
 
@@ -20333,6 +19250,9 @@
           </a:p>
           <a:p>
             <a:pPr marL="536575" lvl="1" indent="-285750">
+              <a:lnSpc>
+                <a:spcPct val="150000"/>
+              </a:lnSpc>
               <a:buFont typeface="Arial" panose="020B0604020202020204" pitchFamily="34" charset="0"/>
               <a:buChar char="•"/>
             </a:pPr>
@@ -20343,6 +19263,9 @@
           </a:p>
           <a:p>
             <a:pPr marL="536575" lvl="1" indent="-285750">
+              <a:lnSpc>
+                <a:spcPct val="150000"/>
+              </a:lnSpc>
               <a:buFont typeface="Arial" panose="020B0604020202020204" pitchFamily="34" charset="0"/>
               <a:buChar char="•"/>
             </a:pPr>
@@ -20353,6 +19276,9 @@
           </a:p>
           <a:p>
             <a:pPr marL="536575" lvl="1" indent="-285750">
+              <a:lnSpc>
+                <a:spcPct val="150000"/>
+              </a:lnSpc>
               <a:buFont typeface="Arial" panose="020B0604020202020204" pitchFamily="34" charset="0"/>
               <a:buChar char="•"/>
             </a:pPr>
@@ -20363,6 +19289,9 @@
           </a:p>
           <a:p>
             <a:pPr marL="536575" lvl="1" indent="-285750">
+              <a:lnSpc>
+                <a:spcPct val="150000"/>
+              </a:lnSpc>
               <a:buFont typeface="Arial" panose="020B0604020202020204" pitchFamily="34" charset="0"/>
               <a:buChar char="•"/>
             </a:pPr>
@@ -20373,6 +19302,9 @@
           </a:p>
           <a:p>
             <a:pPr marL="536575" lvl="1" indent="-285750">
+              <a:lnSpc>
+                <a:spcPct val="150000"/>
+              </a:lnSpc>
               <a:buFont typeface="Arial" panose="020B0604020202020204" pitchFamily="34" charset="0"/>
               <a:buChar char="•"/>
             </a:pPr>
@@ -20383,6 +19315,9 @@
           </a:p>
           <a:p>
             <a:pPr marL="536575" lvl="1" indent="-285750">
+              <a:lnSpc>
+                <a:spcPct val="150000"/>
+              </a:lnSpc>
               <a:buFont typeface="Arial" panose="020B0604020202020204" pitchFamily="34" charset="0"/>
               <a:buChar char="•"/>
             </a:pPr>
@@ -20393,6 +19328,9 @@
           </a:p>
           <a:p>
             <a:pPr marL="536575" lvl="1" indent="-285750">
+              <a:lnSpc>
+                <a:spcPct val="150000"/>
+              </a:lnSpc>
               <a:buFont typeface="Arial" panose="020B0604020202020204" pitchFamily="34" charset="0"/>
               <a:buChar char="•"/>
             </a:pPr>
@@ -20403,6 +19341,9 @@
           </a:p>
           <a:p>
             <a:pPr marL="536575" lvl="1" indent="-285750">
+              <a:lnSpc>
+                <a:spcPct val="150000"/>
+              </a:lnSpc>
               <a:buFont typeface="Arial" panose="020B0604020202020204" pitchFamily="34" charset="0"/>
               <a:buChar char="•"/>
             </a:pPr>
@@ -20413,6 +19354,9 @@
           </a:p>
           <a:p>
             <a:pPr marL="536575" lvl="1" indent="-285750">
+              <a:lnSpc>
+                <a:spcPct val="150000"/>
+              </a:lnSpc>
               <a:buFont typeface="Arial" panose="020B0604020202020204" pitchFamily="34" charset="0"/>
               <a:buChar char="•"/>
             </a:pPr>
@@ -20694,7 +19638,7 @@
               </a:spcBef>
               <a:buNone/>
             </a:pPr>
-            <a:endParaRPr sz="1300">
+            <a:endParaRPr sz="1300" dirty="0">
               <a:solidFill>
                 <a:srgbClr val="003366"/>
               </a:solidFill>
@@ -21587,11 +20531,23 @@
                   <a:srgbClr val="003366"/>
                 </a:solidFill>
               </a:rPr>
-              <a:t>Specific Requirements</a:t>
+              <a:t>Specific requirements - </a:t>
+            </a:r>
+            <a:r>
+              <a:rPr lang="en-US" sz="3200" dirty="0" smtClean="0">
+                <a:solidFill>
+                  <a:schemeClr val="accent1">
+                    <a:lumMod val="50000"/>
+                  </a:schemeClr>
+                </a:solidFill>
+              </a:rPr>
+              <a:t>Mockups</a:t>
             </a:r>
             <a:endParaRPr sz="3000" dirty="0">
               <a:solidFill>
-                <a:srgbClr val="003366"/>
+                <a:schemeClr val="accent1">
+                  <a:lumMod val="50000"/>
+                </a:schemeClr>
               </a:solidFill>
             </a:endParaRPr>
           </a:p>
@@ -21761,7 +20717,7 @@
         </p:nvSpPr>
         <p:spPr>
           <a:xfrm>
-            <a:off x="1981824" y="6645900"/>
+            <a:off x="2196425" y="6531000"/>
             <a:ext cx="3238799" cy="424199"/>
           </a:xfrm>
           <a:prstGeom prst="rect">
@@ -21774,19 +20730,16 @@
           </a:bodyPr>
           <a:lstStyle/>
           <a:p>
-            <a:pPr indent="457200">
+            <a:pPr lvl="0" indent="457200" rtl="0">
               <a:lnSpc>
                 <a:spcPct val="115000"/>
               </a:lnSpc>
+              <a:spcBef>
+                <a:spcPts val="0"/>
+              </a:spcBef>
+              <a:buNone/>
             </a:pPr>
-            <a:r>
-              <a:rPr lang="en-US" sz="1400" dirty="0"/>
-              <a:t>World and the machine</a:t>
-            </a:r>
-            <a:br>
-              <a:rPr lang="en-US" sz="1400" dirty="0"/>
-            </a:br>
-            <a:endParaRPr sz="1300" dirty="0">
+            <a:endParaRPr sz="1300">
               <a:solidFill>
                 <a:srgbClr val="003366"/>
               </a:solidFill>
@@ -21796,7 +20749,7 @@
       </p:sp>
       <p:pic>
         <p:nvPicPr>
-          <p:cNvPr id="1026" name="Picture 2" descr="D:\FAX\SW2\SW2015\world machine.jpg"/>
+          <p:cNvPr id="2051" name="Picture 3" descr="D:\FAX\SW2\SW2015\Mockups\1 Guest screen.png"/>
           <p:cNvPicPr>
             <a:picLocks noChangeAspect="1" noChangeArrowheads="1"/>
           </p:cNvPicPr>
@@ -21817,8 +20770,8 @@
         </p:blipFill>
         <p:spPr bwMode="auto">
           <a:xfrm>
-            <a:off x="827584" y="1997968"/>
-            <a:ext cx="6629400" cy="3209925"/>
+            <a:off x="971600" y="980578"/>
+            <a:ext cx="2266931" cy="4320000"/>
           </a:xfrm>
           <a:prstGeom prst="rect">
             <a:avLst/>
@@ -21835,58 +20788,131 @@
           </a:extLst>
         </p:spPr>
       </p:pic>
+      <p:pic>
+        <p:nvPicPr>
+          <p:cNvPr id="2052" name="Picture 4" descr="D:\FAX\SW2\SW2015\Mockups\2 SignUp.png"/>
+          <p:cNvPicPr>
+            <a:picLocks noChangeAspect="1" noChangeArrowheads="1"/>
+          </p:cNvPicPr>
+          <p:nvPr/>
+        </p:nvPicPr>
+        <p:blipFill>
+          <a:blip r:embed="rId7">
+            <a:extLst>
+              <a:ext uri="{28A0092B-C50C-407E-A947-70E740481C1C}">
+                <a14:useLocalDpi xmlns:a14="http://schemas.microsoft.com/office/drawing/2010/main" val="0"/>
+              </a:ext>
+            </a:extLst>
+          </a:blip>
+          <a:srcRect/>
+          <a:stretch>
+            <a:fillRect/>
+          </a:stretch>
+        </p:blipFill>
+        <p:spPr bwMode="auto">
+          <a:xfrm>
+            <a:off x="3563888" y="980728"/>
+            <a:ext cx="2266931" cy="4320000"/>
+          </a:xfrm>
+          <a:prstGeom prst="rect">
+            <a:avLst/>
+          </a:prstGeom>
+          <a:noFill/>
+          <a:extLst>
+            <a:ext uri="{909E8E84-426E-40DD-AFC4-6F175D3DCCD1}">
+              <a14:hiddenFill xmlns:a14="http://schemas.microsoft.com/office/drawing/2010/main">
+                <a:solidFill>
+                  <a:srgbClr val="FFFFFF"/>
+                </a:solidFill>
+              </a14:hiddenFill>
+            </a:ext>
+          </a:extLst>
+        </p:spPr>
+      </p:pic>
+      <p:pic>
+        <p:nvPicPr>
+          <p:cNvPr id="2053" name="Picture 5" descr="D:\FAX\SW2\SW2015\Mockups\3 Sign In.png"/>
+          <p:cNvPicPr>
+            <a:picLocks noChangeAspect="1" noChangeArrowheads="1"/>
+          </p:cNvPicPr>
+          <p:nvPr/>
+        </p:nvPicPr>
+        <p:blipFill>
+          <a:blip r:embed="rId8">
+            <a:extLst>
+              <a:ext uri="{28A0092B-C50C-407E-A947-70E740481C1C}">
+                <a14:useLocalDpi xmlns:a14="http://schemas.microsoft.com/office/drawing/2010/main" val="0"/>
+              </a:ext>
+            </a:extLst>
+          </a:blip>
+          <a:srcRect/>
+          <a:stretch>
+            <a:fillRect/>
+          </a:stretch>
+        </p:blipFill>
+        <p:spPr bwMode="auto">
+          <a:xfrm>
+            <a:off x="6193501" y="1006063"/>
+            <a:ext cx="2266931" cy="4320000"/>
+          </a:xfrm>
+          <a:prstGeom prst="rect">
+            <a:avLst/>
+          </a:prstGeom>
+          <a:noFill/>
+          <a:extLst>
+            <a:ext uri="{909E8E84-426E-40DD-AFC4-6F175D3DCCD1}">
+              <a14:hiddenFill xmlns:a14="http://schemas.microsoft.com/office/drawing/2010/main">
+                <a:solidFill>
+                  <a:srgbClr val="FFFFFF"/>
+                </a:solidFill>
+              </a14:hiddenFill>
+            </a:ext>
+          </a:extLst>
+        </p:spPr>
+      </p:pic>
       <p:sp>
         <p:nvSpPr>
-          <p:cNvPr id="3" name="Action Button: Help 2">
-            <a:hlinkClick r:id="" action="ppaction://noaction" highlightClick="1"/>
-          </p:cNvPr>
-          <p:cNvSpPr/>
+          <p:cNvPr id="2" name="TextBox 1"/>
+          <p:cNvSpPr txBox="1"/>
           <p:nvPr/>
         </p:nvSpPr>
         <p:spPr>
           <a:xfrm>
-            <a:off x="7437495" y="1378472"/>
-            <a:ext cx="1042416" cy="1042416"/>
-          </a:xfrm>
-          <a:prstGeom prst="actionButtonHelp">
-            <a:avLst/>
-          </a:prstGeom>
-        </p:spPr>
-        <p:style>
-          <a:lnRef idx="2">
-            <a:schemeClr val="accent1">
-              <a:shade val="50000"/>
-            </a:schemeClr>
-          </a:lnRef>
-          <a:fillRef idx="1">
-            <a:schemeClr val="accent1"/>
-          </a:fillRef>
-          <a:effectRef idx="0">
-            <a:schemeClr val="accent1"/>
-          </a:effectRef>
-          <a:fontRef idx="minor">
-            <a:schemeClr val="lt1"/>
-          </a:fontRef>
-        </p:style>
+            <a:off x="1551067" y="5499668"/>
+            <a:ext cx="1107996" cy="523220"/>
+          </a:xfrm>
+          <a:prstGeom prst="rect">
+            <a:avLst/>
+          </a:prstGeom>
+          <a:noFill/>
+        </p:spPr>
         <p:txBody>
-          <a:bodyPr rtlCol="0" anchor="ctr"/>
+          <a:bodyPr wrap="none" rtlCol="0">
+            <a:spAutoFit/>
+          </a:bodyPr>
           <a:lstStyle/>
           <a:p>
             <a:pPr algn="ctr"/>
-            <a:endParaRPr lang="en-US"/>
+            <a:r>
+              <a:rPr lang="en-US" dirty="0"/>
+              <a:t>Initial page 	</a:t>
+            </a:r>
+          </a:p>
+          <a:p>
+            <a:endParaRPr lang="en-US" dirty="0"/>
           </a:p>
         </p:txBody>
       </p:sp>
       <p:sp>
         <p:nvSpPr>
-          <p:cNvPr id="4" name="TextBox 3"/>
+          <p:cNvPr id="14" name="TextBox 13"/>
           <p:cNvSpPr txBox="1"/>
           <p:nvPr/>
         </p:nvSpPr>
         <p:spPr>
           <a:xfrm>
-            <a:off x="3776900" y="1272123"/>
-            <a:ext cx="3257446" cy="707886"/>
+            <a:off x="4229301" y="5526902"/>
+            <a:ext cx="936104" cy="738664"/>
           </a:xfrm>
           <a:prstGeom prst="rect">
             <a:avLst/>
@@ -21899,83 +20925,63 @@
           </a:bodyPr>
           <a:lstStyle/>
           <a:p>
-            <a:r>
-              <a:rPr lang="en-US" sz="2000" dirty="0" smtClean="0">
-                <a:solidFill>
-                  <a:srgbClr val="C00000"/>
-                </a:solidFill>
-              </a:rPr>
-              <a:t>Ce </a:t>
-            </a:r>
-            <a:r>
-              <a:rPr lang="en-US" sz="2000" dirty="0" err="1" smtClean="0">
-                <a:solidFill>
-                  <a:srgbClr val="C00000"/>
-                </a:solidFill>
-              </a:rPr>
-              <a:t>Vidimo</a:t>
-            </a:r>
-            <a:r>
-              <a:rPr lang="en-US" sz="2000" dirty="0" smtClean="0">
-                <a:solidFill>
-                  <a:srgbClr val="C00000"/>
-                </a:solidFill>
-              </a:rPr>
-              <a:t> ! </a:t>
-            </a:r>
-            <a:r>
-              <a:rPr lang="en-US" sz="2000" dirty="0" err="1" smtClean="0">
-                <a:solidFill>
-                  <a:srgbClr val="C00000"/>
-                </a:solidFill>
-              </a:rPr>
-              <a:t>Moze</a:t>
-            </a:r>
-            <a:r>
-              <a:rPr lang="en-US" sz="2000" dirty="0" smtClean="0">
-                <a:solidFill>
-                  <a:srgbClr val="C00000"/>
-                </a:solidFill>
-              </a:rPr>
-              <a:t> a i ne </a:t>
-            </a:r>
-            <a:r>
-              <a:rPr lang="en-US" sz="2000" dirty="0" err="1" smtClean="0">
-                <a:solidFill>
-                  <a:srgbClr val="C00000"/>
-                </a:solidFill>
-              </a:rPr>
-              <a:t>mora</a:t>
-            </a:r>
-            <a:r>
-              <a:rPr lang="en-US" sz="2000" dirty="0" smtClean="0">
-                <a:solidFill>
-                  <a:srgbClr val="C00000"/>
-                </a:solidFill>
-              </a:rPr>
-              <a:t> bit! </a:t>
-            </a:r>
-            <a:r>
-              <a:rPr lang="en-US" sz="2000" dirty="0" smtClean="0">
-                <a:solidFill>
-                  <a:srgbClr val="C00000"/>
-                </a:solidFill>
-                <a:sym typeface="Wingdings" panose="05000000000000000000" pitchFamily="2" charset="2"/>
-              </a:rPr>
-              <a:t></a:t>
-            </a:r>
-            <a:endParaRPr lang="en-US" sz="2000" dirty="0">
-              <a:solidFill>
-                <a:srgbClr val="C00000"/>
-              </a:solidFill>
-            </a:endParaRPr>
+            <a:pPr algn="ctr"/>
+            <a:r>
+              <a:rPr lang="en-US" dirty="0" smtClean="0"/>
+              <a:t>Sign Up</a:t>
+            </a:r>
+            <a:r>
+              <a:rPr lang="en-US" dirty="0"/>
+              <a:t>	</a:t>
+            </a:r>
+          </a:p>
+          <a:p>
+            <a:endParaRPr lang="en-US" dirty="0"/>
+          </a:p>
+        </p:txBody>
+      </p:sp>
+      <p:sp>
+        <p:nvSpPr>
+          <p:cNvPr id="15" name="TextBox 14"/>
+          <p:cNvSpPr txBox="1"/>
+          <p:nvPr/>
+        </p:nvSpPr>
+        <p:spPr>
+          <a:xfrm>
+            <a:off x="6944442" y="5499668"/>
+            <a:ext cx="765048" cy="738664"/>
+          </a:xfrm>
+          <a:prstGeom prst="rect">
+            <a:avLst/>
+          </a:prstGeom>
+          <a:noFill/>
+        </p:spPr>
+        <p:txBody>
+          <a:bodyPr wrap="square" rtlCol="0">
+            <a:spAutoFit/>
+          </a:bodyPr>
+          <a:lstStyle/>
+          <a:p>
+            <a:pPr algn="ctr"/>
+            <a:r>
+              <a:rPr lang="en-US" dirty="0" smtClean="0"/>
+              <a:t>Sign In</a:t>
+            </a:r>
+            <a:r>
+              <a:rPr lang="en-US" dirty="0"/>
+              <a:t>	</a:t>
+            </a:r>
+          </a:p>
+          <a:p>
+            <a:pPr algn="ctr"/>
+            <a:endParaRPr lang="en-US" dirty="0"/>
           </a:p>
         </p:txBody>
       </p:sp>
     </p:spTree>
     <p:extLst>
       <p:ext uri="{BB962C8B-B14F-4D97-AF65-F5344CB8AC3E}">
-        <p14:creationId xmlns:p14="http://schemas.microsoft.com/office/powerpoint/2010/main" val="4001518454"/>
+        <p14:creationId xmlns:p14="http://schemas.microsoft.com/office/powerpoint/2010/main" val="3304435044"/>
       </p:ext>
     </p:extLst>
   </p:cSld>
@@ -22014,6 +21020,108 @@
       </p:grpSpPr>
       <p:sp>
         <p:nvSpPr>
+          <p:cNvPr id="3" name="Rounded Rectangle 2"/>
+          <p:cNvSpPr/>
+          <p:nvPr/>
+        </p:nvSpPr>
+        <p:spPr>
+          <a:xfrm>
+            <a:off x="3362339" y="1008318"/>
+            <a:ext cx="5688632" cy="4913678"/>
+          </a:xfrm>
+          <a:prstGeom prst="roundRect">
+            <a:avLst/>
+          </a:prstGeom>
+          <a:solidFill>
+            <a:schemeClr val="accent3">
+              <a:lumMod val="60000"/>
+              <a:lumOff val="40000"/>
+            </a:schemeClr>
+          </a:solidFill>
+        </p:spPr>
+        <p:style>
+          <a:lnRef idx="2">
+            <a:schemeClr val="accent1">
+              <a:shade val="50000"/>
+            </a:schemeClr>
+          </a:lnRef>
+          <a:fillRef idx="1">
+            <a:schemeClr val="accent1"/>
+          </a:fillRef>
+          <a:effectRef idx="0">
+            <a:schemeClr val="accent1"/>
+          </a:effectRef>
+          <a:fontRef idx="minor">
+            <a:schemeClr val="lt1"/>
+          </a:fontRef>
+        </p:style>
+        <p:txBody>
+          <a:bodyPr bIns="0" rtlCol="0" anchor="b"/>
+          <a:lstStyle/>
+          <a:p>
+            <a:pPr algn="ctr"/>
+            <a:r>
+              <a:rPr lang="en-US" sz="1800" dirty="0" smtClean="0">
+                <a:solidFill>
+                  <a:schemeClr val="accent5">
+                    <a:lumMod val="50000"/>
+                  </a:schemeClr>
+                </a:solidFill>
+              </a:rPr>
+              <a:t>Driver application</a:t>
+            </a:r>
+            <a:endParaRPr lang="en-US" sz="1800" dirty="0">
+              <a:solidFill>
+                <a:schemeClr val="accent5">
+                  <a:lumMod val="50000"/>
+                </a:schemeClr>
+              </a:solidFill>
+            </a:endParaRPr>
+          </a:p>
+        </p:txBody>
+      </p:sp>
+      <p:sp>
+        <p:nvSpPr>
+          <p:cNvPr id="2" name="Oval 1"/>
+          <p:cNvSpPr/>
+          <p:nvPr/>
+        </p:nvSpPr>
+        <p:spPr>
+          <a:xfrm>
+            <a:off x="185359" y="740031"/>
+            <a:ext cx="3537020" cy="5092823"/>
+          </a:xfrm>
+          <a:prstGeom prst="ellipse">
+            <a:avLst/>
+          </a:prstGeom>
+        </p:spPr>
+        <p:style>
+          <a:lnRef idx="2">
+            <a:schemeClr val="accent1">
+              <a:shade val="50000"/>
+            </a:schemeClr>
+          </a:lnRef>
+          <a:fillRef idx="1">
+            <a:schemeClr val="accent1"/>
+          </a:fillRef>
+          <a:effectRef idx="0">
+            <a:schemeClr val="accent1"/>
+          </a:effectRef>
+          <a:fontRef idx="minor">
+            <a:schemeClr val="lt1"/>
+          </a:fontRef>
+        </p:style>
+        <p:txBody>
+          <a:bodyPr rtlCol="0" anchor="ctr"/>
+          <a:lstStyle/>
+          <a:p>
+            <a:pPr algn="ctr"/>
+            <a:endParaRPr lang="en-US"/>
+          </a:p>
+        </p:txBody>
+      </p:sp>
+      <p:sp>
+        <p:nvSpPr>
           <p:cNvPr id="33" name="Shape 33"/>
           <p:cNvSpPr txBox="1">
             <a:spLocks noGrp="1"/>
@@ -22044,10 +21152,18 @@
                   <a:srgbClr val="003366"/>
                 </a:solidFill>
               </a:rPr>
-              <a:t>Specific requirements - </a:t>
-            </a:r>
-            <a:r>
-              <a:rPr lang="en-US" sz="3200" dirty="0" smtClean="0">
+              <a:t>Specific requirements</a:t>
+            </a:r>
+            <a:r>
+              <a:rPr lang="en-US" sz="2800" dirty="0">
+                <a:solidFill>
+                  <a:srgbClr val="003366"/>
+                </a:solidFill>
+              </a:rPr>
+              <a:t> - </a:t>
+            </a:r>
+            <a:r>
+              <a:rPr lang="en-US" sz="2800" dirty="0">
                 <a:solidFill>
                   <a:schemeClr val="accent1">
                     <a:lumMod val="50000"/>
@@ -22058,9 +21174,7 @@
             </a:r>
             <a:endParaRPr sz="3000" dirty="0">
               <a:solidFill>
-                <a:schemeClr val="accent1">
-                  <a:lumMod val="50000"/>
-                </a:schemeClr>
+                <a:srgbClr val="003366"/>
               </a:solidFill>
             </a:endParaRPr>
           </a:p>
@@ -22252,7 +21366,7 @@
               </a:spcBef>
               <a:buNone/>
             </a:pPr>
-            <a:endParaRPr sz="1300">
+            <a:endParaRPr sz="1300" dirty="0">
               <a:solidFill>
                 <a:srgbClr val="003366"/>
               </a:solidFill>
@@ -22262,7 +21376,7 @@
       </p:sp>
       <p:pic>
         <p:nvPicPr>
-          <p:cNvPr id="2051" name="Picture 3" descr="D:\FAX\SW2\SW2015\Mockups\1 Guest screen.png"/>
+          <p:cNvPr id="3074" name="Picture 2" descr="D:\FAX\SW2\SW2015\Mockups\4 Home screen.png"/>
           <p:cNvPicPr>
             <a:picLocks noChangeAspect="1" noChangeArrowheads="1"/>
           </p:cNvPicPr>
@@ -22283,8 +21397,8 @@
         </p:blipFill>
         <p:spPr bwMode="auto">
           <a:xfrm>
-            <a:off x="971600" y="980578"/>
-            <a:ext cx="2266931" cy="4320000"/>
+            <a:off x="842751" y="1080326"/>
+            <a:ext cx="2266930" cy="4320000"/>
           </a:xfrm>
           <a:prstGeom prst="rect">
             <a:avLst/>
@@ -22303,7 +21417,7 @@
       </p:pic>
       <p:pic>
         <p:nvPicPr>
-          <p:cNvPr id="2052" name="Picture 4" descr="D:\FAX\SW2\SW2015\Mockups\2 SignUp.png"/>
+          <p:cNvPr id="3075" name="Picture 3" descr="D:\FAX\SW2\SW2015\Mockups\7 HomeDriver.png"/>
           <p:cNvPicPr>
             <a:picLocks noChangeAspect="1" noChangeArrowheads="1"/>
           </p:cNvPicPr>
@@ -22324,8 +21438,8 @@
         </p:blipFill>
         <p:spPr bwMode="auto">
           <a:xfrm>
-            <a:off x="3563888" y="980728"/>
-            <a:ext cx="2266931" cy="4320000"/>
+            <a:off x="3961496" y="1080326"/>
+            <a:ext cx="2266930" cy="4320000"/>
           </a:xfrm>
           <a:prstGeom prst="rect">
             <a:avLst/>
@@ -22344,7 +21458,7 @@
       </p:pic>
       <p:pic>
         <p:nvPicPr>
-          <p:cNvPr id="2053" name="Picture 5" descr="D:\FAX\SW2\SW2015\Mockups\3 Sign In.png"/>
+          <p:cNvPr id="15" name="Picture 2" descr="D:\FAX\SW2\SW2015\Mockups\8 Popup.png"/>
           <p:cNvPicPr>
             <a:picLocks noChangeAspect="1" noChangeArrowheads="1"/>
           </p:cNvPicPr>
@@ -22365,8 +21479,8 @@
         </p:blipFill>
         <p:spPr bwMode="auto">
           <a:xfrm>
-            <a:off x="6193501" y="1006063"/>
-            <a:ext cx="2266931" cy="4320000"/>
+            <a:off x="6386675" y="1080326"/>
+            <a:ext cx="2266930" cy="4320000"/>
           </a:xfrm>
           <a:prstGeom prst="rect">
             <a:avLst/>
@@ -22385,14 +21499,14 @@
       </p:pic>
       <p:sp>
         <p:nvSpPr>
-          <p:cNvPr id="2" name="TextBox 1"/>
+          <p:cNvPr id="16" name="TextBox 15"/>
           <p:cNvSpPr txBox="1"/>
           <p:nvPr/>
         </p:nvSpPr>
         <p:spPr>
           <a:xfrm>
-            <a:off x="1551067" y="5499668"/>
-            <a:ext cx="1107996" cy="523220"/>
+            <a:off x="997813" y="5921996"/>
+            <a:ext cx="2064989" cy="307777"/>
           </a:xfrm>
           <a:prstGeom prst="rect">
             <a:avLst/>
@@ -22405,27 +21519,23 @@
           </a:bodyPr>
           <a:lstStyle/>
           <a:p>
-            <a:pPr algn="ctr"/>
             <a:r>
               <a:rPr lang="en-US" dirty="0"/>
-              <a:t>Initial page 	</a:t>
-            </a:r>
-          </a:p>
-          <a:p>
-            <a:endParaRPr lang="en-US" dirty="0"/>
+              <a:t>Passenger Home page </a:t>
+            </a:r>
           </a:p>
         </p:txBody>
       </p:sp>
       <p:sp>
         <p:nvSpPr>
-          <p:cNvPr id="14" name="TextBox 13"/>
+          <p:cNvPr id="17" name="TextBox 16"/>
           <p:cNvSpPr txBox="1"/>
           <p:nvPr/>
         </p:nvSpPr>
         <p:spPr>
           <a:xfrm>
-            <a:off x="4229301" y="5526902"/>
-            <a:ext cx="936104" cy="738664"/>
+            <a:off x="4251621" y="5921996"/>
+            <a:ext cx="1686679" cy="307777"/>
           </a:xfrm>
           <a:prstGeom prst="rect">
             <a:avLst/>
@@ -22433,36 +21543,29 @@
           <a:noFill/>
         </p:spPr>
         <p:txBody>
-          <a:bodyPr wrap="square" rtlCol="0">
+          <a:bodyPr wrap="none" rtlCol="0">
             <a:spAutoFit/>
           </a:bodyPr>
           <a:lstStyle/>
           <a:p>
             <a:pPr algn="ctr"/>
             <a:r>
-              <a:rPr lang="en-US" dirty="0" smtClean="0"/>
-              <a:t>Sign Up</a:t>
-            </a:r>
-            <a:r>
               <a:rPr lang="en-US" dirty="0"/>
-              <a:t>	</a:t>
-            </a:r>
-          </a:p>
-          <a:p>
-            <a:endParaRPr lang="en-US" dirty="0"/>
+              <a:t>Driver Home page </a:t>
+            </a:r>
           </a:p>
         </p:txBody>
       </p:sp>
       <p:sp>
         <p:nvSpPr>
-          <p:cNvPr id="15" name="TextBox 14"/>
+          <p:cNvPr id="18" name="TextBox 17"/>
           <p:cNvSpPr txBox="1"/>
           <p:nvPr/>
         </p:nvSpPr>
         <p:spPr>
           <a:xfrm>
-            <a:off x="6944442" y="5499668"/>
-            <a:ext cx="765048" cy="738664"/>
+            <a:off x="6731302" y="5921995"/>
+            <a:ext cx="1577676" cy="307777"/>
           </a:xfrm>
           <a:prstGeom prst="rect">
             <a:avLst/>
@@ -22470,31 +21573,22 @@
           <a:noFill/>
         </p:spPr>
         <p:txBody>
-          <a:bodyPr wrap="square" rtlCol="0">
+          <a:bodyPr wrap="none" rtlCol="0">
             <a:spAutoFit/>
           </a:bodyPr>
           <a:lstStyle/>
           <a:p>
-            <a:pPr algn="ctr"/>
-            <a:r>
-              <a:rPr lang="en-US" dirty="0" smtClean="0"/>
-              <a:t>Sign In</a:t>
-            </a:r>
             <a:r>
               <a:rPr lang="en-US" dirty="0"/>
-              <a:t>	</a:t>
-            </a:r>
-          </a:p>
-          <a:p>
-            <a:pPr algn="ctr"/>
-            <a:endParaRPr lang="en-US" dirty="0"/>
+              <a:t>Pop up message </a:t>
+            </a:r>
           </a:p>
         </p:txBody>
       </p:sp>
     </p:spTree>
     <p:extLst>
       <p:ext uri="{BB962C8B-B14F-4D97-AF65-F5344CB8AC3E}">
-        <p14:creationId xmlns:p14="http://schemas.microsoft.com/office/powerpoint/2010/main" val="3304435044"/>
+        <p14:creationId xmlns:p14="http://schemas.microsoft.com/office/powerpoint/2010/main" val="762104067"/>
       </p:ext>
     </p:extLst>
   </p:cSld>
